--- a/julianlueken.pptx
+++ b/julianlueken.pptx
@@ -18,8 +18,11 @@
     <p:sldId id="266" r:id="rId12"/>
     <p:sldId id="267" r:id="rId13"/>
     <p:sldId id="270" r:id="rId14"/>
-    <p:sldId id="269" r:id="rId15"/>
-    <p:sldId id="271" r:id="rId16"/>
+    <p:sldId id="272" r:id="rId15"/>
+    <p:sldId id="273" r:id="rId16"/>
+    <p:sldId id="274" r:id="rId17"/>
+    <p:sldId id="275" r:id="rId18"/>
+    <p:sldId id="271" r:id="rId19"/>
   </p:sldIdLst>
   <p:sldSz cx="12192000" cy="6858000"/>
   <p:notesSz cx="6858000" cy="9144000"/>
@@ -118,6 +121,11 @@
       </a:defRPr>
     </a:lvl9pPr>
   </p:defaultTextStyle>
+  <p:extLst>
+    <p:ext uri="{EFAFB233-063F-42B5-8137-9DF3F51BA10A}">
+      <p15:sldGuideLst xmlns:p15="http://schemas.microsoft.com/office/powerpoint/2012/main"/>
+    </p:ext>
+  </p:extLst>
 </p:presentation>
 </file>
 
@@ -252,7 +260,7 @@
           <a:p>
             <a:fld id="{DA3F6A26-0A3E-4729-AA5F-90F33F5A220B}" type="datetimeFigureOut">
               <a:rPr lang="de-DE" smtClean="0"/>
-              <a:t>08.03.2023</a:t>
+              <a:t>11.03.2023</a:t>
             </a:fld>
             <a:endParaRPr lang="de-DE"/>
           </a:p>
@@ -422,7 +430,7 @@
           <a:p>
             <a:fld id="{DA3F6A26-0A3E-4729-AA5F-90F33F5A220B}" type="datetimeFigureOut">
               <a:rPr lang="de-DE" smtClean="0"/>
-              <a:t>08.03.2023</a:t>
+              <a:t>11.03.2023</a:t>
             </a:fld>
             <a:endParaRPr lang="de-DE"/>
           </a:p>
@@ -602,7 +610,7 @@
           <a:p>
             <a:fld id="{DA3F6A26-0A3E-4729-AA5F-90F33F5A220B}" type="datetimeFigureOut">
               <a:rPr lang="de-DE" smtClean="0"/>
-              <a:t>08.03.2023</a:t>
+              <a:t>11.03.2023</a:t>
             </a:fld>
             <a:endParaRPr lang="de-DE"/>
           </a:p>
@@ -772,7 +780,7 @@
           <a:p>
             <a:fld id="{DA3F6A26-0A3E-4729-AA5F-90F33F5A220B}" type="datetimeFigureOut">
               <a:rPr lang="de-DE" smtClean="0"/>
-              <a:t>08.03.2023</a:t>
+              <a:t>11.03.2023</a:t>
             </a:fld>
             <a:endParaRPr lang="de-DE"/>
           </a:p>
@@ -1018,7 +1026,7 @@
           <a:p>
             <a:fld id="{DA3F6A26-0A3E-4729-AA5F-90F33F5A220B}" type="datetimeFigureOut">
               <a:rPr lang="de-DE" smtClean="0"/>
-              <a:t>08.03.2023</a:t>
+              <a:t>11.03.2023</a:t>
             </a:fld>
             <a:endParaRPr lang="de-DE"/>
           </a:p>
@@ -1250,7 +1258,7 @@
           <a:p>
             <a:fld id="{DA3F6A26-0A3E-4729-AA5F-90F33F5A220B}" type="datetimeFigureOut">
               <a:rPr lang="de-DE" smtClean="0"/>
-              <a:t>08.03.2023</a:t>
+              <a:t>11.03.2023</a:t>
             </a:fld>
             <a:endParaRPr lang="de-DE"/>
           </a:p>
@@ -1617,7 +1625,7 @@
           <a:p>
             <a:fld id="{DA3F6A26-0A3E-4729-AA5F-90F33F5A220B}" type="datetimeFigureOut">
               <a:rPr lang="de-DE" smtClean="0"/>
-              <a:t>08.03.2023</a:t>
+              <a:t>11.03.2023</a:t>
             </a:fld>
             <a:endParaRPr lang="de-DE"/>
           </a:p>
@@ -1735,7 +1743,7 @@
           <a:p>
             <a:fld id="{DA3F6A26-0A3E-4729-AA5F-90F33F5A220B}" type="datetimeFigureOut">
               <a:rPr lang="de-DE" smtClean="0"/>
-              <a:t>08.03.2023</a:t>
+              <a:t>11.03.2023</a:t>
             </a:fld>
             <a:endParaRPr lang="de-DE"/>
           </a:p>
@@ -1830,7 +1838,7 @@
           <a:p>
             <a:fld id="{DA3F6A26-0A3E-4729-AA5F-90F33F5A220B}" type="datetimeFigureOut">
               <a:rPr lang="de-DE" smtClean="0"/>
-              <a:t>08.03.2023</a:t>
+              <a:t>11.03.2023</a:t>
             </a:fld>
             <a:endParaRPr lang="de-DE"/>
           </a:p>
@@ -2107,7 +2115,7 @@
           <a:p>
             <a:fld id="{DA3F6A26-0A3E-4729-AA5F-90F33F5A220B}" type="datetimeFigureOut">
               <a:rPr lang="de-DE" smtClean="0"/>
-              <a:t>08.03.2023</a:t>
+              <a:t>11.03.2023</a:t>
             </a:fld>
             <a:endParaRPr lang="de-DE"/>
           </a:p>
@@ -2364,7 +2372,7 @@
           <a:p>
             <a:fld id="{DA3F6A26-0A3E-4729-AA5F-90F33F5A220B}" type="datetimeFigureOut">
               <a:rPr lang="de-DE" smtClean="0"/>
-              <a:t>08.03.2023</a:t>
+              <a:t>11.03.2023</a:t>
             </a:fld>
             <a:endParaRPr lang="de-DE"/>
           </a:p>
@@ -2577,7 +2585,7 @@
           <a:p>
             <a:fld id="{DA3F6A26-0A3E-4729-AA5F-90F33F5A220B}" type="datetimeFigureOut">
               <a:rPr lang="de-DE" smtClean="0"/>
-              <a:t>08.03.2023</a:t>
+              <a:t>11.03.2023</a:t>
             </a:fld>
             <a:endParaRPr lang="de-DE"/>
           </a:p>
@@ -3480,30 +3488,6 @@
           <a:chExt cx="0" cy="0"/>
         </a:xfrm>
       </p:grpSpPr>
-      <p:pic>
-        <p:nvPicPr>
-          <p:cNvPr id="8" name="Grafik 7"/>
-          <p:cNvPicPr>
-            <a:picLocks noChangeAspect="1"/>
-          </p:cNvPicPr>
-          <p:nvPr/>
-        </p:nvPicPr>
-        <p:blipFill>
-          <a:blip r:embed="rId2"/>
-          <a:stretch>
-            <a:fillRect/>
-          </a:stretch>
-        </p:blipFill>
-        <p:spPr>
-          <a:xfrm rot="936162">
-            <a:off x="7021153" y="1268379"/>
-            <a:ext cx="3581981" cy="1559084"/>
-          </a:xfrm>
-          <a:prstGeom prst="rect">
-            <a:avLst/>
-          </a:prstGeom>
-        </p:spPr>
-      </p:pic>
       <p:sp>
         <p:nvSpPr>
           <p:cNvPr id="5" name="Textfeld 4"/>
@@ -3547,7 +3531,7 @@
           <p:nvPr/>
         </p:nvPicPr>
         <p:blipFill>
-          <a:blip r:embed="rId3"/>
+          <a:blip r:embed="rId2"/>
           <a:stretch>
             <a:fillRect/>
           </a:stretch>
@@ -3571,14 +3555,14 @@
           <p:nvPr/>
         </p:nvPicPr>
         <p:blipFill>
-          <a:blip r:embed="rId4"/>
+          <a:blip r:embed="rId3"/>
           <a:stretch>
             <a:fillRect/>
           </a:stretch>
         </p:blipFill>
         <p:spPr>
           <a:xfrm>
-            <a:off x="6274878" y="3380402"/>
+            <a:off x="6341990" y="2035775"/>
             <a:ext cx="5074530" cy="643898"/>
           </a:xfrm>
           <a:prstGeom prst="rect">
@@ -3594,7 +3578,7 @@
         </p:nvSpPr>
         <p:spPr>
           <a:xfrm>
-            <a:off x="6274878" y="4560272"/>
+            <a:off x="6341990" y="3215645"/>
             <a:ext cx="4807380" cy="923330"/>
           </a:xfrm>
           <a:prstGeom prst="rect">
@@ -3733,7 +3717,7 @@
         </p:nvSpPr>
         <p:spPr>
           <a:xfrm>
-            <a:off x="6274878" y="2497940"/>
+            <a:off x="6341990" y="1153313"/>
             <a:ext cx="4807380" cy="369332"/>
           </a:xfrm>
           <a:prstGeom prst="rect">
@@ -3768,7 +3752,7 @@
         </p:nvSpPr>
         <p:spPr>
           <a:xfrm rot="5400000">
-            <a:off x="5723218" y="2319410"/>
+            <a:off x="5521882" y="2118442"/>
             <a:ext cx="247828" cy="478564"/>
           </a:xfrm>
           <a:prstGeom prst="upArrow">
@@ -4231,7 +4215,15 @@
           <a:p>
             <a:r>
               <a:rPr lang="de-DE" dirty="0" err="1" smtClean="0"/>
-              <a:t>Result</a:t>
+              <a:t>Resulting</a:t>
+            </a:r>
+            <a:r>
+              <a:rPr lang="de-DE" dirty="0" smtClean="0"/>
+              <a:t> </a:t>
+            </a:r>
+            <a:r>
+              <a:rPr lang="de-DE" dirty="0" err="1" smtClean="0"/>
+              <a:t>surfaces</a:t>
             </a:r>
             <a:endParaRPr lang="de-DE" dirty="0"/>
           </a:p>
@@ -4291,19 +4283,15 @@
           <a:p>
             <a:r>
               <a:rPr lang="de-DE" dirty="0" err="1" smtClean="0"/>
-              <a:t>Cooling</a:t>
-            </a:r>
-            <a:r>
-              <a:rPr lang="de-DE" dirty="0" smtClean="0"/>
-              <a:t> Design </a:t>
-            </a:r>
-            <a:r>
-              <a:rPr lang="de-DE" dirty="0" err="1" smtClean="0"/>
-              <a:t>Process</a:t>
-            </a:r>
-            <a:r>
-              <a:rPr lang="de-DE" dirty="0" smtClean="0"/>
-              <a:t> Chain</a:t>
+              <a:t>Resulting</a:t>
+            </a:r>
+            <a:r>
+              <a:rPr lang="de-DE" dirty="0" smtClean="0"/>
+              <a:t> </a:t>
+            </a:r>
+            <a:r>
+              <a:rPr lang="de-DE" dirty="0" err="1" smtClean="0"/>
+              <a:t>solids</a:t>
             </a:r>
             <a:endParaRPr lang="de-DE" dirty="0"/>
           </a:p>
@@ -4311,7 +4299,7 @@
       </p:sp>
       <p:pic>
         <p:nvPicPr>
-          <p:cNvPr id="4" name="Grafik 3"/>
+          <p:cNvPr id="3" name="Grafik 2"/>
           <p:cNvPicPr>
             <a:picLocks noChangeAspect="1"/>
           </p:cNvPicPr>
@@ -4325,66 +4313,18 @@
         </p:blipFill>
         <p:spPr>
           <a:xfrm>
-            <a:off x="962092" y="1690688"/>
-            <a:ext cx="9789321" cy="4464662"/>
+            <a:off x="342900" y="1388251"/>
+            <a:ext cx="12058650" cy="4784794"/>
           </a:xfrm>
           <a:prstGeom prst="rect">
             <a:avLst/>
           </a:prstGeom>
         </p:spPr>
       </p:pic>
-      <p:sp>
-        <p:nvSpPr>
-          <p:cNvPr id="5" name="Rechteck 4"/>
-          <p:cNvSpPr/>
-          <p:nvPr/>
-        </p:nvSpPr>
-        <p:spPr>
-          <a:xfrm>
-            <a:off x="9664117" y="5444455"/>
-            <a:ext cx="981512" cy="710895"/>
-          </a:xfrm>
-          <a:prstGeom prst="rect">
-            <a:avLst/>
-          </a:prstGeom>
-          <a:solidFill>
-            <a:schemeClr val="bg1"/>
-          </a:solidFill>
-          <a:ln>
-            <a:solidFill>
-              <a:schemeClr val="bg1"/>
-            </a:solidFill>
-          </a:ln>
-        </p:spPr>
-        <p:style>
-          <a:lnRef idx="2">
-            <a:schemeClr val="accent1">
-              <a:shade val="50000"/>
-            </a:schemeClr>
-          </a:lnRef>
-          <a:fillRef idx="1">
-            <a:schemeClr val="accent1"/>
-          </a:fillRef>
-          <a:effectRef idx="0">
-            <a:schemeClr val="accent1"/>
-          </a:effectRef>
-          <a:fontRef idx="minor">
-            <a:schemeClr val="lt1"/>
-          </a:fontRef>
-        </p:style>
-        <p:txBody>
-          <a:bodyPr rtlCol="0" anchor="ctr"/>
-          <a:lstStyle/>
-          <a:p>
-            <a:pPr algn="ctr"/>
-            <a:endParaRPr lang="de-DE"/>
-          </a:p>
-        </p:txBody>
-      </p:sp>
     </p:spTree>
     <p:extLst>
       <p:ext uri="{BB962C8B-B14F-4D97-AF65-F5344CB8AC3E}">
-        <p14:creationId xmlns:p14="http://schemas.microsoft.com/office/powerpoint/2010/main" val="1275242982"/>
+        <p14:creationId xmlns:p14="http://schemas.microsoft.com/office/powerpoint/2010/main" val="439313974"/>
       </p:ext>
     </p:extLst>
   </p:cSld>
@@ -4434,22 +4374,112 @@
           <a:lstStyle/>
           <a:p>
             <a:r>
-              <a:rPr lang="de-DE" dirty="0" smtClean="0"/>
-              <a:t>Also </a:t>
-            </a:r>
-            <a:r>
-              <a:rPr lang="de-DE" dirty="0" err="1" smtClean="0"/>
-              <a:t>about</a:t>
-            </a:r>
-            <a:r>
-              <a:rPr lang="de-DE" dirty="0" smtClean="0"/>
-              <a:t> </a:t>
-            </a:r>
-            <a:r>
-              <a:rPr lang="de-DE" dirty="0" err="1" smtClean="0"/>
-              <a:t>me</a:t>
+              <a:rPr lang="de-DE" dirty="0" err="1" smtClean="0"/>
+              <a:t>Resulting</a:t>
+            </a:r>
+            <a:r>
+              <a:rPr lang="de-DE" dirty="0" smtClean="0"/>
+              <a:t> CFD Simulation</a:t>
             </a:r>
             <a:endParaRPr lang="de-DE" dirty="0"/>
+          </a:p>
+        </p:txBody>
+      </p:sp>
+      <p:pic>
+        <p:nvPicPr>
+          <p:cNvPr id="3" name="Grafik 2"/>
+          <p:cNvPicPr>
+            <a:picLocks noChangeAspect="1"/>
+          </p:cNvPicPr>
+          <p:nvPr/>
+        </p:nvPicPr>
+        <p:blipFill>
+          <a:blip r:embed="rId2"/>
+          <a:stretch>
+            <a:fillRect/>
+          </a:stretch>
+        </p:blipFill>
+        <p:spPr>
+          <a:xfrm>
+            <a:off x="500339" y="1502959"/>
+            <a:ext cx="11191321" cy="4368574"/>
+          </a:xfrm>
+          <a:prstGeom prst="rect">
+            <a:avLst/>
+          </a:prstGeom>
+        </p:spPr>
+      </p:pic>
+    </p:spTree>
+    <p:extLst>
+      <p:ext uri="{BB962C8B-B14F-4D97-AF65-F5344CB8AC3E}">
+        <p14:creationId xmlns:p14="http://schemas.microsoft.com/office/powerpoint/2010/main" val="665684014"/>
+      </p:ext>
+    </p:extLst>
+  </p:cSld>
+  <p:clrMapOvr>
+    <a:masterClrMapping/>
+  </p:clrMapOvr>
+  <p:timing>
+    <p:tnLst>
+      <p:par>
+        <p:cTn id="1" dur="indefinite" restart="never" nodeType="tmRoot"/>
+      </p:par>
+    </p:tnLst>
+  </p:timing>
+</p:sld>
+</file>
+
+<file path=ppt/slides/slide16.xml><?xml version="1.0" encoding="utf-8"?>
+<p:sld xmlns:a="http://schemas.openxmlformats.org/drawingml/2006/main" xmlns:r="http://schemas.openxmlformats.org/officeDocument/2006/relationships" xmlns:p="http://schemas.openxmlformats.org/presentationml/2006/main">
+  <p:cSld>
+    <p:spTree>
+      <p:nvGrpSpPr>
+        <p:cNvPr id="1" name=""/>
+        <p:cNvGrpSpPr/>
+        <p:nvPr/>
+      </p:nvGrpSpPr>
+      <p:grpSpPr>
+        <a:xfrm>
+          <a:off x="0" y="0"/>
+          <a:ext cx="0" cy="0"/>
+          <a:chOff x="0" y="0"/>
+          <a:chExt cx="0" cy="0"/>
+        </a:xfrm>
+      </p:grpSpPr>
+      <p:sp>
+        <p:nvSpPr>
+          <p:cNvPr id="2" name="Titel 1"/>
+          <p:cNvSpPr>
+            <a:spLocks noGrp="1"/>
+          </p:cNvSpPr>
+          <p:nvPr>
+            <p:ph type="title"/>
+          </p:nvPr>
+        </p:nvSpPr>
+        <p:spPr/>
+        <p:txBody>
+          <a:bodyPr>
+            <a:normAutofit/>
+          </a:bodyPr>
+          <a:lstStyle/>
+          <a:p>
+            <a:r>
+              <a:rPr lang="de-DE" sz="3600" dirty="0" smtClean="0"/>
+              <a:t>Computer </a:t>
+            </a:r>
+            <a:r>
+              <a:rPr lang="de-DE" sz="3600" dirty="0" err="1" smtClean="0"/>
+              <a:t>Tomography</a:t>
+            </a:r>
+            <a:r>
+              <a:rPr lang="de-DE" sz="3600" dirty="0" smtClean="0"/>
+              <a:t> in 2D – The Radon </a:t>
+            </a:r>
+            <a:r>
+              <a:rPr lang="de-DE" sz="3600" dirty="0" err="1" smtClean="0"/>
+              <a:t>transform</a:t>
+            </a:r>
+            <a:endParaRPr lang="de-DE" sz="3600" dirty="0"/>
           </a:p>
         </p:txBody>
       </p:sp>
@@ -4463,22 +4493,687 @@
             <p:ph idx="1"/>
           </p:nvPr>
         </p:nvSpPr>
+        <p:spPr>
+          <a:xfrm>
+            <a:off x="838200" y="1690688"/>
+            <a:ext cx="10515600" cy="4351338"/>
+          </a:xfrm>
+        </p:spPr>
+        <p:txBody>
+          <a:bodyPr>
+            <a:normAutofit/>
+          </a:bodyPr>
+          <a:lstStyle/>
+          <a:p>
+            <a:pPr marL="0" indent="0">
+              <a:buNone/>
+            </a:pPr>
+            <a:r>
+              <a:rPr lang="de-DE" sz="2400" dirty="0" smtClean="0"/>
+              <a:t>X-</a:t>
+            </a:r>
+            <a:r>
+              <a:rPr lang="de-DE" sz="2400" dirty="0" err="1" smtClean="0"/>
+              <a:t>rays</a:t>
+            </a:r>
+            <a:r>
+              <a:rPr lang="de-DE" sz="2400" dirty="0" smtClean="0"/>
+              <a:t> </a:t>
+            </a:r>
+            <a:r>
+              <a:rPr lang="de-DE" sz="2400" dirty="0" err="1" smtClean="0"/>
+              <a:t>traversing</a:t>
+            </a:r>
+            <a:r>
+              <a:rPr lang="de-DE" sz="2400" dirty="0" smtClean="0"/>
+              <a:t> a </a:t>
+            </a:r>
+            <a:r>
+              <a:rPr lang="de-DE" sz="2400" dirty="0" err="1" smtClean="0"/>
+              <a:t>small</a:t>
+            </a:r>
+            <a:r>
+              <a:rPr lang="de-DE" sz="2400" dirty="0" smtClean="0"/>
+              <a:t> </a:t>
+            </a:r>
+            <a:r>
+              <a:rPr lang="de-DE" sz="2400" dirty="0" err="1" smtClean="0"/>
+              <a:t>distance</a:t>
+            </a:r>
+            <a:r>
+              <a:rPr lang="de-DE" sz="2400" dirty="0" smtClean="0"/>
+              <a:t> </a:t>
+            </a:r>
+            <a:r>
+              <a:rPr lang="de-DE" sz="2400" dirty="0" err="1" smtClean="0"/>
+              <a:t>suffer</a:t>
+            </a:r>
+            <a:r>
+              <a:rPr lang="de-DE" sz="2400" dirty="0" smtClean="0"/>
+              <a:t> a relative </a:t>
+            </a:r>
+            <a:r>
+              <a:rPr lang="de-DE" sz="2400" dirty="0" err="1" smtClean="0"/>
+              <a:t>intensity</a:t>
+            </a:r>
+            <a:r>
+              <a:rPr lang="de-DE" sz="2400" dirty="0" smtClean="0"/>
+              <a:t> </a:t>
+            </a:r>
+            <a:r>
+              <a:rPr lang="de-DE" sz="2400" dirty="0" err="1" smtClean="0"/>
+              <a:t>loss</a:t>
+            </a:r>
+            <a:r>
+              <a:rPr lang="de-DE" sz="2400" dirty="0"/>
+              <a:t>:</a:t>
+            </a:r>
+            <a:endParaRPr lang="de-DE" sz="2400" dirty="0" smtClean="0"/>
+          </a:p>
+          <a:p>
+            <a:pPr marL="0" indent="0">
+              <a:buNone/>
+            </a:pPr>
+            <a:r>
+              <a:rPr lang="de-DE" sz="2400" dirty="0" smtClean="0"/>
+              <a:t>Beam </a:t>
+            </a:r>
+            <a:r>
+              <a:rPr lang="de-DE" sz="2400" dirty="0" err="1" smtClean="0"/>
+              <a:t>is</a:t>
+            </a:r>
+            <a:r>
+              <a:rPr lang="de-DE" sz="2400" dirty="0" smtClean="0"/>
+              <a:t> </a:t>
+            </a:r>
+            <a:r>
+              <a:rPr lang="de-DE" sz="2400" dirty="0" err="1" smtClean="0"/>
+              <a:t>strongly</a:t>
+            </a:r>
+            <a:r>
+              <a:rPr lang="de-DE" sz="2400" dirty="0" smtClean="0"/>
+              <a:t> </a:t>
+            </a:r>
+            <a:r>
+              <a:rPr lang="de-DE" sz="2400" dirty="0" err="1" smtClean="0"/>
+              <a:t>focused</a:t>
+            </a:r>
+            <a:r>
+              <a:rPr lang="de-DE" sz="2400" dirty="0" smtClean="0"/>
+              <a:t> </a:t>
+            </a:r>
+            <a:r>
+              <a:rPr lang="de-DE" sz="2400" dirty="0" smtClean="0">
+                <a:sym typeface="Wingdings" panose="05000000000000000000" pitchFamily="2" charset="2"/>
+              </a:rPr>
+              <a:t> </a:t>
+            </a:r>
+            <a:r>
+              <a:rPr lang="de-DE" sz="2400" dirty="0" err="1" smtClean="0">
+                <a:sym typeface="Wingdings" panose="05000000000000000000" pitchFamily="2" charset="2"/>
+              </a:rPr>
+              <a:t>Assume</a:t>
+            </a:r>
+            <a:r>
+              <a:rPr lang="de-DE" sz="2400" dirty="0" smtClean="0">
+                <a:sym typeface="Wingdings" panose="05000000000000000000" pitchFamily="2" charset="2"/>
+              </a:rPr>
+              <a:t> </a:t>
+            </a:r>
+            <a:r>
+              <a:rPr lang="de-DE" sz="2400" dirty="0" err="1" smtClean="0">
+                <a:sym typeface="Wingdings" panose="05000000000000000000" pitchFamily="2" charset="2"/>
+              </a:rPr>
+              <a:t>line</a:t>
+            </a:r>
+            <a:r>
+              <a:rPr lang="de-DE" sz="2400" dirty="0" smtClean="0">
+                <a:sym typeface="Wingdings" panose="05000000000000000000" pitchFamily="2" charset="2"/>
+              </a:rPr>
+              <a:t>:</a:t>
+            </a:r>
+          </a:p>
+          <a:p>
+            <a:endParaRPr lang="de-DE" sz="2400" dirty="0">
+              <a:sym typeface="Wingdings" panose="05000000000000000000" pitchFamily="2" charset="2"/>
+            </a:endParaRPr>
+          </a:p>
+          <a:p>
+            <a:pPr marL="0" indent="0">
+              <a:buNone/>
+            </a:pPr>
+            <a:r>
+              <a:rPr lang="de-DE" sz="2400" dirty="0" smtClean="0">
+                <a:sym typeface="Wingdings" panose="05000000000000000000" pitchFamily="2" charset="2"/>
+              </a:rPr>
+              <a:t>Set </a:t>
+            </a:r>
+            <a:r>
+              <a:rPr lang="de-DE" sz="2400" dirty="0" err="1" smtClean="0">
+                <a:sym typeface="Wingdings" panose="05000000000000000000" pitchFamily="2" charset="2"/>
+              </a:rPr>
+              <a:t>up</a:t>
+            </a:r>
+            <a:r>
+              <a:rPr lang="de-DE" sz="2400" dirty="0" smtClean="0">
+                <a:sym typeface="Wingdings" panose="05000000000000000000" pitchFamily="2" charset="2"/>
+              </a:rPr>
+              <a:t> differential </a:t>
+            </a:r>
+            <a:r>
+              <a:rPr lang="de-DE" sz="2400" dirty="0" err="1" smtClean="0">
+                <a:sym typeface="Wingdings" panose="05000000000000000000" pitchFamily="2" charset="2"/>
+              </a:rPr>
+              <a:t>equation</a:t>
+            </a:r>
+            <a:r>
+              <a:rPr lang="de-DE" sz="2400" dirty="0" smtClean="0">
+                <a:sym typeface="Wingdings" panose="05000000000000000000" pitchFamily="2" charset="2"/>
+              </a:rPr>
+              <a:t>:</a:t>
+            </a:r>
+          </a:p>
+          <a:p>
+            <a:endParaRPr lang="de-DE" sz="2400" dirty="0">
+              <a:sym typeface="Wingdings" panose="05000000000000000000" pitchFamily="2" charset="2"/>
+            </a:endParaRPr>
+          </a:p>
+          <a:p>
+            <a:pPr marL="0" indent="0">
+              <a:buNone/>
+            </a:pPr>
+            <a:r>
+              <a:rPr lang="de-DE" sz="2400" dirty="0" err="1" smtClean="0">
+                <a:sym typeface="Wingdings" panose="05000000000000000000" pitchFamily="2" charset="2"/>
+              </a:rPr>
+              <a:t>Integrate</a:t>
+            </a:r>
+            <a:r>
+              <a:rPr lang="de-DE" sz="2400" dirty="0" smtClean="0">
+                <a:sym typeface="Wingdings" panose="05000000000000000000" pitchFamily="2" charset="2"/>
+              </a:rPr>
+              <a:t> </a:t>
+            </a:r>
+            <a:r>
+              <a:rPr lang="de-DE" sz="2400" dirty="0" err="1" smtClean="0">
+                <a:sym typeface="Wingdings" panose="05000000000000000000" pitchFamily="2" charset="2"/>
+              </a:rPr>
+              <a:t>along</a:t>
+            </a:r>
+            <a:r>
+              <a:rPr lang="de-DE" sz="2400" dirty="0" smtClean="0">
+                <a:sym typeface="Wingdings" panose="05000000000000000000" pitchFamily="2" charset="2"/>
+              </a:rPr>
+              <a:t> </a:t>
+            </a:r>
+            <a:r>
+              <a:rPr lang="de-DE" sz="2400" dirty="0" err="1" smtClean="0">
+                <a:sym typeface="Wingdings" panose="05000000000000000000" pitchFamily="2" charset="2"/>
+              </a:rPr>
+              <a:t>line</a:t>
+            </a:r>
+            <a:r>
+              <a:rPr lang="de-DE" sz="2400" dirty="0" smtClean="0">
+                <a:sym typeface="Wingdings" panose="05000000000000000000" pitchFamily="2" charset="2"/>
+              </a:rPr>
+              <a:t> </a:t>
+            </a:r>
+            <a:r>
+              <a:rPr lang="de-DE" sz="2400" dirty="0" err="1" smtClean="0">
+                <a:sym typeface="Wingdings" panose="05000000000000000000" pitchFamily="2" charset="2"/>
+              </a:rPr>
+              <a:t>to</a:t>
+            </a:r>
+            <a:r>
+              <a:rPr lang="de-DE" sz="2400" dirty="0" smtClean="0">
+                <a:sym typeface="Wingdings" panose="05000000000000000000" pitchFamily="2" charset="2"/>
+              </a:rPr>
+              <a:t> find:</a:t>
+            </a:r>
+            <a:endParaRPr lang="de-DE" sz="2400" dirty="0">
+              <a:sym typeface="Wingdings" panose="05000000000000000000" pitchFamily="2" charset="2"/>
+            </a:endParaRPr>
+          </a:p>
+          <a:p>
+            <a:endParaRPr lang="de-DE" sz="2400" dirty="0" smtClean="0">
+              <a:sym typeface="Wingdings" panose="05000000000000000000" pitchFamily="2" charset="2"/>
+            </a:endParaRPr>
+          </a:p>
+          <a:p>
+            <a:endParaRPr lang="de-DE" sz="2400" dirty="0">
+              <a:sym typeface="Wingdings" panose="05000000000000000000" pitchFamily="2" charset="2"/>
+            </a:endParaRPr>
+          </a:p>
+          <a:p>
+            <a:pPr marL="0" indent="0">
+              <a:buNone/>
+            </a:pPr>
+            <a:r>
+              <a:rPr lang="de-DE" sz="2400" dirty="0" err="1" smtClean="0">
+                <a:sym typeface="Wingdings" panose="05000000000000000000" pitchFamily="2" charset="2"/>
+              </a:rPr>
+              <a:t>Which</a:t>
+            </a:r>
+            <a:r>
+              <a:rPr lang="de-DE" sz="2400" dirty="0" smtClean="0">
+                <a:sym typeface="Wingdings" panose="05000000000000000000" pitchFamily="2" charset="2"/>
+              </a:rPr>
+              <a:t> </a:t>
+            </a:r>
+            <a:r>
+              <a:rPr lang="de-DE" sz="2400" dirty="0" err="1" smtClean="0">
+                <a:sym typeface="Wingdings" panose="05000000000000000000" pitchFamily="2" charset="2"/>
+              </a:rPr>
+              <a:t>is</a:t>
+            </a:r>
+            <a:r>
+              <a:rPr lang="de-DE" sz="2400" dirty="0" smtClean="0">
+                <a:sym typeface="Wingdings" panose="05000000000000000000" pitchFamily="2" charset="2"/>
+              </a:rPr>
+              <a:t> </a:t>
+            </a:r>
+            <a:r>
+              <a:rPr lang="de-DE" sz="2400" dirty="0" err="1" smtClean="0">
+                <a:sym typeface="Wingdings" panose="05000000000000000000" pitchFamily="2" charset="2"/>
+              </a:rPr>
+              <a:t>where</a:t>
+            </a:r>
+            <a:r>
+              <a:rPr lang="de-DE" sz="2400" dirty="0" smtClean="0">
+                <a:sym typeface="Wingdings" panose="05000000000000000000" pitchFamily="2" charset="2"/>
+              </a:rPr>
+              <a:t> </a:t>
+            </a:r>
+            <a:r>
+              <a:rPr lang="de-DE" sz="2400" dirty="0" err="1" smtClean="0">
+                <a:sym typeface="Wingdings" panose="05000000000000000000" pitchFamily="2" charset="2"/>
+              </a:rPr>
+              <a:t>we</a:t>
+            </a:r>
+            <a:r>
+              <a:rPr lang="de-DE" sz="2400" dirty="0" smtClean="0">
+                <a:sym typeface="Wingdings" panose="05000000000000000000" pitchFamily="2" charset="2"/>
+              </a:rPr>
+              <a:t> </a:t>
+            </a:r>
+            <a:r>
+              <a:rPr lang="de-DE" sz="2400" dirty="0" err="1" smtClean="0">
+                <a:sym typeface="Wingdings" panose="05000000000000000000" pitchFamily="2" charset="2"/>
+              </a:rPr>
+              <a:t>get</a:t>
+            </a:r>
+            <a:r>
+              <a:rPr lang="de-DE" sz="2400" dirty="0" smtClean="0">
+                <a:sym typeface="Wingdings" panose="05000000000000000000" pitchFamily="2" charset="2"/>
+              </a:rPr>
+              <a:t> </a:t>
+            </a:r>
+            <a:r>
+              <a:rPr lang="de-DE" sz="2400" dirty="0" err="1" smtClean="0">
+                <a:sym typeface="Wingdings" panose="05000000000000000000" pitchFamily="2" charset="2"/>
+              </a:rPr>
+              <a:t>the</a:t>
+            </a:r>
+            <a:r>
+              <a:rPr lang="de-DE" sz="2400" dirty="0" smtClean="0">
+                <a:sym typeface="Wingdings" panose="05000000000000000000" pitchFamily="2" charset="2"/>
+              </a:rPr>
+              <a:t> </a:t>
+            </a:r>
+            <a:r>
+              <a:rPr lang="de-DE" sz="2400" b="1" dirty="0" smtClean="0">
+                <a:sym typeface="Wingdings" panose="05000000000000000000" pitchFamily="2" charset="2"/>
+              </a:rPr>
+              <a:t>Radon </a:t>
+            </a:r>
+            <a:r>
+              <a:rPr lang="de-DE" sz="2400" b="1" dirty="0" err="1" smtClean="0">
+                <a:sym typeface="Wingdings" panose="05000000000000000000" pitchFamily="2" charset="2"/>
+              </a:rPr>
+              <a:t>transform</a:t>
+            </a:r>
+            <a:r>
+              <a:rPr lang="de-DE" sz="2400" b="1" dirty="0" smtClean="0">
+                <a:sym typeface="Wingdings" panose="05000000000000000000" pitchFamily="2" charset="2"/>
+              </a:rPr>
+              <a:t> R </a:t>
+            </a:r>
+            <a:r>
+              <a:rPr lang="de-DE" sz="2400" dirty="0" err="1" smtClean="0">
+                <a:sym typeface="Wingdings" panose="05000000000000000000" pitchFamily="2" charset="2"/>
+              </a:rPr>
+              <a:t>from</a:t>
+            </a:r>
+            <a:r>
+              <a:rPr lang="de-DE" sz="2400" dirty="0" smtClean="0">
+                <a:sym typeface="Wingdings" panose="05000000000000000000" pitchFamily="2" charset="2"/>
+              </a:rPr>
+              <a:t>:</a:t>
+            </a:r>
+          </a:p>
+          <a:p>
+            <a:pPr marL="0" indent="0">
+              <a:buNone/>
+            </a:pPr>
+            <a:endParaRPr lang="de-DE" sz="2400" dirty="0" smtClean="0">
+              <a:sym typeface="Wingdings" panose="05000000000000000000" pitchFamily="2" charset="2"/>
+            </a:endParaRPr>
+          </a:p>
+        </p:txBody>
+      </p:sp>
+      <p:pic>
+        <p:nvPicPr>
+          <p:cNvPr id="4" name="Grafik 3"/>
+          <p:cNvPicPr>
+            <a:picLocks noChangeAspect="1"/>
+          </p:cNvPicPr>
+          <p:nvPr/>
+        </p:nvPicPr>
+        <p:blipFill>
+          <a:blip r:embed="rId2"/>
+          <a:stretch>
+            <a:fillRect/>
+          </a:stretch>
+        </p:blipFill>
+        <p:spPr>
+          <a:xfrm>
+            <a:off x="9107351" y="1590676"/>
+            <a:ext cx="1952898" cy="800212"/>
+          </a:xfrm>
+          <a:prstGeom prst="rect">
+            <a:avLst/>
+          </a:prstGeom>
+        </p:spPr>
+      </p:pic>
+      <p:pic>
+        <p:nvPicPr>
+          <p:cNvPr id="5" name="Grafik 4"/>
+          <p:cNvPicPr>
+            <a:picLocks noChangeAspect="1"/>
+          </p:cNvPicPr>
+          <p:nvPr/>
+        </p:nvPicPr>
+        <p:blipFill>
+          <a:blip r:embed="rId3"/>
+          <a:stretch>
+            <a:fillRect/>
+          </a:stretch>
+        </p:blipFill>
+        <p:spPr>
+          <a:xfrm>
+            <a:off x="6168479" y="2425813"/>
+            <a:ext cx="3915321" cy="600159"/>
+          </a:xfrm>
+          <a:prstGeom prst="rect">
+            <a:avLst/>
+          </a:prstGeom>
+        </p:spPr>
+      </p:pic>
+      <p:pic>
+        <p:nvPicPr>
+          <p:cNvPr id="6" name="Grafik 5"/>
+          <p:cNvPicPr>
+            <a:picLocks noChangeAspect="1"/>
+          </p:cNvPicPr>
+          <p:nvPr/>
+        </p:nvPicPr>
+        <p:blipFill>
+          <a:blip r:embed="rId4"/>
+          <a:stretch>
+            <a:fillRect/>
+          </a:stretch>
+        </p:blipFill>
+        <p:spPr>
+          <a:xfrm>
+            <a:off x="4954334" y="3160909"/>
+            <a:ext cx="2792666" cy="608376"/>
+          </a:xfrm>
+          <a:prstGeom prst="rect">
+            <a:avLst/>
+          </a:prstGeom>
+        </p:spPr>
+      </p:pic>
+      <p:pic>
+        <p:nvPicPr>
+          <p:cNvPr id="8" name="Grafik 7"/>
+          <p:cNvPicPr>
+            <a:picLocks noChangeAspect="1"/>
+          </p:cNvPicPr>
+          <p:nvPr/>
+        </p:nvPicPr>
+        <p:blipFill>
+          <a:blip r:embed="rId5"/>
+          <a:stretch>
+            <a:fillRect/>
+          </a:stretch>
+        </p:blipFill>
+        <p:spPr>
+          <a:xfrm>
+            <a:off x="1992266" y="4410763"/>
+            <a:ext cx="8352426" cy="828743"/>
+          </a:xfrm>
+          <a:prstGeom prst="rect">
+            <a:avLst/>
+          </a:prstGeom>
+        </p:spPr>
+      </p:pic>
+      <p:pic>
+        <p:nvPicPr>
+          <p:cNvPr id="9" name="Grafik 8"/>
+          <p:cNvPicPr>
+            <a:picLocks noChangeAspect="1"/>
+          </p:cNvPicPr>
+          <p:nvPr/>
+        </p:nvPicPr>
+        <p:blipFill>
+          <a:blip r:embed="rId6"/>
+          <a:stretch>
+            <a:fillRect/>
+          </a:stretch>
+        </p:blipFill>
+        <p:spPr>
+          <a:xfrm>
+            <a:off x="2372236" y="5811774"/>
+            <a:ext cx="7592485" cy="752580"/>
+          </a:xfrm>
+          <a:prstGeom prst="rect">
+            <a:avLst/>
+          </a:prstGeom>
+        </p:spPr>
+      </p:pic>
+    </p:spTree>
+    <p:extLst>
+      <p:ext uri="{BB962C8B-B14F-4D97-AF65-F5344CB8AC3E}">
+        <p14:creationId xmlns:p14="http://schemas.microsoft.com/office/powerpoint/2010/main" val="3315281308"/>
+      </p:ext>
+    </p:extLst>
+  </p:cSld>
+  <p:clrMapOvr>
+    <a:masterClrMapping/>
+  </p:clrMapOvr>
+</p:sld>
+</file>
+
+<file path=ppt/slides/slide17.xml><?xml version="1.0" encoding="utf-8"?>
+<p:sld xmlns:a="http://schemas.openxmlformats.org/drawingml/2006/main" xmlns:r="http://schemas.openxmlformats.org/officeDocument/2006/relationships" xmlns:p="http://schemas.openxmlformats.org/presentationml/2006/main">
+  <p:cSld>
+    <p:spTree>
+      <p:nvGrpSpPr>
+        <p:cNvPr id="1" name=""/>
+        <p:cNvGrpSpPr/>
+        <p:nvPr/>
+      </p:nvGrpSpPr>
+      <p:grpSpPr>
+        <a:xfrm>
+          <a:off x="0" y="0"/>
+          <a:ext cx="0" cy="0"/>
+          <a:chOff x="0" y="0"/>
+          <a:chExt cx="0" cy="0"/>
+        </a:xfrm>
+      </p:grpSpPr>
+      <p:sp>
+        <p:nvSpPr>
+          <p:cNvPr id="2" name="Titel 1"/>
+          <p:cNvSpPr>
+            <a:spLocks noGrp="1"/>
+          </p:cNvSpPr>
+          <p:nvPr>
+            <p:ph type="title"/>
+          </p:nvPr>
+        </p:nvSpPr>
         <p:spPr/>
         <p:txBody>
           <a:bodyPr/>
           <a:lstStyle/>
           <a:p>
             <a:r>
-              <a:rPr lang="de-DE" dirty="0" err="1" smtClean="0"/>
-              <a:t>From</a:t>
-            </a:r>
-            <a:r>
-              <a:rPr lang="de-DE" dirty="0" smtClean="0"/>
-              <a:t> Northern Germany (East </a:t>
-            </a:r>
-            <a:r>
-              <a:rPr lang="de-DE" dirty="0" err="1" smtClean="0"/>
-              <a:t>Frisia</a:t>
+              <a:rPr lang="de-DE" dirty="0" smtClean="0"/>
+              <a:t>Essential </a:t>
+            </a:r>
+            <a:r>
+              <a:rPr lang="de-DE" dirty="0" err="1" smtClean="0"/>
+              <a:t>task</a:t>
+            </a:r>
+            <a:r>
+              <a:rPr lang="de-DE" dirty="0" smtClean="0"/>
+              <a:t> in CT</a:t>
+            </a:r>
+            <a:endParaRPr lang="de-DE" dirty="0"/>
+          </a:p>
+        </p:txBody>
+      </p:sp>
+      <p:sp>
+        <p:nvSpPr>
+          <p:cNvPr id="3" name="Inhaltsplatzhalter 2"/>
+          <p:cNvSpPr>
+            <a:spLocks noGrp="1"/>
+          </p:cNvSpPr>
+          <p:nvPr>
+            <p:ph idx="1"/>
+          </p:nvPr>
+        </p:nvSpPr>
+        <p:spPr/>
+        <p:txBody>
+          <a:bodyPr>
+            <a:normAutofit fontScale="92500" lnSpcReduction="10000"/>
+          </a:bodyPr>
+          <a:lstStyle/>
+          <a:p>
+            <a:r>
+              <a:rPr lang="de-DE" dirty="0" err="1" smtClean="0"/>
+              <a:t>We</a:t>
+            </a:r>
+            <a:r>
+              <a:rPr lang="de-DE" dirty="0" smtClean="0"/>
+              <a:t> </a:t>
+            </a:r>
+            <a:r>
+              <a:rPr lang="de-DE" dirty="0" err="1" smtClean="0"/>
+              <a:t>want</a:t>
+            </a:r>
+            <a:r>
+              <a:rPr lang="de-DE" dirty="0" smtClean="0"/>
+              <a:t> </a:t>
+            </a:r>
+            <a:r>
+              <a:rPr lang="de-DE" dirty="0" err="1" smtClean="0"/>
+              <a:t>to</a:t>
+            </a:r>
+            <a:r>
+              <a:rPr lang="de-DE" b="1" dirty="0" smtClean="0"/>
+              <a:t> </a:t>
+            </a:r>
+            <a:r>
+              <a:rPr lang="de-DE" b="1" dirty="0" err="1"/>
+              <a:t>r</a:t>
+            </a:r>
+            <a:r>
+              <a:rPr lang="de-DE" b="1" dirty="0" err="1" smtClean="0"/>
+              <a:t>econstruct</a:t>
+            </a:r>
+            <a:r>
+              <a:rPr lang="de-DE" b="1" dirty="0" smtClean="0"/>
+              <a:t> </a:t>
+            </a:r>
+            <a:r>
+              <a:rPr lang="de-DE" b="1" dirty="0" err="1" smtClean="0"/>
+              <a:t>the</a:t>
+            </a:r>
+            <a:r>
+              <a:rPr lang="de-DE" b="1" dirty="0" smtClean="0"/>
+              <a:t> </a:t>
+            </a:r>
+            <a:r>
+              <a:rPr lang="de-DE" b="1" dirty="0" err="1" smtClean="0"/>
+              <a:t>density</a:t>
+            </a:r>
+            <a:r>
+              <a:rPr lang="de-DE" b="1" dirty="0" smtClean="0"/>
+              <a:t> </a:t>
+            </a:r>
+            <a:r>
+              <a:rPr lang="de-DE" b="1" dirty="0" err="1" smtClean="0"/>
+              <a:t>function</a:t>
+            </a:r>
+            <a:r>
+              <a:rPr lang="de-DE" b="1" dirty="0" smtClean="0"/>
+              <a:t> </a:t>
+            </a:r>
+            <a:r>
+              <a:rPr lang="de-DE" dirty="0" err="1" smtClean="0"/>
+              <a:t>from</a:t>
+            </a:r>
+            <a:r>
+              <a:rPr lang="de-DE" dirty="0" smtClean="0"/>
+              <a:t> </a:t>
+            </a:r>
+            <a:r>
+              <a:rPr lang="de-DE" dirty="0" err="1" smtClean="0"/>
+              <a:t>its</a:t>
+            </a:r>
+            <a:r>
+              <a:rPr lang="de-DE" dirty="0" smtClean="0"/>
+              <a:t>‘ Radon </a:t>
+            </a:r>
+            <a:r>
+              <a:rPr lang="de-DE" dirty="0" err="1" smtClean="0"/>
+              <a:t>transform</a:t>
+            </a:r>
+            <a:r>
+              <a:rPr lang="de-DE" dirty="0" smtClean="0"/>
+              <a:t> (</a:t>
+            </a:r>
+            <a:r>
+              <a:rPr lang="de-DE" dirty="0" err="1" smtClean="0"/>
+              <a:t>or</a:t>
+            </a:r>
+            <a:r>
+              <a:rPr lang="de-DE" dirty="0" smtClean="0"/>
+              <a:t> in n-dimensional </a:t>
+            </a:r>
+            <a:r>
+              <a:rPr lang="de-DE" dirty="0" err="1" smtClean="0"/>
+              <a:t>space</a:t>
+            </a:r>
+            <a:r>
+              <a:rPr lang="de-DE" dirty="0" smtClean="0"/>
+              <a:t>, </a:t>
+            </a:r>
+            <a:r>
+              <a:rPr lang="de-DE" dirty="0" err="1" smtClean="0"/>
+              <a:t>the</a:t>
+            </a:r>
+            <a:r>
+              <a:rPr lang="de-DE" dirty="0" smtClean="0"/>
+              <a:t> </a:t>
+            </a:r>
+            <a:r>
+              <a:rPr lang="de-DE" b="1" dirty="0" smtClean="0"/>
+              <a:t>John </a:t>
+            </a:r>
+            <a:r>
+              <a:rPr lang="de-DE" b="1" dirty="0" err="1" smtClean="0"/>
+              <a:t>transform</a:t>
             </a:r>
             <a:r>
               <a:rPr lang="de-DE" dirty="0" smtClean="0"/>
@@ -4487,8 +5182,36 @@
           </a:p>
           <a:p>
             <a:r>
-              <a:rPr lang="de-DE" dirty="0" err="1" smtClean="0"/>
-              <a:t>Cooking</a:t>
+              <a:rPr lang="de-DE" b="1" dirty="0" smtClean="0"/>
+              <a:t>But</a:t>
+            </a:r>
+            <a:r>
+              <a:rPr lang="de-DE" dirty="0" smtClean="0"/>
+              <a:t>: </a:t>
+            </a:r>
+            <a:r>
+              <a:rPr lang="de-DE" dirty="0" err="1" smtClean="0"/>
+              <a:t>Analytic</a:t>
+            </a:r>
+            <a:r>
+              <a:rPr lang="de-DE" dirty="0" smtClean="0"/>
+              <a:t> </a:t>
+            </a:r>
+            <a:r>
+              <a:rPr lang="de-DE" dirty="0" err="1" smtClean="0"/>
+              <a:t>inversion</a:t>
+            </a:r>
+            <a:r>
+              <a:rPr lang="de-DE" dirty="0"/>
+              <a:t> </a:t>
+            </a:r>
+            <a:r>
+              <a:rPr lang="de-DE" dirty="0" smtClean="0"/>
+              <a:t>not </a:t>
+            </a:r>
+            <a:r>
+              <a:rPr lang="de-DE" dirty="0" err="1" smtClean="0"/>
+              <a:t>feasible</a:t>
             </a:r>
             <a:r>
               <a:rPr lang="de-DE" dirty="0" smtClean="0"/>
@@ -4496,11 +5219,366 @@
             </a:r>
             <a:r>
               <a:rPr lang="de-DE" dirty="0" err="1" smtClean="0"/>
+              <a:t>many</a:t>
+            </a:r>
+            <a:r>
+              <a:rPr lang="de-DE" dirty="0" smtClean="0"/>
+              <a:t> different </a:t>
+            </a:r>
+            <a:r>
+              <a:rPr lang="de-DE" dirty="0" err="1" smtClean="0"/>
+              <a:t>factors</a:t>
+            </a:r>
+            <a:r>
+              <a:rPr lang="de-DE" dirty="0" smtClean="0"/>
+              <a:t>:</a:t>
+            </a:r>
+          </a:p>
+          <a:p>
+            <a:pPr lvl="1"/>
+            <a:r>
+              <a:rPr lang="de-DE" dirty="0" err="1" smtClean="0">
+                <a:sym typeface="Wingdings" panose="05000000000000000000" pitchFamily="2" charset="2"/>
+              </a:rPr>
+              <a:t>Only</a:t>
+            </a:r>
+            <a:r>
+              <a:rPr lang="de-DE" dirty="0" smtClean="0">
+                <a:sym typeface="Wingdings" panose="05000000000000000000" pitchFamily="2" charset="2"/>
+              </a:rPr>
+              <a:t> </a:t>
+            </a:r>
+            <a:r>
+              <a:rPr lang="de-DE" dirty="0" err="1" smtClean="0">
+                <a:sym typeface="Wingdings" panose="05000000000000000000" pitchFamily="2" charset="2"/>
+              </a:rPr>
+              <a:t>sometimes</a:t>
+            </a:r>
+            <a:r>
+              <a:rPr lang="de-DE" dirty="0" smtClean="0">
+                <a:sym typeface="Wingdings" panose="05000000000000000000" pitchFamily="2" charset="2"/>
+              </a:rPr>
+              <a:t> </a:t>
+            </a:r>
+            <a:r>
+              <a:rPr lang="de-DE" dirty="0" err="1" smtClean="0">
+                <a:sym typeface="Wingdings" panose="05000000000000000000" pitchFamily="2" charset="2"/>
+              </a:rPr>
+              <a:t>actually</a:t>
+            </a:r>
+            <a:r>
+              <a:rPr lang="de-DE" dirty="0" smtClean="0">
+                <a:sym typeface="Wingdings" panose="05000000000000000000" pitchFamily="2" charset="2"/>
+              </a:rPr>
+              <a:t> </a:t>
+            </a:r>
+            <a:r>
+              <a:rPr lang="de-DE" dirty="0" err="1" smtClean="0">
+                <a:sym typeface="Wingdings" panose="05000000000000000000" pitchFamily="2" charset="2"/>
+              </a:rPr>
+              <a:t>invertible</a:t>
+            </a:r>
+            <a:endParaRPr lang="de-DE" dirty="0" smtClean="0">
+              <a:sym typeface="Wingdings" panose="05000000000000000000" pitchFamily="2" charset="2"/>
+            </a:endParaRPr>
+          </a:p>
+          <a:p>
+            <a:pPr lvl="1"/>
+            <a:r>
+              <a:rPr lang="de-DE" dirty="0" smtClean="0">
+                <a:sym typeface="Wingdings" panose="05000000000000000000" pitchFamily="2" charset="2"/>
+              </a:rPr>
+              <a:t>Non-</a:t>
+            </a:r>
+            <a:r>
+              <a:rPr lang="de-DE" dirty="0" err="1" smtClean="0">
+                <a:sym typeface="Wingdings" panose="05000000000000000000" pitchFamily="2" charset="2"/>
+              </a:rPr>
+              <a:t>locality</a:t>
+            </a:r>
+            <a:r>
+              <a:rPr lang="de-DE" dirty="0">
+                <a:sym typeface="Wingdings" panose="05000000000000000000" pitchFamily="2" charset="2"/>
+              </a:rPr>
+              <a:t> </a:t>
+            </a:r>
+            <a:r>
+              <a:rPr lang="de-DE" dirty="0" err="1" smtClean="0">
+                <a:sym typeface="Wingdings" panose="05000000000000000000" pitchFamily="2" charset="2"/>
+              </a:rPr>
+              <a:t>of</a:t>
+            </a:r>
+            <a:r>
+              <a:rPr lang="de-DE" dirty="0" smtClean="0">
+                <a:sym typeface="Wingdings" panose="05000000000000000000" pitchFamily="2" charset="2"/>
+              </a:rPr>
+              <a:t> </a:t>
+            </a:r>
+            <a:r>
+              <a:rPr lang="de-DE" dirty="0" err="1" smtClean="0">
+                <a:sym typeface="Wingdings" panose="05000000000000000000" pitchFamily="2" charset="2"/>
+              </a:rPr>
+              <a:t>solution</a:t>
+            </a:r>
+            <a:endParaRPr lang="de-DE" dirty="0" smtClean="0">
+              <a:sym typeface="Wingdings" panose="05000000000000000000" pitchFamily="2" charset="2"/>
+            </a:endParaRPr>
+          </a:p>
+          <a:p>
+            <a:pPr lvl="1"/>
+            <a:r>
+              <a:rPr lang="de-DE" dirty="0" smtClean="0">
+                <a:sym typeface="Wingdings" panose="05000000000000000000" pitchFamily="2" charset="2"/>
+              </a:rPr>
+              <a:t>…</a:t>
+            </a:r>
+          </a:p>
+          <a:p>
+            <a:r>
+              <a:rPr lang="de-DE" dirty="0" err="1" smtClean="0"/>
+              <a:t>Many</a:t>
+            </a:r>
+            <a:r>
+              <a:rPr lang="de-DE" dirty="0" smtClean="0"/>
+              <a:t> </a:t>
+            </a:r>
+            <a:r>
+              <a:rPr lang="de-DE" dirty="0" err="1" smtClean="0"/>
+              <a:t>approaches</a:t>
+            </a:r>
+            <a:r>
+              <a:rPr lang="de-DE" dirty="0" smtClean="0"/>
+              <a:t> </a:t>
+            </a:r>
+            <a:r>
+              <a:rPr lang="de-DE" dirty="0" err="1" smtClean="0"/>
+              <a:t>to</a:t>
+            </a:r>
+            <a:r>
+              <a:rPr lang="de-DE" dirty="0" smtClean="0"/>
+              <a:t> </a:t>
+            </a:r>
+            <a:r>
+              <a:rPr lang="de-DE" dirty="0" err="1" smtClean="0"/>
+              <a:t>approximate</a:t>
+            </a:r>
+            <a:r>
+              <a:rPr lang="de-DE" dirty="0" smtClean="0"/>
+              <a:t> </a:t>
+            </a:r>
+            <a:r>
+              <a:rPr lang="de-DE" dirty="0" err="1" smtClean="0"/>
+              <a:t>solution</a:t>
+            </a:r>
+            <a:r>
+              <a:rPr lang="de-DE" dirty="0" smtClean="0"/>
+              <a:t>…</a:t>
+            </a:r>
+          </a:p>
+          <a:p>
+            <a:pPr lvl="1"/>
+            <a:r>
+              <a:rPr lang="de-DE" dirty="0" err="1" smtClean="0"/>
+              <a:t>Algebraic</a:t>
+            </a:r>
+            <a:r>
+              <a:rPr lang="de-DE" dirty="0" smtClean="0"/>
+              <a:t> </a:t>
+            </a:r>
+            <a:r>
+              <a:rPr lang="de-DE" dirty="0" err="1" smtClean="0"/>
+              <a:t>reconstruction</a:t>
+            </a:r>
+            <a:r>
+              <a:rPr lang="de-DE" dirty="0" smtClean="0"/>
+              <a:t> </a:t>
+            </a:r>
+            <a:r>
+              <a:rPr lang="de-DE" dirty="0" err="1" smtClean="0"/>
+              <a:t>technique</a:t>
+            </a:r>
+            <a:endParaRPr lang="de-DE" dirty="0" smtClean="0"/>
+          </a:p>
+          <a:p>
+            <a:pPr lvl="1"/>
+            <a:r>
+              <a:rPr lang="de-DE" dirty="0" smtClean="0"/>
+              <a:t>Cormack </a:t>
+            </a:r>
+            <a:r>
+              <a:rPr lang="de-DE" dirty="0" err="1" smtClean="0"/>
+              <a:t>inversion</a:t>
+            </a:r>
+            <a:r>
+              <a:rPr lang="de-DE" dirty="0" smtClean="0"/>
+              <a:t> </a:t>
+            </a:r>
+            <a:r>
+              <a:rPr lang="de-DE" dirty="0" err="1" smtClean="0"/>
+              <a:t>formula</a:t>
+            </a:r>
+            <a:endParaRPr lang="de-DE" dirty="0" smtClean="0"/>
+          </a:p>
+          <a:p>
+            <a:pPr lvl="1"/>
+            <a:r>
+              <a:rPr lang="de-DE" dirty="0" err="1" smtClean="0"/>
+              <a:t>Filtered</a:t>
+            </a:r>
+            <a:r>
+              <a:rPr lang="de-DE" dirty="0" smtClean="0"/>
+              <a:t> back </a:t>
+            </a:r>
+            <a:r>
+              <a:rPr lang="de-DE" dirty="0" err="1" smtClean="0"/>
+              <a:t>projection</a:t>
+            </a:r>
+            <a:endParaRPr lang="de-DE" dirty="0" smtClean="0"/>
+          </a:p>
+          <a:p>
+            <a:pPr lvl="1"/>
+            <a:r>
+              <a:rPr lang="de-DE" dirty="0" smtClean="0"/>
+              <a:t>Fourier </a:t>
+            </a:r>
+            <a:r>
+              <a:rPr lang="de-DE" dirty="0" err="1" smtClean="0"/>
+              <a:t>reconstruction</a:t>
+            </a:r>
+            <a:endParaRPr lang="de-DE" dirty="0" smtClean="0"/>
+          </a:p>
+          <a:p>
+            <a:pPr lvl="1"/>
+            <a:r>
+              <a:rPr lang="de-DE" dirty="0" smtClean="0"/>
+              <a:t>…</a:t>
+            </a:r>
+          </a:p>
+          <a:p>
+            <a:pPr lvl="1"/>
+            <a:endParaRPr lang="de-DE" dirty="0"/>
+          </a:p>
+        </p:txBody>
+      </p:sp>
+    </p:spTree>
+    <p:extLst>
+      <p:ext uri="{BB962C8B-B14F-4D97-AF65-F5344CB8AC3E}">
+        <p14:creationId xmlns:p14="http://schemas.microsoft.com/office/powerpoint/2010/main" val="387831490"/>
+      </p:ext>
+    </p:extLst>
+  </p:cSld>
+  <p:clrMapOvr>
+    <a:masterClrMapping/>
+  </p:clrMapOvr>
+</p:sld>
+</file>
+
+<file path=ppt/slides/slide18.xml><?xml version="1.0" encoding="utf-8"?>
+<p:sld xmlns:a="http://schemas.openxmlformats.org/drawingml/2006/main" xmlns:r="http://schemas.openxmlformats.org/officeDocument/2006/relationships" xmlns:p="http://schemas.openxmlformats.org/presentationml/2006/main">
+  <p:cSld>
+    <p:spTree>
+      <p:nvGrpSpPr>
+        <p:cNvPr id="1" name=""/>
+        <p:cNvGrpSpPr/>
+        <p:nvPr/>
+      </p:nvGrpSpPr>
+      <p:grpSpPr>
+        <a:xfrm>
+          <a:off x="0" y="0"/>
+          <a:ext cx="0" cy="0"/>
+          <a:chOff x="0" y="0"/>
+          <a:chExt cx="0" cy="0"/>
+        </a:xfrm>
+      </p:grpSpPr>
+      <p:sp>
+        <p:nvSpPr>
+          <p:cNvPr id="2" name="Titel 1"/>
+          <p:cNvSpPr>
+            <a:spLocks noGrp="1"/>
+          </p:cNvSpPr>
+          <p:nvPr>
+            <p:ph type="title"/>
+          </p:nvPr>
+        </p:nvSpPr>
+        <p:spPr/>
+        <p:txBody>
+          <a:bodyPr/>
+          <a:lstStyle/>
+          <a:p>
+            <a:r>
+              <a:rPr lang="de-DE" dirty="0" smtClean="0"/>
+              <a:t>Also </a:t>
+            </a:r>
+            <a:r>
+              <a:rPr lang="de-DE" dirty="0" err="1" smtClean="0"/>
+              <a:t>about</a:t>
+            </a:r>
+            <a:r>
+              <a:rPr lang="de-DE" dirty="0" smtClean="0"/>
+              <a:t> </a:t>
+            </a:r>
+            <a:r>
+              <a:rPr lang="de-DE" dirty="0" err="1" smtClean="0"/>
+              <a:t>me</a:t>
+            </a:r>
+            <a:endParaRPr lang="de-DE" dirty="0"/>
+          </a:p>
+        </p:txBody>
+      </p:sp>
+      <p:sp>
+        <p:nvSpPr>
+          <p:cNvPr id="3" name="Inhaltsplatzhalter 2"/>
+          <p:cNvSpPr>
+            <a:spLocks noGrp="1"/>
+          </p:cNvSpPr>
+          <p:nvPr>
+            <p:ph idx="1"/>
+          </p:nvPr>
+        </p:nvSpPr>
+        <p:spPr/>
+        <p:txBody>
+          <a:bodyPr/>
+          <a:lstStyle/>
+          <a:p>
+            <a:r>
+              <a:rPr lang="de-DE" dirty="0" smtClean="0"/>
+              <a:t>I </a:t>
+            </a:r>
+            <a:r>
+              <a:rPr lang="de-DE" dirty="0" err="1" smtClean="0"/>
+              <a:t>enjoy</a:t>
+            </a:r>
+            <a:r>
+              <a:rPr lang="de-DE" dirty="0" smtClean="0"/>
+              <a:t> </a:t>
+            </a:r>
+            <a:r>
+              <a:rPr lang="de-DE" dirty="0" err="1"/>
+              <a:t>c</a:t>
+            </a:r>
+            <a:r>
+              <a:rPr lang="de-DE" dirty="0" err="1" smtClean="0"/>
+              <a:t>ooking</a:t>
+            </a:r>
+            <a:r>
+              <a:rPr lang="de-DE" dirty="0" smtClean="0"/>
+              <a:t>, </a:t>
+            </a:r>
+            <a:r>
+              <a:rPr lang="de-DE" dirty="0" err="1" smtClean="0"/>
               <a:t>hiking</a:t>
             </a:r>
             <a:r>
               <a:rPr lang="de-DE" dirty="0" smtClean="0"/>
-              <a:t>, </a:t>
+              <a:t> </a:t>
+            </a:r>
+            <a:r>
+              <a:rPr lang="de-DE" dirty="0" err="1" smtClean="0"/>
+              <a:t>and</a:t>
+            </a:r>
+            <a:r>
+              <a:rPr lang="de-DE" dirty="0" smtClean="0"/>
+              <a:t> </a:t>
             </a:r>
             <a:r>
               <a:rPr lang="de-DE" dirty="0" err="1" smtClean="0"/>
@@ -4849,8 +5927,91 @@
             </a:r>
             <a:r>
               <a:rPr lang="de-DE" dirty="0" smtClean="0"/>
-              <a:t> w.r.t. Digital Signal Processing</a:t>
-            </a:r>
+              <a:t> w.r.t. Digital Signal </a:t>
+            </a:r>
+            <a:r>
+              <a:rPr lang="de-DE" dirty="0" smtClean="0"/>
+              <a:t>Processing</a:t>
+            </a:r>
+          </a:p>
+          <a:p>
+            <a:r>
+              <a:rPr lang="de-DE" dirty="0" smtClean="0"/>
+              <a:t>Lucky </a:t>
+            </a:r>
+            <a:r>
+              <a:rPr lang="de-DE" dirty="0" err="1" smtClean="0"/>
+              <a:t>enough</a:t>
+            </a:r>
+            <a:r>
+              <a:rPr lang="de-DE" dirty="0" smtClean="0"/>
+              <a:t> </a:t>
+            </a:r>
+            <a:r>
+              <a:rPr lang="de-DE" dirty="0" err="1" smtClean="0"/>
+              <a:t>to</a:t>
+            </a:r>
+            <a:r>
+              <a:rPr lang="de-DE" dirty="0" smtClean="0"/>
+              <a:t> </a:t>
+            </a:r>
+            <a:r>
+              <a:rPr lang="de-DE" dirty="0" err="1" smtClean="0"/>
+              <a:t>throroughly</a:t>
+            </a:r>
+            <a:r>
+              <a:rPr lang="de-DE" dirty="0" smtClean="0"/>
+              <a:t> </a:t>
+            </a:r>
+            <a:r>
+              <a:rPr lang="de-DE" dirty="0" err="1" smtClean="0"/>
+              <a:t>enjoy</a:t>
+            </a:r>
+            <a:r>
+              <a:rPr lang="de-DE" dirty="0" smtClean="0"/>
+              <a:t> </a:t>
+            </a:r>
+            <a:r>
+              <a:rPr lang="de-DE" dirty="0" err="1" smtClean="0"/>
+              <a:t>math</a:t>
+            </a:r>
+            <a:r>
+              <a:rPr lang="de-DE" dirty="0" smtClean="0"/>
+              <a:t> </a:t>
+            </a:r>
+            <a:r>
+              <a:rPr lang="de-DE" dirty="0" err="1" smtClean="0"/>
+              <a:t>courses</a:t>
+            </a:r>
+            <a:r>
+              <a:rPr lang="de-DE" dirty="0"/>
+              <a:t> </a:t>
+            </a:r>
+            <a:r>
+              <a:rPr lang="de-DE" dirty="0" err="1" smtClean="0"/>
+              <a:t>dedicated</a:t>
+            </a:r>
+            <a:r>
+              <a:rPr lang="de-DE" dirty="0" smtClean="0"/>
+              <a:t> </a:t>
+            </a:r>
+            <a:r>
+              <a:rPr lang="de-DE" dirty="0" err="1" smtClean="0"/>
+              <a:t>to</a:t>
+            </a:r>
+            <a:r>
+              <a:rPr lang="de-DE" dirty="0" smtClean="0"/>
+              <a:t> </a:t>
+            </a:r>
+            <a:r>
+              <a:rPr lang="de-DE" dirty="0" smtClean="0"/>
+              <a:t>Computer </a:t>
+            </a:r>
+            <a:r>
+              <a:rPr lang="de-DE" dirty="0" err="1" smtClean="0"/>
+              <a:t>Tomography</a:t>
+            </a:r>
+            <a:endParaRPr lang="de-DE" dirty="0" smtClean="0"/>
           </a:p>
           <a:p>
             <a:endParaRPr lang="de-DE" dirty="0" smtClean="0"/>
@@ -6807,16 +7968,6 @@
               </a:rPr>
               <a:t>)</a:t>
             </a:r>
-            <a:endParaRPr lang="de-DE" b="1" dirty="0">
-              <a:ln w="0"/>
-              <a:effectLst>
-                <a:outerShdw blurRad="38100" dist="19050" dir="2700000" algn="tl" rotWithShape="0">
-                  <a:schemeClr val="dk1">
-                    <a:alpha val="40000"/>
-                  </a:schemeClr>
-                </a:outerShdw>
-              </a:effectLst>
-            </a:endParaRPr>
           </a:p>
         </p:txBody>
       </p:sp>

--- a/julianlueken.pptx
+++ b/julianlueken.pptx
@@ -4,25 +4,29 @@
   <p:sldMasterIdLst>
     <p:sldMasterId id="2147483798" r:id="rId1"/>
   </p:sldMasterIdLst>
+  <p:notesMasterIdLst>
+    <p:notesMasterId r:id="rId21"/>
+  </p:notesMasterIdLst>
   <p:sldIdLst>
     <p:sldId id="256" r:id="rId2"/>
-    <p:sldId id="257" r:id="rId3"/>
-    <p:sldId id="258" r:id="rId4"/>
-    <p:sldId id="259" r:id="rId5"/>
-    <p:sldId id="260" r:id="rId6"/>
-    <p:sldId id="261" r:id="rId7"/>
-    <p:sldId id="262" r:id="rId8"/>
-    <p:sldId id="263" r:id="rId9"/>
-    <p:sldId id="264" r:id="rId10"/>
-    <p:sldId id="265" r:id="rId11"/>
-    <p:sldId id="266" r:id="rId12"/>
-    <p:sldId id="267" r:id="rId13"/>
-    <p:sldId id="270" r:id="rId14"/>
-    <p:sldId id="272" r:id="rId15"/>
-    <p:sldId id="273" r:id="rId16"/>
+    <p:sldId id="281" r:id="rId3"/>
+    <p:sldId id="283" r:id="rId4"/>
+    <p:sldId id="257" r:id="rId5"/>
+    <p:sldId id="284" r:id="rId6"/>
+    <p:sldId id="258" r:id="rId7"/>
+    <p:sldId id="259" r:id="rId8"/>
+    <p:sldId id="265" r:id="rId9"/>
+    <p:sldId id="260" r:id="rId10"/>
+    <p:sldId id="266" r:id="rId11"/>
+    <p:sldId id="267" r:id="rId12"/>
+    <p:sldId id="270" r:id="rId13"/>
+    <p:sldId id="272" r:id="rId14"/>
+    <p:sldId id="273" r:id="rId15"/>
+    <p:sldId id="285" r:id="rId16"/>
     <p:sldId id="274" r:id="rId17"/>
     <p:sldId id="275" r:id="rId18"/>
-    <p:sldId id="271" r:id="rId19"/>
+    <p:sldId id="282" r:id="rId19"/>
+    <p:sldId id="286" r:id="rId20"/>
   </p:sldIdLst>
   <p:sldSz cx="12192000" cy="6858000"/>
   <p:notesSz cx="6858000" cy="9144000"/>
@@ -129,6 +133,1276 @@
 </p:presentation>
 </file>
 
+<file path=ppt/notesMasters/notesMaster1.xml><?xml version="1.0" encoding="utf-8"?>
+<p:notesMaster xmlns:a="http://schemas.openxmlformats.org/drawingml/2006/main" xmlns:r="http://schemas.openxmlformats.org/officeDocument/2006/relationships" xmlns:p="http://schemas.openxmlformats.org/presentationml/2006/main">
+  <p:cSld>
+    <p:bg>
+      <p:bgRef idx="1001">
+        <a:schemeClr val="bg1"/>
+      </p:bgRef>
+    </p:bg>
+    <p:spTree>
+      <p:nvGrpSpPr>
+        <p:cNvPr id="1" name=""/>
+        <p:cNvGrpSpPr/>
+        <p:nvPr/>
+      </p:nvGrpSpPr>
+      <p:grpSpPr>
+        <a:xfrm>
+          <a:off x="0" y="0"/>
+          <a:ext cx="0" cy="0"/>
+          <a:chOff x="0" y="0"/>
+          <a:chExt cx="0" cy="0"/>
+        </a:xfrm>
+      </p:grpSpPr>
+      <p:sp>
+        <p:nvSpPr>
+          <p:cNvPr id="2" name="Kopfzeilenplatzhalter 1"/>
+          <p:cNvSpPr>
+            <a:spLocks noGrp="1"/>
+          </p:cNvSpPr>
+          <p:nvPr>
+            <p:ph type="hdr" sz="quarter"/>
+          </p:nvPr>
+        </p:nvSpPr>
+        <p:spPr>
+          <a:xfrm>
+            <a:off x="0" y="0"/>
+            <a:ext cx="2971800" cy="458788"/>
+          </a:xfrm>
+          <a:prstGeom prst="rect">
+            <a:avLst/>
+          </a:prstGeom>
+        </p:spPr>
+        <p:txBody>
+          <a:bodyPr vert="horz" lIns="91440" tIns="45720" rIns="91440" bIns="45720" rtlCol="0"/>
+          <a:lstStyle>
+            <a:lvl1pPr algn="l">
+              <a:defRPr sz="1200"/>
+            </a:lvl1pPr>
+          </a:lstStyle>
+          <a:p>
+            <a:endParaRPr lang="en-US"/>
+          </a:p>
+        </p:txBody>
+      </p:sp>
+      <p:sp>
+        <p:nvSpPr>
+          <p:cNvPr id="3" name="Datumsplatzhalter 2"/>
+          <p:cNvSpPr>
+            <a:spLocks noGrp="1"/>
+          </p:cNvSpPr>
+          <p:nvPr>
+            <p:ph type="dt" idx="1"/>
+          </p:nvPr>
+        </p:nvSpPr>
+        <p:spPr>
+          <a:xfrm>
+            <a:off x="3884613" y="0"/>
+            <a:ext cx="2971800" cy="458788"/>
+          </a:xfrm>
+          <a:prstGeom prst="rect">
+            <a:avLst/>
+          </a:prstGeom>
+        </p:spPr>
+        <p:txBody>
+          <a:bodyPr vert="horz" lIns="91440" tIns="45720" rIns="91440" bIns="45720" rtlCol="0"/>
+          <a:lstStyle>
+            <a:lvl1pPr algn="r">
+              <a:defRPr sz="1200"/>
+            </a:lvl1pPr>
+          </a:lstStyle>
+          <a:p>
+            <a:fld id="{0A1AF538-4333-4176-84F4-C9B876430CC2}" type="datetimeFigureOut">
+              <a:rPr lang="en-US" smtClean="0"/>
+              <a:t>3/13/2023</a:t>
+            </a:fld>
+            <a:endParaRPr lang="en-US"/>
+          </a:p>
+        </p:txBody>
+      </p:sp>
+      <p:sp>
+        <p:nvSpPr>
+          <p:cNvPr id="4" name="Folienbildplatzhalter 3"/>
+          <p:cNvSpPr>
+            <a:spLocks noGrp="1" noRot="1" noChangeAspect="1"/>
+          </p:cNvSpPr>
+          <p:nvPr>
+            <p:ph type="sldImg" idx="2"/>
+          </p:nvPr>
+        </p:nvSpPr>
+        <p:spPr>
+          <a:xfrm>
+            <a:off x="685800" y="1143000"/>
+            <a:ext cx="5486400" cy="3086100"/>
+          </a:xfrm>
+          <a:prstGeom prst="rect">
+            <a:avLst/>
+          </a:prstGeom>
+          <a:noFill/>
+          <a:ln w="12700">
+            <a:solidFill>
+              <a:prstClr val="black"/>
+            </a:solidFill>
+          </a:ln>
+        </p:spPr>
+        <p:txBody>
+          <a:bodyPr vert="horz" lIns="91440" tIns="45720" rIns="91440" bIns="45720" rtlCol="0" anchor="ctr"/>
+          <a:lstStyle/>
+          <a:p>
+            <a:endParaRPr lang="en-US"/>
+          </a:p>
+        </p:txBody>
+      </p:sp>
+      <p:sp>
+        <p:nvSpPr>
+          <p:cNvPr id="5" name="Notizenplatzhalter 4"/>
+          <p:cNvSpPr>
+            <a:spLocks noGrp="1"/>
+          </p:cNvSpPr>
+          <p:nvPr>
+            <p:ph type="body" sz="quarter" idx="3"/>
+          </p:nvPr>
+        </p:nvSpPr>
+        <p:spPr>
+          <a:xfrm>
+            <a:off x="685800" y="4400550"/>
+            <a:ext cx="5486400" cy="3600450"/>
+          </a:xfrm>
+          <a:prstGeom prst="rect">
+            <a:avLst/>
+          </a:prstGeom>
+        </p:spPr>
+        <p:txBody>
+          <a:bodyPr vert="horz" lIns="91440" tIns="45720" rIns="91440" bIns="45720" rtlCol="0"/>
+          <a:lstStyle/>
+          <a:p>
+            <a:pPr lvl="0"/>
+            <a:r>
+              <a:rPr lang="de-DE" smtClean="0"/>
+              <a:t>Formatvorlagen des Textmasters bearbeiten</a:t>
+            </a:r>
+          </a:p>
+          <a:p>
+            <a:pPr lvl="1"/>
+            <a:r>
+              <a:rPr lang="de-DE" smtClean="0"/>
+              <a:t>Zweite Ebene</a:t>
+            </a:r>
+          </a:p>
+          <a:p>
+            <a:pPr lvl="2"/>
+            <a:r>
+              <a:rPr lang="de-DE" smtClean="0"/>
+              <a:t>Dritte Ebene</a:t>
+            </a:r>
+          </a:p>
+          <a:p>
+            <a:pPr lvl="3"/>
+            <a:r>
+              <a:rPr lang="de-DE" smtClean="0"/>
+              <a:t>Vierte Ebene</a:t>
+            </a:r>
+          </a:p>
+          <a:p>
+            <a:pPr lvl="4"/>
+            <a:r>
+              <a:rPr lang="de-DE" smtClean="0"/>
+              <a:t>Fünfte Ebene</a:t>
+            </a:r>
+            <a:endParaRPr lang="en-US"/>
+          </a:p>
+        </p:txBody>
+      </p:sp>
+      <p:sp>
+        <p:nvSpPr>
+          <p:cNvPr id="6" name="Fußzeilenplatzhalter 5"/>
+          <p:cNvSpPr>
+            <a:spLocks noGrp="1"/>
+          </p:cNvSpPr>
+          <p:nvPr>
+            <p:ph type="ftr" sz="quarter" idx="4"/>
+          </p:nvPr>
+        </p:nvSpPr>
+        <p:spPr>
+          <a:xfrm>
+            <a:off x="0" y="8685213"/>
+            <a:ext cx="2971800" cy="458787"/>
+          </a:xfrm>
+          <a:prstGeom prst="rect">
+            <a:avLst/>
+          </a:prstGeom>
+        </p:spPr>
+        <p:txBody>
+          <a:bodyPr vert="horz" lIns="91440" tIns="45720" rIns="91440" bIns="45720" rtlCol="0" anchor="b"/>
+          <a:lstStyle>
+            <a:lvl1pPr algn="l">
+              <a:defRPr sz="1200"/>
+            </a:lvl1pPr>
+          </a:lstStyle>
+          <a:p>
+            <a:endParaRPr lang="en-US"/>
+          </a:p>
+        </p:txBody>
+      </p:sp>
+      <p:sp>
+        <p:nvSpPr>
+          <p:cNvPr id="7" name="Foliennummernplatzhalter 6"/>
+          <p:cNvSpPr>
+            <a:spLocks noGrp="1"/>
+          </p:cNvSpPr>
+          <p:nvPr>
+            <p:ph type="sldNum" sz="quarter" idx="5"/>
+          </p:nvPr>
+        </p:nvSpPr>
+        <p:spPr>
+          <a:xfrm>
+            <a:off x="3884613" y="8685213"/>
+            <a:ext cx="2971800" cy="458787"/>
+          </a:xfrm>
+          <a:prstGeom prst="rect">
+            <a:avLst/>
+          </a:prstGeom>
+        </p:spPr>
+        <p:txBody>
+          <a:bodyPr vert="horz" lIns="91440" tIns="45720" rIns="91440" bIns="45720" rtlCol="0" anchor="b"/>
+          <a:lstStyle>
+            <a:lvl1pPr algn="r">
+              <a:defRPr sz="1200"/>
+            </a:lvl1pPr>
+          </a:lstStyle>
+          <a:p>
+            <a:fld id="{86871EBE-BD7F-4684-AF6B-22612E4611A5}" type="slidenum">
+              <a:rPr lang="en-US" smtClean="0"/>
+              <a:t>‹Nr.›</a:t>
+            </a:fld>
+            <a:endParaRPr lang="en-US"/>
+          </a:p>
+        </p:txBody>
+      </p:sp>
+    </p:spTree>
+    <p:extLst>
+      <p:ext uri="{BB962C8B-B14F-4D97-AF65-F5344CB8AC3E}">
+        <p14:creationId xmlns:p14="http://schemas.microsoft.com/office/powerpoint/2010/main" val="2681545046"/>
+      </p:ext>
+    </p:extLst>
+  </p:cSld>
+  <p:clrMap bg1="lt1" tx1="dk1" bg2="lt2" tx2="dk2" accent1="accent1" accent2="accent2" accent3="accent3" accent4="accent4" accent5="accent5" accent6="accent6" hlink="hlink" folHlink="folHlink"/>
+  <p:notesStyle>
+    <a:lvl1pPr marL="0" algn="l" defTabSz="914400" rtl="0" eaLnBrk="1" latinLnBrk="0" hangingPunct="1">
+      <a:defRPr sz="1200" kern="1200">
+        <a:solidFill>
+          <a:schemeClr val="tx1"/>
+        </a:solidFill>
+        <a:latin typeface="+mn-lt"/>
+        <a:ea typeface="+mn-ea"/>
+        <a:cs typeface="+mn-cs"/>
+      </a:defRPr>
+    </a:lvl1pPr>
+    <a:lvl2pPr marL="457200" algn="l" defTabSz="914400" rtl="0" eaLnBrk="1" latinLnBrk="0" hangingPunct="1">
+      <a:defRPr sz="1200" kern="1200">
+        <a:solidFill>
+          <a:schemeClr val="tx1"/>
+        </a:solidFill>
+        <a:latin typeface="+mn-lt"/>
+        <a:ea typeface="+mn-ea"/>
+        <a:cs typeface="+mn-cs"/>
+      </a:defRPr>
+    </a:lvl2pPr>
+    <a:lvl3pPr marL="914400" algn="l" defTabSz="914400" rtl="0" eaLnBrk="1" latinLnBrk="0" hangingPunct="1">
+      <a:defRPr sz="1200" kern="1200">
+        <a:solidFill>
+          <a:schemeClr val="tx1"/>
+        </a:solidFill>
+        <a:latin typeface="+mn-lt"/>
+        <a:ea typeface="+mn-ea"/>
+        <a:cs typeface="+mn-cs"/>
+      </a:defRPr>
+    </a:lvl3pPr>
+    <a:lvl4pPr marL="1371600" algn="l" defTabSz="914400" rtl="0" eaLnBrk="1" latinLnBrk="0" hangingPunct="1">
+      <a:defRPr sz="1200" kern="1200">
+        <a:solidFill>
+          <a:schemeClr val="tx1"/>
+        </a:solidFill>
+        <a:latin typeface="+mn-lt"/>
+        <a:ea typeface="+mn-ea"/>
+        <a:cs typeface="+mn-cs"/>
+      </a:defRPr>
+    </a:lvl4pPr>
+    <a:lvl5pPr marL="1828800" algn="l" defTabSz="914400" rtl="0" eaLnBrk="1" latinLnBrk="0" hangingPunct="1">
+      <a:defRPr sz="1200" kern="1200">
+        <a:solidFill>
+          <a:schemeClr val="tx1"/>
+        </a:solidFill>
+        <a:latin typeface="+mn-lt"/>
+        <a:ea typeface="+mn-ea"/>
+        <a:cs typeface="+mn-cs"/>
+      </a:defRPr>
+    </a:lvl5pPr>
+    <a:lvl6pPr marL="2286000" algn="l" defTabSz="914400" rtl="0" eaLnBrk="1" latinLnBrk="0" hangingPunct="1">
+      <a:defRPr sz="1200" kern="1200">
+        <a:solidFill>
+          <a:schemeClr val="tx1"/>
+        </a:solidFill>
+        <a:latin typeface="+mn-lt"/>
+        <a:ea typeface="+mn-ea"/>
+        <a:cs typeface="+mn-cs"/>
+      </a:defRPr>
+    </a:lvl6pPr>
+    <a:lvl7pPr marL="2743200" algn="l" defTabSz="914400" rtl="0" eaLnBrk="1" latinLnBrk="0" hangingPunct="1">
+      <a:defRPr sz="1200" kern="1200">
+        <a:solidFill>
+          <a:schemeClr val="tx1"/>
+        </a:solidFill>
+        <a:latin typeface="+mn-lt"/>
+        <a:ea typeface="+mn-ea"/>
+        <a:cs typeface="+mn-cs"/>
+      </a:defRPr>
+    </a:lvl7pPr>
+    <a:lvl8pPr marL="3200400" algn="l" defTabSz="914400" rtl="0" eaLnBrk="1" latinLnBrk="0" hangingPunct="1">
+      <a:defRPr sz="1200" kern="1200">
+        <a:solidFill>
+          <a:schemeClr val="tx1"/>
+        </a:solidFill>
+        <a:latin typeface="+mn-lt"/>
+        <a:ea typeface="+mn-ea"/>
+        <a:cs typeface="+mn-cs"/>
+      </a:defRPr>
+    </a:lvl8pPr>
+    <a:lvl9pPr marL="3657600" algn="l" defTabSz="914400" rtl="0" eaLnBrk="1" latinLnBrk="0" hangingPunct="1">
+      <a:defRPr sz="1200" kern="1200">
+        <a:solidFill>
+          <a:schemeClr val="tx1"/>
+        </a:solidFill>
+        <a:latin typeface="+mn-lt"/>
+        <a:ea typeface="+mn-ea"/>
+        <a:cs typeface="+mn-cs"/>
+      </a:defRPr>
+    </a:lvl9pPr>
+  </p:notesStyle>
+</p:notesMaster>
+</file>
+
+<file path=ppt/notesSlides/notesSlide1.xml><?xml version="1.0" encoding="utf-8"?>
+<p:notes xmlns:a="http://schemas.openxmlformats.org/drawingml/2006/main" xmlns:r="http://schemas.openxmlformats.org/officeDocument/2006/relationships" xmlns:p="http://schemas.openxmlformats.org/presentationml/2006/main">
+  <p:cSld>
+    <p:spTree>
+      <p:nvGrpSpPr>
+        <p:cNvPr id="1" name=""/>
+        <p:cNvGrpSpPr/>
+        <p:nvPr/>
+      </p:nvGrpSpPr>
+      <p:grpSpPr>
+        <a:xfrm>
+          <a:off x="0" y="0"/>
+          <a:ext cx="0" cy="0"/>
+          <a:chOff x="0" y="0"/>
+          <a:chExt cx="0" cy="0"/>
+        </a:xfrm>
+      </p:grpSpPr>
+      <p:sp>
+        <p:nvSpPr>
+          <p:cNvPr id="2" name="Folienbildplatzhalter 1"/>
+          <p:cNvSpPr>
+            <a:spLocks noGrp="1" noRot="1" noChangeAspect="1"/>
+          </p:cNvSpPr>
+          <p:nvPr>
+            <p:ph type="sldImg"/>
+          </p:nvPr>
+        </p:nvSpPr>
+        <p:spPr/>
+      </p:sp>
+      <p:sp>
+        <p:nvSpPr>
+          <p:cNvPr id="3" name="Notizenplatzhalter 2"/>
+          <p:cNvSpPr>
+            <a:spLocks noGrp="1"/>
+          </p:cNvSpPr>
+          <p:nvPr>
+            <p:ph type="body" idx="1"/>
+          </p:nvPr>
+        </p:nvSpPr>
+        <p:spPr/>
+        <p:txBody>
+          <a:bodyPr/>
+          <a:lstStyle/>
+          <a:p>
+            <a:endParaRPr lang="en-US"/>
+          </a:p>
+        </p:txBody>
+      </p:sp>
+      <p:sp>
+        <p:nvSpPr>
+          <p:cNvPr id="4" name="Foliennummernplatzhalter 3"/>
+          <p:cNvSpPr>
+            <a:spLocks noGrp="1"/>
+          </p:cNvSpPr>
+          <p:nvPr>
+            <p:ph type="sldNum" sz="quarter" idx="10"/>
+          </p:nvPr>
+        </p:nvSpPr>
+        <p:spPr/>
+        <p:txBody>
+          <a:bodyPr/>
+          <a:lstStyle/>
+          <a:p>
+            <a:fld id="{86871EBE-BD7F-4684-AF6B-22612E4611A5}" type="slidenum">
+              <a:rPr lang="en-US" smtClean="0"/>
+              <a:t>1</a:t>
+            </a:fld>
+            <a:endParaRPr lang="en-US"/>
+          </a:p>
+        </p:txBody>
+      </p:sp>
+    </p:spTree>
+    <p:extLst>
+      <p:ext uri="{BB962C8B-B14F-4D97-AF65-F5344CB8AC3E}">
+        <p14:creationId xmlns:p14="http://schemas.microsoft.com/office/powerpoint/2010/main" val="3868658491"/>
+      </p:ext>
+    </p:extLst>
+  </p:cSld>
+  <p:clrMapOvr>
+    <a:masterClrMapping/>
+  </p:clrMapOvr>
+</p:notes>
+</file>
+
+<file path=ppt/notesSlides/notesSlide2.xml><?xml version="1.0" encoding="utf-8"?>
+<p:notes xmlns:a="http://schemas.openxmlformats.org/drawingml/2006/main" xmlns:r="http://schemas.openxmlformats.org/officeDocument/2006/relationships" xmlns:p="http://schemas.openxmlformats.org/presentationml/2006/main">
+  <p:cSld>
+    <p:spTree>
+      <p:nvGrpSpPr>
+        <p:cNvPr id="1" name=""/>
+        <p:cNvGrpSpPr/>
+        <p:nvPr/>
+      </p:nvGrpSpPr>
+      <p:grpSpPr>
+        <a:xfrm>
+          <a:off x="0" y="0"/>
+          <a:ext cx="0" cy="0"/>
+          <a:chOff x="0" y="0"/>
+          <a:chExt cx="0" cy="0"/>
+        </a:xfrm>
+      </p:grpSpPr>
+      <p:sp>
+        <p:nvSpPr>
+          <p:cNvPr id="2" name="Folienbildplatzhalter 1"/>
+          <p:cNvSpPr>
+            <a:spLocks noGrp="1" noRot="1" noChangeAspect="1"/>
+          </p:cNvSpPr>
+          <p:nvPr>
+            <p:ph type="sldImg"/>
+          </p:nvPr>
+        </p:nvSpPr>
+        <p:spPr/>
+      </p:sp>
+      <p:sp>
+        <p:nvSpPr>
+          <p:cNvPr id="3" name="Notizenplatzhalter 2"/>
+          <p:cNvSpPr>
+            <a:spLocks noGrp="1"/>
+          </p:cNvSpPr>
+          <p:nvPr>
+            <p:ph type="body" idx="1"/>
+          </p:nvPr>
+        </p:nvSpPr>
+        <p:spPr/>
+        <p:txBody>
+          <a:bodyPr/>
+          <a:lstStyle/>
+          <a:p>
+            <a:r>
+              <a:rPr lang="de-DE" smtClean="0"/>
+              <a:t>I enjoy cooking, hiking and video games</a:t>
+            </a:r>
+          </a:p>
+          <a:p>
+            <a:r>
+              <a:rPr lang="de-DE" smtClean="0"/>
+              <a:t>I</a:t>
+            </a:r>
+            <a:r>
+              <a:rPr lang="de-DE" baseline="0" smtClean="0"/>
+              <a:t> like</a:t>
+            </a:r>
+            <a:r>
+              <a:rPr lang="de-DE" smtClean="0"/>
+              <a:t> Jazz and Progressive Metal</a:t>
+            </a:r>
+          </a:p>
+          <a:p>
+            <a:r>
+              <a:rPr lang="de-DE" smtClean="0"/>
+              <a:t>And</a:t>
+            </a:r>
+            <a:r>
+              <a:rPr lang="de-DE" baseline="0" smtClean="0"/>
+              <a:t> I‘v b</a:t>
+            </a:r>
+            <a:r>
+              <a:rPr lang="de-DE" smtClean="0"/>
+              <a:t>een playing the guitar for ~15 years, hit me up for lessons</a:t>
+            </a:r>
+          </a:p>
+        </p:txBody>
+      </p:sp>
+      <p:sp>
+        <p:nvSpPr>
+          <p:cNvPr id="4" name="Foliennummernplatzhalter 3"/>
+          <p:cNvSpPr>
+            <a:spLocks noGrp="1"/>
+          </p:cNvSpPr>
+          <p:nvPr>
+            <p:ph type="sldNum" sz="quarter" idx="10"/>
+          </p:nvPr>
+        </p:nvSpPr>
+        <p:spPr/>
+        <p:txBody>
+          <a:bodyPr/>
+          <a:lstStyle/>
+          <a:p>
+            <a:fld id="{86871EBE-BD7F-4684-AF6B-22612E4611A5}" type="slidenum">
+              <a:rPr lang="en-US" smtClean="0"/>
+              <a:t>4</a:t>
+            </a:fld>
+            <a:endParaRPr lang="en-US"/>
+          </a:p>
+        </p:txBody>
+      </p:sp>
+    </p:spTree>
+    <p:extLst>
+      <p:ext uri="{BB962C8B-B14F-4D97-AF65-F5344CB8AC3E}">
+        <p14:creationId xmlns:p14="http://schemas.microsoft.com/office/powerpoint/2010/main" val="3831577471"/>
+      </p:ext>
+    </p:extLst>
+  </p:cSld>
+  <p:clrMapOvr>
+    <a:masterClrMapping/>
+  </p:clrMapOvr>
+</p:notes>
+</file>
+
+<file path=ppt/notesSlides/notesSlide3.xml><?xml version="1.0" encoding="utf-8"?>
+<p:notes xmlns:a="http://schemas.openxmlformats.org/drawingml/2006/main" xmlns:r="http://schemas.openxmlformats.org/officeDocument/2006/relationships" xmlns:p="http://schemas.openxmlformats.org/presentationml/2006/main">
+  <p:cSld>
+    <p:spTree>
+      <p:nvGrpSpPr>
+        <p:cNvPr id="1" name=""/>
+        <p:cNvGrpSpPr/>
+        <p:nvPr/>
+      </p:nvGrpSpPr>
+      <p:grpSpPr>
+        <a:xfrm>
+          <a:off x="0" y="0"/>
+          <a:ext cx="0" cy="0"/>
+          <a:chOff x="0" y="0"/>
+          <a:chExt cx="0" cy="0"/>
+        </a:xfrm>
+      </p:grpSpPr>
+      <p:sp>
+        <p:nvSpPr>
+          <p:cNvPr id="2" name="Folienbildplatzhalter 1"/>
+          <p:cNvSpPr>
+            <a:spLocks noGrp="1" noRot="1" noChangeAspect="1"/>
+          </p:cNvSpPr>
+          <p:nvPr>
+            <p:ph type="sldImg"/>
+          </p:nvPr>
+        </p:nvSpPr>
+        <p:spPr/>
+      </p:sp>
+      <p:sp>
+        <p:nvSpPr>
+          <p:cNvPr id="3" name="Notizenplatzhalter 2"/>
+          <p:cNvSpPr>
+            <a:spLocks noGrp="1"/>
+          </p:cNvSpPr>
+          <p:nvPr>
+            <p:ph type="body" idx="1"/>
+          </p:nvPr>
+        </p:nvSpPr>
+        <p:spPr/>
+        <p:txBody>
+          <a:bodyPr/>
+          <a:lstStyle/>
+          <a:p>
+            <a:r>
+              <a:rPr lang="de-DE" baseline="0" smtClean="0"/>
+              <a:t>Jet engine: Turbine can be seen in the red box</a:t>
+            </a:r>
+          </a:p>
+          <a:p>
+            <a:endParaRPr lang="de-DE" baseline="0" smtClean="0"/>
+          </a:p>
+          <a:p>
+            <a:r>
+              <a:rPr lang="de-DE" baseline="0" smtClean="0"/>
+              <a:t>Motivation for cooling:</a:t>
+            </a:r>
+          </a:p>
+          <a:p>
+            <a:r>
+              <a:rPr lang="de-DE" baseline="0" smtClean="0"/>
+              <a:t>To have optimal</a:t>
+            </a:r>
+            <a:r>
+              <a:rPr lang="de-DE" smtClean="0"/>
+              <a:t> efficiency,</a:t>
+            </a:r>
+            <a:r>
+              <a:rPr lang="de-DE" baseline="0" smtClean="0"/>
+              <a:t> we need really hot gas (T_H big!)</a:t>
+            </a:r>
+            <a:endParaRPr lang="en-US" smtClean="0"/>
+          </a:p>
+          <a:p>
+            <a:r>
+              <a:rPr lang="de-DE" smtClean="0"/>
+              <a:t>But:</a:t>
+            </a:r>
+            <a:r>
+              <a:rPr lang="de-DE" baseline="0" smtClean="0"/>
+              <a:t> Hot fluid melts material</a:t>
+            </a:r>
+          </a:p>
+          <a:p>
+            <a:r>
+              <a:rPr lang="de-DE" baseline="0" smtClean="0"/>
+              <a:t>Thus: Provide structural elements which provide cooling</a:t>
+            </a:r>
+            <a:endParaRPr lang="de-DE" smtClean="0"/>
+          </a:p>
+        </p:txBody>
+      </p:sp>
+      <p:sp>
+        <p:nvSpPr>
+          <p:cNvPr id="4" name="Foliennummernplatzhalter 3"/>
+          <p:cNvSpPr>
+            <a:spLocks noGrp="1"/>
+          </p:cNvSpPr>
+          <p:nvPr>
+            <p:ph type="sldNum" sz="quarter" idx="10"/>
+          </p:nvPr>
+        </p:nvSpPr>
+        <p:spPr/>
+        <p:txBody>
+          <a:bodyPr/>
+          <a:lstStyle/>
+          <a:p>
+            <a:fld id="{86871EBE-BD7F-4684-AF6B-22612E4611A5}" type="slidenum">
+              <a:rPr lang="en-US" smtClean="0"/>
+              <a:t>6</a:t>
+            </a:fld>
+            <a:endParaRPr lang="en-US"/>
+          </a:p>
+        </p:txBody>
+      </p:sp>
+    </p:spTree>
+    <p:extLst>
+      <p:ext uri="{BB962C8B-B14F-4D97-AF65-F5344CB8AC3E}">
+        <p14:creationId xmlns:p14="http://schemas.microsoft.com/office/powerpoint/2010/main" val="593336039"/>
+      </p:ext>
+    </p:extLst>
+  </p:cSld>
+  <p:clrMapOvr>
+    <a:masterClrMapping/>
+  </p:clrMapOvr>
+</p:notes>
+</file>
+
+<file path=ppt/notesSlides/notesSlide4.xml><?xml version="1.0" encoding="utf-8"?>
+<p:notes xmlns:a="http://schemas.openxmlformats.org/drawingml/2006/main" xmlns:r="http://schemas.openxmlformats.org/officeDocument/2006/relationships" xmlns:p="http://schemas.openxmlformats.org/presentationml/2006/main">
+  <p:cSld>
+    <p:spTree>
+      <p:nvGrpSpPr>
+        <p:cNvPr id="1" name=""/>
+        <p:cNvGrpSpPr/>
+        <p:nvPr/>
+      </p:nvGrpSpPr>
+      <p:grpSpPr>
+        <a:xfrm>
+          <a:off x="0" y="0"/>
+          <a:ext cx="0" cy="0"/>
+          <a:chOff x="0" y="0"/>
+          <a:chExt cx="0" cy="0"/>
+        </a:xfrm>
+      </p:grpSpPr>
+      <p:sp>
+        <p:nvSpPr>
+          <p:cNvPr id="2" name="Folienbildplatzhalter 1"/>
+          <p:cNvSpPr>
+            <a:spLocks noGrp="1" noRot="1" noChangeAspect="1"/>
+          </p:cNvSpPr>
+          <p:nvPr>
+            <p:ph type="sldImg"/>
+          </p:nvPr>
+        </p:nvSpPr>
+        <p:spPr/>
+      </p:sp>
+      <p:sp>
+        <p:nvSpPr>
+          <p:cNvPr id="3" name="Notizenplatzhalter 2"/>
+          <p:cNvSpPr>
+            <a:spLocks noGrp="1"/>
+          </p:cNvSpPr>
+          <p:nvPr>
+            <p:ph type="body" idx="1"/>
+          </p:nvPr>
+        </p:nvSpPr>
+        <p:spPr/>
+        <p:txBody>
+          <a:bodyPr/>
+          <a:lstStyle/>
+          <a:p>
+            <a:endParaRPr lang="en-US"/>
+          </a:p>
+        </p:txBody>
+      </p:sp>
+      <p:sp>
+        <p:nvSpPr>
+          <p:cNvPr id="4" name="Foliennummernplatzhalter 3"/>
+          <p:cNvSpPr>
+            <a:spLocks noGrp="1"/>
+          </p:cNvSpPr>
+          <p:nvPr>
+            <p:ph type="sldNum" sz="quarter" idx="10"/>
+          </p:nvPr>
+        </p:nvSpPr>
+        <p:spPr/>
+        <p:txBody>
+          <a:bodyPr/>
+          <a:lstStyle/>
+          <a:p>
+            <a:fld id="{86871EBE-BD7F-4684-AF6B-22612E4611A5}" type="slidenum">
+              <a:rPr lang="en-US" smtClean="0"/>
+              <a:t>7</a:t>
+            </a:fld>
+            <a:endParaRPr lang="en-US"/>
+          </a:p>
+        </p:txBody>
+      </p:sp>
+    </p:spTree>
+    <p:extLst>
+      <p:ext uri="{BB962C8B-B14F-4D97-AF65-F5344CB8AC3E}">
+        <p14:creationId xmlns:p14="http://schemas.microsoft.com/office/powerpoint/2010/main" val="3073167179"/>
+      </p:ext>
+    </p:extLst>
+  </p:cSld>
+  <p:clrMapOvr>
+    <a:masterClrMapping/>
+  </p:clrMapOvr>
+</p:notes>
+</file>
+
+<file path=ppt/notesSlides/notesSlide5.xml><?xml version="1.0" encoding="utf-8"?>
+<p:notes xmlns:a="http://schemas.openxmlformats.org/drawingml/2006/main" xmlns:r="http://schemas.openxmlformats.org/officeDocument/2006/relationships" xmlns:p="http://schemas.openxmlformats.org/presentationml/2006/main">
+  <p:cSld>
+    <p:spTree>
+      <p:nvGrpSpPr>
+        <p:cNvPr id="1" name=""/>
+        <p:cNvGrpSpPr/>
+        <p:nvPr/>
+      </p:nvGrpSpPr>
+      <p:grpSpPr>
+        <a:xfrm>
+          <a:off x="0" y="0"/>
+          <a:ext cx="0" cy="0"/>
+          <a:chOff x="0" y="0"/>
+          <a:chExt cx="0" cy="0"/>
+        </a:xfrm>
+      </p:grpSpPr>
+      <p:sp>
+        <p:nvSpPr>
+          <p:cNvPr id="2" name="Folienbildplatzhalter 1"/>
+          <p:cNvSpPr>
+            <a:spLocks noGrp="1" noRot="1" noChangeAspect="1"/>
+          </p:cNvSpPr>
+          <p:nvPr>
+            <p:ph type="sldImg"/>
+          </p:nvPr>
+        </p:nvSpPr>
+        <p:spPr/>
+      </p:sp>
+      <p:sp>
+        <p:nvSpPr>
+          <p:cNvPr id="3" name="Notizenplatzhalter 2"/>
+          <p:cNvSpPr>
+            <a:spLocks noGrp="1"/>
+          </p:cNvSpPr>
+          <p:nvPr>
+            <p:ph type="body" idx="1"/>
+          </p:nvPr>
+        </p:nvSpPr>
+        <p:spPr/>
+        <p:txBody>
+          <a:bodyPr/>
+          <a:lstStyle/>
+          <a:p>
+            <a:r>
+              <a:rPr lang="de-DE" smtClean="0"/>
+              <a:t>End</a:t>
+            </a:r>
+            <a:r>
+              <a:rPr lang="de-DE" baseline="0" smtClean="0"/>
+              <a:t> of slide: Two examples: channels and film cooling</a:t>
+            </a:r>
+            <a:endParaRPr lang="en-US"/>
+          </a:p>
+        </p:txBody>
+      </p:sp>
+      <p:sp>
+        <p:nvSpPr>
+          <p:cNvPr id="4" name="Foliennummernplatzhalter 3"/>
+          <p:cNvSpPr>
+            <a:spLocks noGrp="1"/>
+          </p:cNvSpPr>
+          <p:nvPr>
+            <p:ph type="sldNum" sz="quarter" idx="10"/>
+          </p:nvPr>
+        </p:nvSpPr>
+        <p:spPr/>
+        <p:txBody>
+          <a:bodyPr/>
+          <a:lstStyle/>
+          <a:p>
+            <a:fld id="{86871EBE-BD7F-4684-AF6B-22612E4611A5}" type="slidenum">
+              <a:rPr lang="en-US" smtClean="0"/>
+              <a:t>9</a:t>
+            </a:fld>
+            <a:endParaRPr lang="en-US"/>
+          </a:p>
+        </p:txBody>
+      </p:sp>
+    </p:spTree>
+    <p:extLst>
+      <p:ext uri="{BB962C8B-B14F-4D97-AF65-F5344CB8AC3E}">
+        <p14:creationId xmlns:p14="http://schemas.microsoft.com/office/powerpoint/2010/main" val="2125381247"/>
+      </p:ext>
+    </p:extLst>
+  </p:cSld>
+  <p:clrMapOvr>
+    <a:masterClrMapping/>
+  </p:clrMapOvr>
+</p:notes>
+</file>
+
+<file path=ppt/notesSlides/notesSlide6.xml><?xml version="1.0" encoding="utf-8"?>
+<p:notes xmlns:a="http://schemas.openxmlformats.org/drawingml/2006/main" xmlns:r="http://schemas.openxmlformats.org/officeDocument/2006/relationships" xmlns:p="http://schemas.openxmlformats.org/presentationml/2006/main">
+  <p:cSld>
+    <p:spTree>
+      <p:nvGrpSpPr>
+        <p:cNvPr id="1" name=""/>
+        <p:cNvGrpSpPr/>
+        <p:nvPr/>
+      </p:nvGrpSpPr>
+      <p:grpSpPr>
+        <a:xfrm>
+          <a:off x="0" y="0"/>
+          <a:ext cx="0" cy="0"/>
+          <a:chOff x="0" y="0"/>
+          <a:chExt cx="0" cy="0"/>
+        </a:xfrm>
+      </p:grpSpPr>
+      <p:sp>
+        <p:nvSpPr>
+          <p:cNvPr id="2" name="Folienbildplatzhalter 1"/>
+          <p:cNvSpPr>
+            <a:spLocks noGrp="1" noRot="1" noChangeAspect="1"/>
+          </p:cNvSpPr>
+          <p:nvPr>
+            <p:ph type="sldImg"/>
+          </p:nvPr>
+        </p:nvSpPr>
+        <p:spPr/>
+      </p:sp>
+      <p:sp>
+        <p:nvSpPr>
+          <p:cNvPr id="3" name="Notizenplatzhalter 2"/>
+          <p:cNvSpPr>
+            <a:spLocks noGrp="1"/>
+          </p:cNvSpPr>
+          <p:nvPr>
+            <p:ph type="body" idx="1"/>
+          </p:nvPr>
+        </p:nvSpPr>
+        <p:spPr/>
+        <p:txBody>
+          <a:bodyPr/>
+          <a:lstStyle/>
+          <a:p>
+            <a:r>
+              <a:rPr lang="de-DE" smtClean="0"/>
+              <a:t>Bendy cooling channels</a:t>
+            </a:r>
+          </a:p>
+          <a:p>
+            <a:r>
+              <a:rPr lang="de-DE" smtClean="0"/>
+              <a:t>Trailing</a:t>
+            </a:r>
+            <a:r>
+              <a:rPr lang="de-DE" baseline="0" smtClean="0"/>
+              <a:t> edge ejection slots</a:t>
+            </a:r>
+          </a:p>
+          <a:p>
+            <a:r>
+              <a:rPr lang="de-DE" baseline="0" smtClean="0"/>
+              <a:t>Impingement inserts</a:t>
+            </a:r>
+          </a:p>
+          <a:p>
+            <a:r>
+              <a:rPr lang="de-DE" baseline="0" smtClean="0"/>
+              <a:t>Impingement inter-channel cooling</a:t>
+            </a:r>
+          </a:p>
+          <a:p>
+            <a:r>
+              <a:rPr lang="de-DE" baseline="0" smtClean="0"/>
+              <a:t>Pin-fin arrays</a:t>
+            </a:r>
+          </a:p>
+          <a:p>
+            <a:endParaRPr lang="en-US"/>
+          </a:p>
+        </p:txBody>
+      </p:sp>
+      <p:sp>
+        <p:nvSpPr>
+          <p:cNvPr id="4" name="Foliennummernplatzhalter 3"/>
+          <p:cNvSpPr>
+            <a:spLocks noGrp="1"/>
+          </p:cNvSpPr>
+          <p:nvPr>
+            <p:ph type="sldNum" sz="quarter" idx="10"/>
+          </p:nvPr>
+        </p:nvSpPr>
+        <p:spPr/>
+        <p:txBody>
+          <a:bodyPr/>
+          <a:lstStyle/>
+          <a:p>
+            <a:fld id="{86871EBE-BD7F-4684-AF6B-22612E4611A5}" type="slidenum">
+              <a:rPr lang="en-US" smtClean="0"/>
+              <a:t>12</a:t>
+            </a:fld>
+            <a:endParaRPr lang="en-US"/>
+          </a:p>
+        </p:txBody>
+      </p:sp>
+    </p:spTree>
+    <p:extLst>
+      <p:ext uri="{BB962C8B-B14F-4D97-AF65-F5344CB8AC3E}">
+        <p14:creationId xmlns:p14="http://schemas.microsoft.com/office/powerpoint/2010/main" val="1062117287"/>
+      </p:ext>
+    </p:extLst>
+  </p:cSld>
+  <p:clrMapOvr>
+    <a:masterClrMapping/>
+  </p:clrMapOvr>
+</p:notes>
+</file>
+
+<file path=ppt/notesSlides/notesSlide7.xml><?xml version="1.0" encoding="utf-8"?>
+<p:notes xmlns:a="http://schemas.openxmlformats.org/drawingml/2006/main" xmlns:r="http://schemas.openxmlformats.org/officeDocument/2006/relationships" xmlns:p="http://schemas.openxmlformats.org/presentationml/2006/main">
+  <p:cSld>
+    <p:spTree>
+      <p:nvGrpSpPr>
+        <p:cNvPr id="1" name=""/>
+        <p:cNvGrpSpPr/>
+        <p:nvPr/>
+      </p:nvGrpSpPr>
+      <p:grpSpPr>
+        <a:xfrm>
+          <a:off x="0" y="0"/>
+          <a:ext cx="0" cy="0"/>
+          <a:chOff x="0" y="0"/>
+          <a:chExt cx="0" cy="0"/>
+        </a:xfrm>
+      </p:grpSpPr>
+      <p:sp>
+        <p:nvSpPr>
+          <p:cNvPr id="2" name="Folienbildplatzhalter 1"/>
+          <p:cNvSpPr>
+            <a:spLocks noGrp="1" noRot="1" noChangeAspect="1"/>
+          </p:cNvSpPr>
+          <p:nvPr>
+            <p:ph type="sldImg"/>
+          </p:nvPr>
+        </p:nvSpPr>
+        <p:spPr/>
+      </p:sp>
+      <p:sp>
+        <p:nvSpPr>
+          <p:cNvPr id="3" name="Notizenplatzhalter 2"/>
+          <p:cNvSpPr>
+            <a:spLocks noGrp="1"/>
+          </p:cNvSpPr>
+          <p:nvPr>
+            <p:ph type="body" idx="1"/>
+          </p:nvPr>
+        </p:nvSpPr>
+        <p:spPr/>
+        <p:txBody>
+          <a:bodyPr/>
+          <a:lstStyle/>
+          <a:p>
+            <a:r>
+              <a:rPr lang="de-DE" smtClean="0"/>
+              <a:t>Fluid is the negative of the solid</a:t>
+            </a:r>
+          </a:p>
+          <a:p>
+            <a:r>
+              <a:rPr lang="de-DE" smtClean="0"/>
+              <a:t>Bounded symmetrically</a:t>
+            </a:r>
+            <a:r>
+              <a:rPr lang="de-DE" baseline="0" smtClean="0"/>
+              <a:t> to produce tiling of turbine stage</a:t>
+            </a:r>
+            <a:endParaRPr lang="en-US"/>
+          </a:p>
+        </p:txBody>
+      </p:sp>
+      <p:sp>
+        <p:nvSpPr>
+          <p:cNvPr id="4" name="Foliennummernplatzhalter 3"/>
+          <p:cNvSpPr>
+            <a:spLocks noGrp="1"/>
+          </p:cNvSpPr>
+          <p:nvPr>
+            <p:ph type="sldNum" sz="quarter" idx="10"/>
+          </p:nvPr>
+        </p:nvSpPr>
+        <p:spPr/>
+        <p:txBody>
+          <a:bodyPr/>
+          <a:lstStyle/>
+          <a:p>
+            <a:fld id="{86871EBE-BD7F-4684-AF6B-22612E4611A5}" type="slidenum">
+              <a:rPr lang="en-US" smtClean="0"/>
+              <a:t>13</a:t>
+            </a:fld>
+            <a:endParaRPr lang="en-US"/>
+          </a:p>
+        </p:txBody>
+      </p:sp>
+    </p:spTree>
+    <p:extLst>
+      <p:ext uri="{BB962C8B-B14F-4D97-AF65-F5344CB8AC3E}">
+        <p14:creationId xmlns:p14="http://schemas.microsoft.com/office/powerpoint/2010/main" val="590573069"/>
+      </p:ext>
+    </p:extLst>
+  </p:cSld>
+  <p:clrMapOvr>
+    <a:masterClrMapping/>
+  </p:clrMapOvr>
+</p:notes>
+</file>
+
+<file path=ppt/notesSlides/notesSlide8.xml><?xml version="1.0" encoding="utf-8"?>
+<p:notes xmlns:a="http://schemas.openxmlformats.org/drawingml/2006/main" xmlns:r="http://schemas.openxmlformats.org/officeDocument/2006/relationships" xmlns:p="http://schemas.openxmlformats.org/presentationml/2006/main">
+  <p:cSld>
+    <p:spTree>
+      <p:nvGrpSpPr>
+        <p:cNvPr id="1" name=""/>
+        <p:cNvGrpSpPr/>
+        <p:nvPr/>
+      </p:nvGrpSpPr>
+      <p:grpSpPr>
+        <a:xfrm>
+          <a:off x="0" y="0"/>
+          <a:ext cx="0" cy="0"/>
+          <a:chOff x="0" y="0"/>
+          <a:chExt cx="0" cy="0"/>
+        </a:xfrm>
+      </p:grpSpPr>
+      <p:sp>
+        <p:nvSpPr>
+          <p:cNvPr id="2" name="Folienbildplatzhalter 1"/>
+          <p:cNvSpPr>
+            <a:spLocks noGrp="1" noRot="1" noChangeAspect="1"/>
+          </p:cNvSpPr>
+          <p:nvPr>
+            <p:ph type="sldImg"/>
+          </p:nvPr>
+        </p:nvSpPr>
+        <p:spPr/>
+      </p:sp>
+      <p:sp>
+        <p:nvSpPr>
+          <p:cNvPr id="3" name="Notizenplatzhalter 2"/>
+          <p:cNvSpPr>
+            <a:spLocks noGrp="1"/>
+          </p:cNvSpPr>
+          <p:nvPr>
+            <p:ph type="body" idx="1"/>
+          </p:nvPr>
+        </p:nvSpPr>
+        <p:spPr/>
+        <p:txBody>
+          <a:bodyPr/>
+          <a:lstStyle/>
+          <a:p>
+            <a:r>
+              <a:rPr lang="de-DE" smtClean="0"/>
+              <a:t>Evaluate </a:t>
+            </a:r>
+            <a:r>
+              <a:rPr lang="de-DE" baseline="0" smtClean="0"/>
+              <a:t>design using CFD</a:t>
+            </a:r>
+            <a:endParaRPr lang="en-US"/>
+          </a:p>
+        </p:txBody>
+      </p:sp>
+      <p:sp>
+        <p:nvSpPr>
+          <p:cNvPr id="4" name="Foliennummernplatzhalter 3"/>
+          <p:cNvSpPr>
+            <a:spLocks noGrp="1"/>
+          </p:cNvSpPr>
+          <p:nvPr>
+            <p:ph type="sldNum" sz="quarter" idx="10"/>
+          </p:nvPr>
+        </p:nvSpPr>
+        <p:spPr/>
+        <p:txBody>
+          <a:bodyPr/>
+          <a:lstStyle/>
+          <a:p>
+            <a:fld id="{86871EBE-BD7F-4684-AF6B-22612E4611A5}" type="slidenum">
+              <a:rPr lang="en-US" smtClean="0"/>
+              <a:t>14</a:t>
+            </a:fld>
+            <a:endParaRPr lang="en-US"/>
+          </a:p>
+        </p:txBody>
+      </p:sp>
+    </p:spTree>
+    <p:extLst>
+      <p:ext uri="{BB962C8B-B14F-4D97-AF65-F5344CB8AC3E}">
+        <p14:creationId xmlns:p14="http://schemas.microsoft.com/office/powerpoint/2010/main" val="1025876675"/>
+      </p:ext>
+    </p:extLst>
+  </p:cSld>
+  <p:clrMapOvr>
+    <a:masterClrMapping/>
+  </p:clrMapOvr>
+</p:notes>
+</file>
+
+<file path=ppt/notesSlides/notesSlide9.xml><?xml version="1.0" encoding="utf-8"?>
+<p:notes xmlns:a="http://schemas.openxmlformats.org/drawingml/2006/main" xmlns:r="http://schemas.openxmlformats.org/officeDocument/2006/relationships" xmlns:p="http://schemas.openxmlformats.org/presentationml/2006/main">
+  <p:cSld>
+    <p:spTree>
+      <p:nvGrpSpPr>
+        <p:cNvPr id="1" name=""/>
+        <p:cNvGrpSpPr/>
+        <p:nvPr/>
+      </p:nvGrpSpPr>
+      <p:grpSpPr>
+        <a:xfrm>
+          <a:off x="0" y="0"/>
+          <a:ext cx="0" cy="0"/>
+          <a:chOff x="0" y="0"/>
+          <a:chExt cx="0" cy="0"/>
+        </a:xfrm>
+      </p:grpSpPr>
+      <p:sp>
+        <p:nvSpPr>
+          <p:cNvPr id="2" name="Folienbildplatzhalter 1"/>
+          <p:cNvSpPr>
+            <a:spLocks noGrp="1" noRot="1" noChangeAspect="1"/>
+          </p:cNvSpPr>
+          <p:nvPr>
+            <p:ph type="sldImg"/>
+          </p:nvPr>
+        </p:nvSpPr>
+        <p:spPr/>
+      </p:sp>
+      <p:sp>
+        <p:nvSpPr>
+          <p:cNvPr id="3" name="Notizenplatzhalter 2"/>
+          <p:cNvSpPr>
+            <a:spLocks noGrp="1"/>
+          </p:cNvSpPr>
+          <p:nvPr>
+            <p:ph type="body" idx="1"/>
+          </p:nvPr>
+        </p:nvSpPr>
+        <p:spPr/>
+        <p:txBody>
+          <a:bodyPr/>
+          <a:lstStyle/>
+          <a:p>
+            <a:r>
+              <a:rPr lang="de-DE" smtClean="0"/>
+              <a:t>My</a:t>
+            </a:r>
+            <a:r>
+              <a:rPr lang="de-DE" baseline="0" smtClean="0"/>
+              <a:t> motivation:</a:t>
+            </a:r>
+          </a:p>
+          <a:p>
+            <a:r>
+              <a:rPr lang="de-DE" baseline="0" smtClean="0"/>
+              <a:t>Highly DSP related: To my knowledge, all known solutions use some kind of Wavelet/Fourier transform, which I always found interesting</a:t>
+            </a:r>
+          </a:p>
+          <a:p>
+            <a:endParaRPr lang="de-DE" baseline="0" smtClean="0"/>
+          </a:p>
+          <a:p>
+            <a:endParaRPr lang="de-DE" baseline="0" smtClean="0"/>
+          </a:p>
+          <a:p>
+            <a:endParaRPr lang="de-DE" baseline="0" smtClean="0"/>
+          </a:p>
+          <a:p>
+            <a:endParaRPr lang="en-US"/>
+          </a:p>
+        </p:txBody>
+      </p:sp>
+      <p:sp>
+        <p:nvSpPr>
+          <p:cNvPr id="4" name="Foliennummernplatzhalter 3"/>
+          <p:cNvSpPr>
+            <a:spLocks noGrp="1"/>
+          </p:cNvSpPr>
+          <p:nvPr>
+            <p:ph type="sldNum" sz="quarter" idx="10"/>
+          </p:nvPr>
+        </p:nvSpPr>
+        <p:spPr/>
+        <p:txBody>
+          <a:bodyPr/>
+          <a:lstStyle/>
+          <a:p>
+            <a:fld id="{86871EBE-BD7F-4684-AF6B-22612E4611A5}" type="slidenum">
+              <a:rPr lang="en-US" smtClean="0"/>
+              <a:t>17</a:t>
+            </a:fld>
+            <a:endParaRPr lang="en-US"/>
+          </a:p>
+        </p:txBody>
+      </p:sp>
+    </p:spTree>
+    <p:extLst>
+      <p:ext uri="{BB962C8B-B14F-4D97-AF65-F5344CB8AC3E}">
+        <p14:creationId xmlns:p14="http://schemas.microsoft.com/office/powerpoint/2010/main" val="3144588287"/>
+      </p:ext>
+    </p:extLst>
+  </p:cSld>
+  <p:clrMapOvr>
+    <a:masterClrMapping/>
+  </p:clrMapOvr>
+</p:notes>
+</file>
+
 <file path=ppt/slideLayouts/slideLayout1.xml><?xml version="1.0" encoding="utf-8"?>
 <p:sldLayout xmlns:a="http://schemas.openxmlformats.org/drawingml/2006/main" xmlns:r="http://schemas.openxmlformats.org/officeDocument/2006/relationships" xmlns:p="http://schemas.openxmlformats.org/presentationml/2006/main" type="title" preserve="1">
   <p:cSld name="Titelfolie">
@@ -260,7 +1534,7 @@
           <a:p>
             <a:fld id="{DA3F6A26-0A3E-4729-AA5F-90F33F5A220B}" type="datetimeFigureOut">
               <a:rPr lang="de-DE" smtClean="0"/>
-              <a:t>11.03.2023</a:t>
+              <a:t>13.03.2023</a:t>
             </a:fld>
             <a:endParaRPr lang="de-DE"/>
           </a:p>
@@ -430,7 +1704,7 @@
           <a:p>
             <a:fld id="{DA3F6A26-0A3E-4729-AA5F-90F33F5A220B}" type="datetimeFigureOut">
               <a:rPr lang="de-DE" smtClean="0"/>
-              <a:t>11.03.2023</a:t>
+              <a:t>13.03.2023</a:t>
             </a:fld>
             <a:endParaRPr lang="de-DE"/>
           </a:p>
@@ -610,7 +1884,7 @@
           <a:p>
             <a:fld id="{DA3F6A26-0A3E-4729-AA5F-90F33F5A220B}" type="datetimeFigureOut">
               <a:rPr lang="de-DE" smtClean="0"/>
-              <a:t>11.03.2023</a:t>
+              <a:t>13.03.2023</a:t>
             </a:fld>
             <a:endParaRPr lang="de-DE"/>
           </a:p>
@@ -780,7 +2054,7 @@
           <a:p>
             <a:fld id="{DA3F6A26-0A3E-4729-AA5F-90F33F5A220B}" type="datetimeFigureOut">
               <a:rPr lang="de-DE" smtClean="0"/>
-              <a:t>11.03.2023</a:t>
+              <a:t>13.03.2023</a:t>
             </a:fld>
             <a:endParaRPr lang="de-DE"/>
           </a:p>
@@ -1026,7 +2300,7 @@
           <a:p>
             <a:fld id="{DA3F6A26-0A3E-4729-AA5F-90F33F5A220B}" type="datetimeFigureOut">
               <a:rPr lang="de-DE" smtClean="0"/>
-              <a:t>11.03.2023</a:t>
+              <a:t>13.03.2023</a:t>
             </a:fld>
             <a:endParaRPr lang="de-DE"/>
           </a:p>
@@ -1258,7 +2532,7 @@
           <a:p>
             <a:fld id="{DA3F6A26-0A3E-4729-AA5F-90F33F5A220B}" type="datetimeFigureOut">
               <a:rPr lang="de-DE" smtClean="0"/>
-              <a:t>11.03.2023</a:t>
+              <a:t>13.03.2023</a:t>
             </a:fld>
             <a:endParaRPr lang="de-DE"/>
           </a:p>
@@ -1625,7 +2899,7 @@
           <a:p>
             <a:fld id="{DA3F6A26-0A3E-4729-AA5F-90F33F5A220B}" type="datetimeFigureOut">
               <a:rPr lang="de-DE" smtClean="0"/>
-              <a:t>11.03.2023</a:t>
+              <a:t>13.03.2023</a:t>
             </a:fld>
             <a:endParaRPr lang="de-DE"/>
           </a:p>
@@ -1743,7 +3017,7 @@
           <a:p>
             <a:fld id="{DA3F6A26-0A3E-4729-AA5F-90F33F5A220B}" type="datetimeFigureOut">
               <a:rPr lang="de-DE" smtClean="0"/>
-              <a:t>11.03.2023</a:t>
+              <a:t>13.03.2023</a:t>
             </a:fld>
             <a:endParaRPr lang="de-DE"/>
           </a:p>
@@ -1838,7 +3112,7 @@
           <a:p>
             <a:fld id="{DA3F6A26-0A3E-4729-AA5F-90F33F5A220B}" type="datetimeFigureOut">
               <a:rPr lang="de-DE" smtClean="0"/>
-              <a:t>11.03.2023</a:t>
+              <a:t>13.03.2023</a:t>
             </a:fld>
             <a:endParaRPr lang="de-DE"/>
           </a:p>
@@ -2115,7 +3389,7 @@
           <a:p>
             <a:fld id="{DA3F6A26-0A3E-4729-AA5F-90F33F5A220B}" type="datetimeFigureOut">
               <a:rPr lang="de-DE" smtClean="0"/>
-              <a:t>11.03.2023</a:t>
+              <a:t>13.03.2023</a:t>
             </a:fld>
             <a:endParaRPr lang="de-DE"/>
           </a:p>
@@ -2286,7 +3560,7 @@
               <a:rPr lang="de-DE" smtClean="0"/>
               <a:t>Bild durch Klicken auf Symbol hinzufügen</a:t>
             </a:r>
-            <a:endParaRPr lang="en-US" dirty="0"/>
+            <a:endParaRPr lang="en-US"/>
           </a:p>
         </p:txBody>
       </p:sp>
@@ -2372,7 +3646,7 @@
           <a:p>
             <a:fld id="{DA3F6A26-0A3E-4729-AA5F-90F33F5A220B}" type="datetimeFigureOut">
               <a:rPr lang="de-DE" smtClean="0"/>
-              <a:t>11.03.2023</a:t>
+              <a:t>13.03.2023</a:t>
             </a:fld>
             <a:endParaRPr lang="de-DE"/>
           </a:p>
@@ -2585,7 +3859,7 @@
           <a:p>
             <a:fld id="{DA3F6A26-0A3E-4729-AA5F-90F33F5A220B}" type="datetimeFigureOut">
               <a:rPr lang="de-DE" smtClean="0"/>
-              <a:t>11.03.2023</a:t>
+              <a:t>13.03.2023</a:t>
             </a:fld>
             <a:endParaRPr lang="de-DE"/>
           </a:p>
@@ -3005,16 +4279,21 @@
             <p:ph type="ctrTitle"/>
           </p:nvPr>
         </p:nvSpPr>
-        <p:spPr/>
+        <p:spPr>
+          <a:xfrm>
+            <a:off x="1524000" y="285782"/>
+            <a:ext cx="9144000" cy="2387600"/>
+          </a:xfrm>
+        </p:spPr>
         <p:txBody>
           <a:bodyPr/>
           <a:lstStyle/>
           <a:p>
             <a:r>
-              <a:rPr lang="de-DE" dirty="0" smtClean="0"/>
+              <a:rPr lang="de-DE" smtClean="0"/>
               <a:t>Julian Lüken</a:t>
             </a:r>
-            <a:endParaRPr lang="de-DE" dirty="0"/>
+            <a:endParaRPr lang="de-DE"/>
           </a:p>
         </p:txBody>
       </p:sp>
@@ -3028,7 +4307,12 @@
             <p:ph type="subTitle" idx="1"/>
           </p:nvPr>
         </p:nvSpPr>
-        <p:spPr/>
+        <p:spPr>
+          <a:xfrm>
+            <a:off x="1524000" y="2843279"/>
+            <a:ext cx="9144000" cy="1655762"/>
+          </a:xfrm>
+        </p:spPr>
         <p:txBody>
           <a:bodyPr>
             <a:normAutofit/>
@@ -3037,22 +4321,201 @@
           <a:p>
             <a:pPr fontAlgn="base"/>
             <a:r>
-              <a:rPr lang="en-US" dirty="0"/>
-              <a:t>Avid lover of all things Computer Science and Math.</a:t>
-            </a:r>
-          </a:p>
-          <a:p>
-            <a:r>
-              <a:rPr lang="en-US" dirty="0"/>
-              <a:t/>
-            </a:r>
-            <a:br>
-              <a:rPr lang="en-US" dirty="0"/>
-            </a:br>
-            <a:endParaRPr lang="de-DE" dirty="0"/>
-          </a:p>
-        </p:txBody>
-      </p:sp>
+              <a:rPr lang="en-US"/>
+              <a:t>Avid lover of all things Computer Science and Math</a:t>
+            </a:r>
+            <a:r>
+              <a:rPr lang="en-US" smtClean="0"/>
+              <a:t>.</a:t>
+            </a:r>
+            <a:endParaRPr lang="en-US"/>
+          </a:p>
+        </p:txBody>
+      </p:sp>
+      <p:graphicFrame>
+        <p:nvGraphicFramePr>
+          <p:cNvPr id="4" name="Tabelle 3"/>
+          <p:cNvGraphicFramePr>
+            <a:graphicFrameLocks noGrp="1"/>
+          </p:cNvGraphicFramePr>
+          <p:nvPr>
+            <p:extLst>
+              <p:ext uri="{D42A27DB-BD31-4B8C-83A1-F6EECF244321}">
+                <p14:modId xmlns:p14="http://schemas.microsoft.com/office/powerpoint/2010/main" val="1664826358"/>
+              </p:ext>
+            </p:extLst>
+          </p:nvPr>
+        </p:nvGraphicFramePr>
+        <p:xfrm>
+          <a:off x="4364388" y="3756757"/>
+          <a:ext cx="3618872" cy="782117"/>
+        </p:xfrm>
+        <a:graphic>
+          <a:graphicData uri="http://schemas.openxmlformats.org/drawingml/2006/table">
+            <a:tbl>
+              <a:tblPr firstRow="1" bandRow="1">
+                <a:tableStyleId>{5C22544A-7EE6-4342-B048-85BDC9FD1C3A}</a:tableStyleId>
+              </a:tblPr>
+              <a:tblGrid>
+                <a:gridCol w="457200">
+                  <a:extLst>
+                    <a:ext uri="{9D8B030D-6E8A-4147-A177-3AD203B41FA5}">
+                      <a16:colId xmlns:a16="http://schemas.microsoft.com/office/drawing/2014/main" val="1639610738"/>
+                    </a:ext>
+                  </a:extLst>
+                </a:gridCol>
+                <a:gridCol w="3161672">
+                  <a:extLst>
+                    <a:ext uri="{9D8B030D-6E8A-4147-A177-3AD203B41FA5}">
+                      <a16:colId xmlns:a16="http://schemas.microsoft.com/office/drawing/2014/main" val="1076464760"/>
+                    </a:ext>
+                  </a:extLst>
+                </a:gridCol>
+              </a:tblGrid>
+              <a:tr h="411277">
+                <a:tc>
+                  <a:txBody>
+                    <a:bodyPr/>
+                    <a:lstStyle/>
+                    <a:p>
+                      <a:pPr algn="ctr" fontAlgn="base"/>
+                      <a:r>
+                        <a:rPr lang="en-US" smtClean="0">
+                          <a:solidFill>
+                            <a:schemeClr val="tx1"/>
+                          </a:solidFill>
+                        </a:rPr>
+                        <a:t>🌐</a:t>
+                      </a:r>
+                    </a:p>
+                  </a:txBody>
+                  <a:tcPr>
+                    <a:noFill/>
+                  </a:tcPr>
+                </a:tc>
+                <a:tc>
+                  <a:txBody>
+                    <a:bodyPr/>
+                    <a:lstStyle/>
+                    <a:p>
+                      <a:r>
+                        <a:rPr lang="en-US" b="0" smtClean="0">
+                          <a:solidFill>
+                            <a:schemeClr val="tx1"/>
+                          </a:solidFill>
+                        </a:rPr>
+                        <a:t>https://boolean-julian.github.io</a:t>
+                      </a:r>
+                      <a:endParaRPr lang="en-US" b="0">
+                        <a:solidFill>
+                          <a:schemeClr val="tx1"/>
+                        </a:solidFill>
+                      </a:endParaRPr>
+                    </a:p>
+                  </a:txBody>
+                  <a:tcPr>
+                    <a:noFill/>
+                  </a:tcPr>
+                </a:tc>
+                <a:extLst>
+                  <a:ext uri="{0D108BD9-81ED-4DB2-BD59-A6C34878D82A}">
+                    <a16:rowId xmlns:a16="http://schemas.microsoft.com/office/drawing/2014/main" val="2125967698"/>
+                  </a:ext>
+                </a:extLst>
+              </a:tr>
+              <a:tr h="370840">
+                <a:tc>
+                  <a:txBody>
+                    <a:bodyPr/>
+                    <a:lstStyle/>
+                    <a:p>
+                      <a:pPr marL="0" marR="0" lvl="0" indent="0" algn="ctr" defTabSz="914400" rtl="0" eaLnBrk="1" fontAlgn="auto" latinLnBrk="0" hangingPunct="1">
+                        <a:lnSpc>
+                          <a:spcPct val="100000"/>
+                        </a:lnSpc>
+                        <a:spcBef>
+                          <a:spcPts val="0"/>
+                        </a:spcBef>
+                        <a:spcAft>
+                          <a:spcPts val="0"/>
+                        </a:spcAft>
+                        <a:buClrTx/>
+                        <a:buSzTx/>
+                        <a:buFontTx/>
+                        <a:buNone/>
+                        <a:tabLst/>
+                        <a:defRPr/>
+                      </a:pPr>
+                      <a:r>
+                        <a:rPr lang="de-DE" b="1" smtClean="0">
+                          <a:solidFill>
+                            <a:schemeClr val="tx1"/>
+                          </a:solidFill>
+                        </a:rPr>
+                        <a:t>✉</a:t>
+                      </a:r>
+                      <a:endParaRPr lang="en-US" b="1">
+                        <a:solidFill>
+                          <a:schemeClr val="tx1"/>
+                        </a:solidFill>
+                      </a:endParaRPr>
+                    </a:p>
+                  </a:txBody>
+                  <a:tcPr>
+                    <a:noFill/>
+                  </a:tcPr>
+                </a:tc>
+                <a:tc>
+                  <a:txBody>
+                    <a:bodyPr/>
+                    <a:lstStyle/>
+                    <a:p>
+                      <a:pPr marL="0" marR="0" lvl="0" indent="0" algn="l" defTabSz="914400" rtl="0" eaLnBrk="1" fontAlgn="auto" latinLnBrk="0" hangingPunct="1">
+                        <a:lnSpc>
+                          <a:spcPct val="100000"/>
+                        </a:lnSpc>
+                        <a:spcBef>
+                          <a:spcPts val="0"/>
+                        </a:spcBef>
+                        <a:spcAft>
+                          <a:spcPts val="0"/>
+                        </a:spcAft>
+                        <a:buClrTx/>
+                        <a:buSzTx/>
+                        <a:buFontTx/>
+                        <a:buNone/>
+                        <a:tabLst/>
+                        <a:defRPr/>
+                      </a:pPr>
+                      <a:r>
+                        <a:rPr lang="de-DE" smtClean="0">
+                          <a:solidFill>
+                            <a:schemeClr val="tx1"/>
+                          </a:solidFill>
+                        </a:rPr>
+                        <a:t>julian-lueken@t-online.de</a:t>
+                      </a:r>
+                      <a:endParaRPr lang="en-US" smtClean="0">
+                        <a:solidFill>
+                          <a:schemeClr val="tx1"/>
+                        </a:solidFill>
+                      </a:endParaRPr>
+                    </a:p>
+                  </a:txBody>
+                  <a:tcPr>
+                    <a:noFill/>
+                  </a:tcPr>
+                </a:tc>
+                <a:extLst>
+                  <a:ext uri="{0D108BD9-81ED-4DB2-BD59-A6C34878D82A}">
+                    <a16:rowId xmlns:a16="http://schemas.microsoft.com/office/drawing/2014/main" val="2547750749"/>
+                  </a:ext>
+                </a:extLst>
+              </a:tr>
+            </a:tbl>
+          </a:graphicData>
+        </a:graphic>
+      </p:graphicFrame>
     </p:spTree>
     <p:extLst>
       <p:ext uri="{BB962C8B-B14F-4D97-AF65-F5344CB8AC3E}">
@@ -3090,64 +4553,16 @@
           <a:chExt cx="0" cy="0"/>
         </a:xfrm>
       </p:grpSpPr>
-      <p:pic>
-        <p:nvPicPr>
-          <p:cNvPr id="4" name="Grafik 3"/>
-          <p:cNvPicPr>
-            <a:picLocks noChangeAspect="1"/>
-          </p:cNvPicPr>
-          <p:nvPr/>
-        </p:nvPicPr>
-        <p:blipFill>
-          <a:blip r:embed="rId2"/>
-          <a:stretch>
-            <a:fillRect/>
-          </a:stretch>
-        </p:blipFill>
-        <p:spPr>
-          <a:xfrm>
-            <a:off x="601300" y="1649644"/>
-            <a:ext cx="3649211" cy="4019771"/>
-          </a:xfrm>
-          <a:prstGeom prst="rect">
-            <a:avLst/>
-          </a:prstGeom>
-        </p:spPr>
-      </p:pic>
-      <p:pic>
-        <p:nvPicPr>
-          <p:cNvPr id="5" name="Grafik 4"/>
-          <p:cNvPicPr>
-            <a:picLocks noChangeAspect="1"/>
-          </p:cNvPicPr>
-          <p:nvPr/>
-        </p:nvPicPr>
-        <p:blipFill>
-          <a:blip r:embed="rId3"/>
-          <a:stretch>
-            <a:fillRect/>
-          </a:stretch>
-        </p:blipFill>
-        <p:spPr>
-          <a:xfrm>
-            <a:off x="5651194" y="1649644"/>
-            <a:ext cx="5292944" cy="4638989"/>
-          </a:xfrm>
-          <a:prstGeom prst="rect">
-            <a:avLst/>
-          </a:prstGeom>
-        </p:spPr>
-      </p:pic>
-      <p:sp>
-        <p:nvSpPr>
-          <p:cNvPr id="6" name="Textfeld 5"/>
+      <p:sp>
+        <p:nvSpPr>
+          <p:cNvPr id="5" name="Textfeld 4"/>
           <p:cNvSpPr txBox="1"/>
           <p:nvPr/>
         </p:nvSpPr>
         <p:spPr>
           <a:xfrm>
             <a:off x="419450" y="446059"/>
-            <a:ext cx="1463991" cy="369332"/>
+            <a:ext cx="4947893" cy="369332"/>
           </a:xfrm>
           <a:prstGeom prst="rect">
             <a:avLst/>
@@ -3161,364 +4576,14 @@
           <a:lstStyle/>
           <a:p>
             <a:r>
-              <a:rPr lang="de-DE" b="1" dirty="0" smtClean="0"/>
-              <a:t>Hole </a:t>
-            </a:r>
-            <a:r>
-              <a:rPr lang="de-DE" b="1" dirty="0" err="1" smtClean="0"/>
-              <a:t>creation</a:t>
-            </a:r>
-            <a:endParaRPr lang="de-DE" b="1" dirty="0"/>
-          </a:p>
-        </p:txBody>
-      </p:sp>
-      <p:sp>
-        <p:nvSpPr>
-          <p:cNvPr id="7" name="Textfeld 6"/>
-          <p:cNvSpPr txBox="1"/>
-          <p:nvPr/>
-        </p:nvSpPr>
-        <p:spPr>
-          <a:xfrm>
-            <a:off x="840120" y="909352"/>
-            <a:ext cx="3741281" cy="646331"/>
-          </a:xfrm>
-          <a:prstGeom prst="rect">
-            <a:avLst/>
-          </a:prstGeom>
-          <a:noFill/>
-        </p:spPr>
-        <p:txBody>
-          <a:bodyPr wrap="none" rtlCol="0">
-            <a:spAutoFit/>
-          </a:bodyPr>
-          <a:lstStyle/>
-          <a:p>
-            <a:r>
-              <a:rPr lang="de-DE" dirty="0" smtClean="0"/>
-              <a:t>Basic 2D </a:t>
-            </a:r>
-            <a:r>
-              <a:rPr lang="de-DE" dirty="0" err="1" smtClean="0"/>
-              <a:t>curves</a:t>
-            </a:r>
-            <a:endParaRPr lang="de-DE" dirty="0" smtClean="0"/>
-          </a:p>
-          <a:p>
-            <a:r>
-              <a:rPr lang="de-DE" dirty="0" smtClean="0"/>
-              <a:t>In </a:t>
-            </a:r>
-            <a:r>
-              <a:rPr lang="de-DE" dirty="0" err="1" smtClean="0"/>
-              <a:t>this</a:t>
-            </a:r>
-            <a:r>
-              <a:rPr lang="de-DE" dirty="0" smtClean="0"/>
-              <a:t> </a:t>
-            </a:r>
-            <a:r>
-              <a:rPr lang="de-DE" dirty="0" err="1" smtClean="0"/>
-              <a:t>case</a:t>
-            </a:r>
-            <a:r>
-              <a:rPr lang="de-DE" dirty="0" smtClean="0"/>
-              <a:t>: </a:t>
-            </a:r>
-            <a:r>
-              <a:rPr lang="de-DE" dirty="0" err="1" smtClean="0"/>
-              <a:t>circle</a:t>
-            </a:r>
-            <a:r>
-              <a:rPr lang="de-DE" dirty="0" smtClean="0"/>
-              <a:t>, </a:t>
-            </a:r>
-            <a:r>
-              <a:rPr lang="de-DE" dirty="0" err="1" smtClean="0"/>
-              <a:t>rounded</a:t>
-            </a:r>
-            <a:r>
-              <a:rPr lang="de-DE" dirty="0" smtClean="0"/>
-              <a:t> </a:t>
-            </a:r>
-            <a:r>
-              <a:rPr lang="de-DE" dirty="0" err="1" smtClean="0"/>
-              <a:t>rectangle</a:t>
-            </a:r>
-            <a:endParaRPr lang="de-DE" dirty="0"/>
-          </a:p>
-        </p:txBody>
-      </p:sp>
-      <p:sp>
-        <p:nvSpPr>
-          <p:cNvPr id="8" name="Pfeil nach oben 7"/>
-          <p:cNvSpPr/>
-          <p:nvPr/>
-        </p:nvSpPr>
-        <p:spPr>
-          <a:xfrm rot="5400000">
-            <a:off x="4901639" y="3009954"/>
-            <a:ext cx="348780" cy="400557"/>
-          </a:xfrm>
-          <a:prstGeom prst="upArrow">
-            <a:avLst/>
-          </a:prstGeom>
-        </p:spPr>
-        <p:style>
-          <a:lnRef idx="2">
-            <a:schemeClr val="accent1">
-              <a:shade val="50000"/>
-            </a:schemeClr>
-          </a:lnRef>
-          <a:fillRef idx="1">
-            <a:schemeClr val="accent1"/>
-          </a:fillRef>
-          <a:effectRef idx="0">
-            <a:schemeClr val="accent1"/>
-          </a:effectRef>
-          <a:fontRef idx="minor">
-            <a:schemeClr val="lt1"/>
-          </a:fontRef>
-        </p:style>
-        <p:txBody>
-          <a:bodyPr rtlCol="0" anchor="ctr"/>
-          <a:lstStyle/>
-          <a:p>
-            <a:pPr algn="ctr"/>
-            <a:endParaRPr lang="de-DE"/>
-          </a:p>
-        </p:txBody>
-      </p:sp>
-      <p:sp>
-        <p:nvSpPr>
-          <p:cNvPr id="9" name="Textfeld 8"/>
-          <p:cNvSpPr txBox="1"/>
-          <p:nvPr/>
-        </p:nvSpPr>
-        <p:spPr>
-          <a:xfrm>
-            <a:off x="5790377" y="726314"/>
-            <a:ext cx="1887012" cy="923330"/>
-          </a:xfrm>
-          <a:prstGeom prst="rect">
-            <a:avLst/>
-          </a:prstGeom>
-          <a:noFill/>
-        </p:spPr>
-        <p:txBody>
-          <a:bodyPr wrap="square" rtlCol="0">
-            <a:spAutoFit/>
-          </a:bodyPr>
-          <a:lstStyle/>
-          <a:p>
-            <a:pPr algn="ctr"/>
-            <a:r>
-              <a:rPr lang="de-DE" dirty="0" err="1" smtClean="0"/>
-              <a:t>Embed</a:t>
-            </a:r>
-            <a:r>
-              <a:rPr lang="de-DE" dirty="0" smtClean="0"/>
-              <a:t> in 3D </a:t>
-            </a:r>
-            <a:r>
-              <a:rPr lang="de-DE" dirty="0" err="1" smtClean="0"/>
-              <a:t>space</a:t>
-            </a:r>
-            <a:r>
-              <a:rPr lang="de-DE" dirty="0" smtClean="0"/>
-              <a:t> </a:t>
-            </a:r>
-            <a:r>
-              <a:rPr lang="de-DE" dirty="0" err="1" smtClean="0"/>
-              <a:t>using</a:t>
-            </a:r>
-            <a:r>
-              <a:rPr lang="de-DE" dirty="0" smtClean="0"/>
-              <a:t> </a:t>
-            </a:r>
-            <a:r>
-              <a:rPr lang="de-DE" dirty="0" err="1" smtClean="0"/>
-              <a:t>line</a:t>
-            </a:r>
-            <a:r>
-              <a:rPr lang="de-DE" dirty="0" smtClean="0"/>
-              <a:t> </a:t>
-            </a:r>
-            <a:r>
-              <a:rPr lang="de-DE" dirty="0" err="1" smtClean="0"/>
-              <a:t>segment</a:t>
-            </a:r>
-            <a:endParaRPr lang="de-DE" dirty="0" smtClean="0"/>
-          </a:p>
-        </p:txBody>
-      </p:sp>
-      <p:sp>
-        <p:nvSpPr>
-          <p:cNvPr id="10" name="Pfeil nach oben 9"/>
-          <p:cNvSpPr/>
-          <p:nvPr/>
-        </p:nvSpPr>
-        <p:spPr>
-          <a:xfrm rot="5400000">
-            <a:off x="7935833" y="3009953"/>
-            <a:ext cx="348780" cy="400557"/>
-          </a:xfrm>
-          <a:prstGeom prst="upArrow">
-            <a:avLst/>
-          </a:prstGeom>
-        </p:spPr>
-        <p:style>
-          <a:lnRef idx="2">
-            <a:schemeClr val="accent1">
-              <a:shade val="50000"/>
-            </a:schemeClr>
-          </a:lnRef>
-          <a:fillRef idx="1">
-            <a:schemeClr val="accent1"/>
-          </a:fillRef>
-          <a:effectRef idx="0">
-            <a:schemeClr val="accent1"/>
-          </a:effectRef>
-          <a:fontRef idx="minor">
-            <a:schemeClr val="lt1"/>
-          </a:fontRef>
-        </p:style>
-        <p:txBody>
-          <a:bodyPr rtlCol="0" anchor="ctr"/>
-          <a:lstStyle/>
-          <a:p>
-            <a:pPr algn="ctr"/>
-            <a:endParaRPr lang="de-DE"/>
-          </a:p>
-        </p:txBody>
-      </p:sp>
-      <p:sp>
-        <p:nvSpPr>
-          <p:cNvPr id="11" name="Textfeld 10"/>
-          <p:cNvSpPr txBox="1"/>
-          <p:nvPr/>
-        </p:nvSpPr>
-        <p:spPr>
-          <a:xfrm>
-            <a:off x="8441527" y="726314"/>
-            <a:ext cx="2023274" cy="923330"/>
-          </a:xfrm>
-          <a:prstGeom prst="rect">
-            <a:avLst/>
-          </a:prstGeom>
-          <a:noFill/>
-        </p:spPr>
-        <p:txBody>
-          <a:bodyPr wrap="square" rtlCol="0">
-            <a:spAutoFit/>
-          </a:bodyPr>
-          <a:lstStyle/>
-          <a:p>
-            <a:pPr algn="ctr"/>
-            <a:r>
-              <a:rPr lang="de-DE" dirty="0" smtClean="0"/>
-              <a:t>Find </a:t>
-            </a:r>
-            <a:r>
-              <a:rPr lang="de-DE" dirty="0" err="1" smtClean="0"/>
-              <a:t>special</a:t>
-            </a:r>
-            <a:r>
-              <a:rPr lang="de-DE" dirty="0" smtClean="0"/>
-              <a:t> </a:t>
-            </a:r>
-            <a:r>
-              <a:rPr lang="de-DE" dirty="0" err="1" smtClean="0"/>
-              <a:t>linearly</a:t>
-            </a:r>
-            <a:r>
-              <a:rPr lang="de-DE" dirty="0" smtClean="0"/>
-              <a:t> </a:t>
-            </a:r>
-            <a:r>
-              <a:rPr lang="de-DE" dirty="0" err="1" smtClean="0"/>
-              <a:t>interpolated</a:t>
-            </a:r>
-            <a:r>
-              <a:rPr lang="de-DE" dirty="0" smtClean="0"/>
-              <a:t> </a:t>
-            </a:r>
-            <a:r>
-              <a:rPr lang="de-DE" dirty="0" err="1" smtClean="0"/>
-              <a:t>surface</a:t>
-            </a:r>
-            <a:endParaRPr lang="de-DE" dirty="0" smtClean="0"/>
-          </a:p>
-        </p:txBody>
-      </p:sp>
-    </p:spTree>
-    <p:extLst>
-      <p:ext uri="{BB962C8B-B14F-4D97-AF65-F5344CB8AC3E}">
-        <p14:creationId xmlns:p14="http://schemas.microsoft.com/office/powerpoint/2010/main" val="2482594816"/>
-      </p:ext>
-    </p:extLst>
-  </p:cSld>
-  <p:clrMapOvr>
-    <a:masterClrMapping/>
-  </p:clrMapOvr>
-  <p:timing>
-    <p:tnLst>
-      <p:par>
-        <p:cTn id="1" dur="indefinite" restart="never" nodeType="tmRoot"/>
-      </p:par>
-    </p:tnLst>
-  </p:timing>
-</p:sld>
-</file>
-
-<file path=ppt/slides/slide11.xml><?xml version="1.0" encoding="utf-8"?>
-<p:sld xmlns:a="http://schemas.openxmlformats.org/drawingml/2006/main" xmlns:r="http://schemas.openxmlformats.org/officeDocument/2006/relationships" xmlns:p="http://schemas.openxmlformats.org/presentationml/2006/main">
-  <p:cSld>
-    <p:spTree>
-      <p:nvGrpSpPr>
-        <p:cNvPr id="1" name=""/>
-        <p:cNvGrpSpPr/>
-        <p:nvPr/>
-      </p:nvGrpSpPr>
-      <p:grpSpPr>
-        <a:xfrm>
-          <a:off x="0" y="0"/>
-          <a:ext cx="0" cy="0"/>
-          <a:chOff x="0" y="0"/>
-          <a:chExt cx="0" cy="0"/>
-        </a:xfrm>
-      </p:grpSpPr>
-      <p:sp>
-        <p:nvSpPr>
-          <p:cNvPr id="5" name="Textfeld 4"/>
-          <p:cNvSpPr txBox="1"/>
-          <p:nvPr/>
-        </p:nvSpPr>
-        <p:spPr>
-          <a:xfrm>
-            <a:off x="419450" y="446059"/>
-            <a:ext cx="1813573" cy="369332"/>
-          </a:xfrm>
-          <a:prstGeom prst="rect">
-            <a:avLst/>
-          </a:prstGeom>
-          <a:noFill/>
-        </p:spPr>
-        <p:txBody>
-          <a:bodyPr wrap="none" rtlCol="0">
-            <a:spAutoFit/>
-          </a:bodyPr>
-          <a:lstStyle/>
-          <a:p>
-            <a:r>
-              <a:rPr lang="de-DE" b="1" dirty="0" smtClean="0"/>
-              <a:t>Hole </a:t>
-            </a:r>
-            <a:r>
-              <a:rPr lang="de-DE" b="1" dirty="0" err="1" smtClean="0"/>
+              <a:rPr lang="de-DE" b="1" smtClean="0"/>
+              <a:t>Example Problem 2: Film cooling hole </a:t>
+            </a:r>
+            <a:r>
+              <a:rPr lang="de-DE" b="1" err="1" smtClean="0"/>
               <a:t>intersection</a:t>
             </a:r>
-            <a:endParaRPr lang="de-DE" b="1" dirty="0"/>
+            <a:endParaRPr lang="de-DE" b="1"/>
           </a:p>
         </p:txBody>
       </p:sp>
@@ -3562,8 +4627,8 @@
         </p:blipFill>
         <p:spPr>
           <a:xfrm>
-            <a:off x="6341990" y="2035775"/>
-            <a:ext cx="5074530" cy="643898"/>
+            <a:off x="6237214" y="1697499"/>
+            <a:ext cx="5581983" cy="708288"/>
           </a:xfrm>
           <a:prstGeom prst="rect">
             <a:avLst/>
@@ -3578,8 +4643,8 @@
         </p:nvSpPr>
         <p:spPr>
           <a:xfrm>
-            <a:off x="6341990" y="3215645"/>
-            <a:ext cx="4807380" cy="923330"/>
+            <a:off x="6469912" y="3771047"/>
+            <a:ext cx="5116585" cy="2308324"/>
           </a:xfrm>
           <a:prstGeom prst="rect">
             <a:avLst/>
@@ -3592,133 +4657,126 @@
           </a:bodyPr>
           <a:lstStyle/>
           <a:p>
-            <a:pPr algn="ctr"/>
-            <a:r>
-              <a:rPr lang="de-DE" dirty="0" smtClean="0"/>
-              <a:t>The orange </a:t>
-            </a:r>
-            <a:r>
-              <a:rPr lang="de-DE" dirty="0" err="1" smtClean="0"/>
-              <a:t>shape</a:t>
-            </a:r>
-            <a:r>
-              <a:rPr lang="de-DE" dirty="0" smtClean="0"/>
-              <a:t> </a:t>
-            </a:r>
-            <a:r>
-              <a:rPr lang="de-DE" dirty="0" err="1" smtClean="0"/>
-              <a:t>consists</a:t>
-            </a:r>
-            <a:r>
-              <a:rPr lang="de-DE" dirty="0" smtClean="0"/>
-              <a:t> </a:t>
-            </a:r>
-            <a:r>
-              <a:rPr lang="de-DE" dirty="0" err="1" smtClean="0"/>
-              <a:t>of</a:t>
-            </a:r>
-            <a:r>
-              <a:rPr lang="de-DE" dirty="0" smtClean="0"/>
-              <a:t> </a:t>
-            </a:r>
-            <a:r>
-              <a:rPr lang="de-DE" dirty="0" err="1" smtClean="0"/>
+            <a:pPr marL="342900" indent="-342900">
+              <a:buAutoNum type="arabicPeriod"/>
+            </a:pPr>
+            <a:r>
+              <a:rPr lang="de-DE" sz="2400" smtClean="0"/>
+              <a:t>Each </a:t>
+            </a:r>
+            <a:r>
+              <a:rPr lang="de-DE" sz="2400" smtClean="0">
+                <a:solidFill>
+                  <a:schemeClr val="accent2"/>
+                </a:solidFill>
+              </a:rPr>
+              <a:t>film cooling hole</a:t>
+            </a:r>
+            <a:r>
+              <a:rPr lang="de-DE" sz="2400" smtClean="0"/>
+              <a:t> is a subset of </a:t>
+            </a:r>
+            <a:r>
+              <a:rPr lang="de-DE" sz="2400" smtClean="0">
+                <a:solidFill>
+                  <a:srgbClr val="FF0000"/>
+                </a:solidFill>
+              </a:rPr>
               <a:t>rays</a:t>
             </a:r>
             <a:r>
-              <a:rPr lang="de-DE" dirty="0" smtClean="0"/>
-              <a:t>, </a:t>
-            </a:r>
-            <a:r>
-              <a:rPr lang="de-DE" dirty="0" err="1" smtClean="0"/>
-              <a:t>which</a:t>
-            </a:r>
-            <a:r>
-              <a:rPr lang="de-DE" dirty="0" smtClean="0"/>
-              <a:t> </a:t>
-            </a:r>
-            <a:r>
-              <a:rPr lang="de-DE" dirty="0" err="1" smtClean="0"/>
-              <a:t>are</a:t>
-            </a:r>
-            <a:r>
-              <a:rPr lang="de-DE" dirty="0" smtClean="0"/>
-              <a:t> </a:t>
-            </a:r>
-            <a:r>
-              <a:rPr lang="de-DE" dirty="0" err="1" smtClean="0"/>
-              <a:t>much</a:t>
-            </a:r>
-            <a:r>
-              <a:rPr lang="de-DE" dirty="0" smtClean="0"/>
-              <a:t> </a:t>
-            </a:r>
-            <a:r>
-              <a:rPr lang="de-DE" dirty="0" err="1" smtClean="0"/>
-              <a:t>easier</a:t>
-            </a:r>
-            <a:r>
-              <a:rPr lang="de-DE" dirty="0" smtClean="0"/>
-              <a:t> </a:t>
-            </a:r>
-            <a:r>
-              <a:rPr lang="de-DE" dirty="0" err="1" smtClean="0"/>
-              <a:t>to</a:t>
-            </a:r>
-            <a:r>
-              <a:rPr lang="de-DE" dirty="0" smtClean="0"/>
-              <a:t> </a:t>
-            </a:r>
-            <a:r>
-              <a:rPr lang="de-DE" dirty="0" err="1" smtClean="0"/>
-              <a:t>intersect</a:t>
-            </a:r>
-            <a:r>
-              <a:rPr lang="de-DE" dirty="0" smtClean="0"/>
-              <a:t> </a:t>
-            </a:r>
-            <a:r>
-              <a:rPr lang="de-DE" dirty="0" err="1" smtClean="0"/>
-              <a:t>with</a:t>
-            </a:r>
-            <a:r>
-              <a:rPr lang="de-DE" dirty="0" smtClean="0"/>
-              <a:t> </a:t>
-            </a:r>
-            <a:r>
-              <a:rPr lang="de-DE" dirty="0" err="1" smtClean="0"/>
+              <a:rPr lang="de-DE" sz="2400" smtClean="0"/>
+              <a:t> originating in mid circle</a:t>
+            </a:r>
+          </a:p>
+          <a:p>
+            <a:pPr marL="342900" indent="-342900">
+              <a:buAutoNum type="arabicPeriod"/>
+            </a:pPr>
+            <a:endParaRPr lang="de-DE" sz="2400" smtClean="0"/>
+          </a:p>
+          <a:p>
+            <a:pPr marL="342900" indent="-342900">
+              <a:buAutoNum type="arabicPeriod"/>
+            </a:pPr>
+            <a:r>
+              <a:rPr lang="de-DE" sz="2400" smtClean="0"/>
+              <a:t>Fortunately, </a:t>
+            </a:r>
+            <a:r>
+              <a:rPr lang="de-DE" sz="2400" smtClean="0">
+                <a:solidFill>
+                  <a:srgbClr val="FF0000"/>
+                </a:solidFill>
+              </a:rPr>
+              <a:t>ray</a:t>
+            </a:r>
+            <a:r>
+              <a:rPr lang="de-DE" sz="2400" smtClean="0"/>
+              <a:t>/</a:t>
+            </a:r>
+            <a:r>
+              <a:rPr lang="de-DE" sz="2400" smtClean="0">
+                <a:solidFill>
+                  <a:schemeClr val="bg2">
+                    <a:lumMod val="50000"/>
+                  </a:schemeClr>
+                </a:solidFill>
+              </a:rPr>
               <a:t>surface</a:t>
             </a:r>
             <a:r>
-              <a:rPr lang="de-DE" dirty="0" smtClean="0"/>
-              <a:t> </a:t>
-            </a:r>
-            <a:r>
-              <a:rPr lang="de-DE" dirty="0" err="1" smtClean="0"/>
-              <a:t>than</a:t>
-            </a:r>
-            <a:r>
-              <a:rPr lang="de-DE" dirty="0" smtClean="0"/>
-              <a:t> </a:t>
-            </a:r>
-            <a:r>
-              <a:rPr lang="de-DE" dirty="0" err="1" smtClean="0"/>
-              <a:t>surfaces</a:t>
-            </a:r>
-            <a:endParaRPr lang="de-DE" dirty="0"/>
-          </a:p>
-        </p:txBody>
-      </p:sp>
-      <p:sp>
-        <p:nvSpPr>
-          <p:cNvPr id="11" name="Textfeld 10"/>
+              <a:rPr lang="de-DE" sz="2400" smtClean="0"/>
+              <a:t> intersection is </a:t>
+            </a:r>
+            <a:r>
+              <a:rPr lang="de-DE" sz="2400" b="1" smtClean="0"/>
+              <a:t>simpler</a:t>
+            </a:r>
+            <a:r>
+              <a:rPr lang="de-DE" sz="2400" smtClean="0"/>
+              <a:t> than </a:t>
+            </a:r>
+            <a:r>
+              <a:rPr lang="de-DE" sz="2400" smtClean="0">
+                <a:solidFill>
+                  <a:schemeClr val="accent2"/>
+                </a:solidFill>
+              </a:rPr>
+              <a:t>surface</a:t>
+            </a:r>
+            <a:r>
+              <a:rPr lang="de-DE" sz="2400" smtClean="0"/>
+              <a:t>/</a:t>
+            </a:r>
+            <a:r>
+              <a:rPr lang="de-DE" sz="2400" smtClean="0">
+                <a:solidFill>
+                  <a:schemeClr val="bg2">
+                    <a:lumMod val="50000"/>
+                  </a:schemeClr>
+                </a:solidFill>
+              </a:rPr>
+              <a:t>surface</a:t>
+            </a:r>
+            <a:r>
+              <a:rPr lang="de-DE" sz="2400" smtClean="0"/>
+              <a:t> intersection</a:t>
+            </a:r>
+            <a:endParaRPr lang="de-DE" sz="2400"/>
+          </a:p>
+        </p:txBody>
+      </p:sp>
+      <p:sp>
+        <p:nvSpPr>
+          <p:cNvPr id="2" name="Textfeld 1"/>
           <p:cNvSpPr txBox="1"/>
           <p:nvPr/>
         </p:nvSpPr>
         <p:spPr>
           <a:xfrm>
-            <a:off x="6341990" y="1153313"/>
-            <a:ext cx="4807380" cy="369332"/>
+            <a:off x="455889" y="4142730"/>
+            <a:ext cx="4596805" cy="1815882"/>
           </a:xfrm>
           <a:prstGeom prst="rect">
             <a:avLst/>
@@ -3733,30 +4791,126 @@
           <a:p>
             <a:pPr algn="ctr"/>
             <a:r>
-              <a:rPr lang="de-DE" dirty="0" err="1" smtClean="0"/>
-              <a:t>Notice</a:t>
-            </a:r>
-            <a:r>
-              <a:rPr lang="de-DE" dirty="0" smtClean="0"/>
-              <a:t>:</a:t>
-            </a:r>
-            <a:endParaRPr lang="de-DE" dirty="0"/>
-          </a:p>
-        </p:txBody>
-      </p:sp>
-      <p:sp>
-        <p:nvSpPr>
-          <p:cNvPr id="12" name="Pfeil nach oben 11"/>
+              <a:rPr lang="de-DE" sz="2800" smtClean="0"/>
+              <a:t>Problem: We have to intersect the </a:t>
+            </a:r>
+            <a:r>
+              <a:rPr lang="de-DE" sz="2800" smtClean="0">
+                <a:solidFill>
+                  <a:schemeClr val="accent2"/>
+                </a:solidFill>
+              </a:rPr>
+              <a:t>film cooling hole surface </a:t>
+            </a:r>
+            <a:r>
+              <a:rPr lang="de-DE" sz="2800" smtClean="0"/>
+              <a:t>with the </a:t>
+            </a:r>
+            <a:r>
+              <a:rPr lang="de-DE" sz="2800" smtClean="0">
+                <a:solidFill>
+                  <a:schemeClr val="bg2">
+                    <a:lumMod val="50000"/>
+                  </a:schemeClr>
+                </a:solidFill>
+              </a:rPr>
+              <a:t>neighboring surfaces</a:t>
+            </a:r>
+          </a:p>
+          <a:p>
+            <a:pPr algn="ctr"/>
+            <a:r>
+              <a:rPr lang="de-DE" sz="2800" smtClean="0">
+                <a:sym typeface="Wingdings" panose="05000000000000000000" pitchFamily="2" charset="2"/>
+              </a:rPr>
+              <a:t> </a:t>
+            </a:r>
+            <a:r>
+              <a:rPr lang="de-DE" sz="2800" b="1" smtClean="0">
+                <a:sym typeface="Wingdings" panose="05000000000000000000" pitchFamily="2" charset="2"/>
+              </a:rPr>
+              <a:t>Difficult</a:t>
+            </a:r>
+            <a:endParaRPr lang="en-US" sz="2800" b="1"/>
+          </a:p>
+        </p:txBody>
+      </p:sp>
+      <p:sp>
+        <p:nvSpPr>
+          <p:cNvPr id="3" name="Textfeld 2"/>
+          <p:cNvSpPr txBox="1"/>
+          <p:nvPr/>
+        </p:nvSpPr>
+        <p:spPr>
+          <a:xfrm>
+            <a:off x="7858125" y="975221"/>
+            <a:ext cx="2181559" cy="369332"/>
+          </a:xfrm>
+          <a:prstGeom prst="rect">
+            <a:avLst/>
+          </a:prstGeom>
+          <a:noFill/>
+        </p:spPr>
+        <p:txBody>
+          <a:bodyPr wrap="none" rtlCol="0">
+            <a:spAutoFit/>
+          </a:bodyPr>
+          <a:lstStyle/>
+          <a:p>
+            <a:r>
+              <a:rPr lang="de-DE" smtClean="0"/>
+              <a:t>But luckily we notice:</a:t>
+            </a:r>
+            <a:endParaRPr lang="en-US"/>
+          </a:p>
+        </p:txBody>
+      </p:sp>
+      <p:sp>
+        <p:nvSpPr>
+          <p:cNvPr id="10" name="Textfeld 9"/>
+          <p:cNvSpPr txBox="1"/>
+          <p:nvPr/>
+        </p:nvSpPr>
+        <p:spPr>
+          <a:xfrm>
+            <a:off x="8140253" y="3251696"/>
+            <a:ext cx="1617302" cy="369332"/>
+          </a:xfrm>
+          <a:prstGeom prst="rect">
+            <a:avLst/>
+          </a:prstGeom>
+          <a:noFill/>
+        </p:spPr>
+        <p:txBody>
+          <a:bodyPr wrap="none" rtlCol="0">
+            <a:spAutoFit/>
+          </a:bodyPr>
+          <a:lstStyle/>
+          <a:p>
+            <a:r>
+              <a:rPr lang="de-DE" smtClean="0"/>
+              <a:t>In other words,</a:t>
+            </a:r>
+            <a:endParaRPr lang="en-US"/>
+          </a:p>
+        </p:txBody>
+      </p:sp>
+      <p:sp>
+        <p:nvSpPr>
+          <p:cNvPr id="4" name="Pfeil nach rechts 3"/>
           <p:cNvSpPr/>
           <p:nvPr/>
         </p:nvSpPr>
         <p:spPr>
-          <a:xfrm rot="5400000">
-            <a:off x="5521882" y="2118442"/>
-            <a:ext cx="247828" cy="478564"/>
+          <a:xfrm>
+            <a:off x="5460932" y="2199024"/>
+            <a:ext cx="776282" cy="1778786"/>
           </a:xfrm>
-          <a:prstGeom prst="upArrow">
-            <a:avLst/>
+          <a:prstGeom prst="rightArrow">
+            <a:avLst>
+              <a:gd name="adj1" fmla="val 29652"/>
+              <a:gd name="adj2" fmla="val 78221"/>
+            </a:avLst>
           </a:prstGeom>
         </p:spPr>
         <p:style>
@@ -3780,7 +4934,7 @@
           <a:lstStyle/>
           <a:p>
             <a:pPr algn="ctr"/>
-            <a:endParaRPr lang="de-DE"/>
+            <a:endParaRPr lang="en-US"/>
           </a:p>
         </p:txBody>
       </p:sp>
@@ -3804,7 +4958,7 @@
 </p:sld>
 </file>
 
-<file path=ppt/slides/slide12.xml><?xml version="1.0" encoding="utf-8"?>
+<file path=ppt/slides/slide11.xml><?xml version="1.0" encoding="utf-8"?>
 <p:sld xmlns:a="http://schemas.openxmlformats.org/drawingml/2006/main" xmlns:r="http://schemas.openxmlformats.org/officeDocument/2006/relationships" xmlns:p="http://schemas.openxmlformats.org/presentationml/2006/main">
   <p:cSld>
     <p:spTree>
@@ -3845,64 +4999,6 @@
           </a:prstGeom>
         </p:spPr>
       </p:pic>
-      <p:sp>
-        <p:nvSpPr>
-          <p:cNvPr id="5" name="Textfeld 4"/>
-          <p:cNvSpPr txBox="1"/>
-          <p:nvPr/>
-        </p:nvSpPr>
-        <p:spPr>
-          <a:xfrm>
-            <a:off x="419450" y="446059"/>
-            <a:ext cx="3586816" cy="369332"/>
-          </a:xfrm>
-          <a:prstGeom prst="rect">
-            <a:avLst/>
-          </a:prstGeom>
-          <a:noFill/>
-        </p:spPr>
-        <p:txBody>
-          <a:bodyPr wrap="none" rtlCol="0">
-            <a:spAutoFit/>
-          </a:bodyPr>
-          <a:lstStyle/>
-          <a:p>
-            <a:r>
-              <a:rPr lang="de-DE" b="1" dirty="0" smtClean="0"/>
-              <a:t>Hole </a:t>
-            </a:r>
-            <a:r>
-              <a:rPr lang="de-DE" b="1" dirty="0" err="1" smtClean="0"/>
-              <a:t>intersection</a:t>
-            </a:r>
-            <a:r>
-              <a:rPr lang="de-DE" b="1" dirty="0" smtClean="0"/>
-              <a:t> </a:t>
-            </a:r>
-            <a:r>
-              <a:rPr lang="de-DE" b="1" dirty="0" err="1" smtClean="0"/>
-              <a:t>with</a:t>
-            </a:r>
-            <a:r>
-              <a:rPr lang="de-DE" b="1" dirty="0" smtClean="0"/>
-              <a:t> </a:t>
-            </a:r>
-            <a:r>
-              <a:rPr lang="de-DE" b="1" dirty="0" err="1" smtClean="0"/>
-              <a:t>ray</a:t>
-            </a:r>
-            <a:r>
-              <a:rPr lang="de-DE" b="1" dirty="0" smtClean="0"/>
-              <a:t> </a:t>
-            </a:r>
-            <a:r>
-              <a:rPr lang="de-DE" b="1" dirty="0" err="1" smtClean="0"/>
-              <a:t>marching</a:t>
-            </a:r>
-            <a:endParaRPr lang="de-DE" b="1" dirty="0"/>
-          </a:p>
-        </p:txBody>
-      </p:sp>
       <p:pic>
         <p:nvPicPr>
           <p:cNvPr id="6" name="Grafik 5"/>
@@ -4054,14 +5150,14 @@
           <a:lstStyle/>
           <a:p>
             <a:r>
-              <a:rPr lang="de-DE" dirty="0" smtClean="0"/>
+              <a:rPr lang="de-DE" smtClean="0"/>
               <a:t>Original </a:t>
             </a:r>
             <a:r>
-              <a:rPr lang="de-DE" dirty="0" err="1" smtClean="0"/>
+              <a:rPr lang="de-DE" err="1" smtClean="0"/>
               <a:t>shape</a:t>
             </a:r>
-            <a:endParaRPr lang="de-DE" dirty="0"/>
+            <a:endParaRPr lang="de-DE"/>
           </a:p>
         </p:txBody>
       </p:sp>
@@ -4088,14 +5184,14 @@
           <a:lstStyle/>
           <a:p>
             <a:r>
-              <a:rPr lang="de-DE" dirty="0" smtClean="0"/>
+              <a:rPr lang="de-DE" smtClean="0"/>
               <a:t>Ray </a:t>
             </a:r>
             <a:r>
-              <a:rPr lang="de-DE" dirty="0" err="1" smtClean="0"/>
+              <a:rPr lang="de-DE" err="1" smtClean="0"/>
               <a:t>marching</a:t>
             </a:r>
-            <a:endParaRPr lang="de-DE" dirty="0"/>
+            <a:endParaRPr lang="de-DE"/>
           </a:p>
         </p:txBody>
       </p:sp>
@@ -4122,18 +5218,52 @@
           <a:lstStyle/>
           <a:p>
             <a:r>
-              <a:rPr lang="de-DE" dirty="0" err="1" smtClean="0"/>
+              <a:rPr lang="de-DE" err="1" smtClean="0"/>
               <a:t>Intersected</a:t>
             </a:r>
             <a:r>
-              <a:rPr lang="de-DE" dirty="0" smtClean="0"/>
+              <a:rPr lang="de-DE" smtClean="0"/>
               <a:t> </a:t>
             </a:r>
             <a:r>
-              <a:rPr lang="de-DE" dirty="0" err="1" smtClean="0"/>
+              <a:rPr lang="de-DE" err="1" smtClean="0"/>
               <a:t>shape</a:t>
             </a:r>
-            <a:endParaRPr lang="de-DE" dirty="0"/>
+            <a:endParaRPr lang="de-DE"/>
+          </a:p>
+        </p:txBody>
+      </p:sp>
+      <p:sp>
+        <p:nvSpPr>
+          <p:cNvPr id="13" name="Textfeld 12"/>
+          <p:cNvSpPr txBox="1"/>
+          <p:nvPr/>
+        </p:nvSpPr>
+        <p:spPr>
+          <a:xfrm>
+            <a:off x="419450" y="446059"/>
+            <a:ext cx="4947893" cy="369332"/>
+          </a:xfrm>
+          <a:prstGeom prst="rect">
+            <a:avLst/>
+          </a:prstGeom>
+          <a:noFill/>
+        </p:spPr>
+        <p:txBody>
+          <a:bodyPr wrap="none" rtlCol="0">
+            <a:spAutoFit/>
+          </a:bodyPr>
+          <a:lstStyle/>
+          <a:p>
+            <a:r>
+              <a:rPr lang="de-DE" b="1" smtClean="0"/>
+              <a:t>Example Problem 2: Film cooling hole </a:t>
+            </a:r>
+            <a:r>
+              <a:rPr lang="de-DE" b="1" err="1" smtClean="0"/>
+              <a:t>intersection</a:t>
+            </a:r>
+            <a:endParaRPr lang="de-DE" b="1"/>
           </a:p>
         </p:txBody>
       </p:sp>
@@ -4141,6 +5271,228 @@
     <p:extLst>
       <p:ext uri="{BB962C8B-B14F-4D97-AF65-F5344CB8AC3E}">
         <p14:creationId xmlns:p14="http://schemas.microsoft.com/office/powerpoint/2010/main" val="851826840"/>
+      </p:ext>
+    </p:extLst>
+  </p:cSld>
+  <p:clrMapOvr>
+    <a:masterClrMapping/>
+  </p:clrMapOvr>
+  <p:timing>
+    <p:tnLst>
+      <p:par>
+        <p:cTn id="1" dur="indefinite" restart="never" nodeType="tmRoot"/>
+      </p:par>
+    </p:tnLst>
+  </p:timing>
+</p:sld>
+</file>
+
+<file path=ppt/slides/slide12.xml><?xml version="1.0" encoding="utf-8"?>
+<p:sld xmlns:a="http://schemas.openxmlformats.org/drawingml/2006/main" xmlns:r="http://schemas.openxmlformats.org/officeDocument/2006/relationships" xmlns:p="http://schemas.openxmlformats.org/presentationml/2006/main">
+  <p:cSld>
+    <p:spTree>
+      <p:nvGrpSpPr>
+        <p:cNvPr id="1" name=""/>
+        <p:cNvGrpSpPr/>
+        <p:nvPr/>
+      </p:nvGrpSpPr>
+      <p:grpSpPr>
+        <a:xfrm>
+          <a:off x="0" y="0"/>
+          <a:ext cx="0" cy="0"/>
+          <a:chOff x="0" y="0"/>
+          <a:chExt cx="0" cy="0"/>
+        </a:xfrm>
+      </p:grpSpPr>
+      <p:pic>
+        <p:nvPicPr>
+          <p:cNvPr id="4" name="Grafik 3"/>
+          <p:cNvPicPr>
+            <a:picLocks noChangeAspect="1"/>
+          </p:cNvPicPr>
+          <p:nvPr/>
+        </p:nvPicPr>
+        <p:blipFill>
+          <a:blip r:embed="rId3"/>
+          <a:stretch>
+            <a:fillRect/>
+          </a:stretch>
+        </p:blipFill>
+        <p:spPr>
+          <a:xfrm>
+            <a:off x="3304999" y="478172"/>
+            <a:ext cx="8456366" cy="6379828"/>
+          </a:xfrm>
+          <a:prstGeom prst="rect">
+            <a:avLst/>
+          </a:prstGeom>
+        </p:spPr>
+      </p:pic>
+      <p:sp>
+        <p:nvSpPr>
+          <p:cNvPr id="2" name="Titel 1"/>
+          <p:cNvSpPr>
+            <a:spLocks noGrp="1"/>
+          </p:cNvSpPr>
+          <p:nvPr>
+            <p:ph type="title"/>
+          </p:nvPr>
+        </p:nvSpPr>
+        <p:spPr/>
+        <p:txBody>
+          <a:bodyPr/>
+          <a:lstStyle/>
+          <a:p>
+            <a:r>
+              <a:rPr lang="de-DE" err="1" smtClean="0"/>
+              <a:t>Resulting</a:t>
+            </a:r>
+            <a:r>
+              <a:rPr lang="de-DE" smtClean="0"/>
+              <a:t> </a:t>
+            </a:r>
+            <a:r>
+              <a:rPr lang="de-DE" err="1" smtClean="0"/>
+              <a:t>surfaces</a:t>
+            </a:r>
+            <a:endParaRPr lang="de-DE"/>
+          </a:p>
+        </p:txBody>
+      </p:sp>
+      <p:pic>
+        <p:nvPicPr>
+          <p:cNvPr id="5" name="Grafik 4"/>
+          <p:cNvPicPr>
+            <a:picLocks noChangeAspect="1"/>
+          </p:cNvPicPr>
+          <p:nvPr/>
+        </p:nvPicPr>
+        <p:blipFill>
+          <a:blip r:embed="rId4"/>
+          <a:stretch>
+            <a:fillRect/>
+          </a:stretch>
+        </p:blipFill>
+        <p:spPr>
+          <a:xfrm rot="16200000">
+            <a:off x="2325902" y="3952506"/>
+            <a:ext cx="1958194" cy="3300788"/>
+          </a:xfrm>
+          <a:prstGeom prst="rect">
+            <a:avLst/>
+          </a:prstGeom>
+        </p:spPr>
+      </p:pic>
+      <p:pic>
+        <p:nvPicPr>
+          <p:cNvPr id="6" name="Grafik 5"/>
+          <p:cNvPicPr>
+            <a:picLocks noChangeAspect="1"/>
+          </p:cNvPicPr>
+          <p:nvPr/>
+        </p:nvPicPr>
+        <p:blipFill>
+          <a:blip r:embed="rId5"/>
+          <a:stretch>
+            <a:fillRect/>
+          </a:stretch>
+        </p:blipFill>
+        <p:spPr>
+          <a:xfrm>
+            <a:off x="266311" y="1615145"/>
+            <a:ext cx="2724540" cy="2426979"/>
+          </a:xfrm>
+          <a:prstGeom prst="rect">
+            <a:avLst/>
+          </a:prstGeom>
+        </p:spPr>
+      </p:pic>
+      <p:sp>
+        <p:nvSpPr>
+          <p:cNvPr id="3" name="Rechteck 2"/>
+          <p:cNvSpPr/>
+          <p:nvPr/>
+        </p:nvSpPr>
+        <p:spPr>
+          <a:xfrm>
+            <a:off x="2123071" y="1557666"/>
+            <a:ext cx="714375" cy="771525"/>
+          </a:xfrm>
+          <a:prstGeom prst="rect">
+            <a:avLst/>
+          </a:prstGeom>
+          <a:solidFill>
+            <a:schemeClr val="bg1"/>
+          </a:solidFill>
+          <a:ln>
+            <a:solidFill>
+              <a:schemeClr val="bg1"/>
+            </a:solidFill>
+          </a:ln>
+        </p:spPr>
+        <p:style>
+          <a:lnRef idx="2">
+            <a:schemeClr val="accent1">
+              <a:shade val="50000"/>
+            </a:schemeClr>
+          </a:lnRef>
+          <a:fillRef idx="1">
+            <a:schemeClr val="accent1"/>
+          </a:fillRef>
+          <a:effectRef idx="0">
+            <a:schemeClr val="accent1"/>
+          </a:effectRef>
+          <a:fontRef idx="minor">
+            <a:schemeClr val="lt1"/>
+          </a:fontRef>
+        </p:style>
+        <p:txBody>
+          <a:bodyPr rtlCol="0" anchor="ctr"/>
+          <a:lstStyle/>
+          <a:p>
+            <a:pPr algn="ctr"/>
+            <a:endParaRPr lang="en-US"/>
+          </a:p>
+        </p:txBody>
+      </p:sp>
+      <p:sp>
+        <p:nvSpPr>
+          <p:cNvPr id="7" name="Textfeld 6"/>
+          <p:cNvSpPr txBox="1"/>
+          <p:nvPr/>
+        </p:nvSpPr>
+        <p:spPr>
+          <a:xfrm>
+            <a:off x="8503815" y="4623803"/>
+            <a:ext cx="3267075" cy="1569660"/>
+          </a:xfrm>
+          <a:prstGeom prst="rect">
+            <a:avLst/>
+          </a:prstGeom>
+          <a:noFill/>
+        </p:spPr>
+        <p:txBody>
+          <a:bodyPr wrap="square" rtlCol="0">
+            <a:spAutoFit/>
+          </a:bodyPr>
+          <a:lstStyle/>
+          <a:p>
+            <a:pPr algn="ctr"/>
+            <a:r>
+              <a:rPr lang="de-DE" sz="2400" b="1" smtClean="0"/>
+              <a:t>CoolingGen</a:t>
+            </a:r>
+            <a:r>
+              <a:rPr lang="de-DE" sz="2400" smtClean="0"/>
+              <a:t> provides the tools to create many different such geometries</a:t>
+            </a:r>
+          </a:p>
+        </p:txBody>
+      </p:sp>
+    </p:spTree>
+    <p:extLst>
+      <p:ext uri="{BB962C8B-B14F-4D97-AF65-F5344CB8AC3E}">
+        <p14:creationId xmlns:p14="http://schemas.microsoft.com/office/powerpoint/2010/main" val="937978099"/>
       </p:ext>
     </p:extLst>
   </p:cSld>
@@ -4174,24 +5526,55 @@
           <a:chExt cx="0" cy="0"/>
         </a:xfrm>
       </p:grpSpPr>
+      <p:sp>
+        <p:nvSpPr>
+          <p:cNvPr id="2" name="Titel 1"/>
+          <p:cNvSpPr>
+            <a:spLocks noGrp="1"/>
+          </p:cNvSpPr>
+          <p:nvPr>
+            <p:ph type="title"/>
+          </p:nvPr>
+        </p:nvSpPr>
+        <p:spPr/>
+        <p:txBody>
+          <a:bodyPr/>
+          <a:lstStyle/>
+          <a:p>
+            <a:r>
+              <a:rPr lang="de-DE" err="1" smtClean="0"/>
+              <a:t>Resulting</a:t>
+            </a:r>
+            <a:r>
+              <a:rPr lang="de-DE" smtClean="0"/>
+              <a:t> </a:t>
+            </a:r>
+            <a:r>
+              <a:rPr lang="de-DE" err="1" smtClean="0"/>
+              <a:t>solids</a:t>
+            </a:r>
+            <a:endParaRPr lang="de-DE"/>
+          </a:p>
+        </p:txBody>
+      </p:sp>
       <p:pic>
         <p:nvPicPr>
-          <p:cNvPr id="4" name="Grafik 3"/>
+          <p:cNvPr id="3" name="Grafik 2"/>
           <p:cNvPicPr>
             <a:picLocks noChangeAspect="1"/>
           </p:cNvPicPr>
           <p:nvPr/>
         </p:nvPicPr>
         <p:blipFill>
-          <a:blip r:embed="rId2"/>
+          <a:blip r:embed="rId3"/>
           <a:stretch>
             <a:fillRect/>
           </a:stretch>
         </p:blipFill>
         <p:spPr>
           <a:xfrm>
-            <a:off x="3304999" y="478172"/>
-            <a:ext cx="8456366" cy="6379828"/>
+            <a:off x="66675" y="1877628"/>
+            <a:ext cx="12058650" cy="4784794"/>
           </a:xfrm>
           <a:prstGeom prst="rect">
             <a:avLst/>
@@ -4200,39 +5583,139 @@
       </p:pic>
       <p:sp>
         <p:nvSpPr>
-          <p:cNvPr id="2" name="Titel 1"/>
-          <p:cNvSpPr>
-            <a:spLocks noGrp="1"/>
-          </p:cNvSpPr>
-          <p:nvPr>
-            <p:ph type="title"/>
-          </p:nvPr>
-        </p:nvSpPr>
-        <p:spPr/>
-        <p:txBody>
-          <a:bodyPr/>
-          <a:lstStyle/>
-          <a:p>
-            <a:r>
-              <a:rPr lang="de-DE" dirty="0" err="1" smtClean="0"/>
-              <a:t>Resulting</a:t>
-            </a:r>
-            <a:r>
-              <a:rPr lang="de-DE" dirty="0" smtClean="0"/>
-              <a:t> </a:t>
-            </a:r>
-            <a:r>
-              <a:rPr lang="de-DE" dirty="0" err="1" smtClean="0"/>
-              <a:t>surfaces</a:t>
-            </a:r>
-            <a:endParaRPr lang="de-DE" dirty="0"/>
+          <p:cNvPr id="4" name="Textfeld 3"/>
+          <p:cNvSpPr txBox="1"/>
+          <p:nvPr/>
+        </p:nvSpPr>
+        <p:spPr>
+          <a:xfrm>
+            <a:off x="1552956" y="1996059"/>
+            <a:ext cx="1391215" cy="369332"/>
+          </a:xfrm>
+          <a:prstGeom prst="rect">
+            <a:avLst/>
+          </a:prstGeom>
+          <a:noFill/>
+        </p:spPr>
+        <p:txBody>
+          <a:bodyPr wrap="none" rtlCol="0">
+            <a:spAutoFit/>
+          </a:bodyPr>
+          <a:lstStyle/>
+          <a:p>
+            <a:r>
+              <a:rPr lang="de-DE" smtClean="0"/>
+              <a:t>Solid volume</a:t>
+            </a:r>
+            <a:endParaRPr lang="en-US"/>
+          </a:p>
+        </p:txBody>
+      </p:sp>
+      <p:sp>
+        <p:nvSpPr>
+          <p:cNvPr id="5" name="Textfeld 4"/>
+          <p:cNvSpPr txBox="1"/>
+          <p:nvPr/>
+        </p:nvSpPr>
+        <p:spPr>
+          <a:xfrm>
+            <a:off x="7978521" y="3295269"/>
+            <a:ext cx="1391215" cy="369332"/>
+          </a:xfrm>
+          <a:prstGeom prst="rect">
+            <a:avLst/>
+          </a:prstGeom>
+          <a:noFill/>
+        </p:spPr>
+        <p:txBody>
+          <a:bodyPr wrap="none" rtlCol="0">
+            <a:spAutoFit/>
+          </a:bodyPr>
+          <a:lstStyle/>
+          <a:p>
+            <a:r>
+              <a:rPr lang="de-DE" smtClean="0"/>
+              <a:t>Fluid volume</a:t>
+            </a:r>
+            <a:endParaRPr lang="en-US"/>
+          </a:p>
+        </p:txBody>
+      </p:sp>
+      <p:pic>
+        <p:nvPicPr>
+          <p:cNvPr id="2052" name="Picture 4" descr="https://i.stack.imgur.com/qqjjW.jpg"/>
+          <p:cNvPicPr>
+            <a:picLocks noChangeAspect="1" noChangeArrowheads="1"/>
+          </p:cNvPicPr>
+          <p:nvPr/>
+        </p:nvPicPr>
+        <p:blipFill>
+          <a:blip r:embed="rId4" cstate="print">
+            <a:extLst>
+              <a:ext uri="{28A0092B-C50C-407E-A947-70E740481C1C}">
+                <a14:useLocalDpi xmlns:a14="http://schemas.microsoft.com/office/drawing/2010/main" val="0"/>
+              </a:ext>
+            </a:extLst>
+          </a:blip>
+          <a:srcRect/>
+          <a:stretch>
+            <a:fillRect/>
+          </a:stretch>
+        </p:blipFill>
+        <p:spPr bwMode="auto">
+          <a:xfrm>
+            <a:off x="7272858" y="365125"/>
+            <a:ext cx="3261792" cy="2324452"/>
+          </a:xfrm>
+          <a:prstGeom prst="rect">
+            <a:avLst/>
+          </a:prstGeom>
+          <a:noFill/>
+          <a:extLst>
+            <a:ext uri="{909E8E84-426E-40DD-AFC4-6F175D3DCCD1}">
+              <a14:hiddenFill xmlns:a14="http://schemas.microsoft.com/office/drawing/2010/main">
+                <a:solidFill>
+                  <a:srgbClr val="FFFFFF"/>
+                </a:solidFill>
+              </a14:hiddenFill>
+            </a:ext>
+          </a:extLst>
+        </p:spPr>
+      </p:pic>
+      <p:sp>
+        <p:nvSpPr>
+          <p:cNvPr id="6" name="Textfeld 5"/>
+          <p:cNvSpPr txBox="1"/>
+          <p:nvPr/>
+        </p:nvSpPr>
+        <p:spPr>
+          <a:xfrm>
+            <a:off x="5829001" y="365125"/>
+            <a:ext cx="1443857" cy="369332"/>
+          </a:xfrm>
+          <a:prstGeom prst="rect">
+            <a:avLst/>
+          </a:prstGeom>
+          <a:noFill/>
+        </p:spPr>
+        <p:txBody>
+          <a:bodyPr wrap="none" rtlCol="0">
+            <a:spAutoFit/>
+          </a:bodyPr>
+          <a:lstStyle/>
+          <a:p>
+            <a:r>
+              <a:rPr lang="de-DE" smtClean="0"/>
+              <a:t>Turbine stage</a:t>
+            </a:r>
+            <a:endParaRPr lang="en-US"/>
           </a:p>
         </p:txBody>
       </p:sp>
     </p:spTree>
     <p:extLst>
       <p:ext uri="{BB962C8B-B14F-4D97-AF65-F5344CB8AC3E}">
-        <p14:creationId xmlns:p14="http://schemas.microsoft.com/office/powerpoint/2010/main" val="937978099"/>
+        <p14:creationId xmlns:p14="http://schemas.microsoft.com/office/powerpoint/2010/main" val="439313974"/>
       </p:ext>
     </p:extLst>
   </p:cSld>
@@ -4282,18 +5765,14 @@
           <a:lstStyle/>
           <a:p>
             <a:r>
-              <a:rPr lang="de-DE" dirty="0" err="1" smtClean="0"/>
+              <a:rPr lang="de-DE" err="1" smtClean="0"/>
               <a:t>Resulting</a:t>
             </a:r>
             <a:r>
-              <a:rPr lang="de-DE" dirty="0" smtClean="0"/>
-              <a:t> </a:t>
-            </a:r>
-            <a:r>
-              <a:rPr lang="de-DE" dirty="0" err="1" smtClean="0"/>
-              <a:t>solids</a:t>
-            </a:r>
-            <a:endParaRPr lang="de-DE" dirty="0"/>
+              <a:rPr lang="de-DE" smtClean="0"/>
+              <a:t> CFD Simulation</a:t>
+            </a:r>
+            <a:endParaRPr lang="de-DE"/>
           </a:p>
         </p:txBody>
       </p:sp>
@@ -4306,15 +5785,39 @@
           <p:nvPr/>
         </p:nvPicPr>
         <p:blipFill>
-          <a:blip r:embed="rId2"/>
+          <a:blip r:embed="rId3"/>
           <a:stretch>
             <a:fillRect/>
           </a:stretch>
         </p:blipFill>
         <p:spPr>
           <a:xfrm>
-            <a:off x="342900" y="1388251"/>
-            <a:ext cx="12058650" cy="4784794"/>
+            <a:off x="500339" y="1502959"/>
+            <a:ext cx="11191321" cy="4368574"/>
+          </a:xfrm>
+          <a:prstGeom prst="rect">
+            <a:avLst/>
+          </a:prstGeom>
+        </p:spPr>
+      </p:pic>
+      <p:pic>
+        <p:nvPicPr>
+          <p:cNvPr id="5" name="Grafik 4"/>
+          <p:cNvPicPr>
+            <a:picLocks noChangeAspect="1"/>
+          </p:cNvPicPr>
+          <p:nvPr/>
+        </p:nvPicPr>
+        <p:blipFill>
+          <a:blip r:embed="rId4"/>
+          <a:stretch>
+            <a:fillRect/>
+          </a:stretch>
+        </p:blipFill>
+        <p:spPr>
+          <a:xfrm>
+            <a:off x="10829110" y="365125"/>
+            <a:ext cx="862550" cy="3192173"/>
           </a:xfrm>
           <a:prstGeom prst="rect">
             <a:avLst/>
@@ -4324,7 +5827,7 @@
     </p:spTree>
     <p:extLst>
       <p:ext uri="{BB962C8B-B14F-4D97-AF65-F5344CB8AC3E}">
-        <p14:creationId xmlns:p14="http://schemas.microsoft.com/office/powerpoint/2010/main" val="439313974"/>
+        <p14:creationId xmlns:p14="http://schemas.microsoft.com/office/powerpoint/2010/main" val="665684014"/>
       </p:ext>
     </p:extLst>
   </p:cSld>
@@ -4360,7 +5863,102 @@
       </p:grpSpPr>
       <p:sp>
         <p:nvSpPr>
-          <p:cNvPr id="2" name="Titel 1"/>
+          <p:cNvPr id="3" name="Inhaltsplatzhalter 2"/>
+          <p:cNvSpPr>
+            <a:spLocks noGrp="1"/>
+          </p:cNvSpPr>
+          <p:nvPr>
+            <p:ph idx="1"/>
+          </p:nvPr>
+        </p:nvSpPr>
+        <p:spPr/>
+        <p:txBody>
+          <a:bodyPr/>
+          <a:lstStyle/>
+          <a:p>
+            <a:pPr marL="514350" indent="-514350">
+              <a:buAutoNum type="arabicPeriod"/>
+            </a:pPr>
+            <a:r>
+              <a:rPr lang="de-DE" smtClean="0">
+                <a:solidFill>
+                  <a:schemeClr val="bg2">
+                    <a:lumMod val="75000"/>
+                  </a:schemeClr>
+                </a:solidFill>
+              </a:rPr>
+              <a:t>About me </a:t>
+            </a:r>
+            <a:r>
+              <a:rPr lang="de-DE" smtClean="0">
+                <a:solidFill>
+                  <a:schemeClr val="bg2">
+                    <a:lumMod val="75000"/>
+                  </a:schemeClr>
+                </a:solidFill>
+                <a:sym typeface="Wingdings" panose="05000000000000000000" pitchFamily="2" charset="2"/>
+              </a:rPr>
+              <a:t></a:t>
+            </a:r>
+            <a:endParaRPr lang="de-DE" smtClean="0">
+              <a:solidFill>
+                <a:schemeClr val="bg2">
+                  <a:lumMod val="75000"/>
+                </a:schemeClr>
+              </a:solidFill>
+            </a:endParaRPr>
+          </a:p>
+          <a:p>
+            <a:pPr marL="514350" indent="-514350">
+              <a:buAutoNum type="arabicPeriod"/>
+            </a:pPr>
+            <a:r>
+              <a:rPr lang="de-DE" smtClean="0">
+                <a:solidFill>
+                  <a:schemeClr val="bg2">
+                    <a:lumMod val="75000"/>
+                  </a:schemeClr>
+                </a:solidFill>
+              </a:rPr>
+              <a:t>Scientific project and current occupation: </a:t>
+            </a:r>
+            <a:r>
+              <a:rPr lang="de-DE" b="1" smtClean="0">
+                <a:solidFill>
+                  <a:schemeClr val="bg2">
+                    <a:lumMod val="75000"/>
+                  </a:schemeClr>
+                </a:solidFill>
+              </a:rPr>
+              <a:t>CoolingGen</a:t>
+            </a:r>
+          </a:p>
+          <a:p>
+            <a:pPr marL="514350" indent="-514350">
+              <a:buAutoNum type="arabicPeriod"/>
+            </a:pPr>
+            <a:r>
+              <a:rPr lang="de-DE" smtClean="0"/>
+              <a:t>My interest in Computer Tomography</a:t>
+            </a:r>
+          </a:p>
+          <a:p>
+            <a:pPr marL="514350" indent="-514350">
+              <a:buAutoNum type="arabicPeriod"/>
+            </a:pPr>
+            <a:endParaRPr lang="de-DE" smtClean="0">
+              <a:solidFill>
+                <a:schemeClr val="bg2">
+                  <a:lumMod val="75000"/>
+                </a:schemeClr>
+              </a:solidFill>
+            </a:endParaRPr>
+          </a:p>
+        </p:txBody>
+      </p:sp>
+      <p:sp>
+        <p:nvSpPr>
+          <p:cNvPr id="4" name="Titel 3"/>
           <p:cNvSpPr>
             <a:spLocks noGrp="1"/>
           </p:cNvSpPr>
@@ -4374,45 +5972,17 @@
           <a:lstStyle/>
           <a:p>
             <a:r>
-              <a:rPr lang="de-DE" dirty="0" err="1" smtClean="0"/>
-              <a:t>Resulting</a:t>
-            </a:r>
-            <a:r>
-              <a:rPr lang="de-DE" dirty="0" smtClean="0"/>
-              <a:t> CFD Simulation</a:t>
-            </a:r>
-            <a:endParaRPr lang="de-DE" dirty="0"/>
-          </a:p>
-        </p:txBody>
-      </p:sp>
-      <p:pic>
-        <p:nvPicPr>
-          <p:cNvPr id="3" name="Grafik 2"/>
-          <p:cNvPicPr>
-            <a:picLocks noChangeAspect="1"/>
-          </p:cNvPicPr>
-          <p:nvPr/>
-        </p:nvPicPr>
-        <p:blipFill>
-          <a:blip r:embed="rId2"/>
-          <a:stretch>
-            <a:fillRect/>
-          </a:stretch>
-        </p:blipFill>
-        <p:spPr>
-          <a:xfrm>
-            <a:off x="500339" y="1502959"/>
-            <a:ext cx="11191321" cy="4368574"/>
-          </a:xfrm>
-          <a:prstGeom prst="rect">
-            <a:avLst/>
-          </a:prstGeom>
-        </p:spPr>
-      </p:pic>
+              <a:rPr lang="de-DE" smtClean="0"/>
+              <a:t>Contents</a:t>
+            </a:r>
+            <a:endParaRPr lang="en-US"/>
+          </a:p>
+        </p:txBody>
+      </p:sp>
     </p:spTree>
     <p:extLst>
       <p:ext uri="{BB962C8B-B14F-4D97-AF65-F5344CB8AC3E}">
-        <p14:creationId xmlns:p14="http://schemas.microsoft.com/office/powerpoint/2010/main" val="665684014"/>
+        <p14:creationId xmlns:p14="http://schemas.microsoft.com/office/powerpoint/2010/main" val="970179558"/>
       </p:ext>
     </p:extLst>
   </p:cSld>
@@ -4464,22 +6034,10 @@
           <a:lstStyle/>
           <a:p>
             <a:r>
-              <a:rPr lang="de-DE" sz="3600" dirty="0" smtClean="0"/>
-              <a:t>Computer </a:t>
-            </a:r>
-            <a:r>
-              <a:rPr lang="de-DE" sz="3600" dirty="0" err="1" smtClean="0"/>
-              <a:t>Tomography</a:t>
-            </a:r>
-            <a:r>
-              <a:rPr lang="de-DE" sz="3600" dirty="0" smtClean="0"/>
-              <a:t> in 2D – The Radon </a:t>
-            </a:r>
-            <a:r>
-              <a:rPr lang="de-DE" sz="3600" dirty="0" err="1" smtClean="0"/>
-              <a:t>transform</a:t>
-            </a:r>
-            <a:endParaRPr lang="de-DE" sz="3600" dirty="0"/>
+              <a:rPr lang="de-DE" sz="3600" smtClean="0"/>
+              <a:t>Computer Tomography</a:t>
+            </a:r>
+            <a:endParaRPr lang="de-DE" sz="3600"/>
           </a:p>
         </p:txBody>
       </p:sp>
@@ -4501,7 +6059,7 @@
         </p:spPr>
         <p:txBody>
           <a:bodyPr>
-            <a:normAutofit/>
+            <a:noAutofit/>
           </a:bodyPr>
           <a:lstStyle/>
           <a:p>
@@ -4509,132 +6067,132 @@
               <a:buNone/>
             </a:pPr>
             <a:r>
-              <a:rPr lang="de-DE" sz="2400" dirty="0" smtClean="0"/>
+              <a:rPr lang="de-DE" sz="2400" smtClean="0"/>
               <a:t>X-</a:t>
             </a:r>
             <a:r>
-              <a:rPr lang="de-DE" sz="2400" dirty="0" err="1" smtClean="0"/>
+              <a:rPr lang="de-DE" sz="2400" err="1" smtClean="0"/>
               <a:t>rays</a:t>
             </a:r>
             <a:r>
-              <a:rPr lang="de-DE" sz="2400" dirty="0" smtClean="0"/>
+              <a:rPr lang="de-DE" sz="2400" smtClean="0"/>
               <a:t> </a:t>
             </a:r>
             <a:r>
-              <a:rPr lang="de-DE" sz="2400" dirty="0" err="1" smtClean="0"/>
+              <a:rPr lang="de-DE" sz="2400" err="1" smtClean="0"/>
               <a:t>traversing</a:t>
             </a:r>
             <a:r>
-              <a:rPr lang="de-DE" sz="2400" dirty="0" smtClean="0"/>
+              <a:rPr lang="de-DE" sz="2400" smtClean="0"/>
               <a:t> a </a:t>
             </a:r>
             <a:r>
-              <a:rPr lang="de-DE" sz="2400" dirty="0" err="1" smtClean="0"/>
+              <a:rPr lang="de-DE" sz="2400" err="1" smtClean="0"/>
               <a:t>small</a:t>
             </a:r>
             <a:r>
-              <a:rPr lang="de-DE" sz="2400" dirty="0" smtClean="0"/>
+              <a:rPr lang="de-DE" sz="2400" smtClean="0"/>
               <a:t> </a:t>
             </a:r>
             <a:r>
-              <a:rPr lang="de-DE" sz="2400" dirty="0" err="1" smtClean="0"/>
+              <a:rPr lang="de-DE" sz="2400" err="1" smtClean="0"/>
               <a:t>distance</a:t>
             </a:r>
             <a:r>
-              <a:rPr lang="de-DE" sz="2400" dirty="0" smtClean="0"/>
+              <a:rPr lang="de-DE" sz="2400" smtClean="0"/>
               <a:t> </a:t>
             </a:r>
             <a:r>
-              <a:rPr lang="de-DE" sz="2400" dirty="0" err="1" smtClean="0"/>
+              <a:rPr lang="de-DE" sz="2400" err="1" smtClean="0"/>
               <a:t>suffer</a:t>
             </a:r>
             <a:r>
-              <a:rPr lang="de-DE" sz="2400" dirty="0" smtClean="0"/>
+              <a:rPr lang="de-DE" sz="2400" smtClean="0"/>
               <a:t> a relative </a:t>
             </a:r>
             <a:r>
-              <a:rPr lang="de-DE" sz="2400" dirty="0" err="1" smtClean="0"/>
+              <a:rPr lang="de-DE" sz="2400" err="1" smtClean="0"/>
               <a:t>intensity</a:t>
             </a:r>
             <a:r>
-              <a:rPr lang="de-DE" sz="2400" dirty="0" smtClean="0"/>
+              <a:rPr lang="de-DE" sz="2400" smtClean="0"/>
               <a:t> </a:t>
             </a:r>
             <a:r>
-              <a:rPr lang="de-DE" sz="2400" dirty="0" err="1" smtClean="0"/>
+              <a:rPr lang="de-DE" sz="2400" err="1" smtClean="0"/>
               <a:t>loss</a:t>
             </a:r>
             <a:r>
-              <a:rPr lang="de-DE" sz="2400" dirty="0"/>
+              <a:rPr lang="de-DE" sz="2400"/>
               <a:t>:</a:t>
             </a:r>
-            <a:endParaRPr lang="de-DE" sz="2400" dirty="0" smtClean="0"/>
+            <a:endParaRPr lang="de-DE" sz="2400" smtClean="0"/>
           </a:p>
           <a:p>
             <a:pPr marL="0" indent="0">
               <a:buNone/>
             </a:pPr>
             <a:r>
-              <a:rPr lang="de-DE" sz="2400" dirty="0" smtClean="0"/>
+              <a:rPr lang="de-DE" sz="2400" smtClean="0"/>
               <a:t>Beam </a:t>
             </a:r>
             <a:r>
-              <a:rPr lang="de-DE" sz="2400" dirty="0" err="1" smtClean="0"/>
+              <a:rPr lang="de-DE" sz="2400" err="1" smtClean="0"/>
               <a:t>is</a:t>
             </a:r>
             <a:r>
-              <a:rPr lang="de-DE" sz="2400" dirty="0" smtClean="0"/>
+              <a:rPr lang="de-DE" sz="2400" smtClean="0"/>
               <a:t> </a:t>
             </a:r>
             <a:r>
-              <a:rPr lang="de-DE" sz="2400" dirty="0" err="1" smtClean="0"/>
+              <a:rPr lang="de-DE" sz="2400" err="1" smtClean="0"/>
               <a:t>strongly</a:t>
             </a:r>
             <a:r>
-              <a:rPr lang="de-DE" sz="2400" dirty="0" smtClean="0"/>
+              <a:rPr lang="de-DE" sz="2400" smtClean="0"/>
               <a:t> </a:t>
             </a:r>
             <a:r>
-              <a:rPr lang="de-DE" sz="2400" dirty="0" err="1" smtClean="0"/>
+              <a:rPr lang="de-DE" sz="2400" err="1" smtClean="0"/>
               <a:t>focused</a:t>
             </a:r>
             <a:r>
-              <a:rPr lang="de-DE" sz="2400" dirty="0" smtClean="0"/>
+              <a:rPr lang="de-DE" sz="2400" smtClean="0"/>
               <a:t> </a:t>
             </a:r>
             <a:r>
-              <a:rPr lang="de-DE" sz="2400" dirty="0" smtClean="0">
+              <a:rPr lang="de-DE" sz="2400" smtClean="0">
                 <a:sym typeface="Wingdings" panose="05000000000000000000" pitchFamily="2" charset="2"/>
               </a:rPr>
               <a:t> </a:t>
             </a:r>
             <a:r>
-              <a:rPr lang="de-DE" sz="2400" dirty="0" err="1" smtClean="0">
+              <a:rPr lang="de-DE" sz="2400" err="1" smtClean="0">
                 <a:sym typeface="Wingdings" panose="05000000000000000000" pitchFamily="2" charset="2"/>
               </a:rPr>
               <a:t>Assume</a:t>
             </a:r>
             <a:r>
-              <a:rPr lang="de-DE" sz="2400" dirty="0" smtClean="0">
+              <a:rPr lang="de-DE" sz="2400" smtClean="0">
                 <a:sym typeface="Wingdings" panose="05000000000000000000" pitchFamily="2" charset="2"/>
               </a:rPr>
               <a:t> </a:t>
             </a:r>
             <a:r>
-              <a:rPr lang="de-DE" sz="2400" dirty="0" err="1" smtClean="0">
+              <a:rPr lang="de-DE" sz="2400" err="1" smtClean="0">
                 <a:sym typeface="Wingdings" panose="05000000000000000000" pitchFamily="2" charset="2"/>
               </a:rPr>
               <a:t>line</a:t>
             </a:r>
             <a:r>
-              <a:rPr lang="de-DE" sz="2400" dirty="0" smtClean="0">
+              <a:rPr lang="de-DE" sz="2400" smtClean="0">
                 <a:sym typeface="Wingdings" panose="05000000000000000000" pitchFamily="2" charset="2"/>
               </a:rPr>
               <a:t>:</a:t>
             </a:r>
           </a:p>
           <a:p>
-            <a:endParaRPr lang="de-DE" sz="2400" dirty="0">
+            <a:endParaRPr lang="de-DE" sz="2400">
               <a:sym typeface="Wingdings" panose="05000000000000000000" pitchFamily="2" charset="2"/>
             </a:endParaRPr>
           </a:p>
@@ -4643,38 +6201,38 @@
               <a:buNone/>
             </a:pPr>
             <a:r>
-              <a:rPr lang="de-DE" sz="2400" dirty="0" smtClean="0">
+              <a:rPr lang="de-DE" sz="2400" smtClean="0">
                 <a:sym typeface="Wingdings" panose="05000000000000000000" pitchFamily="2" charset="2"/>
               </a:rPr>
               <a:t>Set </a:t>
             </a:r>
             <a:r>
-              <a:rPr lang="de-DE" sz="2400" dirty="0" err="1" smtClean="0">
+              <a:rPr lang="de-DE" sz="2400" err="1" smtClean="0">
                 <a:sym typeface="Wingdings" panose="05000000000000000000" pitchFamily="2" charset="2"/>
               </a:rPr>
               <a:t>up</a:t>
             </a:r>
             <a:r>
-              <a:rPr lang="de-DE" sz="2400" dirty="0" smtClean="0">
+              <a:rPr lang="de-DE" sz="2400" smtClean="0">
                 <a:sym typeface="Wingdings" panose="05000000000000000000" pitchFamily="2" charset="2"/>
               </a:rPr>
               <a:t> differential </a:t>
             </a:r>
             <a:r>
-              <a:rPr lang="de-DE" sz="2400" dirty="0" err="1" smtClean="0">
+              <a:rPr lang="de-DE" sz="2400" err="1" smtClean="0">
                 <a:sym typeface="Wingdings" panose="05000000000000000000" pitchFamily="2" charset="2"/>
               </a:rPr>
               <a:t>equation</a:t>
             </a:r>
             <a:r>
-              <a:rPr lang="de-DE" sz="2400" dirty="0" smtClean="0">
+              <a:rPr lang="de-DE" sz="2400" smtClean="0">
                 <a:sym typeface="Wingdings" panose="05000000000000000000" pitchFamily="2" charset="2"/>
               </a:rPr>
               <a:t>:</a:t>
             </a:r>
           </a:p>
           <a:p>
-            <a:endParaRPr lang="de-DE" sz="2400" dirty="0">
+            <a:endParaRPr lang="de-DE" sz="2400">
               <a:sym typeface="Wingdings" panose="05000000000000000000" pitchFamily="2" charset="2"/>
             </a:endParaRPr>
           </a:p>
@@ -4683,64 +6241,64 @@
               <a:buNone/>
             </a:pPr>
             <a:r>
-              <a:rPr lang="de-DE" sz="2400" dirty="0" err="1" smtClean="0">
+              <a:rPr lang="de-DE" sz="2400" err="1" smtClean="0">
                 <a:sym typeface="Wingdings" panose="05000000000000000000" pitchFamily="2" charset="2"/>
               </a:rPr>
               <a:t>Integrate</a:t>
             </a:r>
             <a:r>
-              <a:rPr lang="de-DE" sz="2400" dirty="0" smtClean="0">
+              <a:rPr lang="de-DE" sz="2400" smtClean="0">
                 <a:sym typeface="Wingdings" panose="05000000000000000000" pitchFamily="2" charset="2"/>
               </a:rPr>
               <a:t> </a:t>
             </a:r>
             <a:r>
-              <a:rPr lang="de-DE" sz="2400" dirty="0" err="1" smtClean="0">
+              <a:rPr lang="de-DE" sz="2400" err="1" smtClean="0">
                 <a:sym typeface="Wingdings" panose="05000000000000000000" pitchFamily="2" charset="2"/>
               </a:rPr>
               <a:t>along</a:t>
             </a:r>
             <a:r>
-              <a:rPr lang="de-DE" sz="2400" dirty="0" smtClean="0">
+              <a:rPr lang="de-DE" sz="2400" smtClean="0">
                 <a:sym typeface="Wingdings" panose="05000000000000000000" pitchFamily="2" charset="2"/>
               </a:rPr>
               <a:t> </a:t>
             </a:r>
             <a:r>
-              <a:rPr lang="de-DE" sz="2400" dirty="0" err="1" smtClean="0">
+              <a:rPr lang="de-DE" sz="2400" err="1" smtClean="0">
                 <a:sym typeface="Wingdings" panose="05000000000000000000" pitchFamily="2" charset="2"/>
               </a:rPr>
               <a:t>line</a:t>
             </a:r>
             <a:r>
-              <a:rPr lang="de-DE" sz="2400" dirty="0" smtClean="0">
+              <a:rPr lang="de-DE" sz="2400" smtClean="0">
                 <a:sym typeface="Wingdings" panose="05000000000000000000" pitchFamily="2" charset="2"/>
               </a:rPr>
               <a:t> </a:t>
             </a:r>
             <a:r>
-              <a:rPr lang="de-DE" sz="2400" dirty="0" err="1" smtClean="0">
+              <a:rPr lang="de-DE" sz="2400" err="1" smtClean="0">
                 <a:sym typeface="Wingdings" panose="05000000000000000000" pitchFamily="2" charset="2"/>
               </a:rPr>
               <a:t>to</a:t>
             </a:r>
             <a:r>
-              <a:rPr lang="de-DE" sz="2400" dirty="0" smtClean="0">
+              <a:rPr lang="de-DE" sz="2400" smtClean="0">
                 <a:sym typeface="Wingdings" panose="05000000000000000000" pitchFamily="2" charset="2"/>
               </a:rPr>
               <a:t> find:</a:t>
             </a:r>
-            <a:endParaRPr lang="de-DE" sz="2400" dirty="0">
+            <a:endParaRPr lang="de-DE" sz="2400">
               <a:sym typeface="Wingdings" panose="05000000000000000000" pitchFamily="2" charset="2"/>
             </a:endParaRPr>
           </a:p>
           <a:p>
-            <a:endParaRPr lang="de-DE" sz="2400" dirty="0" smtClean="0">
+            <a:endParaRPr lang="de-DE" sz="2400" smtClean="0">
               <a:sym typeface="Wingdings" panose="05000000000000000000" pitchFamily="2" charset="2"/>
             </a:endParaRPr>
           </a:p>
           <a:p>
-            <a:endParaRPr lang="de-DE" sz="2400" dirty="0">
+            <a:endParaRPr lang="de-DE" sz="2400">
               <a:sym typeface="Wingdings" panose="05000000000000000000" pitchFamily="2" charset="2"/>
             </a:endParaRPr>
           </a:p>
@@ -4749,113 +6307,110 @@
               <a:buNone/>
             </a:pPr>
             <a:r>
-              <a:rPr lang="de-DE" sz="2400" dirty="0" err="1" smtClean="0">
+              <a:rPr lang="de-DE" sz="2400" err="1" smtClean="0">
                 <a:sym typeface="Wingdings" panose="05000000000000000000" pitchFamily="2" charset="2"/>
               </a:rPr>
               <a:t>Which</a:t>
             </a:r>
             <a:r>
-              <a:rPr lang="de-DE" sz="2400" dirty="0" smtClean="0">
+              <a:rPr lang="de-DE" sz="2400" smtClean="0">
                 <a:sym typeface="Wingdings" panose="05000000000000000000" pitchFamily="2" charset="2"/>
               </a:rPr>
               <a:t> </a:t>
             </a:r>
             <a:r>
-              <a:rPr lang="de-DE" sz="2400" dirty="0" err="1" smtClean="0">
+              <a:rPr lang="de-DE" sz="2400" err="1" smtClean="0">
                 <a:sym typeface="Wingdings" panose="05000000000000000000" pitchFamily="2" charset="2"/>
               </a:rPr>
               <a:t>is</a:t>
             </a:r>
             <a:r>
-              <a:rPr lang="de-DE" sz="2400" dirty="0" smtClean="0">
+              <a:rPr lang="de-DE" sz="2400" smtClean="0">
                 <a:sym typeface="Wingdings" panose="05000000000000000000" pitchFamily="2" charset="2"/>
               </a:rPr>
               <a:t> </a:t>
             </a:r>
             <a:r>
-              <a:rPr lang="de-DE" sz="2400" dirty="0" err="1" smtClean="0">
+              <a:rPr lang="de-DE" sz="2400" err="1" smtClean="0">
                 <a:sym typeface="Wingdings" panose="05000000000000000000" pitchFamily="2" charset="2"/>
               </a:rPr>
               <a:t>where</a:t>
             </a:r>
             <a:r>
-              <a:rPr lang="de-DE" sz="2400" dirty="0" smtClean="0">
+              <a:rPr lang="de-DE" sz="2400" smtClean="0">
                 <a:sym typeface="Wingdings" panose="05000000000000000000" pitchFamily="2" charset="2"/>
               </a:rPr>
               <a:t> </a:t>
             </a:r>
             <a:r>
-              <a:rPr lang="de-DE" sz="2400" dirty="0" err="1" smtClean="0">
+              <a:rPr lang="de-DE" sz="2400" err="1" smtClean="0">
                 <a:sym typeface="Wingdings" panose="05000000000000000000" pitchFamily="2" charset="2"/>
               </a:rPr>
               <a:t>we</a:t>
             </a:r>
             <a:r>
-              <a:rPr lang="de-DE" sz="2400" dirty="0" smtClean="0">
+              <a:rPr lang="de-DE" sz="2400" smtClean="0">
                 <a:sym typeface="Wingdings" panose="05000000000000000000" pitchFamily="2" charset="2"/>
               </a:rPr>
               <a:t> </a:t>
             </a:r>
             <a:r>
-              <a:rPr lang="de-DE" sz="2400" dirty="0" err="1" smtClean="0">
+              <a:rPr lang="de-DE" sz="2400" err="1" smtClean="0">
                 <a:sym typeface="Wingdings" panose="05000000000000000000" pitchFamily="2" charset="2"/>
               </a:rPr>
               <a:t>get</a:t>
             </a:r>
             <a:r>
-              <a:rPr lang="de-DE" sz="2400" dirty="0" smtClean="0">
+              <a:rPr lang="de-DE" sz="2400" smtClean="0">
                 <a:sym typeface="Wingdings" panose="05000000000000000000" pitchFamily="2" charset="2"/>
               </a:rPr>
               <a:t> </a:t>
             </a:r>
             <a:r>
-              <a:rPr lang="de-DE" sz="2400" dirty="0" err="1" smtClean="0">
+              <a:rPr lang="de-DE" sz="2400" err="1" smtClean="0">
                 <a:sym typeface="Wingdings" panose="05000000000000000000" pitchFamily="2" charset="2"/>
               </a:rPr>
               <a:t>the</a:t>
             </a:r>
             <a:r>
-              <a:rPr lang="de-DE" sz="2400" dirty="0" smtClean="0">
+              <a:rPr lang="de-DE" sz="2400" smtClean="0">
                 <a:sym typeface="Wingdings" panose="05000000000000000000" pitchFamily="2" charset="2"/>
               </a:rPr>
               <a:t> </a:t>
             </a:r>
             <a:r>
-              <a:rPr lang="de-DE" sz="2400" b="1" dirty="0" smtClean="0">
+              <a:rPr lang="de-DE" sz="2400" b="1" smtClean="0">
                 <a:sym typeface="Wingdings" panose="05000000000000000000" pitchFamily="2" charset="2"/>
               </a:rPr>
               <a:t>Radon </a:t>
             </a:r>
             <a:r>
-              <a:rPr lang="de-DE" sz="2400" b="1" dirty="0" err="1" smtClean="0">
+              <a:rPr lang="de-DE" sz="2400" b="1" err="1" smtClean="0">
                 <a:sym typeface="Wingdings" panose="05000000000000000000" pitchFamily="2" charset="2"/>
               </a:rPr>
               <a:t>transform</a:t>
             </a:r>
             <a:r>
-              <a:rPr lang="de-DE" sz="2400" b="1" dirty="0" smtClean="0">
+              <a:rPr lang="de-DE" sz="2400" b="1" smtClean="0">
                 <a:sym typeface="Wingdings" panose="05000000000000000000" pitchFamily="2" charset="2"/>
               </a:rPr>
-              <a:t> R </a:t>
-            </a:r>
-            <a:r>
-              <a:rPr lang="de-DE" sz="2400" dirty="0" err="1" smtClean="0">
+              <a:t> </a:t>
+            </a:r>
+            <a:r>
+              <a:rPr lang="de-DE" sz="2400" b="1" smtClean="0">
                 <a:sym typeface="Wingdings" panose="05000000000000000000" pitchFamily="2" charset="2"/>
               </a:rPr>
-              <a:t>from</a:t>
-            </a:r>
-            <a:r>
-              <a:rPr lang="de-DE" sz="2400" dirty="0" smtClean="0">
-                <a:sym typeface="Wingdings" panose="05000000000000000000" pitchFamily="2" charset="2"/>
-              </a:rPr>
-              <a:t>:</a:t>
-            </a:r>
+              <a:t>R</a:t>
+            </a:r>
+            <a:endParaRPr lang="de-DE" sz="2400" smtClean="0">
+              <a:sym typeface="Wingdings" panose="05000000000000000000" pitchFamily="2" charset="2"/>
+            </a:endParaRPr>
           </a:p>
           <a:p>
             <a:pPr marL="0" indent="0">
               <a:buNone/>
             </a:pPr>
-            <a:endParaRPr lang="de-DE" sz="2400" dirty="0" smtClean="0">
+            <a:endParaRPr lang="de-DE" sz="2400" smtClean="0">
               <a:sym typeface="Wingdings" panose="05000000000000000000" pitchFamily="2" charset="2"/>
             </a:endParaRPr>
           </a:p>
@@ -4949,7 +6504,7 @@
         </p:blipFill>
         <p:spPr>
           <a:xfrm>
-            <a:off x="1992266" y="4410763"/>
+            <a:off x="851362" y="4410763"/>
             <a:ext cx="8352426" cy="828743"/>
           </a:xfrm>
           <a:prstGeom prst="rect">
@@ -4973,8 +6528,56 @@
         </p:blipFill>
         <p:spPr>
           <a:xfrm>
-            <a:off x="2372236" y="5811774"/>
-            <a:ext cx="7592485" cy="752580"/>
+            <a:off x="933838" y="5877080"/>
+            <a:ext cx="6274781" cy="621968"/>
+          </a:xfrm>
+          <a:prstGeom prst="rect">
+            <a:avLst/>
+          </a:prstGeom>
+        </p:spPr>
+      </p:pic>
+      <p:pic>
+        <p:nvPicPr>
+          <p:cNvPr id="7" name="Grafik 6"/>
+          <p:cNvPicPr>
+            <a:picLocks noChangeAspect="1"/>
+          </p:cNvPicPr>
+          <p:nvPr/>
+        </p:nvPicPr>
+        <p:blipFill>
+          <a:blip r:embed="rId7"/>
+          <a:stretch>
+            <a:fillRect/>
+          </a:stretch>
+        </p:blipFill>
+        <p:spPr>
+          <a:xfrm>
+            <a:off x="6970463" y="321398"/>
+            <a:ext cx="3658388" cy="1146260"/>
+          </a:xfrm>
+          <a:prstGeom prst="rect">
+            <a:avLst/>
+          </a:prstGeom>
+        </p:spPr>
+      </p:pic>
+      <p:pic>
+        <p:nvPicPr>
+          <p:cNvPr id="10" name="Grafik 9"/>
+          <p:cNvPicPr>
+            <a:picLocks noChangeAspect="1"/>
+          </p:cNvPicPr>
+          <p:nvPr/>
+        </p:nvPicPr>
+        <p:blipFill>
+          <a:blip r:embed="rId8"/>
+          <a:stretch>
+            <a:fillRect/>
+          </a:stretch>
+        </p:blipFill>
+        <p:spPr>
+          <a:xfrm>
+            <a:off x="9275674" y="4062900"/>
+            <a:ext cx="2706353" cy="2589997"/>
           </a:xfrm>
           <a:prstGeom prst="rect">
             <a:avLst/>
@@ -4984,13 +6587,20 @@
     </p:spTree>
     <p:extLst>
       <p:ext uri="{BB962C8B-B14F-4D97-AF65-F5344CB8AC3E}">
-        <p14:creationId xmlns:p14="http://schemas.microsoft.com/office/powerpoint/2010/main" val="3315281308"/>
+        <p14:creationId xmlns:p14="http://schemas.microsoft.com/office/powerpoint/2010/main" val="4180003950"/>
       </p:ext>
     </p:extLst>
   </p:cSld>
   <p:clrMapOvr>
     <a:masterClrMapping/>
   </p:clrMapOvr>
+  <p:timing>
+    <p:tnLst>
+      <p:par>
+        <p:cTn id="1" dur="indefinite" restart="never" nodeType="tmRoot"/>
+      </p:par>
+    </p:tnLst>
+  </p:timing>
 </p:sld>
 </file>
 
@@ -5027,18 +6637,18 @@
           <a:lstStyle/>
           <a:p>
             <a:r>
-              <a:rPr lang="de-DE" dirty="0" smtClean="0"/>
+              <a:rPr lang="de-DE" smtClean="0"/>
               <a:t>Essential </a:t>
             </a:r>
             <a:r>
-              <a:rPr lang="de-DE" dirty="0" err="1" smtClean="0"/>
+              <a:rPr lang="de-DE" err="1" smtClean="0"/>
               <a:t>task</a:t>
             </a:r>
             <a:r>
-              <a:rPr lang="de-DE" dirty="0" smtClean="0"/>
+              <a:rPr lang="de-DE" smtClean="0"/>
               <a:t> in CT</a:t>
             </a:r>
-            <a:endParaRPr lang="de-DE" dirty="0"/>
+            <a:endParaRPr lang="de-DE"/>
           </a:p>
         </p:txBody>
       </p:sp>
@@ -5055,421 +6665,303 @@
         <p:spPr/>
         <p:txBody>
           <a:bodyPr>
-            <a:normAutofit fontScale="92500" lnSpcReduction="10000"/>
+            <a:normAutofit fontScale="92500" lnSpcReduction="20000"/>
           </a:bodyPr>
           <a:lstStyle/>
           <a:p>
             <a:r>
-              <a:rPr lang="de-DE" dirty="0" err="1" smtClean="0"/>
+              <a:rPr lang="de-DE" err="1" smtClean="0"/>
               <a:t>We</a:t>
             </a:r>
             <a:r>
-              <a:rPr lang="de-DE" dirty="0" smtClean="0"/>
+              <a:rPr lang="de-DE" smtClean="0"/>
               <a:t> </a:t>
             </a:r>
             <a:r>
-              <a:rPr lang="de-DE" dirty="0" err="1" smtClean="0"/>
+              <a:rPr lang="de-DE" err="1" smtClean="0"/>
               <a:t>want</a:t>
             </a:r>
             <a:r>
-              <a:rPr lang="de-DE" dirty="0" smtClean="0"/>
+              <a:rPr lang="de-DE" smtClean="0"/>
               <a:t> </a:t>
             </a:r>
             <a:r>
-              <a:rPr lang="de-DE" dirty="0" err="1" smtClean="0"/>
+              <a:rPr lang="de-DE" err="1" smtClean="0"/>
               <a:t>to</a:t>
             </a:r>
             <a:r>
-              <a:rPr lang="de-DE" b="1" dirty="0" smtClean="0"/>
+              <a:rPr lang="de-DE" b="1" smtClean="0"/>
               <a:t> </a:t>
             </a:r>
             <a:r>
-              <a:rPr lang="de-DE" b="1" dirty="0" err="1"/>
+              <a:rPr lang="de-DE" b="1" err="1"/>
               <a:t>r</a:t>
             </a:r>
             <a:r>
-              <a:rPr lang="de-DE" b="1" dirty="0" err="1" smtClean="0"/>
+              <a:rPr lang="de-DE" b="1" err="1" smtClean="0"/>
               <a:t>econstruct</a:t>
             </a:r>
             <a:r>
-              <a:rPr lang="de-DE" b="1" dirty="0" smtClean="0"/>
+              <a:rPr lang="de-DE" b="1" smtClean="0"/>
               <a:t> </a:t>
             </a:r>
             <a:r>
-              <a:rPr lang="de-DE" b="1" dirty="0" err="1" smtClean="0"/>
+              <a:rPr lang="de-DE" b="1" err="1" smtClean="0"/>
               <a:t>the</a:t>
             </a:r>
             <a:r>
-              <a:rPr lang="de-DE" b="1" dirty="0" smtClean="0"/>
+              <a:rPr lang="de-DE" b="1" smtClean="0"/>
               <a:t> </a:t>
             </a:r>
             <a:r>
-              <a:rPr lang="de-DE" b="1" dirty="0" err="1" smtClean="0"/>
+              <a:rPr lang="de-DE" b="1" err="1" smtClean="0"/>
               <a:t>density</a:t>
             </a:r>
             <a:r>
-              <a:rPr lang="de-DE" b="1" dirty="0" smtClean="0"/>
+              <a:rPr lang="de-DE" b="1" smtClean="0"/>
               <a:t> </a:t>
             </a:r>
             <a:r>
-              <a:rPr lang="de-DE" b="1" dirty="0" err="1" smtClean="0"/>
+              <a:rPr lang="de-DE" b="1" err="1" smtClean="0"/>
               <a:t>function</a:t>
             </a:r>
             <a:r>
-              <a:rPr lang="de-DE" b="1" dirty="0" smtClean="0"/>
+              <a:rPr lang="de-DE" b="1" smtClean="0"/>
               <a:t> </a:t>
             </a:r>
             <a:r>
-              <a:rPr lang="de-DE" dirty="0" err="1" smtClean="0"/>
+              <a:rPr lang="de-DE" err="1" smtClean="0"/>
               <a:t>from</a:t>
             </a:r>
             <a:r>
-              <a:rPr lang="de-DE" dirty="0" smtClean="0"/>
+              <a:rPr lang="de-DE" smtClean="0"/>
               <a:t> </a:t>
             </a:r>
             <a:r>
-              <a:rPr lang="de-DE" dirty="0" err="1" smtClean="0"/>
+              <a:rPr lang="de-DE" err="1" smtClean="0"/>
               <a:t>its</a:t>
             </a:r>
             <a:r>
-              <a:rPr lang="de-DE" dirty="0" smtClean="0"/>
+              <a:rPr lang="de-DE" smtClean="0"/>
               <a:t>‘ Radon </a:t>
             </a:r>
             <a:r>
-              <a:rPr lang="de-DE" dirty="0" err="1" smtClean="0"/>
+              <a:rPr lang="de-DE" err="1" smtClean="0"/>
               <a:t>transform</a:t>
             </a:r>
             <a:r>
-              <a:rPr lang="de-DE" dirty="0" smtClean="0"/>
+              <a:rPr lang="de-DE" smtClean="0"/>
               <a:t> (</a:t>
             </a:r>
             <a:r>
-              <a:rPr lang="de-DE" dirty="0" err="1" smtClean="0"/>
+              <a:rPr lang="de-DE" err="1" smtClean="0"/>
               <a:t>or</a:t>
             </a:r>
             <a:r>
-              <a:rPr lang="de-DE" dirty="0" smtClean="0"/>
+              <a:rPr lang="de-DE" smtClean="0"/>
               <a:t> in n-dimensional </a:t>
             </a:r>
             <a:r>
-              <a:rPr lang="de-DE" dirty="0" err="1" smtClean="0"/>
+              <a:rPr lang="de-DE" err="1" smtClean="0"/>
               <a:t>space</a:t>
             </a:r>
             <a:r>
-              <a:rPr lang="de-DE" dirty="0" smtClean="0"/>
+              <a:rPr lang="de-DE" smtClean="0"/>
               <a:t>, </a:t>
             </a:r>
             <a:r>
-              <a:rPr lang="de-DE" dirty="0" err="1" smtClean="0"/>
+              <a:rPr lang="de-DE" err="1" smtClean="0"/>
               <a:t>the</a:t>
             </a:r>
             <a:r>
-              <a:rPr lang="de-DE" dirty="0" smtClean="0"/>
+              <a:rPr lang="de-DE" smtClean="0"/>
               <a:t> </a:t>
             </a:r>
             <a:r>
-              <a:rPr lang="de-DE" b="1" dirty="0" smtClean="0"/>
+              <a:rPr lang="de-DE" b="1" smtClean="0"/>
               <a:t>John </a:t>
             </a:r>
             <a:r>
-              <a:rPr lang="de-DE" b="1" dirty="0" err="1" smtClean="0"/>
+              <a:rPr lang="de-DE" b="1" err="1" smtClean="0"/>
               <a:t>transform</a:t>
             </a:r>
             <a:r>
-              <a:rPr lang="de-DE" dirty="0" smtClean="0"/>
-              <a:t>)</a:t>
-            </a:r>
-          </a:p>
-          <a:p>
-            <a:r>
-              <a:rPr lang="de-DE" b="1" dirty="0" smtClean="0"/>
-              <a:t>But</a:t>
-            </a:r>
-            <a:r>
-              <a:rPr lang="de-DE" dirty="0" smtClean="0"/>
-              <a:t>: </a:t>
-            </a:r>
-            <a:r>
-              <a:rPr lang="de-DE" dirty="0" err="1" smtClean="0"/>
-              <a:t>Analytic</a:t>
-            </a:r>
-            <a:r>
-              <a:rPr lang="de-DE" dirty="0" smtClean="0"/>
-              <a:t> </a:t>
-            </a:r>
-            <a:r>
-              <a:rPr lang="de-DE" dirty="0" err="1" smtClean="0"/>
-              <a:t>inversion</a:t>
-            </a:r>
-            <a:r>
-              <a:rPr lang="de-DE" dirty="0"/>
-              <a:t> </a:t>
-            </a:r>
-            <a:r>
-              <a:rPr lang="de-DE" dirty="0" smtClean="0"/>
-              <a:t>not </a:t>
-            </a:r>
-            <a:r>
-              <a:rPr lang="de-DE" dirty="0" err="1" smtClean="0"/>
-              <a:t>feasible</a:t>
-            </a:r>
-            <a:r>
-              <a:rPr lang="de-DE" dirty="0" smtClean="0"/>
-              <a:t>, </a:t>
-            </a:r>
-            <a:r>
-              <a:rPr lang="de-DE" dirty="0" err="1" smtClean="0"/>
-              <a:t>many</a:t>
-            </a:r>
-            <a:r>
-              <a:rPr lang="de-DE" dirty="0" smtClean="0"/>
-              <a:t> different </a:t>
-            </a:r>
-            <a:r>
-              <a:rPr lang="de-DE" dirty="0" err="1" smtClean="0"/>
-              <a:t>factors</a:t>
-            </a:r>
-            <a:r>
-              <a:rPr lang="de-DE" dirty="0" smtClean="0"/>
-              <a:t>:</a:t>
-            </a:r>
-          </a:p>
-          <a:p>
-            <a:pPr lvl="1"/>
-            <a:r>
-              <a:rPr lang="de-DE" dirty="0" err="1" smtClean="0">
+              <a:rPr lang="de-DE" smtClean="0"/>
+              <a:t>) </a:t>
+            </a:r>
+            <a:r>
+              <a:rPr lang="de-DE" smtClean="0">
                 <a:sym typeface="Wingdings" panose="05000000000000000000" pitchFamily="2" charset="2"/>
               </a:rPr>
-              <a:t>Only</a:t>
-            </a:r>
-            <a:r>
-              <a:rPr lang="de-DE" dirty="0" smtClean="0">
+              <a:t> Inverse problem</a:t>
+            </a:r>
+            <a:endParaRPr lang="de-DE" smtClean="0"/>
+          </a:p>
+          <a:p>
+            <a:r>
+              <a:rPr lang="de-DE" b="1" smtClean="0"/>
+              <a:t>But</a:t>
+            </a:r>
+            <a:r>
+              <a:rPr lang="de-DE" smtClean="0"/>
+              <a:t>: Analytic inversion not feasible (ill-posed), many different factors</a:t>
+            </a:r>
+          </a:p>
+          <a:p>
+            <a:pPr lvl="1"/>
+            <a:r>
+              <a:rPr lang="de-DE" smtClean="0">
                 <a:sym typeface="Wingdings" panose="05000000000000000000" pitchFamily="2" charset="2"/>
               </a:rPr>
-              <a:t> </a:t>
-            </a:r>
-            <a:r>
-              <a:rPr lang="de-DE" dirty="0" err="1" smtClean="0">
+              <a:t>Finitely </a:t>
+            </a:r>
+            <a:r>
+              <a:rPr lang="de-DE">
                 <a:sym typeface="Wingdings" panose="05000000000000000000" pitchFamily="2" charset="2"/>
               </a:rPr>
-              <a:t>sometimes</a:t>
-            </a:r>
-            <a:r>
-              <a:rPr lang="de-DE" dirty="0" smtClean="0">
+              <a:t>many </a:t>
+            </a:r>
+            <a:r>
+              <a:rPr lang="de-DE" smtClean="0">
                 <a:sym typeface="Wingdings" panose="05000000000000000000" pitchFamily="2" charset="2"/>
               </a:rPr>
-              <a:t> </a:t>
-            </a:r>
-            <a:r>
-              <a:rPr lang="de-DE" dirty="0" err="1" smtClean="0">
+              <a:t>measurements  </a:t>
+            </a:r>
+            <a:r>
+              <a:rPr lang="de-DE" smtClean="0">
                 <a:sym typeface="Wingdings" panose="05000000000000000000" pitchFamily="2" charset="2"/>
               </a:rPr>
-              <a:t>actually</a:t>
-            </a:r>
-            <a:r>
-              <a:rPr lang="de-DE" dirty="0" smtClean="0">
+              <a:t>No uniqueness of solution</a:t>
+            </a:r>
+          </a:p>
+          <a:p>
+            <a:pPr lvl="1"/>
+            <a:r>
+              <a:rPr lang="de-DE" smtClean="0">
                 <a:sym typeface="Wingdings" panose="05000000000000000000" pitchFamily="2" charset="2"/>
               </a:rPr>
-              <a:t> </a:t>
-            </a:r>
-            <a:r>
-              <a:rPr lang="de-DE" dirty="0" err="1" smtClean="0">
+              <a:t>Non-locality of solution</a:t>
+            </a:r>
+          </a:p>
+          <a:p>
+            <a:pPr lvl="1"/>
+            <a:r>
+              <a:rPr lang="de-DE" smtClean="0">
                 <a:sym typeface="Wingdings" panose="05000000000000000000" pitchFamily="2" charset="2"/>
               </a:rPr>
-              <a:t>invertible</a:t>
-            </a:r>
-            <a:endParaRPr lang="de-DE" dirty="0" smtClean="0">
+              <a:t>...</a:t>
+            </a:r>
+            <a:endParaRPr lang="de-DE" smtClean="0">
               <a:sym typeface="Wingdings" panose="05000000000000000000" pitchFamily="2" charset="2"/>
             </a:endParaRPr>
           </a:p>
           <a:p>
+            <a:r>
+              <a:rPr lang="de-DE" b="1" smtClean="0"/>
+              <a:t>Fascinating and challenging</a:t>
+            </a:r>
+            <a:r>
+              <a:rPr lang="de-DE" smtClean="0"/>
+              <a:t>: Many quite different approaches to solve inverse problem</a:t>
+            </a:r>
+          </a:p>
+          <a:p>
             <a:pPr lvl="1"/>
             <a:r>
-              <a:rPr lang="de-DE" dirty="0" smtClean="0">
+              <a:rPr lang="de-DE" smtClean="0"/>
+              <a:t>Algebraic reconstruction technique (Overdetermined linear system </a:t>
+            </a:r>
+            <a:r>
+              <a:rPr lang="de-DE" smtClean="0">
                 <a:sym typeface="Wingdings" panose="05000000000000000000" pitchFamily="2" charset="2"/>
               </a:rPr>
-              <a:t>Non-</a:t>
-            </a:r>
-            <a:r>
-              <a:rPr lang="de-DE" dirty="0" err="1" smtClean="0">
-                <a:sym typeface="Wingdings" panose="05000000000000000000" pitchFamily="2" charset="2"/>
-              </a:rPr>
-              <a:t>locality</a:t>
-            </a:r>
-            <a:r>
-              <a:rPr lang="de-DE" dirty="0">
-                <a:sym typeface="Wingdings" panose="05000000000000000000" pitchFamily="2" charset="2"/>
-              </a:rPr>
-              <a:t> </a:t>
-            </a:r>
-            <a:r>
-              <a:rPr lang="de-DE" dirty="0" err="1" smtClean="0">
-                <a:sym typeface="Wingdings" panose="05000000000000000000" pitchFamily="2" charset="2"/>
-              </a:rPr>
-              <a:t>of</a:t>
-            </a:r>
-            <a:r>
-              <a:rPr lang="de-DE" dirty="0" smtClean="0">
-                <a:sym typeface="Wingdings" panose="05000000000000000000" pitchFamily="2" charset="2"/>
-              </a:rPr>
-              <a:t> </a:t>
-            </a:r>
-            <a:r>
-              <a:rPr lang="de-DE" dirty="0" err="1" smtClean="0">
-                <a:sym typeface="Wingdings" panose="05000000000000000000" pitchFamily="2" charset="2"/>
-              </a:rPr>
-              <a:t>solution</a:t>
-            </a:r>
-            <a:endParaRPr lang="de-DE" dirty="0" smtClean="0">
-              <a:sym typeface="Wingdings" panose="05000000000000000000" pitchFamily="2" charset="2"/>
-            </a:endParaRPr>
+              <a:t> Kaczmarz)</a:t>
+            </a:r>
+            <a:endParaRPr lang="de-DE" smtClean="0"/>
           </a:p>
           <a:p>
             <a:pPr lvl="1"/>
             <a:r>
-              <a:rPr lang="de-DE" dirty="0" smtClean="0">
-                <a:sym typeface="Wingdings" panose="05000000000000000000" pitchFamily="2" charset="2"/>
-              </a:rPr>
+              <a:rPr lang="de-DE" smtClean="0"/>
+              <a:t>Cormack inversion formula</a:t>
+            </a:r>
+          </a:p>
+          <a:p>
+            <a:pPr lvl="1"/>
+            <a:r>
+              <a:rPr lang="de-DE" smtClean="0"/>
+              <a:t>Filtered back projection</a:t>
+            </a:r>
+          </a:p>
+          <a:p>
+            <a:pPr lvl="1"/>
+            <a:r>
+              <a:rPr lang="de-DE" smtClean="0"/>
+              <a:t>Fourier reconstruction</a:t>
+            </a:r>
+          </a:p>
+          <a:p>
+            <a:pPr lvl="1"/>
+            <a:r>
+              <a:rPr lang="de-DE" smtClean="0"/>
               <a:t>…</a:t>
             </a:r>
           </a:p>
           <a:p>
-            <a:r>
-              <a:rPr lang="de-DE" dirty="0" err="1" smtClean="0"/>
-              <a:t>Many</a:t>
-            </a:r>
-            <a:r>
-              <a:rPr lang="de-DE" dirty="0" smtClean="0"/>
-              <a:t> </a:t>
-            </a:r>
-            <a:r>
-              <a:rPr lang="de-DE" dirty="0" err="1" smtClean="0"/>
-              <a:t>approaches</a:t>
-            </a:r>
-            <a:r>
-              <a:rPr lang="de-DE" dirty="0" smtClean="0"/>
-              <a:t> </a:t>
-            </a:r>
-            <a:r>
-              <a:rPr lang="de-DE" dirty="0" err="1" smtClean="0"/>
-              <a:t>to</a:t>
-            </a:r>
-            <a:r>
-              <a:rPr lang="de-DE" dirty="0" smtClean="0"/>
-              <a:t> </a:t>
-            </a:r>
-            <a:r>
-              <a:rPr lang="de-DE" dirty="0" err="1" smtClean="0"/>
-              <a:t>approximate</a:t>
-            </a:r>
-            <a:r>
-              <a:rPr lang="de-DE" dirty="0" smtClean="0"/>
-              <a:t> </a:t>
-            </a:r>
-            <a:r>
-              <a:rPr lang="de-DE" dirty="0" err="1" smtClean="0"/>
-              <a:t>solution</a:t>
-            </a:r>
-            <a:r>
-              <a:rPr lang="de-DE" dirty="0" smtClean="0"/>
-              <a:t>…</a:t>
-            </a:r>
-          </a:p>
-          <a:p>
             <a:pPr lvl="1"/>
-            <a:r>
-              <a:rPr lang="de-DE" dirty="0" err="1" smtClean="0"/>
-              <a:t>Algebraic</a:t>
-            </a:r>
-            <a:r>
-              <a:rPr lang="de-DE" dirty="0" smtClean="0"/>
-              <a:t> </a:t>
-            </a:r>
-            <a:r>
-              <a:rPr lang="de-DE" dirty="0" err="1" smtClean="0"/>
-              <a:t>reconstruction</a:t>
-            </a:r>
-            <a:r>
-              <a:rPr lang="de-DE" dirty="0" smtClean="0"/>
-              <a:t> </a:t>
-            </a:r>
-            <a:r>
-              <a:rPr lang="de-DE" dirty="0" err="1" smtClean="0"/>
-              <a:t>technique</a:t>
-            </a:r>
-            <a:endParaRPr lang="de-DE" dirty="0" smtClean="0"/>
-          </a:p>
-          <a:p>
-            <a:pPr lvl="1"/>
-            <a:r>
-              <a:rPr lang="de-DE" dirty="0" smtClean="0"/>
-              <a:t>Cormack </a:t>
-            </a:r>
-            <a:r>
-              <a:rPr lang="de-DE" dirty="0" err="1" smtClean="0"/>
-              <a:t>inversion</a:t>
-            </a:r>
-            <a:r>
-              <a:rPr lang="de-DE" dirty="0" smtClean="0"/>
-              <a:t> </a:t>
-            </a:r>
-            <a:r>
-              <a:rPr lang="de-DE" dirty="0" err="1" smtClean="0"/>
-              <a:t>formula</a:t>
-            </a:r>
-            <a:endParaRPr lang="de-DE" dirty="0" smtClean="0"/>
-          </a:p>
-          <a:p>
-            <a:pPr lvl="1"/>
-            <a:r>
-              <a:rPr lang="de-DE" dirty="0" err="1" smtClean="0"/>
-              <a:t>Filtered</a:t>
-            </a:r>
-            <a:r>
-              <a:rPr lang="de-DE" dirty="0" smtClean="0"/>
-              <a:t> back </a:t>
-            </a:r>
-            <a:r>
-              <a:rPr lang="de-DE" dirty="0" err="1" smtClean="0"/>
-              <a:t>projection</a:t>
-            </a:r>
-            <a:endParaRPr lang="de-DE" dirty="0" smtClean="0"/>
-          </a:p>
-          <a:p>
-            <a:pPr lvl="1"/>
-            <a:r>
-              <a:rPr lang="de-DE" dirty="0" smtClean="0"/>
-              <a:t>Fourier </a:t>
-            </a:r>
-            <a:r>
-              <a:rPr lang="de-DE" dirty="0" err="1" smtClean="0"/>
-              <a:t>reconstruction</a:t>
-            </a:r>
-            <a:endParaRPr lang="de-DE" dirty="0" smtClean="0"/>
-          </a:p>
-          <a:p>
-            <a:pPr lvl="1"/>
-            <a:r>
-              <a:rPr lang="de-DE" dirty="0" smtClean="0"/>
-              <a:t>…</a:t>
-            </a:r>
-          </a:p>
-          <a:p>
-            <a:pPr lvl="1"/>
-            <a:endParaRPr lang="de-DE" dirty="0"/>
-          </a:p>
-        </p:txBody>
-      </p:sp>
+            <a:endParaRPr lang="de-DE"/>
+          </a:p>
+        </p:txBody>
+      </p:sp>
+      <p:pic>
+        <p:nvPicPr>
+          <p:cNvPr id="4" name="Grafik 3"/>
+          <p:cNvPicPr>
+            <a:picLocks noChangeAspect="1"/>
+          </p:cNvPicPr>
+          <p:nvPr/>
+        </p:nvPicPr>
+        <p:blipFill>
+          <a:blip r:embed="rId3"/>
+          <a:stretch>
+            <a:fillRect/>
+          </a:stretch>
+        </p:blipFill>
+        <p:spPr>
+          <a:xfrm>
+            <a:off x="6970463" y="321398"/>
+            <a:ext cx="3658388" cy="1146260"/>
+          </a:xfrm>
+          <a:prstGeom prst="rect">
+            <a:avLst/>
+          </a:prstGeom>
+        </p:spPr>
+      </p:pic>
     </p:spTree>
     <p:extLst>
       <p:ext uri="{BB962C8B-B14F-4D97-AF65-F5344CB8AC3E}">
-        <p14:creationId xmlns:p14="http://schemas.microsoft.com/office/powerpoint/2010/main" val="387831490"/>
+        <p14:creationId xmlns:p14="http://schemas.microsoft.com/office/powerpoint/2010/main" val="4007034357"/>
       </p:ext>
     </p:extLst>
   </p:cSld>
   <p:clrMapOvr>
     <a:masterClrMapping/>
   </p:clrMapOvr>
+  <mc:AlternateContent xmlns:mc="http://schemas.openxmlformats.org/markup-compatibility/2006">
+    <mc:Choice xmlns:p14="http://schemas.microsoft.com/office/powerpoint/2010/main" Requires="p14">
+      <p:transition spd="slow" p14:dur="2000"/>
+    </mc:Choice>
+    <mc:Fallback>
+      <p:transition spd="slow"/>
+    </mc:Fallback>
+  </mc:AlternateContent>
+  <p:timing>
+    <p:tnLst>
+      <p:par>
+        <p:cTn id="1" dur="indefinite" restart="never" nodeType="tmRoot"/>
+      </p:par>
+    </p:tnLst>
+  </p:timing>
 </p:sld>
 </file>
 
@@ -5506,22 +6998,16 @@
           <a:lstStyle/>
           <a:p>
             <a:r>
-              <a:rPr lang="de-DE" dirty="0" smtClean="0"/>
-              <a:t>Also </a:t>
-            </a:r>
-            <a:r>
-              <a:rPr lang="de-DE" dirty="0" err="1" smtClean="0"/>
-              <a:t>about</a:t>
-            </a:r>
-            <a:r>
-              <a:rPr lang="de-DE" dirty="0" smtClean="0"/>
-              <a:t> </a:t>
-            </a:r>
-            <a:r>
-              <a:rPr lang="de-DE" dirty="0" err="1" smtClean="0"/>
-              <a:t>me</a:t>
-            </a:r>
-            <a:endParaRPr lang="de-DE" dirty="0"/>
+              <a:rPr lang="de-DE" smtClean="0"/>
+              <a:t>Thank you </a:t>
+            </a:r>
+            <a:r>
+              <a:rPr lang="de-DE" smtClean="0">
+                <a:sym typeface="Wingdings" panose="05000000000000000000" pitchFamily="2" charset="2"/>
+              </a:rPr>
+              <a:t></a:t>
+            </a:r>
+            <a:endParaRPr lang="en-US"/>
           </a:p>
         </p:txBody>
       </p:sp>
@@ -5541,137 +7027,139 @@
           <a:lstStyle/>
           <a:p>
             <a:r>
-              <a:rPr lang="de-DE" dirty="0" smtClean="0"/>
-              <a:t>I </a:t>
-            </a:r>
-            <a:r>
-              <a:rPr lang="de-DE" dirty="0" err="1" smtClean="0"/>
-              <a:t>enjoy</a:t>
-            </a:r>
-            <a:r>
-              <a:rPr lang="de-DE" dirty="0" smtClean="0"/>
-              <a:t> </a:t>
-            </a:r>
-            <a:r>
-              <a:rPr lang="de-DE" dirty="0" err="1"/>
-              <a:t>c</a:t>
-            </a:r>
-            <a:r>
-              <a:rPr lang="de-DE" dirty="0" err="1" smtClean="0"/>
-              <a:t>ooking</a:t>
-            </a:r>
-            <a:r>
-              <a:rPr lang="de-DE" dirty="0" smtClean="0"/>
-              <a:t>, </a:t>
-            </a:r>
-            <a:r>
-              <a:rPr lang="de-DE" dirty="0" err="1" smtClean="0"/>
-              <a:t>hiking</a:t>
-            </a:r>
-            <a:r>
-              <a:rPr lang="de-DE" dirty="0" smtClean="0"/>
-              <a:t> </a:t>
-            </a:r>
-            <a:r>
-              <a:rPr lang="de-DE" dirty="0" err="1" smtClean="0"/>
-              <a:t>and</a:t>
-            </a:r>
-            <a:r>
-              <a:rPr lang="de-DE" dirty="0" smtClean="0"/>
-              <a:t> </a:t>
-            </a:r>
-            <a:r>
-              <a:rPr lang="de-DE" dirty="0" err="1" smtClean="0"/>
-              <a:t>video</a:t>
-            </a:r>
-            <a:r>
-              <a:rPr lang="de-DE" dirty="0" smtClean="0"/>
-              <a:t> </a:t>
-            </a:r>
-            <a:r>
-              <a:rPr lang="de-DE" dirty="0" err="1" smtClean="0"/>
-              <a:t>games</a:t>
-            </a:r>
-            <a:endParaRPr lang="de-DE" dirty="0" smtClean="0"/>
-          </a:p>
-          <a:p>
-            <a:r>
-              <a:rPr lang="de-DE" dirty="0" err="1"/>
-              <a:t>Playing</a:t>
-            </a:r>
-            <a:r>
-              <a:rPr lang="de-DE" dirty="0"/>
-              <a:t> </a:t>
-            </a:r>
-            <a:r>
-              <a:rPr lang="de-DE" dirty="0" err="1"/>
-              <a:t>the</a:t>
-            </a:r>
-            <a:r>
-              <a:rPr lang="de-DE" dirty="0"/>
-              <a:t> </a:t>
-            </a:r>
-            <a:r>
-              <a:rPr lang="de-DE" dirty="0" err="1"/>
-              <a:t>guitar</a:t>
-            </a:r>
-            <a:r>
-              <a:rPr lang="de-DE" dirty="0"/>
-              <a:t> </a:t>
-            </a:r>
-            <a:r>
-              <a:rPr lang="de-DE" dirty="0" err="1"/>
-              <a:t>for</a:t>
-            </a:r>
-            <a:r>
-              <a:rPr lang="de-DE" dirty="0"/>
-              <a:t> 15 </a:t>
-            </a:r>
-            <a:r>
-              <a:rPr lang="de-DE" dirty="0" err="1"/>
-              <a:t>years</a:t>
-            </a:r>
-            <a:r>
-              <a:rPr lang="de-DE" dirty="0"/>
-              <a:t> </a:t>
-            </a:r>
-            <a:r>
-              <a:rPr lang="de-DE" dirty="0" err="1" smtClean="0"/>
-              <a:t>now</a:t>
-            </a:r>
-            <a:endParaRPr lang="de-DE" dirty="0"/>
-          </a:p>
-          <a:p>
-            <a:r>
-              <a:rPr lang="de-DE" dirty="0" smtClean="0"/>
-              <a:t>Loves Jazz </a:t>
-            </a:r>
-            <a:r>
-              <a:rPr lang="de-DE" dirty="0" err="1" smtClean="0"/>
-              <a:t>and</a:t>
-            </a:r>
-            <a:r>
-              <a:rPr lang="de-DE" dirty="0" smtClean="0"/>
-              <a:t> Progressive </a:t>
-            </a:r>
-            <a:r>
-              <a:rPr lang="de-DE" dirty="0" err="1" smtClean="0"/>
-              <a:t>Metal</a:t>
-            </a:r>
-            <a:endParaRPr lang="de-DE" dirty="0"/>
-          </a:p>
-          <a:p>
-            <a:endParaRPr lang="de-DE" dirty="0" smtClean="0"/>
-          </a:p>
-          <a:p>
-            <a:endParaRPr lang="de-DE" dirty="0"/>
+              <a:rPr lang="de-DE" b="1" smtClean="0"/>
+              <a:t>Dr. rer. nat. habil. Gerlind Plonka-Hoch</a:t>
+            </a:r>
+            <a:r>
+              <a:rPr lang="de-DE" smtClean="0"/>
+              <a:t> for sparking my interest in Fourier Analysis, Image Reconstruction and especially CT</a:t>
+            </a:r>
+            <a:endParaRPr lang="de-DE"/>
+          </a:p>
+          <a:p>
+            <a:r>
+              <a:rPr lang="de-DE" b="1" smtClean="0"/>
+              <a:t>Robin Schöffler </a:t>
+            </a:r>
+            <a:r>
+              <a:rPr lang="de-DE" smtClean="0"/>
+              <a:t>for teaching me about jet engines</a:t>
+            </a:r>
+          </a:p>
+          <a:p>
+            <a:r>
+              <a:rPr lang="de-DE" b="1" smtClean="0"/>
+              <a:t>Nina Brose </a:t>
+            </a:r>
+            <a:r>
+              <a:rPr lang="de-DE" smtClean="0"/>
+              <a:t>for the nice CFD imagery</a:t>
+            </a:r>
           </a:p>
         </p:txBody>
       </p:sp>
     </p:spTree>
     <p:extLst>
       <p:ext uri="{BB962C8B-B14F-4D97-AF65-F5344CB8AC3E}">
-        <p14:creationId xmlns:p14="http://schemas.microsoft.com/office/powerpoint/2010/main" val="495460344"/>
+        <p14:creationId xmlns:p14="http://schemas.microsoft.com/office/powerpoint/2010/main" val="1938806468"/>
+      </p:ext>
+    </p:extLst>
+  </p:cSld>
+  <p:clrMapOvr>
+    <a:masterClrMapping/>
+  </p:clrMapOvr>
+  <p:timing>
+    <p:tnLst>
+      <p:par>
+        <p:cTn id="1" dur="indefinite" restart="never" nodeType="tmRoot"/>
+      </p:par>
+    </p:tnLst>
+  </p:timing>
+</p:sld>
+</file>
+
+<file path=ppt/slides/slide19.xml><?xml version="1.0" encoding="utf-8"?>
+<p:sld xmlns:a="http://schemas.openxmlformats.org/drawingml/2006/main" xmlns:r="http://schemas.openxmlformats.org/officeDocument/2006/relationships" xmlns:p="http://schemas.openxmlformats.org/presentationml/2006/main">
+  <p:cSld>
+    <p:spTree>
+      <p:nvGrpSpPr>
+        <p:cNvPr id="1" name=""/>
+        <p:cNvGrpSpPr/>
+        <p:nvPr/>
+      </p:nvGrpSpPr>
+      <p:grpSpPr>
+        <a:xfrm>
+          <a:off x="0" y="0"/>
+          <a:ext cx="0" cy="0"/>
+          <a:chOff x="0" y="0"/>
+          <a:chExt cx="0" cy="0"/>
+        </a:xfrm>
+      </p:grpSpPr>
+      <p:sp>
+        <p:nvSpPr>
+          <p:cNvPr id="2" name="Titel 1"/>
+          <p:cNvSpPr>
+            <a:spLocks noGrp="1"/>
+          </p:cNvSpPr>
+          <p:nvPr>
+            <p:ph type="title"/>
+          </p:nvPr>
+        </p:nvSpPr>
+        <p:spPr>
+          <a:xfrm>
+            <a:off x="838200" y="1804821"/>
+            <a:ext cx="10515600" cy="1325563"/>
+          </a:xfrm>
+        </p:spPr>
+        <p:txBody>
+          <a:bodyPr/>
+          <a:lstStyle/>
+          <a:p>
+            <a:pPr algn="ctr"/>
+            <a:r>
+              <a:rPr lang="de-DE" smtClean="0"/>
+              <a:t>Thank you for your attention</a:t>
+            </a:r>
+            <a:endParaRPr lang="en-US"/>
+          </a:p>
+        </p:txBody>
+      </p:sp>
+      <p:sp>
+        <p:nvSpPr>
+          <p:cNvPr id="3" name="Inhaltsplatzhalter 2"/>
+          <p:cNvSpPr>
+            <a:spLocks noGrp="1"/>
+          </p:cNvSpPr>
+          <p:nvPr>
+            <p:ph idx="1"/>
+          </p:nvPr>
+        </p:nvSpPr>
+        <p:spPr>
+          <a:xfrm>
+            <a:off x="838200" y="3073399"/>
+            <a:ext cx="10515600" cy="3103563"/>
+          </a:xfrm>
+        </p:spPr>
+        <p:txBody>
+          <a:bodyPr>
+            <a:normAutofit/>
+          </a:bodyPr>
+          <a:lstStyle/>
+          <a:p>
+            <a:pPr marL="0" indent="0" algn="ctr">
+              <a:buNone/>
+            </a:pPr>
+            <a:r>
+              <a:rPr lang="de-DE" sz="4000" smtClean="0"/>
+              <a:t>Questions?</a:t>
+            </a:r>
+          </a:p>
+        </p:txBody>
+      </p:sp>
+    </p:spTree>
+    <p:extLst>
+      <p:ext uri="{BB962C8B-B14F-4D97-AF65-F5344CB8AC3E}">
+        <p14:creationId xmlns:p14="http://schemas.microsoft.com/office/powerpoint/2010/main" val="221288492"/>
       </p:ext>
     </p:extLst>
   </p:cSld>
@@ -5707,7 +7195,67 @@
       </p:grpSpPr>
       <p:sp>
         <p:nvSpPr>
-          <p:cNvPr id="2" name="Titel 1"/>
+          <p:cNvPr id="3" name="Inhaltsplatzhalter 2"/>
+          <p:cNvSpPr>
+            <a:spLocks noGrp="1"/>
+          </p:cNvSpPr>
+          <p:nvPr>
+            <p:ph idx="1"/>
+          </p:nvPr>
+        </p:nvSpPr>
+        <p:spPr/>
+        <p:txBody>
+          <a:bodyPr/>
+          <a:lstStyle/>
+          <a:p>
+            <a:pPr marL="514350" indent="-514350">
+              <a:buAutoNum type="arabicPeriod"/>
+            </a:pPr>
+            <a:r>
+              <a:rPr lang="de-DE" smtClean="0"/>
+              <a:t>About me </a:t>
+            </a:r>
+            <a:r>
+              <a:rPr lang="de-DE" smtClean="0">
+                <a:sym typeface="Wingdings" panose="05000000000000000000" pitchFamily="2" charset="2"/>
+              </a:rPr>
+              <a:t></a:t>
+            </a:r>
+            <a:endParaRPr lang="de-DE" smtClean="0"/>
+          </a:p>
+          <a:p>
+            <a:pPr marL="514350" indent="-514350">
+              <a:buAutoNum type="arabicPeriod"/>
+            </a:pPr>
+            <a:r>
+              <a:rPr lang="de-DE" smtClean="0"/>
+              <a:t>Scientific project and current occupation: </a:t>
+            </a:r>
+            <a:r>
+              <a:rPr lang="de-DE" b="1" smtClean="0"/>
+              <a:t>CoolingGen</a:t>
+            </a:r>
+          </a:p>
+          <a:p>
+            <a:pPr marL="514350" indent="-514350">
+              <a:buAutoNum type="arabicPeriod"/>
+            </a:pPr>
+            <a:r>
+              <a:rPr lang="de-DE" smtClean="0"/>
+              <a:t>My interest in Computer Tomography</a:t>
+            </a:r>
+          </a:p>
+          <a:p>
+            <a:pPr marL="514350" indent="-514350">
+              <a:buAutoNum type="arabicPeriod"/>
+            </a:pPr>
+            <a:endParaRPr lang="de-DE" smtClean="0"/>
+          </a:p>
+        </p:txBody>
+      </p:sp>
+      <p:sp>
+        <p:nvSpPr>
+          <p:cNvPr id="4" name="Titel 3"/>
           <p:cNvSpPr>
             <a:spLocks noGrp="1"/>
           </p:cNvSpPr>
@@ -5721,310 +7269,17 @@
           <a:lstStyle/>
           <a:p>
             <a:r>
-              <a:rPr lang="de-DE" dirty="0" err="1" smtClean="0"/>
-              <a:t>About</a:t>
-            </a:r>
-            <a:r>
-              <a:rPr lang="de-DE" dirty="0" smtClean="0"/>
-              <a:t> </a:t>
-            </a:r>
-            <a:r>
-              <a:rPr lang="de-DE" dirty="0" err="1" smtClean="0"/>
-              <a:t>me</a:t>
-            </a:r>
-            <a:endParaRPr lang="de-DE" dirty="0"/>
-          </a:p>
-        </p:txBody>
-      </p:sp>
-      <p:sp>
-        <p:nvSpPr>
-          <p:cNvPr id="3" name="Inhaltsplatzhalter 2"/>
-          <p:cNvSpPr>
-            <a:spLocks noGrp="1"/>
-          </p:cNvSpPr>
-          <p:nvPr>
-            <p:ph idx="1"/>
-          </p:nvPr>
-        </p:nvSpPr>
-        <p:spPr/>
-        <p:txBody>
-          <a:bodyPr/>
-          <a:lstStyle/>
-          <a:p>
-            <a:r>
-              <a:rPr lang="de-DE" dirty="0" smtClean="0"/>
-              <a:t>M. Sc. Applied </a:t>
-            </a:r>
-            <a:r>
-              <a:rPr lang="de-DE" b="1" dirty="0" smtClean="0"/>
-              <a:t>Computer Science</a:t>
-            </a:r>
-          </a:p>
-          <a:p>
-            <a:pPr lvl="1"/>
-            <a:r>
-              <a:rPr lang="de-DE" dirty="0" smtClean="0"/>
-              <a:t>Areas </a:t>
-            </a:r>
-            <a:r>
-              <a:rPr lang="de-DE" dirty="0" err="1" smtClean="0"/>
-              <a:t>of</a:t>
-            </a:r>
-            <a:r>
-              <a:rPr lang="de-DE" dirty="0" smtClean="0"/>
-              <a:t> </a:t>
-            </a:r>
-            <a:r>
-              <a:rPr lang="de-DE" dirty="0" err="1" smtClean="0"/>
-              <a:t>specialization</a:t>
-            </a:r>
-            <a:r>
-              <a:rPr lang="de-DE" dirty="0" smtClean="0"/>
-              <a:t>: </a:t>
-            </a:r>
-            <a:r>
-              <a:rPr lang="de-DE" b="1" dirty="0" smtClean="0"/>
-              <a:t>Scientific Computing</a:t>
-            </a:r>
-            <a:r>
-              <a:rPr lang="de-DE" dirty="0" smtClean="0"/>
-              <a:t>, </a:t>
-            </a:r>
-            <a:r>
-              <a:rPr lang="de-DE" b="1" dirty="0" smtClean="0"/>
-              <a:t>Digital Signal Processing</a:t>
-            </a:r>
-          </a:p>
-          <a:p>
-            <a:r>
-              <a:rPr lang="de-DE" dirty="0" err="1" smtClean="0"/>
-              <a:t>Currently</a:t>
-            </a:r>
-            <a:r>
-              <a:rPr lang="de-DE" dirty="0" smtClean="0"/>
-              <a:t> </a:t>
-            </a:r>
-            <a:r>
-              <a:rPr lang="de-DE" dirty="0" err="1" smtClean="0"/>
-              <a:t>working</a:t>
-            </a:r>
-            <a:r>
-              <a:rPr lang="de-DE" dirty="0" smtClean="0"/>
-              <a:t> at </a:t>
-            </a:r>
-            <a:r>
-              <a:rPr lang="de-DE" dirty="0" err="1" smtClean="0"/>
-              <a:t>the</a:t>
-            </a:r>
-            <a:r>
-              <a:rPr lang="de-DE" dirty="0" smtClean="0"/>
-              <a:t> </a:t>
-            </a:r>
-            <a:r>
-              <a:rPr lang="de-DE" b="1" dirty="0" smtClean="0"/>
-              <a:t>German Aerospace Center </a:t>
-            </a:r>
-            <a:r>
-              <a:rPr lang="de-DE" dirty="0" smtClean="0"/>
-              <a:t>(</a:t>
-            </a:r>
-            <a:r>
-              <a:rPr lang="de-DE" dirty="0" err="1" smtClean="0"/>
-              <a:t>since</a:t>
-            </a:r>
-            <a:r>
-              <a:rPr lang="de-DE" dirty="0" smtClean="0"/>
-              <a:t> 2021)</a:t>
-            </a:r>
-          </a:p>
-          <a:p>
-            <a:pPr lvl="1"/>
-            <a:r>
-              <a:rPr lang="de-DE" dirty="0" smtClean="0"/>
-              <a:t>Institute </a:t>
-            </a:r>
-            <a:r>
-              <a:rPr lang="de-DE" dirty="0" err="1" smtClean="0"/>
-              <a:t>of</a:t>
-            </a:r>
-            <a:r>
-              <a:rPr lang="de-DE" dirty="0" smtClean="0"/>
-              <a:t> Propulsion Technology, Turbine Department in Göttingen (DE)</a:t>
-            </a:r>
-          </a:p>
-          <a:p>
-            <a:pPr lvl="1"/>
-            <a:r>
-              <a:rPr lang="de-DE" dirty="0" smtClean="0"/>
-              <a:t>Thesis </a:t>
-            </a:r>
-            <a:r>
-              <a:rPr lang="de-DE" dirty="0" err="1" smtClean="0"/>
-              <a:t>project</a:t>
-            </a:r>
-            <a:r>
-              <a:rPr lang="de-DE" dirty="0" smtClean="0"/>
-              <a:t> </a:t>
-            </a:r>
-            <a:r>
-              <a:rPr lang="de-DE" b="1" dirty="0" err="1" smtClean="0"/>
-              <a:t>CoolingGen</a:t>
-            </a:r>
-            <a:r>
-              <a:rPr lang="de-DE" b="1" dirty="0" smtClean="0"/>
-              <a:t> </a:t>
-            </a:r>
-            <a:endParaRPr lang="de-DE" dirty="0"/>
-          </a:p>
-          <a:p>
-            <a:r>
-              <a:rPr lang="de-DE" dirty="0" smtClean="0"/>
-              <a:t>Knowledge </a:t>
-            </a:r>
-            <a:r>
-              <a:rPr lang="de-DE" dirty="0" err="1" smtClean="0"/>
-              <a:t>and</a:t>
-            </a:r>
-            <a:r>
-              <a:rPr lang="de-DE" dirty="0" smtClean="0"/>
-              <a:t> </a:t>
-            </a:r>
-            <a:r>
-              <a:rPr lang="de-DE" dirty="0" err="1" smtClean="0"/>
-              <a:t>interest</a:t>
-            </a:r>
-            <a:r>
-              <a:rPr lang="de-DE" dirty="0" smtClean="0"/>
-              <a:t> in </a:t>
-            </a:r>
-            <a:r>
-              <a:rPr lang="de-DE" b="1" dirty="0" err="1" smtClean="0"/>
-              <a:t>math</a:t>
-            </a:r>
-            <a:r>
-              <a:rPr lang="de-DE" dirty="0" smtClean="0"/>
-              <a:t> </a:t>
-            </a:r>
-            <a:r>
-              <a:rPr lang="de-DE" dirty="0" err="1" smtClean="0"/>
-              <a:t>and</a:t>
-            </a:r>
-            <a:r>
-              <a:rPr lang="de-DE" dirty="0" smtClean="0"/>
-              <a:t> </a:t>
-            </a:r>
-            <a:r>
-              <a:rPr lang="de-DE" b="1" dirty="0" err="1" smtClean="0"/>
-              <a:t>programming</a:t>
-            </a:r>
-            <a:r>
-              <a:rPr lang="de-DE" dirty="0" smtClean="0"/>
-              <a:t>, </a:t>
-            </a:r>
-            <a:r>
-              <a:rPr lang="de-DE" dirty="0" err="1" smtClean="0"/>
-              <a:t>especially</a:t>
-            </a:r>
-            <a:r>
-              <a:rPr lang="de-DE" dirty="0" smtClean="0"/>
-              <a:t> w.r.t. Digital Signal </a:t>
-            </a:r>
-            <a:r>
-              <a:rPr lang="de-DE" dirty="0" smtClean="0"/>
-              <a:t>Processing</a:t>
-            </a:r>
-          </a:p>
-          <a:p>
-            <a:r>
-              <a:rPr lang="de-DE" dirty="0" smtClean="0"/>
-              <a:t>Lucky </a:t>
-            </a:r>
-            <a:r>
-              <a:rPr lang="de-DE" dirty="0" err="1" smtClean="0"/>
-              <a:t>enough</a:t>
-            </a:r>
-            <a:r>
-              <a:rPr lang="de-DE" dirty="0" smtClean="0"/>
-              <a:t> </a:t>
-            </a:r>
-            <a:r>
-              <a:rPr lang="de-DE" dirty="0" err="1" smtClean="0"/>
-              <a:t>to</a:t>
-            </a:r>
-            <a:r>
-              <a:rPr lang="de-DE" dirty="0" smtClean="0"/>
-              <a:t> </a:t>
-            </a:r>
-            <a:r>
-              <a:rPr lang="de-DE" dirty="0" err="1" smtClean="0"/>
-              <a:t>throroughly</a:t>
-            </a:r>
-            <a:r>
-              <a:rPr lang="de-DE" dirty="0" smtClean="0"/>
-              <a:t> </a:t>
-            </a:r>
-            <a:r>
-              <a:rPr lang="de-DE" dirty="0" err="1" smtClean="0"/>
-              <a:t>enjoy</a:t>
-            </a:r>
-            <a:r>
-              <a:rPr lang="de-DE" dirty="0" smtClean="0"/>
-              <a:t> </a:t>
-            </a:r>
-            <a:r>
-              <a:rPr lang="de-DE" dirty="0" err="1" smtClean="0"/>
-              <a:t>math</a:t>
-            </a:r>
-            <a:r>
-              <a:rPr lang="de-DE" dirty="0" smtClean="0"/>
-              <a:t> </a:t>
-            </a:r>
-            <a:r>
-              <a:rPr lang="de-DE" dirty="0" err="1" smtClean="0"/>
-              <a:t>courses</a:t>
-            </a:r>
-            <a:r>
-              <a:rPr lang="de-DE" dirty="0"/>
-              <a:t> </a:t>
-            </a:r>
-            <a:r>
-              <a:rPr lang="de-DE" dirty="0" err="1" smtClean="0"/>
-              <a:t>dedicated</a:t>
-            </a:r>
-            <a:r>
-              <a:rPr lang="de-DE" dirty="0" smtClean="0"/>
-              <a:t> </a:t>
-            </a:r>
-            <a:r>
-              <a:rPr lang="de-DE" dirty="0" err="1" smtClean="0"/>
-              <a:t>to</a:t>
-            </a:r>
-            <a:r>
-              <a:rPr lang="de-DE" dirty="0" smtClean="0"/>
-              <a:t> </a:t>
-            </a:r>
-            <a:r>
-              <a:rPr lang="de-DE" dirty="0" smtClean="0"/>
-              <a:t>Computer </a:t>
-            </a:r>
-            <a:r>
-              <a:rPr lang="de-DE" dirty="0" err="1" smtClean="0"/>
-              <a:t>Tomography</a:t>
-            </a:r>
-            <a:endParaRPr lang="de-DE" dirty="0" smtClean="0"/>
-          </a:p>
-          <a:p>
-            <a:endParaRPr lang="de-DE" dirty="0" smtClean="0"/>
-          </a:p>
-          <a:p>
-            <a:endParaRPr lang="de-DE" dirty="0" smtClean="0"/>
+              <a:rPr lang="de-DE" smtClean="0"/>
+              <a:t>Contents</a:t>
+            </a:r>
+            <a:endParaRPr lang="en-US"/>
           </a:p>
         </p:txBody>
       </p:sp>
     </p:spTree>
     <p:extLst>
       <p:ext uri="{BB962C8B-B14F-4D97-AF65-F5344CB8AC3E}">
-        <p14:creationId xmlns:p14="http://schemas.microsoft.com/office/powerpoint/2010/main" val="1549808963"/>
+        <p14:creationId xmlns:p14="http://schemas.microsoft.com/office/powerpoint/2010/main" val="3490336783"/>
       </p:ext>
     </p:extLst>
   </p:cSld>
@@ -6060,7 +7315,85 @@
       </p:grpSpPr>
       <p:sp>
         <p:nvSpPr>
-          <p:cNvPr id="2" name="Titel 1"/>
+          <p:cNvPr id="3" name="Inhaltsplatzhalter 2"/>
+          <p:cNvSpPr>
+            <a:spLocks noGrp="1"/>
+          </p:cNvSpPr>
+          <p:nvPr>
+            <p:ph idx="1"/>
+          </p:nvPr>
+        </p:nvSpPr>
+        <p:spPr/>
+        <p:txBody>
+          <a:bodyPr/>
+          <a:lstStyle/>
+          <a:p>
+            <a:pPr marL="514350" indent="-514350">
+              <a:buAutoNum type="arabicPeriod"/>
+            </a:pPr>
+            <a:r>
+              <a:rPr lang="de-DE" smtClean="0"/>
+              <a:t>About me </a:t>
+            </a:r>
+            <a:r>
+              <a:rPr lang="de-DE" smtClean="0">
+                <a:sym typeface="Wingdings" panose="05000000000000000000" pitchFamily="2" charset="2"/>
+              </a:rPr>
+              <a:t></a:t>
+            </a:r>
+            <a:endParaRPr lang="de-DE" smtClean="0"/>
+          </a:p>
+          <a:p>
+            <a:pPr marL="514350" indent="-514350">
+              <a:buAutoNum type="arabicPeriod"/>
+            </a:pPr>
+            <a:r>
+              <a:rPr lang="de-DE" smtClean="0">
+                <a:solidFill>
+                  <a:schemeClr val="bg2">
+                    <a:lumMod val="75000"/>
+                  </a:schemeClr>
+                </a:solidFill>
+              </a:rPr>
+              <a:t>Scientific project and current occupation: </a:t>
+            </a:r>
+            <a:r>
+              <a:rPr lang="de-DE" b="1" smtClean="0">
+                <a:solidFill>
+                  <a:schemeClr val="bg2">
+                    <a:lumMod val="75000"/>
+                  </a:schemeClr>
+                </a:solidFill>
+              </a:rPr>
+              <a:t>CoolingGen</a:t>
+            </a:r>
+          </a:p>
+          <a:p>
+            <a:pPr marL="514350" indent="-514350">
+              <a:buAutoNum type="arabicPeriod"/>
+            </a:pPr>
+            <a:r>
+              <a:rPr lang="de-DE" smtClean="0">
+                <a:solidFill>
+                  <a:schemeClr val="bg2">
+                    <a:lumMod val="75000"/>
+                  </a:schemeClr>
+                </a:solidFill>
+              </a:rPr>
+              <a:t>My interest in Computer Tomography</a:t>
+            </a:r>
+          </a:p>
+          <a:p>
+            <a:pPr marL="514350" indent="-514350">
+              <a:buAutoNum type="arabicPeriod"/>
+            </a:pPr>
+            <a:endParaRPr lang="de-DE" smtClean="0"/>
+          </a:p>
+        </p:txBody>
+      </p:sp>
+      <p:sp>
+        <p:nvSpPr>
+          <p:cNvPr id="4" name="Titel 3"/>
           <p:cNvSpPr>
             <a:spLocks noGrp="1"/>
           </p:cNvSpPr>
@@ -6074,316 +7407,17 @@
           <a:lstStyle/>
           <a:p>
             <a:r>
-              <a:rPr lang="de-DE" dirty="0" err="1" smtClean="0"/>
-              <a:t>CoolingGen</a:t>
-            </a:r>
-            <a:endParaRPr lang="de-DE" dirty="0"/>
-          </a:p>
-        </p:txBody>
-      </p:sp>
-      <p:sp>
-        <p:nvSpPr>
-          <p:cNvPr id="3" name="Inhaltsplatzhalter 2"/>
-          <p:cNvSpPr>
-            <a:spLocks noGrp="1"/>
-          </p:cNvSpPr>
-          <p:nvPr>
-            <p:ph idx="1"/>
-          </p:nvPr>
-        </p:nvSpPr>
-        <p:spPr/>
-        <p:txBody>
-          <a:bodyPr/>
-          <a:lstStyle/>
-          <a:p>
-            <a:r>
-              <a:rPr lang="de-DE" b="1" dirty="0"/>
-              <a:t>S</a:t>
-            </a:r>
-            <a:r>
-              <a:rPr lang="de-DE" b="1" dirty="0" smtClean="0"/>
-              <a:t>tate-</a:t>
-            </a:r>
-            <a:r>
-              <a:rPr lang="de-DE" b="1" dirty="0" err="1" smtClean="0"/>
-              <a:t>of</a:t>
-            </a:r>
-            <a:r>
-              <a:rPr lang="de-DE" b="1" dirty="0" smtClean="0"/>
-              <a:t>-</a:t>
-            </a:r>
-            <a:r>
-              <a:rPr lang="de-DE" b="1" dirty="0" err="1" smtClean="0"/>
-              <a:t>the</a:t>
-            </a:r>
-            <a:r>
-              <a:rPr lang="de-DE" b="1" dirty="0" smtClean="0"/>
-              <a:t>-art</a:t>
-            </a:r>
-            <a:r>
-              <a:rPr lang="de-DE" dirty="0" smtClean="0"/>
-              <a:t> </a:t>
-            </a:r>
-            <a:r>
-              <a:rPr lang="de-DE" dirty="0" err="1"/>
-              <a:t>tool</a:t>
-            </a:r>
-            <a:r>
-              <a:rPr lang="de-DE" dirty="0"/>
-              <a:t> </a:t>
-            </a:r>
-            <a:r>
-              <a:rPr lang="de-DE" dirty="0" err="1"/>
-              <a:t>for</a:t>
-            </a:r>
-            <a:r>
-              <a:rPr lang="de-DE" dirty="0"/>
-              <a:t> </a:t>
-            </a:r>
-            <a:r>
-              <a:rPr lang="de-DE" dirty="0" err="1"/>
-              <a:t>p</a:t>
-            </a:r>
-            <a:r>
-              <a:rPr lang="de-DE" dirty="0" err="1" smtClean="0"/>
-              <a:t>arametric</a:t>
-            </a:r>
-            <a:r>
-              <a:rPr lang="de-DE" dirty="0" smtClean="0"/>
-              <a:t> </a:t>
-            </a:r>
-            <a:r>
-              <a:rPr lang="de-DE" dirty="0" err="1" smtClean="0"/>
-              <a:t>modelling</a:t>
-            </a:r>
-            <a:r>
-              <a:rPr lang="de-DE" dirty="0" smtClean="0"/>
-              <a:t> </a:t>
-            </a:r>
-            <a:r>
-              <a:rPr lang="de-DE" dirty="0" err="1" smtClean="0"/>
-              <a:t>of</a:t>
-            </a:r>
-            <a:r>
-              <a:rPr lang="de-DE" dirty="0" smtClean="0"/>
-              <a:t> 3D </a:t>
-            </a:r>
-            <a:r>
-              <a:rPr lang="de-DE" dirty="0" err="1" smtClean="0"/>
-              <a:t>turbine</a:t>
-            </a:r>
-            <a:r>
-              <a:rPr lang="de-DE" dirty="0" smtClean="0"/>
-              <a:t> blade/</a:t>
-            </a:r>
-            <a:r>
-              <a:rPr lang="de-DE" dirty="0" err="1" smtClean="0"/>
-              <a:t>vane</a:t>
-            </a:r>
-            <a:r>
-              <a:rPr lang="de-DE" dirty="0" smtClean="0"/>
-              <a:t> geometries at </a:t>
-            </a:r>
-            <a:r>
-              <a:rPr lang="de-DE" dirty="0" err="1" smtClean="0"/>
-              <a:t>the</a:t>
-            </a:r>
-            <a:r>
-              <a:rPr lang="de-DE" dirty="0" smtClean="0"/>
-              <a:t> </a:t>
-            </a:r>
-            <a:r>
-              <a:rPr lang="de-DE" b="1" dirty="0" smtClean="0"/>
-              <a:t>German Aerospace Center</a:t>
-            </a:r>
-          </a:p>
-          <a:p>
-            <a:r>
-              <a:rPr lang="de-DE" dirty="0" err="1" smtClean="0"/>
-              <a:t>Based</a:t>
-            </a:r>
-            <a:r>
-              <a:rPr lang="de-DE" dirty="0" smtClean="0"/>
-              <a:t> on </a:t>
-            </a:r>
-            <a:r>
-              <a:rPr lang="de-DE" b="1" dirty="0" err="1" smtClean="0"/>
-              <a:t>custom</a:t>
-            </a:r>
-            <a:r>
-              <a:rPr lang="de-DE" b="1" dirty="0" smtClean="0"/>
-              <a:t> CAD </a:t>
-            </a:r>
-            <a:r>
-              <a:rPr lang="de-DE" b="1" dirty="0" err="1" smtClean="0"/>
-              <a:t>kernel</a:t>
-            </a:r>
-            <a:endParaRPr lang="de-DE" b="1" dirty="0" smtClean="0"/>
-          </a:p>
-          <a:p>
-            <a:r>
-              <a:rPr lang="de-DE" dirty="0" err="1" smtClean="0"/>
-              <a:t>Uses</a:t>
-            </a:r>
-            <a:r>
-              <a:rPr lang="de-DE" dirty="0" smtClean="0"/>
-              <a:t> </a:t>
-            </a:r>
-            <a:r>
-              <a:rPr lang="de-DE" b="1" dirty="0" smtClean="0"/>
-              <a:t>NURBS</a:t>
-            </a:r>
-            <a:r>
-              <a:rPr lang="de-DE" dirty="0" smtClean="0"/>
-              <a:t> </a:t>
-            </a:r>
-            <a:r>
-              <a:rPr lang="de-DE" dirty="0" err="1" smtClean="0"/>
-              <a:t>for</a:t>
-            </a:r>
-            <a:r>
-              <a:rPr lang="de-DE" dirty="0" smtClean="0"/>
-              <a:t> </a:t>
-            </a:r>
-            <a:r>
-              <a:rPr lang="de-DE" dirty="0" err="1" smtClean="0"/>
-              <a:t>object</a:t>
-            </a:r>
-            <a:r>
-              <a:rPr lang="de-DE" dirty="0" smtClean="0"/>
-              <a:t> </a:t>
-            </a:r>
-            <a:r>
-              <a:rPr lang="de-DE" dirty="0" err="1" smtClean="0"/>
-              <a:t>representation</a:t>
-            </a:r>
-            <a:endParaRPr lang="de-DE" dirty="0" smtClean="0"/>
-          </a:p>
-          <a:p>
-            <a:r>
-              <a:rPr lang="de-DE" dirty="0" err="1" smtClean="0"/>
-              <a:t>Uses</a:t>
-            </a:r>
-            <a:r>
-              <a:rPr lang="de-DE" dirty="0" smtClean="0"/>
-              <a:t> </a:t>
-            </a:r>
-            <a:r>
-              <a:rPr lang="de-DE" b="1" dirty="0" err="1" smtClean="0"/>
-              <a:t>streamsurface</a:t>
-            </a:r>
-            <a:r>
-              <a:rPr lang="de-DE" b="1" dirty="0" smtClean="0"/>
-              <a:t> </a:t>
-            </a:r>
-            <a:r>
-              <a:rPr lang="de-DE" b="1" dirty="0" err="1" smtClean="0"/>
-              <a:t>coordinate</a:t>
-            </a:r>
-            <a:r>
-              <a:rPr lang="de-DE" b="1" dirty="0" smtClean="0"/>
-              <a:t> </a:t>
-            </a:r>
-            <a:r>
-              <a:rPr lang="de-DE" b="1" dirty="0" err="1" smtClean="0"/>
-              <a:t>transformation</a:t>
-            </a:r>
-            <a:r>
-              <a:rPr lang="de-DE" b="1" dirty="0" smtClean="0"/>
-              <a:t> </a:t>
-            </a:r>
-            <a:r>
-              <a:rPr lang="de-DE" dirty="0" err="1" smtClean="0"/>
-              <a:t>coupled</a:t>
-            </a:r>
-            <a:r>
-              <a:rPr lang="de-DE" dirty="0" smtClean="0"/>
-              <a:t> </a:t>
-            </a:r>
-            <a:r>
-              <a:rPr lang="de-DE" dirty="0" err="1" smtClean="0"/>
-              <a:t>with</a:t>
-            </a:r>
-            <a:r>
-              <a:rPr lang="de-DE" dirty="0" smtClean="0"/>
-              <a:t> </a:t>
-            </a:r>
-            <a:r>
-              <a:rPr lang="de-DE" b="1" dirty="0" err="1" smtClean="0"/>
-              <a:t>custom</a:t>
-            </a:r>
-            <a:r>
-              <a:rPr lang="de-DE" dirty="0" smtClean="0"/>
-              <a:t> </a:t>
-            </a:r>
-            <a:r>
-              <a:rPr lang="de-DE" b="1" dirty="0" err="1" smtClean="0"/>
-              <a:t>algorithms</a:t>
-            </a:r>
-            <a:r>
-              <a:rPr lang="de-DE" dirty="0" smtClean="0"/>
-              <a:t> (</a:t>
-            </a:r>
-            <a:r>
-              <a:rPr lang="de-DE" dirty="0" err="1" smtClean="0"/>
-              <a:t>fillet</a:t>
-            </a:r>
-            <a:r>
-              <a:rPr lang="de-DE" dirty="0" smtClean="0"/>
-              <a:t> </a:t>
-            </a:r>
-            <a:r>
-              <a:rPr lang="de-DE" dirty="0" err="1" smtClean="0"/>
-              <a:t>creation</a:t>
-            </a:r>
-            <a:r>
-              <a:rPr lang="de-DE" dirty="0" smtClean="0"/>
-              <a:t>, </a:t>
-            </a:r>
-            <a:r>
-              <a:rPr lang="de-DE" dirty="0" err="1" smtClean="0"/>
-              <a:t>ray</a:t>
-            </a:r>
-            <a:r>
-              <a:rPr lang="de-DE" dirty="0" smtClean="0"/>
-              <a:t> </a:t>
-            </a:r>
-            <a:r>
-              <a:rPr lang="de-DE" dirty="0" err="1" smtClean="0"/>
-              <a:t>marching</a:t>
-            </a:r>
-            <a:r>
-              <a:rPr lang="de-DE" dirty="0" smtClean="0"/>
-              <a:t>, …) </a:t>
-            </a:r>
-            <a:r>
-              <a:rPr lang="de-DE" dirty="0" err="1" smtClean="0"/>
-              <a:t>for</a:t>
-            </a:r>
-            <a:r>
-              <a:rPr lang="de-DE" dirty="0" smtClean="0"/>
-              <a:t> fast </a:t>
-            </a:r>
-            <a:r>
-              <a:rPr lang="de-DE" dirty="0" err="1" smtClean="0"/>
-              <a:t>geometry</a:t>
-            </a:r>
-            <a:r>
-              <a:rPr lang="de-DE" dirty="0" smtClean="0"/>
-              <a:t> </a:t>
-            </a:r>
-            <a:r>
-              <a:rPr lang="de-DE" dirty="0" err="1" smtClean="0"/>
-              <a:t>modification</a:t>
-            </a:r>
-            <a:endParaRPr lang="de-DE" dirty="0" smtClean="0"/>
+              <a:rPr lang="de-DE" smtClean="0"/>
+              <a:t>Contents</a:t>
+            </a:r>
+            <a:endParaRPr lang="en-US"/>
           </a:p>
         </p:txBody>
       </p:sp>
     </p:spTree>
     <p:extLst>
       <p:ext uri="{BB962C8B-B14F-4D97-AF65-F5344CB8AC3E}">
-        <p14:creationId xmlns:p14="http://schemas.microsoft.com/office/powerpoint/2010/main" val="869571992"/>
+        <p14:creationId xmlns:p14="http://schemas.microsoft.com/office/powerpoint/2010/main" val="1898886469"/>
       </p:ext>
     </p:extLst>
   </p:cSld>
@@ -6433,10 +7467,18 @@
           <a:lstStyle/>
           <a:p>
             <a:r>
-              <a:rPr lang="de-DE" dirty="0" err="1"/>
-              <a:t>CoolingGen</a:t>
-            </a:r>
-            <a:endParaRPr lang="de-DE" dirty="0"/>
+              <a:rPr lang="de-DE" err="1" smtClean="0"/>
+              <a:t>About</a:t>
+            </a:r>
+            <a:r>
+              <a:rPr lang="de-DE" smtClean="0"/>
+              <a:t> </a:t>
+            </a:r>
+            <a:r>
+              <a:rPr lang="de-DE" err="1" smtClean="0"/>
+              <a:t>me</a:t>
+            </a:r>
+            <a:endParaRPr lang="de-DE"/>
           </a:p>
         </p:txBody>
       </p:sp>
@@ -6452,378 +7494,225 @@
         </p:nvSpPr>
         <p:spPr>
           <a:xfrm>
-            <a:off x="838200" y="1825624"/>
-            <a:ext cx="6867525" cy="4899025"/>
+            <a:off x="838200" y="1825625"/>
+            <a:ext cx="7106174" cy="4351338"/>
           </a:xfrm>
         </p:spPr>
         <p:txBody>
-          <a:bodyPr/>
-          <a:lstStyle/>
-          <a:p>
-            <a:r>
-              <a:rPr lang="de-DE" dirty="0" smtClean="0"/>
-              <a:t>Problem: Aviation </a:t>
-            </a:r>
-            <a:r>
-              <a:rPr lang="de-DE" dirty="0" err="1" smtClean="0"/>
-              <a:t>cooling</a:t>
-            </a:r>
-            <a:r>
-              <a:rPr lang="de-DE" dirty="0" smtClean="0"/>
+          <a:bodyPr>
+            <a:normAutofit lnSpcReduction="10000"/>
+          </a:bodyPr>
+          <a:lstStyle/>
+          <a:p>
+            <a:r>
+              <a:rPr lang="en-US" smtClean="0"/>
+              <a:t>B. Sc. and M</a:t>
+            </a:r>
+            <a:r>
+              <a:rPr lang="en-US" smtClean="0"/>
+              <a:t>. Sc. </a:t>
+            </a:r>
+            <a:r>
+              <a:rPr lang="en-US" smtClean="0"/>
+              <a:t>in </a:t>
+            </a:r>
+            <a:r>
+              <a:rPr lang="en-US" b="1" smtClean="0"/>
+              <a:t>Applied</a:t>
+            </a:r>
+            <a:r>
+              <a:rPr lang="en-US" smtClean="0"/>
               <a:t> </a:t>
             </a:r>
             <a:r>
-              <a:rPr lang="de-DE" dirty="0" err="1" smtClean="0"/>
-              <a:t>structures</a:t>
-            </a:r>
-            <a:r>
-              <a:rPr lang="de-DE" dirty="0"/>
-              <a:t> </a:t>
-            </a:r>
-            <a:r>
-              <a:rPr lang="de-DE" dirty="0" err="1" smtClean="0"/>
-              <a:t>are</a:t>
-            </a:r>
-            <a:r>
-              <a:rPr lang="de-DE" dirty="0"/>
-              <a:t> </a:t>
-            </a:r>
-            <a:r>
-              <a:rPr lang="de-DE" b="1" dirty="0" err="1" smtClean="0"/>
-              <a:t>hard</a:t>
-            </a:r>
-            <a:r>
-              <a:rPr lang="de-DE" b="1" dirty="0" smtClean="0"/>
-              <a:t> </a:t>
-            </a:r>
-            <a:r>
-              <a:rPr lang="de-DE" b="1" dirty="0" err="1" smtClean="0"/>
-              <a:t>to</a:t>
-            </a:r>
-            <a:r>
-              <a:rPr lang="de-DE" b="1" dirty="0" smtClean="0"/>
-              <a:t> </a:t>
-            </a:r>
-            <a:r>
-              <a:rPr lang="de-DE" b="1" dirty="0" err="1" smtClean="0"/>
-              <a:t>model</a:t>
-            </a:r>
-            <a:r>
-              <a:rPr lang="de-DE" b="1" dirty="0" smtClean="0"/>
-              <a:t> </a:t>
-            </a:r>
-            <a:r>
-              <a:rPr lang="de-DE" dirty="0" err="1" smtClean="0"/>
-              <a:t>with</a:t>
-            </a:r>
-            <a:r>
-              <a:rPr lang="de-DE" dirty="0" smtClean="0"/>
-              <a:t> </a:t>
-            </a:r>
-            <a:r>
-              <a:rPr lang="de-DE" dirty="0" err="1" smtClean="0"/>
-              <a:t>conventional</a:t>
-            </a:r>
-            <a:r>
-              <a:rPr lang="de-DE" dirty="0" smtClean="0"/>
-              <a:t> CAD </a:t>
-            </a:r>
-            <a:r>
-              <a:rPr lang="de-DE" dirty="0" err="1" smtClean="0"/>
-              <a:t>tools</a:t>
-            </a:r>
-            <a:r>
-              <a:rPr lang="de-DE" dirty="0" smtClean="0"/>
-              <a:t>. </a:t>
-            </a:r>
-            <a:r>
-              <a:rPr lang="de-DE" dirty="0" err="1" smtClean="0"/>
-              <a:t>Once</a:t>
-            </a:r>
-            <a:r>
-              <a:rPr lang="de-DE" dirty="0" smtClean="0"/>
-              <a:t> </a:t>
-            </a:r>
-            <a:r>
-              <a:rPr lang="de-DE" dirty="0" err="1" smtClean="0"/>
-              <a:t>they</a:t>
-            </a:r>
-            <a:r>
-              <a:rPr lang="de-DE" dirty="0" smtClean="0"/>
-              <a:t> </a:t>
-            </a:r>
-            <a:r>
-              <a:rPr lang="de-DE" dirty="0" err="1" smtClean="0"/>
-              <a:t>are</a:t>
-            </a:r>
-            <a:r>
-              <a:rPr lang="de-DE" dirty="0" smtClean="0"/>
-              <a:t> </a:t>
-            </a:r>
-            <a:r>
-              <a:rPr lang="de-DE" dirty="0" err="1" smtClean="0"/>
-              <a:t>created</a:t>
-            </a:r>
-            <a:r>
-              <a:rPr lang="de-DE" dirty="0" smtClean="0"/>
+              <a:rPr lang="en-US" b="1" noProof="1" smtClean="0"/>
+              <a:t>Computer</a:t>
+            </a:r>
+            <a:r>
+              <a:rPr lang="en-US" b="1" smtClean="0"/>
+              <a:t> Science</a:t>
+            </a:r>
+          </a:p>
+          <a:p>
+            <a:pPr lvl="1"/>
+            <a:r>
+              <a:rPr lang="en-US" smtClean="0"/>
+              <a:t>Areas of specialization: </a:t>
+            </a:r>
+            <a:r>
+              <a:rPr lang="en-US" b="1" smtClean="0"/>
+              <a:t>Scientific Computing</a:t>
+            </a:r>
+            <a:r>
+              <a:rPr lang="en-US" smtClean="0"/>
               <a:t>, </a:t>
             </a:r>
             <a:r>
-              <a:rPr lang="de-DE" dirty="0" err="1" smtClean="0"/>
-              <a:t>they</a:t>
-            </a:r>
-            <a:r>
-              <a:rPr lang="de-DE" dirty="0" smtClean="0"/>
-              <a:t> </a:t>
-            </a:r>
-            <a:r>
-              <a:rPr lang="de-DE" dirty="0" err="1" smtClean="0"/>
-              <a:t>are</a:t>
-            </a:r>
-            <a:r>
-              <a:rPr lang="de-DE" dirty="0" smtClean="0"/>
-              <a:t> </a:t>
-            </a:r>
-            <a:r>
-              <a:rPr lang="de-DE" b="1" dirty="0" err="1" smtClean="0"/>
-              <a:t>hard</a:t>
-            </a:r>
-            <a:r>
-              <a:rPr lang="de-DE" b="1" dirty="0" smtClean="0"/>
-              <a:t> </a:t>
-            </a:r>
-            <a:r>
-              <a:rPr lang="de-DE" b="1" dirty="0" err="1" smtClean="0"/>
-              <a:t>to</a:t>
-            </a:r>
-            <a:r>
-              <a:rPr lang="de-DE" b="1" dirty="0" smtClean="0"/>
-              <a:t> </a:t>
-            </a:r>
-            <a:r>
-              <a:rPr lang="de-DE" b="1" dirty="0" err="1" smtClean="0"/>
-              <a:t>modify</a:t>
-            </a:r>
-            <a:endParaRPr lang="de-DE" b="1" dirty="0" smtClean="0"/>
-          </a:p>
-          <a:p>
-            <a:endParaRPr lang="de-DE" dirty="0"/>
-          </a:p>
-          <a:p>
-            <a:r>
-              <a:rPr lang="de-DE" dirty="0" smtClean="0"/>
-              <a:t>Solution: </a:t>
-            </a:r>
-            <a:r>
-              <a:rPr lang="de-DE" dirty="0" err="1" smtClean="0"/>
-              <a:t>Make</a:t>
-            </a:r>
-            <a:r>
-              <a:rPr lang="de-DE" dirty="0" smtClean="0"/>
-              <a:t> </a:t>
-            </a:r>
-            <a:r>
-              <a:rPr lang="de-DE" dirty="0" err="1" smtClean="0"/>
-              <a:t>own</a:t>
-            </a:r>
-            <a:r>
-              <a:rPr lang="de-DE" dirty="0" smtClean="0"/>
-              <a:t> CAD </a:t>
-            </a:r>
-            <a:r>
-              <a:rPr lang="de-DE" dirty="0" err="1" smtClean="0"/>
-              <a:t>tool</a:t>
-            </a:r>
-            <a:r>
-              <a:rPr lang="de-DE" dirty="0" smtClean="0"/>
-              <a:t> </a:t>
-            </a:r>
-            <a:r>
-              <a:rPr lang="de-DE" dirty="0" err="1" smtClean="0"/>
-              <a:t>that</a:t>
-            </a:r>
-            <a:r>
-              <a:rPr lang="de-DE" dirty="0" smtClean="0"/>
-              <a:t> </a:t>
-            </a:r>
-            <a:r>
-              <a:rPr lang="de-DE" dirty="0" err="1" smtClean="0"/>
-              <a:t>has</a:t>
-            </a:r>
-            <a:r>
-              <a:rPr lang="de-DE" dirty="0" smtClean="0"/>
-              <a:t> </a:t>
-            </a:r>
-            <a:r>
-              <a:rPr lang="de-DE" dirty="0" err="1" smtClean="0"/>
-              <a:t>its</a:t>
-            </a:r>
-            <a:r>
-              <a:rPr lang="de-DE" dirty="0" smtClean="0"/>
-              <a:t> </a:t>
-            </a:r>
-            <a:r>
-              <a:rPr lang="de-DE" b="1" dirty="0" err="1" smtClean="0"/>
-              <a:t>own</a:t>
-            </a:r>
-            <a:r>
-              <a:rPr lang="de-DE" b="1" dirty="0" smtClean="0"/>
-              <a:t> primitives </a:t>
-            </a:r>
-            <a:r>
-              <a:rPr lang="de-DE" dirty="0" err="1" smtClean="0"/>
-              <a:t>based</a:t>
-            </a:r>
-            <a:r>
-              <a:rPr lang="de-DE" dirty="0" smtClean="0"/>
-              <a:t> on (</a:t>
-            </a:r>
-            <a:r>
-              <a:rPr lang="de-DE" dirty="0" err="1" smtClean="0"/>
-              <a:t>relatively</a:t>
-            </a:r>
-            <a:r>
-              <a:rPr lang="de-DE" dirty="0" smtClean="0"/>
-              <a:t>) </a:t>
-            </a:r>
-            <a:r>
-              <a:rPr lang="de-DE" b="1" dirty="0" smtClean="0"/>
-              <a:t>simple </a:t>
-            </a:r>
-            <a:r>
-              <a:rPr lang="de-DE" b="1" dirty="0" err="1" smtClean="0"/>
-              <a:t>parameter</a:t>
-            </a:r>
-            <a:r>
-              <a:rPr lang="de-DE" b="1" dirty="0" smtClean="0"/>
-              <a:t> </a:t>
-            </a:r>
-            <a:r>
-              <a:rPr lang="de-DE" b="1" dirty="0" err="1" smtClean="0"/>
-              <a:t>representations</a:t>
-            </a:r>
-            <a:r>
-              <a:rPr lang="de-DE" dirty="0" smtClean="0"/>
-              <a:t>. </a:t>
-            </a:r>
-            <a:r>
-              <a:rPr lang="de-DE" dirty="0" err="1" smtClean="0"/>
-              <a:t>We</a:t>
-            </a:r>
-            <a:r>
-              <a:rPr lang="de-DE" dirty="0" smtClean="0"/>
-              <a:t> </a:t>
-            </a:r>
-            <a:r>
-              <a:rPr lang="de-DE" dirty="0" err="1" smtClean="0"/>
-              <a:t>can</a:t>
-            </a:r>
-            <a:r>
-              <a:rPr lang="de-DE" dirty="0" smtClean="0"/>
-              <a:t> </a:t>
-            </a:r>
-            <a:r>
-              <a:rPr lang="de-DE" dirty="0" err="1" smtClean="0"/>
-              <a:t>then</a:t>
-            </a:r>
-            <a:r>
-              <a:rPr lang="de-DE" dirty="0" smtClean="0"/>
-              <a:t> </a:t>
-            </a:r>
-            <a:r>
-              <a:rPr lang="de-DE" dirty="0" err="1" smtClean="0"/>
-              <a:t>simply</a:t>
-            </a:r>
-            <a:r>
-              <a:rPr lang="de-DE" dirty="0" smtClean="0"/>
-              <a:t> </a:t>
-            </a:r>
-            <a:r>
-              <a:rPr lang="de-DE" dirty="0" err="1" smtClean="0"/>
-              <a:t>modify</a:t>
-            </a:r>
-            <a:r>
-              <a:rPr lang="de-DE" dirty="0" smtClean="0"/>
-              <a:t> </a:t>
-            </a:r>
-            <a:r>
-              <a:rPr lang="de-DE" dirty="0" err="1" smtClean="0"/>
-              <a:t>the</a:t>
-            </a:r>
-            <a:r>
-              <a:rPr lang="de-DE" dirty="0" smtClean="0"/>
-              <a:t> </a:t>
-            </a:r>
-            <a:r>
-              <a:rPr lang="de-DE" dirty="0" err="1" smtClean="0"/>
-              <a:t>input</a:t>
-            </a:r>
-            <a:r>
-              <a:rPr lang="de-DE" dirty="0" smtClean="0"/>
-              <a:t> </a:t>
-            </a:r>
-            <a:r>
-              <a:rPr lang="de-DE" dirty="0" err="1" smtClean="0"/>
-              <a:t>and</a:t>
-            </a:r>
-            <a:r>
-              <a:rPr lang="de-DE" dirty="0" smtClean="0"/>
-              <a:t> </a:t>
-            </a:r>
-            <a:r>
-              <a:rPr lang="de-DE" dirty="0" err="1" smtClean="0"/>
-              <a:t>re-create</a:t>
-            </a:r>
-            <a:r>
-              <a:rPr lang="de-DE" dirty="0" smtClean="0"/>
-              <a:t> </a:t>
-            </a:r>
-            <a:r>
-              <a:rPr lang="de-DE" dirty="0" err="1" smtClean="0"/>
-              <a:t>the</a:t>
-            </a:r>
-            <a:r>
-              <a:rPr lang="de-DE" dirty="0" smtClean="0"/>
-              <a:t> </a:t>
-            </a:r>
-            <a:r>
-              <a:rPr lang="de-DE" dirty="0" err="1" smtClean="0"/>
-              <a:t>geometry</a:t>
-            </a:r>
-            <a:endParaRPr lang="de-DE" dirty="0" smtClean="0"/>
+              <a:rPr lang="en-US" b="1" smtClean="0"/>
+              <a:t>Digital Signal </a:t>
+            </a:r>
+            <a:r>
+              <a:rPr lang="en-US" b="1" smtClean="0"/>
+              <a:t>Processing</a:t>
+            </a:r>
+            <a:endParaRPr lang="en-US" b="1" smtClean="0"/>
+          </a:p>
+          <a:p>
+            <a:r>
+              <a:rPr lang="en-US" smtClean="0"/>
+              <a:t>Proficiency in </a:t>
+            </a:r>
+            <a:r>
+              <a:rPr lang="en-US" b="1" smtClean="0"/>
+              <a:t>math</a:t>
+            </a:r>
+            <a:r>
+              <a:rPr lang="en-US" smtClean="0"/>
+              <a:t> and </a:t>
+            </a:r>
+            <a:r>
+              <a:rPr lang="en-US" b="1" smtClean="0"/>
+              <a:t>programming</a:t>
+            </a:r>
+            <a:r>
+              <a:rPr lang="en-US" smtClean="0"/>
+              <a:t>, </a:t>
+            </a:r>
+            <a:r>
+              <a:rPr lang="en-US" smtClean="0"/>
+              <a:t>especially </a:t>
+            </a:r>
+            <a:r>
+              <a:rPr lang="en-US" b="1" smtClean="0"/>
+              <a:t>Computer-Aided Design (CAD)</a:t>
+            </a:r>
+            <a:r>
+              <a:rPr lang="en-US" smtClean="0"/>
+              <a:t> and </a:t>
+            </a:r>
+            <a:r>
+              <a:rPr lang="en-US" b="1" smtClean="0"/>
+              <a:t>Computer Tomography</a:t>
+            </a:r>
+          </a:p>
+          <a:p>
+            <a:r>
+              <a:rPr lang="en-US"/>
+              <a:t>Currently working at the </a:t>
+            </a:r>
+            <a:r>
+              <a:rPr lang="en-US" b="1"/>
+              <a:t>German Aerospace Center </a:t>
+            </a:r>
+            <a:r>
+              <a:rPr lang="en-US"/>
+              <a:t>(since 2021)</a:t>
+            </a:r>
+          </a:p>
+          <a:p>
+            <a:pPr lvl="1"/>
+            <a:r>
+              <a:rPr lang="en-US"/>
+              <a:t>Institute of Propulsion Technology, Turbine Department in Göttingen (DE)</a:t>
+            </a:r>
+          </a:p>
+          <a:p>
+            <a:pPr lvl="1"/>
+            <a:r>
+              <a:rPr lang="en-US"/>
+              <a:t>Thesis project </a:t>
+            </a:r>
+            <a:r>
+              <a:rPr lang="en-US" b="1"/>
+              <a:t>CoolingGen </a:t>
+            </a:r>
+            <a:endParaRPr lang="en-US"/>
           </a:p>
           <a:p>
             <a:pPr marL="0" indent="0">
               <a:buNone/>
             </a:pPr>
-            <a:endParaRPr lang="de-DE" dirty="0" smtClean="0"/>
-          </a:p>
-          <a:p>
-            <a:pPr marL="0" indent="0">
-              <a:buNone/>
-            </a:pPr>
-            <a:endParaRPr lang="de-DE" dirty="0"/>
+            <a:endParaRPr lang="en-US" b="1" smtClean="0"/>
+          </a:p>
+          <a:p>
+            <a:endParaRPr lang="en-US" smtClean="0"/>
+          </a:p>
+          <a:p>
+            <a:endParaRPr lang="en-US" smtClean="0"/>
           </a:p>
         </p:txBody>
       </p:sp>
       <p:pic>
         <p:nvPicPr>
-          <p:cNvPr id="4" name="Grafik 3"/>
+          <p:cNvPr id="6" name="Grafik 5"/>
           <p:cNvPicPr>
             <a:picLocks noChangeAspect="1"/>
           </p:cNvPicPr>
           <p:nvPr/>
         </p:nvPicPr>
         <p:blipFill>
-          <a:blip r:embed="rId2"/>
+          <a:blip r:embed="rId3"/>
           <a:stretch>
             <a:fillRect/>
           </a:stretch>
         </p:blipFill>
         <p:spPr>
           <a:xfrm>
-            <a:off x="8024483" y="136524"/>
-            <a:ext cx="3881768" cy="6287371"/>
+            <a:off x="8531418" y="4323241"/>
+            <a:ext cx="3155025" cy="2415420"/>
+          </a:xfrm>
+          <a:prstGeom prst="rect">
+            <a:avLst/>
+          </a:prstGeom>
+        </p:spPr>
+      </p:pic>
+      <p:pic>
+        <p:nvPicPr>
+          <p:cNvPr id="9" name="Grafik 8"/>
+          <p:cNvPicPr>
+            <a:picLocks noChangeAspect="1"/>
+          </p:cNvPicPr>
+          <p:nvPr/>
+        </p:nvPicPr>
+        <p:blipFill>
+          <a:blip r:embed="rId4" cstate="print">
+            <a:extLst>
+              <a:ext uri="{28A0092B-C50C-407E-A947-70E740481C1C}">
+                <a14:useLocalDpi xmlns:a14="http://schemas.microsoft.com/office/drawing/2010/main" val="0"/>
+              </a:ext>
+            </a:extLst>
+          </a:blip>
+          <a:stretch>
+            <a:fillRect/>
+          </a:stretch>
+        </p:blipFill>
+        <p:spPr>
+          <a:xfrm>
+            <a:off x="8198774" y="365125"/>
+            <a:ext cx="3487669" cy="1752140"/>
+          </a:xfrm>
+          <a:prstGeom prst="rect">
+            <a:avLst/>
+          </a:prstGeom>
+        </p:spPr>
+      </p:pic>
+      <p:pic>
+        <p:nvPicPr>
+          <p:cNvPr id="10" name="Grafik 9"/>
+          <p:cNvPicPr>
+            <a:picLocks noChangeAspect="1"/>
+          </p:cNvPicPr>
+          <p:nvPr/>
+        </p:nvPicPr>
+        <p:blipFill rotWithShape="1">
+          <a:blip r:embed="rId5"/>
+          <a:srcRect r="2139"/>
+          <a:stretch/>
+        </p:blipFill>
+        <p:spPr>
+          <a:xfrm>
+            <a:off x="7815057" y="2425187"/>
+            <a:ext cx="3887993" cy="1471477"/>
           </a:xfrm>
           <a:prstGeom prst="rect">
             <a:avLst/>
@@ -6833,7 +7722,7 @@
     </p:spTree>
     <p:extLst>
       <p:ext uri="{BB962C8B-B14F-4D97-AF65-F5344CB8AC3E}">
-        <p14:creationId xmlns:p14="http://schemas.microsoft.com/office/powerpoint/2010/main" val="2248377124"/>
+        <p14:creationId xmlns:p14="http://schemas.microsoft.com/office/powerpoint/2010/main" val="1549808963"/>
       </p:ext>
     </p:extLst>
   </p:cSld>
@@ -6869,7 +7758,96 @@
       </p:grpSpPr>
       <p:sp>
         <p:nvSpPr>
-          <p:cNvPr id="2" name="Titel 1"/>
+          <p:cNvPr id="3" name="Inhaltsplatzhalter 2"/>
+          <p:cNvSpPr>
+            <a:spLocks noGrp="1"/>
+          </p:cNvSpPr>
+          <p:nvPr>
+            <p:ph idx="1"/>
+          </p:nvPr>
+        </p:nvSpPr>
+        <p:spPr/>
+        <p:txBody>
+          <a:bodyPr/>
+          <a:lstStyle/>
+          <a:p>
+            <a:pPr marL="514350" indent="-514350">
+              <a:buAutoNum type="arabicPeriod"/>
+            </a:pPr>
+            <a:r>
+              <a:rPr lang="de-DE" smtClean="0">
+                <a:solidFill>
+                  <a:schemeClr val="bg2">
+                    <a:lumMod val="75000"/>
+                  </a:schemeClr>
+                </a:solidFill>
+              </a:rPr>
+              <a:t>About me </a:t>
+            </a:r>
+            <a:r>
+              <a:rPr lang="de-DE" smtClean="0">
+                <a:solidFill>
+                  <a:schemeClr val="bg2">
+                    <a:lumMod val="75000"/>
+                  </a:schemeClr>
+                </a:solidFill>
+                <a:sym typeface="Wingdings" panose="05000000000000000000" pitchFamily="2" charset="2"/>
+              </a:rPr>
+              <a:t></a:t>
+            </a:r>
+            <a:endParaRPr lang="de-DE" smtClean="0">
+              <a:solidFill>
+                <a:schemeClr val="bg2">
+                  <a:lumMod val="75000"/>
+                </a:schemeClr>
+              </a:solidFill>
+            </a:endParaRPr>
+          </a:p>
+          <a:p>
+            <a:pPr marL="514350" indent="-514350">
+              <a:buAutoNum type="arabicPeriod"/>
+            </a:pPr>
+            <a:r>
+              <a:rPr lang="de-DE" smtClean="0"/>
+              <a:t>Scientific project and current occupation: </a:t>
+            </a:r>
+            <a:r>
+              <a:rPr lang="de-DE" b="1" smtClean="0"/>
+              <a:t>CoolingGen</a:t>
+            </a:r>
+          </a:p>
+          <a:p>
+            <a:pPr marL="514350" indent="-514350">
+              <a:buAutoNum type="arabicPeriod"/>
+            </a:pPr>
+            <a:r>
+              <a:rPr lang="de-DE" smtClean="0">
+                <a:solidFill>
+                  <a:schemeClr val="bg2">
+                    <a:lumMod val="75000"/>
+                  </a:schemeClr>
+                </a:solidFill>
+              </a:rPr>
+              <a:t>My interest in Computer Tomography</a:t>
+            </a:r>
+          </a:p>
+          <a:p>
+            <a:pPr marL="514350" indent="-514350">
+              <a:buAutoNum type="arabicPeriod"/>
+            </a:pPr>
+            <a:endParaRPr lang="de-DE" smtClean="0">
+              <a:solidFill>
+                <a:schemeClr val="bg2">
+                  <a:lumMod val="75000"/>
+                </a:schemeClr>
+              </a:solidFill>
+            </a:endParaRPr>
+          </a:p>
+        </p:txBody>
+      </p:sp>
+      <p:sp>
+        <p:nvSpPr>
+          <p:cNvPr id="4" name="Titel 3"/>
           <p:cNvSpPr>
             <a:spLocks noGrp="1"/>
           </p:cNvSpPr>
@@ -6883,285 +7861,17 @@
           <a:lstStyle/>
           <a:p>
             <a:r>
-              <a:rPr lang="de-DE" dirty="0" err="1" smtClean="0"/>
-              <a:t>CoolingGen</a:t>
-            </a:r>
-            <a:endParaRPr lang="de-DE" dirty="0"/>
-          </a:p>
-        </p:txBody>
-      </p:sp>
-      <p:sp>
-        <p:nvSpPr>
-          <p:cNvPr id="3" name="Inhaltsplatzhalter 2"/>
-          <p:cNvSpPr>
-            <a:spLocks noGrp="1"/>
-          </p:cNvSpPr>
-          <p:nvPr>
-            <p:ph idx="1"/>
-          </p:nvPr>
-        </p:nvSpPr>
-        <p:spPr>
-          <a:xfrm>
-            <a:off x="838200" y="1825625"/>
-            <a:ext cx="5191125" cy="4351338"/>
-          </a:xfrm>
-        </p:spPr>
-        <p:txBody>
-          <a:bodyPr/>
-          <a:lstStyle/>
-          <a:p>
-            <a:r>
-              <a:rPr lang="de-DE" dirty="0" smtClean="0"/>
-              <a:t>Problem 2: </a:t>
-            </a:r>
-            <a:r>
-              <a:rPr lang="de-DE" dirty="0" err="1" smtClean="0"/>
-              <a:t>Resulting</a:t>
-            </a:r>
-            <a:r>
-              <a:rPr lang="de-DE" dirty="0" smtClean="0"/>
-              <a:t> </a:t>
-            </a:r>
-            <a:r>
-              <a:rPr lang="de-DE" dirty="0" err="1" smtClean="0"/>
-              <a:t>shapes</a:t>
-            </a:r>
-            <a:r>
-              <a:rPr lang="de-DE" dirty="0" smtClean="0"/>
-              <a:t> </a:t>
-            </a:r>
-            <a:r>
-              <a:rPr lang="de-DE" dirty="0" err="1" smtClean="0"/>
-              <a:t>are</a:t>
-            </a:r>
-            <a:r>
-              <a:rPr lang="de-DE" dirty="0" smtClean="0"/>
-              <a:t> </a:t>
-            </a:r>
-            <a:r>
-              <a:rPr lang="de-DE" b="1" dirty="0" err="1" smtClean="0"/>
-              <a:t>intersection</a:t>
-            </a:r>
-            <a:r>
-              <a:rPr lang="de-DE" b="1" dirty="0" smtClean="0"/>
-              <a:t>-heavy</a:t>
-            </a:r>
-            <a:r>
-              <a:rPr lang="de-DE" dirty="0"/>
-              <a:t>.</a:t>
-            </a:r>
-            <a:r>
-              <a:rPr lang="de-DE" dirty="0" smtClean="0"/>
-              <a:t> </a:t>
-            </a:r>
-            <a:r>
-              <a:rPr lang="de-DE" dirty="0" err="1" smtClean="0"/>
-              <a:t>Using</a:t>
-            </a:r>
-            <a:r>
-              <a:rPr lang="de-DE" dirty="0"/>
-              <a:t> </a:t>
-            </a:r>
-            <a:r>
-              <a:rPr lang="de-DE" dirty="0" smtClean="0"/>
-              <a:t>Boolean </a:t>
-            </a:r>
-            <a:r>
-              <a:rPr lang="de-DE" dirty="0" err="1" smtClean="0"/>
-              <a:t>operators</a:t>
-            </a:r>
-            <a:r>
-              <a:rPr lang="de-DE" dirty="0" smtClean="0"/>
-              <a:t>, </a:t>
-            </a:r>
-            <a:r>
-              <a:rPr lang="de-DE" dirty="0" err="1" smtClean="0"/>
-              <a:t>this</a:t>
-            </a:r>
-            <a:r>
-              <a:rPr lang="de-DE" dirty="0" smtClean="0"/>
-              <a:t> will </a:t>
-            </a:r>
-            <a:r>
-              <a:rPr lang="de-DE" dirty="0" err="1" smtClean="0"/>
-              <a:t>take</a:t>
-            </a:r>
-            <a:r>
-              <a:rPr lang="de-DE" dirty="0" smtClean="0"/>
-              <a:t> </a:t>
-            </a:r>
-            <a:r>
-              <a:rPr lang="de-DE" dirty="0" err="1" smtClean="0"/>
-              <a:t>ages</a:t>
-            </a:r>
-            <a:r>
-              <a:rPr lang="de-DE" dirty="0" smtClean="0"/>
-              <a:t> </a:t>
-            </a:r>
-            <a:r>
-              <a:rPr lang="de-DE" dirty="0" err="1" smtClean="0"/>
-              <a:t>to</a:t>
-            </a:r>
-            <a:r>
-              <a:rPr lang="de-DE" dirty="0" smtClean="0"/>
-              <a:t> </a:t>
-            </a:r>
-            <a:r>
-              <a:rPr lang="de-DE" dirty="0" err="1" smtClean="0"/>
-              <a:t>generate</a:t>
-            </a:r>
-            <a:r>
-              <a:rPr lang="de-DE" dirty="0"/>
-              <a:t>.</a:t>
-            </a:r>
-            <a:r>
-              <a:rPr lang="de-DE" dirty="0" smtClean="0"/>
-              <a:t> </a:t>
-            </a:r>
-            <a:r>
-              <a:rPr lang="de-DE" dirty="0" err="1" smtClean="0"/>
-              <a:t>No</a:t>
-            </a:r>
-            <a:r>
-              <a:rPr lang="de-DE" dirty="0" smtClean="0"/>
-              <a:t> </a:t>
-            </a:r>
-            <a:r>
-              <a:rPr lang="de-DE" dirty="0" err="1" smtClean="0"/>
-              <a:t>can</a:t>
-            </a:r>
-            <a:r>
-              <a:rPr lang="de-DE" dirty="0" smtClean="0"/>
-              <a:t> do!</a:t>
-            </a:r>
-          </a:p>
-          <a:p>
-            <a:endParaRPr lang="de-DE" dirty="0"/>
-          </a:p>
-          <a:p>
-            <a:r>
-              <a:rPr lang="de-DE" dirty="0" smtClean="0"/>
-              <a:t>Solution 2: </a:t>
-            </a:r>
-            <a:r>
-              <a:rPr lang="de-DE" dirty="0" err="1" smtClean="0"/>
-              <a:t>Use</a:t>
-            </a:r>
-            <a:r>
-              <a:rPr lang="de-DE" dirty="0"/>
-              <a:t> </a:t>
-            </a:r>
-            <a:r>
-              <a:rPr lang="de-DE" b="1" dirty="0" err="1" smtClean="0"/>
-              <a:t>more</a:t>
-            </a:r>
-            <a:r>
-              <a:rPr lang="de-DE" b="1" dirty="0" smtClean="0"/>
-              <a:t> simple </a:t>
-            </a:r>
-            <a:r>
-              <a:rPr lang="de-DE" b="1" dirty="0" err="1" smtClean="0"/>
-              <a:t>representations</a:t>
-            </a:r>
-            <a:r>
-              <a:rPr lang="de-DE" dirty="0" smtClean="0"/>
-              <a:t> </a:t>
-            </a:r>
-            <a:r>
-              <a:rPr lang="de-DE" dirty="0" err="1" smtClean="0"/>
-              <a:t>of</a:t>
-            </a:r>
-            <a:r>
-              <a:rPr lang="de-DE" dirty="0" smtClean="0"/>
-              <a:t> </a:t>
-            </a:r>
-            <a:r>
-              <a:rPr lang="de-DE" dirty="0" err="1" smtClean="0"/>
-              <a:t>the</a:t>
-            </a:r>
-            <a:r>
-              <a:rPr lang="de-DE" dirty="0" smtClean="0"/>
-              <a:t> </a:t>
-            </a:r>
-            <a:r>
-              <a:rPr lang="de-DE" dirty="0" err="1" smtClean="0"/>
-              <a:t>shapes</a:t>
-            </a:r>
-            <a:r>
-              <a:rPr lang="de-DE" dirty="0" smtClean="0"/>
-              <a:t> </a:t>
-            </a:r>
-            <a:r>
-              <a:rPr lang="de-DE" dirty="0" err="1" smtClean="0"/>
-              <a:t>and</a:t>
-            </a:r>
-            <a:r>
-              <a:rPr lang="de-DE" dirty="0" smtClean="0"/>
-              <a:t> find a </a:t>
-            </a:r>
-            <a:r>
-              <a:rPr lang="de-DE" dirty="0" err="1" smtClean="0"/>
-              <a:t>way</a:t>
-            </a:r>
-            <a:r>
-              <a:rPr lang="de-DE" dirty="0" smtClean="0"/>
-              <a:t> </a:t>
-            </a:r>
-            <a:r>
-              <a:rPr lang="de-DE" dirty="0" err="1" smtClean="0"/>
-              <a:t>to</a:t>
-            </a:r>
-            <a:r>
-              <a:rPr lang="de-DE" dirty="0" smtClean="0"/>
-              <a:t> </a:t>
-            </a:r>
-            <a:r>
-              <a:rPr lang="de-DE" dirty="0" err="1" smtClean="0"/>
-              <a:t>intersect</a:t>
-            </a:r>
-            <a:r>
-              <a:rPr lang="de-DE" dirty="0"/>
-              <a:t> </a:t>
-            </a:r>
-            <a:r>
-              <a:rPr lang="de-DE" dirty="0" err="1" smtClean="0"/>
-              <a:t>these</a:t>
-            </a:r>
-            <a:r>
-              <a:rPr lang="de-DE" dirty="0" smtClean="0"/>
-              <a:t>.</a:t>
-            </a:r>
-          </a:p>
-        </p:txBody>
-      </p:sp>
-      <p:pic>
-        <p:nvPicPr>
-          <p:cNvPr id="4" name="Grafik 3"/>
-          <p:cNvPicPr>
-            <a:picLocks noChangeAspect="1"/>
-          </p:cNvPicPr>
-          <p:nvPr/>
-        </p:nvPicPr>
-        <p:blipFill>
-          <a:blip r:embed="rId2"/>
-          <a:stretch>
-            <a:fillRect/>
-          </a:stretch>
-        </p:blipFill>
-        <p:spPr>
-          <a:xfrm>
-            <a:off x="5962650" y="365125"/>
-            <a:ext cx="6124575" cy="4620630"/>
-          </a:xfrm>
-          <a:prstGeom prst="rect">
-            <a:avLst/>
-          </a:prstGeom>
-        </p:spPr>
-      </p:pic>
+              <a:rPr lang="de-DE" smtClean="0"/>
+              <a:t>Contents</a:t>
+            </a:r>
+            <a:endParaRPr lang="en-US"/>
+          </a:p>
+        </p:txBody>
+      </p:sp>
     </p:spTree>
     <p:extLst>
       <p:ext uri="{BB962C8B-B14F-4D97-AF65-F5344CB8AC3E}">
-        <p14:creationId xmlns:p14="http://schemas.microsoft.com/office/powerpoint/2010/main" val="4040889611"/>
+        <p14:creationId xmlns:p14="http://schemas.microsoft.com/office/powerpoint/2010/main" val="628761030"/>
       </p:ext>
     </p:extLst>
   </p:cSld>
@@ -7197,6 +7907,378 @@
       </p:grpSpPr>
       <p:pic>
         <p:nvPicPr>
+          <p:cNvPr id="1026" name="Picture 2" descr="https://www.rolls-royce.com/~/media/Images/R/Rolls-Royce/content-images/related-links-image-gallery/sustainability/fuel-efficiency-large-tcm92-44935.jpg"/>
+          <p:cNvPicPr>
+            <a:picLocks noChangeAspect="1" noChangeArrowheads="1"/>
+          </p:cNvPicPr>
+          <p:nvPr/>
+        </p:nvPicPr>
+        <p:blipFill rotWithShape="1">
+          <a:blip r:embed="rId3">
+            <a:extLst>
+              <a:ext uri="{28A0092B-C50C-407E-A947-70E740481C1C}">
+                <a14:useLocalDpi xmlns:a14="http://schemas.microsoft.com/office/drawing/2010/main" val="0"/>
+              </a:ext>
+            </a:extLst>
+          </a:blip>
+          <a:srcRect l="4595" b="13089"/>
+          <a:stretch/>
+        </p:blipFill>
+        <p:spPr bwMode="auto">
+          <a:xfrm>
+            <a:off x="8144229" y="0"/>
+            <a:ext cx="3642304" cy="3002009"/>
+          </a:xfrm>
+          <a:prstGeom prst="rect">
+            <a:avLst/>
+          </a:prstGeom>
+          <a:noFill/>
+          <a:extLst>
+            <a:ext uri="{909E8E84-426E-40DD-AFC4-6F175D3DCCD1}">
+              <a14:hiddenFill xmlns:a14="http://schemas.microsoft.com/office/drawing/2010/main">
+                <a:solidFill>
+                  <a:srgbClr val="FFFFFF"/>
+                </a:solidFill>
+              </a14:hiddenFill>
+            </a:ext>
+          </a:extLst>
+        </p:spPr>
+      </p:pic>
+      <p:sp>
+        <p:nvSpPr>
+          <p:cNvPr id="2" name="Titel 1"/>
+          <p:cNvSpPr>
+            <a:spLocks noGrp="1"/>
+          </p:cNvSpPr>
+          <p:nvPr>
+            <p:ph type="title"/>
+          </p:nvPr>
+        </p:nvSpPr>
+        <p:spPr/>
+        <p:txBody>
+          <a:bodyPr/>
+          <a:lstStyle/>
+          <a:p>
+            <a:r>
+              <a:rPr lang="de-DE" err="1" smtClean="0"/>
+              <a:t>CoolingGen</a:t>
+            </a:r>
+            <a:endParaRPr lang="de-DE"/>
+          </a:p>
+        </p:txBody>
+      </p:sp>
+      <p:sp>
+        <p:nvSpPr>
+          <p:cNvPr id="3" name="Inhaltsplatzhalter 2"/>
+          <p:cNvSpPr>
+            <a:spLocks noGrp="1"/>
+          </p:cNvSpPr>
+          <p:nvPr>
+            <p:ph idx="1"/>
+          </p:nvPr>
+        </p:nvSpPr>
+        <p:spPr>
+          <a:xfrm>
+            <a:off x="838200" y="2994869"/>
+            <a:ext cx="10515600" cy="3182093"/>
+          </a:xfrm>
+        </p:spPr>
+        <p:txBody>
+          <a:bodyPr>
+            <a:normAutofit/>
+          </a:bodyPr>
+          <a:lstStyle/>
+          <a:p>
+            <a:r>
+              <a:rPr lang="de-DE" b="1" smtClean="0"/>
+              <a:t>State-of-the-art</a:t>
+            </a:r>
+            <a:r>
+              <a:rPr lang="de-DE" smtClean="0"/>
+              <a:t> </a:t>
+            </a:r>
+            <a:r>
+              <a:rPr lang="de-DE" err="1"/>
+              <a:t>tool</a:t>
+            </a:r>
+            <a:r>
+              <a:rPr lang="de-DE"/>
+              <a:t> </a:t>
+            </a:r>
+            <a:r>
+              <a:rPr lang="de-DE" err="1"/>
+              <a:t>for</a:t>
+            </a:r>
+            <a:r>
+              <a:rPr lang="de-DE"/>
+              <a:t> </a:t>
+            </a:r>
+            <a:r>
+              <a:rPr lang="de-DE" err="1"/>
+              <a:t>p</a:t>
+            </a:r>
+            <a:r>
+              <a:rPr lang="de-DE" err="1" smtClean="0"/>
+              <a:t>arametric</a:t>
+            </a:r>
+            <a:r>
+              <a:rPr lang="de-DE" smtClean="0"/>
+              <a:t> </a:t>
+            </a:r>
+            <a:r>
+              <a:rPr lang="de-DE" err="1" smtClean="0"/>
+              <a:t>modelling</a:t>
+            </a:r>
+            <a:r>
+              <a:rPr lang="de-DE" smtClean="0"/>
+              <a:t> </a:t>
+            </a:r>
+            <a:r>
+              <a:rPr lang="de-DE" err="1" smtClean="0"/>
+              <a:t>of</a:t>
+            </a:r>
+            <a:r>
+              <a:rPr lang="de-DE" smtClean="0"/>
+              <a:t> 3D </a:t>
+            </a:r>
+            <a:r>
+              <a:rPr lang="de-DE" err="1" smtClean="0"/>
+              <a:t>turbine</a:t>
+            </a:r>
+            <a:r>
+              <a:rPr lang="de-DE" smtClean="0"/>
+              <a:t> blade/</a:t>
+            </a:r>
+            <a:r>
+              <a:rPr lang="de-DE" err="1" smtClean="0"/>
+              <a:t>vane</a:t>
+            </a:r>
+            <a:r>
+              <a:rPr lang="de-DE" smtClean="0"/>
+              <a:t> geometries at </a:t>
+            </a:r>
+            <a:r>
+              <a:rPr lang="de-DE" err="1" smtClean="0"/>
+              <a:t>the</a:t>
+            </a:r>
+            <a:r>
+              <a:rPr lang="de-DE" smtClean="0"/>
+              <a:t> </a:t>
+            </a:r>
+            <a:r>
+              <a:rPr lang="de-DE" b="1" smtClean="0"/>
+              <a:t>German Aerospace Center</a:t>
+            </a:r>
+          </a:p>
+          <a:p>
+            <a:r>
+              <a:rPr lang="de-DE" err="1" smtClean="0"/>
+              <a:t>Based</a:t>
+            </a:r>
+            <a:r>
+              <a:rPr lang="de-DE" smtClean="0"/>
+              <a:t> on </a:t>
+            </a:r>
+            <a:r>
+              <a:rPr lang="de-DE" b="1" err="1" smtClean="0"/>
+              <a:t>custom</a:t>
+            </a:r>
+            <a:r>
+              <a:rPr lang="de-DE" b="1" smtClean="0"/>
+              <a:t> CAD </a:t>
+            </a:r>
+            <a:r>
+              <a:rPr lang="de-DE" b="1" err="1" smtClean="0"/>
+              <a:t>kernel</a:t>
+            </a:r>
+            <a:endParaRPr lang="de-DE" b="1" smtClean="0"/>
+          </a:p>
+          <a:p>
+            <a:r>
+              <a:rPr lang="de-DE" err="1" smtClean="0"/>
+              <a:t>Uses</a:t>
+            </a:r>
+            <a:r>
+              <a:rPr lang="de-DE" smtClean="0"/>
+              <a:t> </a:t>
+            </a:r>
+            <a:r>
+              <a:rPr lang="de-DE" b="1" smtClean="0"/>
+              <a:t>NURBS</a:t>
+            </a:r>
+            <a:r>
+              <a:rPr lang="de-DE" smtClean="0"/>
+              <a:t> </a:t>
+            </a:r>
+            <a:r>
+              <a:rPr lang="de-DE" err="1" smtClean="0"/>
+              <a:t>for</a:t>
+            </a:r>
+            <a:r>
+              <a:rPr lang="de-DE" smtClean="0"/>
+              <a:t> </a:t>
+            </a:r>
+            <a:r>
+              <a:rPr lang="de-DE" err="1" smtClean="0"/>
+              <a:t>object</a:t>
+            </a:r>
+            <a:r>
+              <a:rPr lang="de-DE" smtClean="0"/>
+              <a:t> </a:t>
+            </a:r>
+            <a:r>
+              <a:rPr lang="de-DE" err="1" smtClean="0"/>
+              <a:t>representation</a:t>
+            </a:r>
+            <a:endParaRPr lang="de-DE" smtClean="0"/>
+          </a:p>
+          <a:p>
+            <a:r>
+              <a:rPr lang="de-DE" err="1" smtClean="0"/>
+              <a:t>Uses</a:t>
+            </a:r>
+            <a:r>
+              <a:rPr lang="de-DE" smtClean="0"/>
+              <a:t> </a:t>
+            </a:r>
+            <a:r>
+              <a:rPr lang="de-DE" b="1" err="1" smtClean="0"/>
+              <a:t>streamsurface</a:t>
+            </a:r>
+            <a:r>
+              <a:rPr lang="de-DE" b="1" smtClean="0"/>
+              <a:t> </a:t>
+            </a:r>
+            <a:r>
+              <a:rPr lang="de-DE" b="1" err="1" smtClean="0"/>
+              <a:t>coordinate</a:t>
+            </a:r>
+            <a:r>
+              <a:rPr lang="de-DE" b="1" smtClean="0"/>
+              <a:t> </a:t>
+            </a:r>
+            <a:r>
+              <a:rPr lang="de-DE" b="1" err="1" smtClean="0"/>
+              <a:t>transformation</a:t>
+            </a:r>
+            <a:r>
+              <a:rPr lang="de-DE" b="1" smtClean="0"/>
+              <a:t> </a:t>
+            </a:r>
+            <a:r>
+              <a:rPr lang="de-DE" err="1" smtClean="0"/>
+              <a:t>coupled</a:t>
+            </a:r>
+            <a:r>
+              <a:rPr lang="de-DE" smtClean="0"/>
+              <a:t> </a:t>
+            </a:r>
+            <a:r>
+              <a:rPr lang="de-DE" err="1" smtClean="0"/>
+              <a:t>with</a:t>
+            </a:r>
+            <a:r>
+              <a:rPr lang="de-DE" smtClean="0"/>
+              <a:t> </a:t>
+            </a:r>
+            <a:r>
+              <a:rPr lang="de-DE" b="1" err="1" smtClean="0"/>
+              <a:t>custom</a:t>
+            </a:r>
+            <a:r>
+              <a:rPr lang="de-DE" smtClean="0"/>
+              <a:t> </a:t>
+            </a:r>
+            <a:r>
+              <a:rPr lang="de-DE" b="1" err="1" smtClean="0"/>
+              <a:t>algorithms</a:t>
+            </a:r>
+            <a:r>
+              <a:rPr lang="de-DE" smtClean="0"/>
+              <a:t> (</a:t>
+            </a:r>
+            <a:r>
+              <a:rPr lang="de-DE" err="1" smtClean="0"/>
+              <a:t>fillet</a:t>
+            </a:r>
+            <a:r>
+              <a:rPr lang="de-DE" smtClean="0"/>
+              <a:t> </a:t>
+            </a:r>
+            <a:r>
+              <a:rPr lang="de-DE" err="1" smtClean="0"/>
+              <a:t>creation</a:t>
+            </a:r>
+            <a:r>
+              <a:rPr lang="de-DE" smtClean="0"/>
+              <a:t>, </a:t>
+            </a:r>
+            <a:r>
+              <a:rPr lang="de-DE" err="1" smtClean="0"/>
+              <a:t>ray</a:t>
+            </a:r>
+            <a:r>
+              <a:rPr lang="de-DE" smtClean="0"/>
+              <a:t> </a:t>
+            </a:r>
+            <a:r>
+              <a:rPr lang="de-DE" err="1" smtClean="0"/>
+              <a:t>marching</a:t>
+            </a:r>
+            <a:r>
+              <a:rPr lang="de-DE" smtClean="0"/>
+              <a:t>, …) </a:t>
+            </a:r>
+            <a:r>
+              <a:rPr lang="de-DE" err="1" smtClean="0"/>
+              <a:t>for</a:t>
+            </a:r>
+            <a:r>
+              <a:rPr lang="de-DE" smtClean="0"/>
+              <a:t> fast </a:t>
+            </a:r>
+            <a:r>
+              <a:rPr lang="de-DE" err="1" smtClean="0"/>
+              <a:t>geometry</a:t>
+            </a:r>
+            <a:r>
+              <a:rPr lang="de-DE" smtClean="0"/>
+              <a:t> </a:t>
+            </a:r>
+            <a:r>
+              <a:rPr lang="de-DE" err="1" smtClean="0"/>
+              <a:t>modification</a:t>
+            </a:r>
+            <a:endParaRPr lang="de-DE" smtClean="0"/>
+          </a:p>
+        </p:txBody>
+      </p:sp>
+      <p:pic>
+        <p:nvPicPr>
+          <p:cNvPr id="4" name="Grafik 3"/>
+          <p:cNvPicPr>
+            <a:picLocks noChangeAspect="1"/>
+          </p:cNvPicPr>
+          <p:nvPr/>
+        </p:nvPicPr>
+        <p:blipFill>
+          <a:blip r:embed="rId4"/>
+          <a:stretch>
+            <a:fillRect/>
+          </a:stretch>
+        </p:blipFill>
+        <p:spPr>
+          <a:xfrm>
+            <a:off x="983192" y="1411660"/>
+            <a:ext cx="3212399" cy="1288306"/>
+          </a:xfrm>
+          <a:prstGeom prst="rect">
+            <a:avLst/>
+          </a:prstGeom>
+        </p:spPr>
+      </p:pic>
+      <p:pic>
+        <p:nvPicPr>
           <p:cNvPr id="5" name="Grafik 4"/>
           <p:cNvPicPr>
             <a:picLocks noChangeAspect="1"/>
@@ -7204,15 +8286,15 @@
           <p:nvPr/>
         </p:nvPicPr>
         <p:blipFill>
-          <a:blip r:embed="rId2"/>
+          <a:blip r:embed="rId5"/>
           <a:stretch>
             <a:fillRect/>
           </a:stretch>
         </p:blipFill>
         <p:spPr>
           <a:xfrm>
-            <a:off x="323850" y="119063"/>
-            <a:ext cx="3544315" cy="3908935"/>
+            <a:off x="5063414" y="1631745"/>
+            <a:ext cx="2065172" cy="707691"/>
           </a:xfrm>
           <a:prstGeom prst="rect">
             <a:avLst/>
@@ -7221,21 +8303,24 @@
       </p:pic>
       <p:sp>
         <p:nvSpPr>
-          <p:cNvPr id="21" name="Rechteck 20"/>
+          <p:cNvPr id="7" name="Rechteck 6"/>
           <p:cNvSpPr/>
           <p:nvPr/>
         </p:nvSpPr>
         <p:spPr>
           <a:xfrm>
-            <a:off x="3028079" y="2834962"/>
-            <a:ext cx="8763306" cy="3926566"/>
+            <a:off x="10763249" y="952501"/>
+            <a:ext cx="904876" cy="1033090"/>
           </a:xfrm>
           <a:prstGeom prst="rect">
             <a:avLst/>
           </a:prstGeom>
-          <a:solidFill>
-            <a:schemeClr val="bg1"/>
-          </a:solidFill>
+          <a:noFill/>
+          <a:ln w="38100">
+            <a:solidFill>
+              <a:srgbClr val="FF0000"/>
+            </a:solidFill>
+          </a:ln>
         </p:spPr>
         <p:style>
           <a:lnRef idx="2">
@@ -7258,402 +8343,14 @@
           <a:lstStyle/>
           <a:p>
             <a:pPr algn="ctr"/>
-            <a:endParaRPr lang="de-DE"/>
-          </a:p>
-        </p:txBody>
-      </p:sp>
-      <p:pic>
-        <p:nvPicPr>
-          <p:cNvPr id="7" name="Grafik 6"/>
-          <p:cNvPicPr>
-            <a:picLocks noChangeAspect="1"/>
-          </p:cNvPicPr>
-          <p:nvPr/>
-        </p:nvPicPr>
-        <p:blipFill>
-          <a:blip r:embed="rId3"/>
-          <a:stretch>
-            <a:fillRect/>
-          </a:stretch>
-        </p:blipFill>
-        <p:spPr>
-          <a:xfrm>
-            <a:off x="5170495" y="530799"/>
-            <a:ext cx="6620890" cy="1991473"/>
-          </a:xfrm>
-          <a:prstGeom prst="rect">
-            <a:avLst/>
-          </a:prstGeom>
-        </p:spPr>
-      </p:pic>
-      <p:sp>
-        <p:nvSpPr>
-          <p:cNvPr id="12" name="Pfeil nach oben 11"/>
-          <p:cNvSpPr/>
-          <p:nvPr/>
-        </p:nvSpPr>
-        <p:spPr>
-          <a:xfrm rot="5400000">
-            <a:off x="7294430" y="1327018"/>
-            <a:ext cx="328305" cy="399035"/>
-          </a:xfrm>
-          <a:prstGeom prst="upArrow">
-            <a:avLst/>
-          </a:prstGeom>
-        </p:spPr>
-        <p:style>
-          <a:lnRef idx="2">
-            <a:schemeClr val="accent1">
-              <a:shade val="50000"/>
-            </a:schemeClr>
-          </a:lnRef>
-          <a:fillRef idx="1">
-            <a:schemeClr val="accent1"/>
-          </a:fillRef>
-          <a:effectRef idx="0">
-            <a:schemeClr val="accent1"/>
-          </a:effectRef>
-          <a:fontRef idx="minor">
-            <a:schemeClr val="lt1"/>
-          </a:fontRef>
-        </p:style>
-        <p:txBody>
-          <a:bodyPr rtlCol="0" anchor="ctr"/>
-          <a:lstStyle/>
-          <a:p>
-            <a:pPr algn="ctr"/>
-            <a:endParaRPr lang="de-DE"/>
-          </a:p>
-        </p:txBody>
-      </p:sp>
-      <p:sp>
-        <p:nvSpPr>
-          <p:cNvPr id="13" name="Pfeil nach oben 12"/>
-          <p:cNvSpPr/>
-          <p:nvPr/>
-        </p:nvSpPr>
-        <p:spPr>
-          <a:xfrm rot="5400000">
-            <a:off x="9560590" y="1327017"/>
-            <a:ext cx="328305" cy="399035"/>
-          </a:xfrm>
-          <a:prstGeom prst="upArrow">
-            <a:avLst/>
-          </a:prstGeom>
-        </p:spPr>
-        <p:style>
-          <a:lnRef idx="2">
-            <a:schemeClr val="accent1">
-              <a:shade val="50000"/>
-            </a:schemeClr>
-          </a:lnRef>
-          <a:fillRef idx="1">
-            <a:schemeClr val="accent1"/>
-          </a:fillRef>
-          <a:effectRef idx="0">
-            <a:schemeClr val="accent1"/>
-          </a:effectRef>
-          <a:fontRef idx="minor">
-            <a:schemeClr val="lt1"/>
-          </a:fontRef>
-        </p:style>
-        <p:txBody>
-          <a:bodyPr rtlCol="0" anchor="ctr"/>
-          <a:lstStyle/>
-          <a:p>
-            <a:pPr algn="ctr"/>
-            <a:endParaRPr lang="de-DE"/>
-          </a:p>
-        </p:txBody>
-      </p:sp>
-      <p:sp>
-        <p:nvSpPr>
-          <p:cNvPr id="15" name="Textfeld 14"/>
-          <p:cNvSpPr txBox="1"/>
-          <p:nvPr/>
-        </p:nvSpPr>
-        <p:spPr>
-          <a:xfrm>
-            <a:off x="4429798" y="213809"/>
-            <a:ext cx="2467150" cy="369332"/>
-          </a:xfrm>
-          <a:prstGeom prst="rect">
-            <a:avLst/>
-          </a:prstGeom>
-          <a:noFill/>
-        </p:spPr>
-        <p:txBody>
-          <a:bodyPr wrap="none" rtlCol="0">
-            <a:spAutoFit/>
-          </a:bodyPr>
-          <a:lstStyle/>
-          <a:p>
-            <a:r>
-              <a:rPr lang="de-DE" dirty="0" smtClean="0"/>
-              <a:t>Offset </a:t>
-            </a:r>
-            <a:r>
-              <a:rPr lang="de-DE" dirty="0" err="1" smtClean="0"/>
-              <a:t>delimiting</a:t>
-            </a:r>
-            <a:r>
-              <a:rPr lang="de-DE" dirty="0" smtClean="0"/>
-              <a:t> </a:t>
-            </a:r>
-            <a:r>
-              <a:rPr lang="de-DE" dirty="0" err="1" smtClean="0"/>
-              <a:t>curves</a:t>
-            </a:r>
-            <a:endParaRPr lang="de-DE" dirty="0"/>
-          </a:p>
-        </p:txBody>
-      </p:sp>
-      <p:sp>
-        <p:nvSpPr>
-          <p:cNvPr id="16" name="Textfeld 15"/>
-          <p:cNvSpPr txBox="1"/>
-          <p:nvPr/>
-        </p:nvSpPr>
-        <p:spPr>
-          <a:xfrm>
-            <a:off x="7429138" y="213809"/>
-            <a:ext cx="2096087" cy="369332"/>
-          </a:xfrm>
-          <a:prstGeom prst="rect">
-            <a:avLst/>
-          </a:prstGeom>
-          <a:noFill/>
-        </p:spPr>
-        <p:txBody>
-          <a:bodyPr wrap="none" rtlCol="0">
-            <a:spAutoFit/>
-          </a:bodyPr>
-          <a:lstStyle/>
-          <a:p>
-            <a:r>
-              <a:rPr lang="de-DE" dirty="0" err="1" smtClean="0"/>
-              <a:t>Trim</a:t>
-            </a:r>
-            <a:r>
-              <a:rPr lang="de-DE" dirty="0" smtClean="0"/>
-              <a:t> at </a:t>
-            </a:r>
-            <a:r>
-              <a:rPr lang="de-DE" dirty="0" err="1" smtClean="0"/>
-              <a:t>intersections</a:t>
-            </a:r>
-            <a:endParaRPr lang="de-DE" dirty="0"/>
-          </a:p>
-        </p:txBody>
-      </p:sp>
-      <p:sp>
-        <p:nvSpPr>
-          <p:cNvPr id="17" name="Textfeld 16"/>
-          <p:cNvSpPr txBox="1"/>
-          <p:nvPr/>
-        </p:nvSpPr>
-        <p:spPr>
-          <a:xfrm>
-            <a:off x="10265922" y="218110"/>
-            <a:ext cx="1124410" cy="369332"/>
-          </a:xfrm>
-          <a:prstGeom prst="rect">
-            <a:avLst/>
-          </a:prstGeom>
-          <a:noFill/>
-        </p:spPr>
-        <p:txBody>
-          <a:bodyPr wrap="none" rtlCol="0">
-            <a:spAutoFit/>
-          </a:bodyPr>
-          <a:lstStyle/>
-          <a:p>
-            <a:r>
-              <a:rPr lang="de-DE" dirty="0" smtClean="0"/>
-              <a:t>Add </a:t>
-            </a:r>
-            <a:r>
-              <a:rPr lang="de-DE" dirty="0" err="1" smtClean="0"/>
-              <a:t>fillets</a:t>
-            </a:r>
-            <a:endParaRPr lang="de-DE" dirty="0"/>
-          </a:p>
-        </p:txBody>
-      </p:sp>
-      <p:pic>
-        <p:nvPicPr>
-          <p:cNvPr id="18" name="Grafik 17"/>
-          <p:cNvPicPr>
-            <a:picLocks noChangeAspect="1"/>
-          </p:cNvPicPr>
-          <p:nvPr/>
-        </p:nvPicPr>
-        <p:blipFill>
-          <a:blip r:embed="rId4"/>
-          <a:stretch>
-            <a:fillRect/>
-          </a:stretch>
-        </p:blipFill>
-        <p:spPr>
-          <a:xfrm>
-            <a:off x="3179428" y="3152645"/>
-            <a:ext cx="8279967" cy="3413871"/>
-          </a:xfrm>
-          <a:prstGeom prst="rect">
-            <a:avLst/>
-          </a:prstGeom>
-        </p:spPr>
-      </p:pic>
-      <p:sp>
-        <p:nvSpPr>
-          <p:cNvPr id="19" name="Textfeld 18"/>
-          <p:cNvSpPr txBox="1"/>
-          <p:nvPr/>
-        </p:nvSpPr>
-        <p:spPr>
-          <a:xfrm>
-            <a:off x="5170495" y="2834961"/>
-            <a:ext cx="2231252" cy="369332"/>
-          </a:xfrm>
-          <a:prstGeom prst="rect">
-            <a:avLst/>
-          </a:prstGeom>
-          <a:noFill/>
-        </p:spPr>
-        <p:txBody>
-          <a:bodyPr wrap="none" rtlCol="0">
-            <a:spAutoFit/>
-          </a:bodyPr>
-          <a:lstStyle/>
-          <a:p>
-            <a:r>
-              <a:rPr lang="de-DE" dirty="0" err="1" smtClean="0"/>
-              <a:t>Fillet</a:t>
-            </a:r>
-            <a:r>
-              <a:rPr lang="de-DE" dirty="0" smtClean="0"/>
-              <a:t> </a:t>
-            </a:r>
-            <a:r>
-              <a:rPr lang="de-DE" dirty="0" err="1" smtClean="0"/>
-              <a:t>creation</a:t>
-            </a:r>
-            <a:r>
-              <a:rPr lang="de-DE" dirty="0" smtClean="0"/>
-              <a:t> </a:t>
-            </a:r>
-            <a:r>
-              <a:rPr lang="de-DE" dirty="0" err="1" smtClean="0"/>
-              <a:t>process</a:t>
-            </a:r>
-            <a:endParaRPr lang="de-DE" dirty="0"/>
-          </a:p>
-        </p:txBody>
-      </p:sp>
-      <p:sp>
-        <p:nvSpPr>
-          <p:cNvPr id="20" name="Pfeil nach oben 19"/>
-          <p:cNvSpPr/>
-          <p:nvPr/>
-        </p:nvSpPr>
-        <p:spPr>
-          <a:xfrm rot="5400000">
-            <a:off x="4081857" y="1327016"/>
-            <a:ext cx="328305" cy="399035"/>
-          </a:xfrm>
-          <a:prstGeom prst="upArrow">
-            <a:avLst/>
-          </a:prstGeom>
-        </p:spPr>
-        <p:style>
-          <a:lnRef idx="2">
-            <a:schemeClr val="accent1">
-              <a:shade val="50000"/>
-            </a:schemeClr>
-          </a:lnRef>
-          <a:fillRef idx="1">
-            <a:schemeClr val="accent1"/>
-          </a:fillRef>
-          <a:effectRef idx="0">
-            <a:schemeClr val="accent1"/>
-          </a:effectRef>
-          <a:fontRef idx="minor">
-            <a:schemeClr val="lt1"/>
-          </a:fontRef>
-        </p:style>
-        <p:txBody>
-          <a:bodyPr rtlCol="0" anchor="ctr"/>
-          <a:lstStyle/>
-          <a:p>
-            <a:pPr algn="ctr"/>
-            <a:endParaRPr lang="de-DE"/>
-          </a:p>
-        </p:txBody>
-      </p:sp>
-      <p:sp>
-        <p:nvSpPr>
-          <p:cNvPr id="22" name="Textfeld 21"/>
-          <p:cNvSpPr txBox="1"/>
-          <p:nvPr/>
-        </p:nvSpPr>
-        <p:spPr>
-          <a:xfrm>
-            <a:off x="419450" y="446059"/>
-            <a:ext cx="2869953" cy="646331"/>
-          </a:xfrm>
-          <a:prstGeom prst="rect">
-            <a:avLst/>
-          </a:prstGeom>
-          <a:noFill/>
-        </p:spPr>
-        <p:txBody>
-          <a:bodyPr wrap="none" rtlCol="0">
-            <a:spAutoFit/>
-          </a:bodyPr>
-          <a:lstStyle/>
-          <a:p>
-            <a:r>
-              <a:rPr lang="de-DE" b="1" dirty="0"/>
-              <a:t>Transform </a:t>
-            </a:r>
-            <a:r>
-              <a:rPr lang="de-DE" b="1" dirty="0" err="1"/>
-              <a:t>to</a:t>
-            </a:r>
-            <a:r>
-              <a:rPr lang="de-DE" b="1" dirty="0"/>
-              <a:t> </a:t>
-            </a:r>
-            <a:r>
-              <a:rPr lang="de-DE" b="1" dirty="0" err="1"/>
-              <a:t>streamsurface</a:t>
-            </a:r>
-            <a:r>
-              <a:rPr lang="de-DE" b="1" dirty="0"/>
-              <a:t> </a:t>
-            </a:r>
-          </a:p>
-          <a:p>
-            <a:r>
-              <a:rPr lang="de-DE" b="1" dirty="0" err="1"/>
-              <a:t>coordinate</a:t>
-            </a:r>
-            <a:r>
-              <a:rPr lang="de-DE" b="1" dirty="0"/>
-              <a:t> </a:t>
-            </a:r>
-            <a:r>
-              <a:rPr lang="de-DE" b="1" dirty="0" err="1"/>
-              <a:t>system</a:t>
-            </a:r>
-            <a:endParaRPr lang="de-DE" b="1" dirty="0"/>
+            <a:endParaRPr lang="en-US"/>
           </a:p>
         </p:txBody>
       </p:sp>
     </p:spTree>
     <p:extLst>
       <p:ext uri="{BB962C8B-B14F-4D97-AF65-F5344CB8AC3E}">
-        <p14:creationId xmlns:p14="http://schemas.microsoft.com/office/powerpoint/2010/main" val="1762448298"/>
+        <p14:creationId xmlns:p14="http://schemas.microsoft.com/office/powerpoint/2010/main" val="869571992"/>
       </p:ext>
     </p:extLst>
   </p:cSld>
@@ -7696,285 +8393,352 @@
           <p:nvPr/>
         </p:nvPicPr>
         <p:blipFill>
-          <a:blip r:embed="rId2"/>
+          <a:blip r:embed="rId3"/>
           <a:stretch>
             <a:fillRect/>
           </a:stretch>
         </p:blipFill>
         <p:spPr>
           <a:xfrm>
-            <a:off x="44598" y="710361"/>
-            <a:ext cx="12147402" cy="5522660"/>
+            <a:off x="8024483" y="136524"/>
+            <a:ext cx="3881768" cy="6287371"/>
           </a:xfrm>
           <a:prstGeom prst="rect">
             <a:avLst/>
           </a:prstGeom>
         </p:spPr>
       </p:pic>
-      <p:sp>
-        <p:nvSpPr>
-          <p:cNvPr id="6" name="Pfeil nach oben 5"/>
-          <p:cNvSpPr/>
+      <p:pic>
+        <p:nvPicPr>
+          <p:cNvPr id="7" name="Grafik 6"/>
+          <p:cNvPicPr>
+            <a:picLocks noChangeAspect="1"/>
+          </p:cNvPicPr>
           <p:nvPr/>
-        </p:nvSpPr>
-        <p:spPr>
-          <a:xfrm rot="5400000">
-            <a:off x="5889070" y="2684358"/>
-            <a:ext cx="771787" cy="755009"/>
-          </a:xfrm>
-          <a:prstGeom prst="upArrow">
-            <a:avLst/>
-          </a:prstGeom>
-        </p:spPr>
-        <p:style>
-          <a:lnRef idx="2">
-            <a:schemeClr val="accent1">
-              <a:shade val="50000"/>
-            </a:schemeClr>
-          </a:lnRef>
-          <a:fillRef idx="1">
-            <a:schemeClr val="accent1"/>
-          </a:fillRef>
-          <a:effectRef idx="0">
-            <a:schemeClr val="accent1"/>
-          </a:effectRef>
-          <a:fontRef idx="minor">
-            <a:schemeClr val="lt1"/>
-          </a:fontRef>
-        </p:style>
-        <p:txBody>
-          <a:bodyPr rtlCol="0" anchor="ctr"/>
-          <a:lstStyle/>
-          <a:p>
-            <a:pPr algn="ctr"/>
-            <a:endParaRPr lang="de-DE"/>
-          </a:p>
-        </p:txBody>
-      </p:sp>
-      <p:sp>
-        <p:nvSpPr>
-          <p:cNvPr id="7" name="Textfeld 6"/>
-          <p:cNvSpPr txBox="1"/>
-          <p:nvPr/>
-        </p:nvSpPr>
+        </p:nvPicPr>
+        <p:blipFill>
+          <a:blip r:embed="rId4" cstate="print">
+            <a:extLst>
+              <a:ext uri="{28A0092B-C50C-407E-A947-70E740481C1C}">
+                <a14:useLocalDpi xmlns:a14="http://schemas.microsoft.com/office/drawing/2010/main" val="0"/>
+              </a:ext>
+            </a:extLst>
+          </a:blip>
+          <a:stretch>
+            <a:fillRect/>
+          </a:stretch>
+        </p:blipFill>
         <p:spPr>
           <a:xfrm>
-            <a:off x="419450" y="446059"/>
-            <a:ext cx="6607835" cy="369332"/>
+            <a:off x="6300092" y="4290948"/>
+            <a:ext cx="5682359" cy="2132947"/>
           </a:xfrm>
           <a:prstGeom prst="rect">
             <a:avLst/>
           </a:prstGeom>
-          <a:noFill/>
         </p:spPr>
-        <p:txBody>
-          <a:bodyPr wrap="none" rtlCol="0">
-            <a:spAutoFit/>
+      </p:pic>
+      <p:sp>
+        <p:nvSpPr>
+          <p:cNvPr id="2" name="Titel 1"/>
+          <p:cNvSpPr>
+            <a:spLocks noGrp="1"/>
+          </p:cNvSpPr>
+          <p:nvPr>
+            <p:ph type="title"/>
+          </p:nvPr>
+        </p:nvSpPr>
+        <p:spPr/>
+        <p:txBody>
+          <a:bodyPr/>
+          <a:lstStyle/>
+          <a:p>
+            <a:r>
+              <a:rPr lang="de-DE" err="1"/>
+              <a:t>CoolingGen</a:t>
+            </a:r>
+            <a:endParaRPr lang="de-DE"/>
+          </a:p>
+        </p:txBody>
+      </p:sp>
+      <p:sp>
+        <p:nvSpPr>
+          <p:cNvPr id="3" name="Inhaltsplatzhalter 2"/>
+          <p:cNvSpPr>
+            <a:spLocks noGrp="1"/>
+          </p:cNvSpPr>
+          <p:nvPr>
+            <p:ph idx="1"/>
+          </p:nvPr>
+        </p:nvSpPr>
+        <p:spPr>
+          <a:xfrm>
+            <a:off x="838201" y="1416049"/>
+            <a:ext cx="5925456" cy="5246008"/>
+          </a:xfrm>
+        </p:spPr>
+        <p:txBody>
+          <a:bodyPr>
+            <a:normAutofit/>
           </a:bodyPr>
           <a:lstStyle/>
           <a:p>
             <a:r>
-              <a:rPr lang="de-DE" b="1" dirty="0">
-                <a:ln w="0"/>
-                <a:effectLst>
-                  <a:outerShdw blurRad="38100" dist="19050" dir="2700000" algn="tl" rotWithShape="0">
-                    <a:schemeClr val="dk1">
-                      <a:alpha val="40000"/>
-                    </a:schemeClr>
-                  </a:outerShdw>
-                </a:effectLst>
+              <a:rPr lang="de-DE" smtClean="0"/>
+              <a:t>Problem 1: </a:t>
+            </a:r>
+            <a:r>
+              <a:rPr lang="de-DE" smtClean="0"/>
+              <a:t>Aviation </a:t>
+            </a:r>
+            <a:r>
+              <a:rPr lang="de-DE" err="1" smtClean="0"/>
+              <a:t>cooling</a:t>
+            </a:r>
+            <a:r>
+              <a:rPr lang="de-DE" smtClean="0"/>
+              <a:t> </a:t>
+            </a:r>
+            <a:r>
+              <a:rPr lang="de-DE" err="1" smtClean="0"/>
+              <a:t>structures</a:t>
+            </a:r>
+            <a:r>
+              <a:rPr lang="de-DE"/>
+              <a:t> </a:t>
+            </a:r>
+            <a:r>
+              <a:rPr lang="de-DE" err="1" smtClean="0"/>
+              <a:t>are</a:t>
+            </a:r>
+            <a:r>
+              <a:rPr lang="de-DE"/>
+              <a:t> </a:t>
+            </a:r>
+            <a:r>
+              <a:rPr lang="de-DE" b="1" smtClean="0"/>
+              <a:t>complex geometries</a:t>
+            </a:r>
+          </a:p>
+          <a:p>
+            <a:r>
+              <a:rPr lang="de-DE" b="1"/>
+              <a:t>H</a:t>
+            </a:r>
+            <a:r>
+              <a:rPr lang="de-DE" b="1" smtClean="0"/>
+              <a:t>ard </a:t>
+            </a:r>
+            <a:r>
+              <a:rPr lang="de-DE" b="1" err="1" smtClean="0"/>
+              <a:t>to</a:t>
+            </a:r>
+            <a:r>
+              <a:rPr lang="de-DE" b="1" smtClean="0"/>
+              <a:t> </a:t>
+            </a:r>
+            <a:r>
+              <a:rPr lang="de-DE" b="1" err="1" smtClean="0"/>
+              <a:t>model</a:t>
+            </a:r>
+            <a:r>
+              <a:rPr lang="de-DE" b="1" smtClean="0"/>
+              <a:t> </a:t>
+            </a:r>
+            <a:r>
+              <a:rPr lang="de-DE" smtClean="0"/>
+              <a:t>with</a:t>
+            </a:r>
+            <a:r>
+              <a:rPr lang="de-DE" smtClean="0"/>
+              <a:t> </a:t>
+            </a:r>
+            <a:r>
+              <a:rPr lang="de-DE" smtClean="0"/>
+              <a:t/>
+            </a:r>
+            <a:br>
+              <a:rPr lang="de-DE" smtClean="0"/>
+            </a:br>
+            <a:r>
+              <a:rPr lang="de-DE" smtClean="0"/>
+              <a:t>conventional </a:t>
+            </a:r>
+            <a:r>
+              <a:rPr lang="de-DE" smtClean="0"/>
+              <a:t>CAD </a:t>
+            </a:r>
+            <a:r>
+              <a:rPr lang="de-DE" smtClean="0"/>
+              <a:t>tools</a:t>
+            </a:r>
+          </a:p>
+          <a:p>
+            <a:pPr lvl="1">
+              <a:buFont typeface="Wingdings" panose="05000000000000000000" pitchFamily="2" charset="2"/>
+              <a:buChar char="à"/>
+            </a:pPr>
+            <a:r>
+              <a:rPr lang="de-DE" b="1" smtClean="0">
+                <a:sym typeface="Wingdings" panose="05000000000000000000" pitchFamily="2" charset="2"/>
               </a:rPr>
-              <a:t>Inverse </a:t>
-            </a:r>
-            <a:r>
-              <a:rPr lang="de-DE" b="1" dirty="0" err="1">
-                <a:ln w="0"/>
-                <a:effectLst>
-                  <a:outerShdw blurRad="38100" dist="19050" dir="2700000" algn="tl" rotWithShape="0">
-                    <a:schemeClr val="dk1">
-                      <a:alpha val="40000"/>
-                    </a:schemeClr>
-                  </a:outerShdw>
-                </a:effectLst>
+              <a:t>H</a:t>
+            </a:r>
+            <a:r>
+              <a:rPr lang="de-DE" b="1" smtClean="0"/>
+              <a:t>ard </a:t>
+            </a:r>
+            <a:r>
+              <a:rPr lang="de-DE" b="1" err="1" smtClean="0"/>
+              <a:t>to</a:t>
+            </a:r>
+            <a:r>
+              <a:rPr lang="de-DE" b="1" smtClean="0"/>
+              <a:t> </a:t>
+            </a:r>
+            <a:r>
+              <a:rPr lang="de-DE" b="1" smtClean="0"/>
+              <a:t>modify </a:t>
+            </a:r>
+            <a:r>
+              <a:rPr lang="de-DE" smtClean="0"/>
+              <a:t>o</a:t>
+            </a:r>
+            <a:r>
+              <a:rPr lang="de-DE" smtClean="0"/>
+              <a:t>nce </a:t>
+            </a:r>
+            <a:r>
+              <a:rPr lang="de-DE"/>
+              <a:t>created </a:t>
+            </a:r>
+            <a:endParaRPr lang="de-DE" smtClean="0"/>
+          </a:p>
+          <a:p>
+            <a:pPr marL="457200" lvl="1" indent="0">
+              <a:buNone/>
+            </a:pPr>
+            <a:endParaRPr lang="de-DE" sz="1100" smtClean="0"/>
+          </a:p>
+          <a:p>
+            <a:pPr marL="457200" lvl="1" indent="0">
+              <a:buNone/>
+            </a:pPr>
+            <a:endParaRPr lang="de-DE" sz="1100"/>
+          </a:p>
+          <a:p>
+            <a:r>
+              <a:rPr lang="de-DE" smtClean="0"/>
+              <a:t>Solution 1: Create </a:t>
+            </a:r>
+            <a:r>
+              <a:rPr lang="de-DE" err="1" smtClean="0"/>
+              <a:t>own</a:t>
+            </a:r>
+            <a:r>
+              <a:rPr lang="de-DE" smtClean="0"/>
+              <a:t> CAD </a:t>
+            </a:r>
+            <a:r>
+              <a:rPr lang="de-DE" err="1" smtClean="0"/>
+              <a:t>tool</a:t>
+            </a:r>
+            <a:r>
+              <a:rPr lang="de-DE" smtClean="0"/>
+              <a:t> </a:t>
+            </a:r>
+            <a:r>
+              <a:rPr lang="de-DE" err="1" smtClean="0"/>
+              <a:t>that</a:t>
+            </a:r>
+            <a:r>
+              <a:rPr lang="de-DE" smtClean="0"/>
+              <a:t> </a:t>
+            </a:r>
+            <a:r>
+              <a:rPr lang="de-DE" err="1" smtClean="0"/>
+              <a:t>has</a:t>
+            </a:r>
+            <a:r>
+              <a:rPr lang="de-DE" smtClean="0"/>
+              <a:t> </a:t>
+            </a:r>
+            <a:r>
+              <a:rPr lang="de-DE" smtClean="0"/>
+              <a:t>its‘ </a:t>
+            </a:r>
+            <a:r>
+              <a:rPr lang="de-DE" b="1" err="1" smtClean="0"/>
+              <a:t>own</a:t>
+            </a:r>
+            <a:r>
+              <a:rPr lang="de-DE" b="1" smtClean="0"/>
+              <a:t> primitives </a:t>
+            </a:r>
+            <a:r>
+              <a:rPr lang="de-DE" err="1" smtClean="0"/>
+              <a:t>based</a:t>
+            </a:r>
+            <a:r>
+              <a:rPr lang="de-DE" smtClean="0"/>
+              <a:t> on (</a:t>
+            </a:r>
+            <a:r>
+              <a:rPr lang="de-DE" err="1" smtClean="0"/>
+              <a:t>relatively</a:t>
+            </a:r>
+            <a:r>
+              <a:rPr lang="de-DE" smtClean="0"/>
+              <a:t>) </a:t>
+            </a:r>
+            <a:r>
+              <a:rPr lang="de-DE" b="1" smtClean="0"/>
+              <a:t>simple </a:t>
+            </a:r>
+            <a:r>
+              <a:rPr lang="de-DE" b="1" smtClean="0"/>
+              <a:t>parametric representations</a:t>
+            </a:r>
+            <a:endParaRPr lang="de-DE"/>
+          </a:p>
+          <a:p>
+            <a:pPr marL="457200" lvl="1" indent="0">
+              <a:buNone/>
+            </a:pPr>
+            <a:r>
+              <a:rPr lang="de-DE" smtClean="0">
+                <a:sym typeface="Wingdings" panose="05000000000000000000" pitchFamily="2" charset="2"/>
               </a:rPr>
-              <a:t>transform</a:t>
-            </a:r>
-            <a:r>
-              <a:rPr lang="de-DE" b="1" dirty="0">
-                <a:ln w="0"/>
-                <a:effectLst>
-                  <a:outerShdw blurRad="38100" dist="19050" dir="2700000" algn="tl" rotWithShape="0">
-                    <a:schemeClr val="dk1">
-                      <a:alpha val="40000"/>
-                    </a:schemeClr>
-                  </a:outerShdw>
-                </a:effectLst>
-              </a:rPr>
-              <a:t> (</a:t>
-            </a:r>
-            <a:r>
-              <a:rPr lang="de-DE" b="1" dirty="0" err="1">
-                <a:ln w="0"/>
-                <a:effectLst>
-                  <a:outerShdw blurRad="38100" dist="19050" dir="2700000" algn="tl" rotWithShape="0">
-                    <a:schemeClr val="dk1">
-                      <a:alpha val="40000"/>
-                    </a:schemeClr>
-                  </a:outerShdw>
-                </a:effectLst>
-              </a:rPr>
-              <a:t>black</a:t>
-            </a:r>
-            <a:r>
-              <a:rPr lang="de-DE" b="1" dirty="0">
-                <a:ln w="0"/>
-                <a:effectLst>
-                  <a:outerShdw blurRad="38100" dist="19050" dir="2700000" algn="tl" rotWithShape="0">
-                    <a:schemeClr val="dk1">
-                      <a:alpha val="40000"/>
-                    </a:schemeClr>
-                  </a:outerShdw>
-                </a:effectLst>
-              </a:rPr>
-              <a:t> </a:t>
-            </a:r>
-            <a:r>
-              <a:rPr lang="de-DE" b="1" dirty="0" err="1">
-                <a:ln w="0"/>
-                <a:effectLst>
-                  <a:outerShdw blurRad="38100" dist="19050" dir="2700000" algn="tl" rotWithShape="0">
-                    <a:schemeClr val="dk1">
-                      <a:alpha val="40000"/>
-                    </a:schemeClr>
-                  </a:outerShdw>
-                </a:effectLst>
-              </a:rPr>
-              <a:t>curves</a:t>
-            </a:r>
-            <a:r>
-              <a:rPr lang="de-DE" b="1" dirty="0">
-                <a:ln w="0"/>
-                <a:effectLst>
-                  <a:outerShdw blurRad="38100" dist="19050" dir="2700000" algn="tl" rotWithShape="0">
-                    <a:schemeClr val="dk1">
-                      <a:alpha val="40000"/>
-                    </a:schemeClr>
-                  </a:outerShdw>
-                </a:effectLst>
-              </a:rPr>
-              <a:t>) </a:t>
-            </a:r>
-            <a:r>
-              <a:rPr lang="de-DE" b="1" dirty="0" err="1">
-                <a:ln w="0"/>
-                <a:effectLst>
-                  <a:outerShdw blurRad="38100" dist="19050" dir="2700000" algn="tl" rotWithShape="0">
-                    <a:schemeClr val="dk1">
-                      <a:alpha val="40000"/>
-                    </a:schemeClr>
-                  </a:outerShdw>
-                </a:effectLst>
-              </a:rPr>
-              <a:t>and</a:t>
-            </a:r>
-            <a:r>
-              <a:rPr lang="de-DE" b="1" dirty="0">
-                <a:ln w="0"/>
-                <a:effectLst>
-                  <a:outerShdw blurRad="38100" dist="19050" dir="2700000" algn="tl" rotWithShape="0">
-                    <a:schemeClr val="dk1">
-                      <a:alpha val="40000"/>
-                    </a:schemeClr>
-                  </a:outerShdw>
-                </a:effectLst>
-              </a:rPr>
-              <a:t> </a:t>
-            </a:r>
-            <a:r>
-              <a:rPr lang="de-DE" b="1" dirty="0" err="1">
-                <a:ln w="0"/>
-                <a:effectLst>
-                  <a:outerShdw blurRad="38100" dist="19050" dir="2700000" algn="tl" rotWithShape="0">
-                    <a:schemeClr val="dk1">
-                      <a:alpha val="40000"/>
-                    </a:schemeClr>
-                  </a:outerShdw>
-                </a:effectLst>
-              </a:rPr>
-              <a:t>surface</a:t>
-            </a:r>
-            <a:r>
-              <a:rPr lang="de-DE" b="1" dirty="0">
-                <a:ln w="0"/>
-                <a:effectLst>
-                  <a:outerShdw blurRad="38100" dist="19050" dir="2700000" algn="tl" rotWithShape="0">
-                    <a:schemeClr val="dk1">
-                      <a:alpha val="40000"/>
-                    </a:schemeClr>
-                  </a:outerShdw>
-                </a:effectLst>
-              </a:rPr>
-              <a:t> </a:t>
-            </a:r>
-            <a:r>
-              <a:rPr lang="de-DE" b="1" dirty="0" err="1">
-                <a:ln w="0"/>
-                <a:effectLst>
-                  <a:outerShdw blurRad="38100" dist="19050" dir="2700000" algn="tl" rotWithShape="0">
-                    <a:schemeClr val="dk1">
-                      <a:alpha val="40000"/>
-                    </a:schemeClr>
-                  </a:outerShdw>
-                </a:effectLst>
-              </a:rPr>
-              <a:t>lifting</a:t>
-            </a:r>
-            <a:r>
-              <a:rPr lang="de-DE" b="1" dirty="0">
-                <a:ln w="0"/>
-                <a:effectLst>
-                  <a:outerShdw blurRad="38100" dist="19050" dir="2700000" algn="tl" rotWithShape="0">
-                    <a:schemeClr val="dk1">
-                      <a:alpha val="40000"/>
-                    </a:schemeClr>
-                  </a:outerShdw>
-                </a:effectLst>
-              </a:rPr>
-              <a:t> (orange </a:t>
-            </a:r>
-            <a:r>
-              <a:rPr lang="de-DE" b="1" dirty="0" err="1">
-                <a:ln w="0"/>
-                <a:effectLst>
-                  <a:outerShdw blurRad="38100" dist="19050" dir="2700000" algn="tl" rotWithShape="0">
-                    <a:schemeClr val="dk1">
-                      <a:alpha val="40000"/>
-                    </a:schemeClr>
-                  </a:outerShdw>
-                </a:effectLst>
-              </a:rPr>
-              <a:t>surface</a:t>
-            </a:r>
-            <a:r>
-              <a:rPr lang="de-DE" b="1" dirty="0">
-                <a:ln w="0"/>
-                <a:effectLst>
-                  <a:outerShdw blurRad="38100" dist="19050" dir="2700000" algn="tl" rotWithShape="0">
-                    <a:schemeClr val="dk1">
-                      <a:alpha val="40000"/>
-                    </a:schemeClr>
-                  </a:outerShdw>
-                </a:effectLst>
-              </a:rPr>
-              <a:t>)</a:t>
-            </a:r>
+              <a:t> Simple input modification yields</a:t>
+            </a:r>
+            <a:r>
+              <a:rPr lang="de-DE" smtClean="0"/>
+              <a:t> modified </a:t>
+            </a:r>
+            <a:r>
+              <a:rPr lang="de-DE" err="1" smtClean="0"/>
+              <a:t>geometry</a:t>
+            </a:r>
+            <a:endParaRPr lang="de-DE" smtClean="0"/>
+          </a:p>
+          <a:p>
+            <a:pPr marL="0" indent="0">
+              <a:buNone/>
+            </a:pPr>
+            <a:endParaRPr lang="de-DE" smtClean="0"/>
+          </a:p>
+          <a:p>
+            <a:pPr marL="0" indent="0">
+              <a:buNone/>
+            </a:pPr>
+            <a:endParaRPr lang="de-DE"/>
           </a:p>
         </p:txBody>
       </p:sp>
     </p:spTree>
     <p:extLst>
       <p:ext uri="{BB962C8B-B14F-4D97-AF65-F5344CB8AC3E}">
-        <p14:creationId xmlns:p14="http://schemas.microsoft.com/office/powerpoint/2010/main" val="3452209725"/>
+        <p14:creationId xmlns:p14="http://schemas.microsoft.com/office/powerpoint/2010/main" val="2248377124"/>
       </p:ext>
     </p:extLst>
   </p:cSld>
@@ -8010,7 +8774,7 @@
       </p:grpSpPr>
       <p:pic>
         <p:nvPicPr>
-          <p:cNvPr id="5" name="Grafik 4"/>
+          <p:cNvPr id="4" name="Grafik 3"/>
           <p:cNvPicPr>
             <a:picLocks noChangeAspect="1"/>
           </p:cNvPicPr>
@@ -8024,87 +8788,17 @@
         </p:blipFill>
         <p:spPr>
           <a:xfrm>
-            <a:off x="0" y="746405"/>
-            <a:ext cx="7080308" cy="3064309"/>
+            <a:off x="705015" y="3218879"/>
+            <a:ext cx="2846575" cy="3135631"/>
           </a:xfrm>
           <a:prstGeom prst="rect">
             <a:avLst/>
           </a:prstGeom>
         </p:spPr>
       </p:pic>
-      <p:sp>
-        <p:nvSpPr>
-          <p:cNvPr id="6" name="Textfeld 5"/>
-          <p:cNvSpPr txBox="1"/>
-          <p:nvPr/>
-        </p:nvSpPr>
-        <p:spPr>
-          <a:xfrm>
-            <a:off x="419450" y="446059"/>
-            <a:ext cx="4583884" cy="369332"/>
-          </a:xfrm>
-          <a:prstGeom prst="rect">
-            <a:avLst/>
-          </a:prstGeom>
-          <a:noFill/>
-        </p:spPr>
-        <p:txBody>
-          <a:bodyPr wrap="none" rtlCol="0">
-            <a:spAutoFit/>
-          </a:bodyPr>
-          <a:lstStyle/>
-          <a:p>
-            <a:r>
-              <a:rPr lang="de-DE" b="1" dirty="0" err="1" smtClean="0"/>
-              <a:t>Creating</a:t>
-            </a:r>
-            <a:r>
-              <a:rPr lang="de-DE" b="1" dirty="0" smtClean="0"/>
-              <a:t> </a:t>
-            </a:r>
-            <a:r>
-              <a:rPr lang="de-DE" b="1" dirty="0" err="1" smtClean="0"/>
-              <a:t>turns</a:t>
-            </a:r>
-            <a:r>
-              <a:rPr lang="de-DE" b="1" dirty="0" smtClean="0"/>
-              <a:t> </a:t>
-            </a:r>
-            <a:r>
-              <a:rPr lang="de-DE" b="1" dirty="0" err="1" smtClean="0"/>
-              <a:t>between</a:t>
-            </a:r>
-            <a:r>
-              <a:rPr lang="de-DE" b="1" dirty="0" smtClean="0"/>
-              <a:t> </a:t>
-            </a:r>
-            <a:r>
-              <a:rPr lang="de-DE" b="1" dirty="0" err="1" smtClean="0"/>
-              <a:t>the</a:t>
-            </a:r>
-            <a:r>
-              <a:rPr lang="de-DE" b="1" dirty="0" smtClean="0"/>
-              <a:t> </a:t>
-            </a:r>
-            <a:r>
-              <a:rPr lang="de-DE" b="1" dirty="0" err="1" smtClean="0"/>
-              <a:t>resulting</a:t>
-            </a:r>
-            <a:r>
-              <a:rPr lang="de-DE" b="1" dirty="0" smtClean="0"/>
-              <a:t> </a:t>
-            </a:r>
-            <a:r>
-              <a:rPr lang="de-DE" b="1" dirty="0" err="1" smtClean="0"/>
-              <a:t>channels</a:t>
-            </a:r>
-            <a:endParaRPr lang="de-DE" b="1" dirty="0"/>
-          </a:p>
-        </p:txBody>
-      </p:sp>
       <p:pic>
         <p:nvPicPr>
-          <p:cNvPr id="7" name="Grafik 6"/>
+          <p:cNvPr id="5" name="Grafik 4"/>
           <p:cNvPicPr>
             <a:picLocks noChangeAspect="1"/>
           </p:cNvPicPr>
@@ -8118,8 +8812,8 @@
         </p:blipFill>
         <p:spPr>
           <a:xfrm>
-            <a:off x="5100507" y="3599727"/>
-            <a:ext cx="6553092" cy="2981501"/>
+            <a:off x="5651194" y="1649644"/>
+            <a:ext cx="5292944" cy="4638989"/>
           </a:xfrm>
           <a:prstGeom prst="rect">
             <a:avLst/>
@@ -8128,14 +8822,150 @@
       </p:pic>
       <p:sp>
         <p:nvSpPr>
+          <p:cNvPr id="6" name="Textfeld 5"/>
+          <p:cNvSpPr txBox="1"/>
+          <p:nvPr/>
+        </p:nvSpPr>
+        <p:spPr>
+          <a:xfrm>
+            <a:off x="419450" y="446059"/>
+            <a:ext cx="3858877" cy="369332"/>
+          </a:xfrm>
+          <a:prstGeom prst="rect">
+            <a:avLst/>
+          </a:prstGeom>
+          <a:noFill/>
+        </p:spPr>
+        <p:txBody>
+          <a:bodyPr wrap="none" rtlCol="0">
+            <a:spAutoFit/>
+          </a:bodyPr>
+          <a:lstStyle/>
+          <a:p>
+            <a:r>
+              <a:rPr lang="de-DE" b="1" smtClean="0"/>
+              <a:t>Example Problem 1: Film hole </a:t>
+            </a:r>
+            <a:r>
+              <a:rPr lang="de-DE" b="1" err="1" smtClean="0"/>
+              <a:t>creation</a:t>
+            </a:r>
+            <a:endParaRPr lang="de-DE" b="1"/>
+          </a:p>
+        </p:txBody>
+      </p:sp>
+      <p:sp>
+        <p:nvSpPr>
+          <p:cNvPr id="7" name="Textfeld 6"/>
+          <p:cNvSpPr txBox="1"/>
+          <p:nvPr/>
+        </p:nvSpPr>
+        <p:spPr>
+          <a:xfrm>
+            <a:off x="784157" y="2563900"/>
+            <a:ext cx="2918394" cy="646331"/>
+          </a:xfrm>
+          <a:prstGeom prst="rect">
+            <a:avLst/>
+          </a:prstGeom>
+          <a:noFill/>
+        </p:spPr>
+        <p:txBody>
+          <a:bodyPr wrap="square" rtlCol="0">
+            <a:spAutoFit/>
+          </a:bodyPr>
+          <a:lstStyle/>
+          <a:p>
+            <a:pPr algn="ctr"/>
+            <a:r>
+              <a:rPr lang="de-DE" smtClean="0"/>
+              <a:t>Basic 2D </a:t>
+            </a:r>
+            <a:r>
+              <a:rPr lang="de-DE" smtClean="0"/>
+              <a:t>curves</a:t>
+            </a:r>
+            <a:r>
+              <a:rPr lang="de-DE" smtClean="0"/>
+              <a:t>, </a:t>
+            </a:r>
+            <a:r>
+              <a:rPr lang="de-DE"/>
+              <a:t>i</a:t>
+            </a:r>
+            <a:r>
+              <a:rPr lang="de-DE" smtClean="0"/>
+              <a:t>n </a:t>
+            </a:r>
+            <a:r>
+              <a:rPr lang="de-DE" err="1" smtClean="0"/>
+              <a:t>this</a:t>
+            </a:r>
+            <a:r>
+              <a:rPr lang="de-DE" smtClean="0"/>
+              <a:t> </a:t>
+            </a:r>
+            <a:r>
+              <a:rPr lang="de-DE" smtClean="0"/>
+              <a:t>case:</a:t>
+            </a:r>
+          </a:p>
+          <a:p>
+            <a:pPr algn="ctr"/>
+            <a:r>
+              <a:rPr lang="de-DE" smtClean="0">
+                <a:solidFill>
+                  <a:schemeClr val="accent2"/>
+                </a:solidFill>
+              </a:rPr>
+              <a:t>circle</a:t>
+            </a:r>
+            <a:r>
+              <a:rPr lang="de-DE" smtClean="0"/>
+              <a:t>, </a:t>
+            </a:r>
+            <a:r>
+              <a:rPr lang="de-DE" err="1" smtClean="0">
+                <a:solidFill>
+                  <a:schemeClr val="accent5"/>
+                </a:solidFill>
+              </a:rPr>
+              <a:t>rounded</a:t>
+            </a:r>
+            <a:r>
+              <a:rPr lang="de-DE" smtClean="0">
+                <a:solidFill>
+                  <a:schemeClr val="accent5"/>
+                </a:solidFill>
+              </a:rPr>
+              <a:t> </a:t>
+            </a:r>
+            <a:r>
+              <a:rPr lang="de-DE" err="1" smtClean="0">
+                <a:solidFill>
+                  <a:schemeClr val="accent5"/>
+                </a:solidFill>
+              </a:rPr>
+              <a:t>rectangle</a:t>
+            </a:r>
+            <a:endParaRPr lang="de-DE">
+              <a:solidFill>
+                <a:schemeClr val="accent5"/>
+              </a:solidFill>
+            </a:endParaRPr>
+          </a:p>
+        </p:txBody>
+      </p:sp>
+      <p:sp>
+        <p:nvSpPr>
           <p:cNvPr id="8" name="Pfeil nach oben 7"/>
           <p:cNvSpPr/>
           <p:nvPr/>
         </p:nvSpPr>
         <p:spPr>
           <a:xfrm rot="5400000">
-            <a:off x="3473041" y="1560233"/>
-            <a:ext cx="771787" cy="755009"/>
+            <a:off x="4297632" y="4066967"/>
+            <a:ext cx="348780" cy="400557"/>
           </a:xfrm>
           <a:prstGeom prst="upArrow">
             <a:avLst/>
@@ -8168,14 +8998,77 @@
       </p:sp>
       <p:sp>
         <p:nvSpPr>
-          <p:cNvPr id="9" name="Pfeil nach oben 8"/>
+          <p:cNvPr id="9" name="Textfeld 8"/>
+          <p:cNvSpPr txBox="1"/>
+          <p:nvPr/>
+        </p:nvSpPr>
+        <p:spPr>
+          <a:xfrm>
+            <a:off x="5790377" y="726314"/>
+            <a:ext cx="1887012" cy="923330"/>
+          </a:xfrm>
+          <a:prstGeom prst="rect">
+            <a:avLst/>
+          </a:prstGeom>
+          <a:noFill/>
+        </p:spPr>
+        <p:txBody>
+          <a:bodyPr wrap="square" rtlCol="0">
+            <a:spAutoFit/>
+          </a:bodyPr>
+          <a:lstStyle/>
+          <a:p>
+            <a:pPr algn="ctr"/>
+            <a:r>
+              <a:rPr lang="de-DE" err="1" smtClean="0"/>
+              <a:t>Embed</a:t>
+            </a:r>
+            <a:r>
+              <a:rPr lang="de-DE" smtClean="0"/>
+              <a:t> in 3D </a:t>
+            </a:r>
+            <a:r>
+              <a:rPr lang="de-DE" err="1" smtClean="0"/>
+              <a:t>space</a:t>
+            </a:r>
+            <a:r>
+              <a:rPr lang="de-DE" smtClean="0"/>
+              <a:t> </a:t>
+            </a:r>
+            <a:r>
+              <a:rPr lang="de-DE" err="1" smtClean="0"/>
+              <a:t>using</a:t>
+            </a:r>
+            <a:r>
+              <a:rPr lang="de-DE" smtClean="0"/>
+              <a:t> </a:t>
+            </a:r>
+            <a:r>
+              <a:rPr lang="de-DE" err="1" smtClean="0"/>
+              <a:t>line</a:t>
+            </a:r>
+            <a:r>
+              <a:rPr lang="de-DE" smtClean="0"/>
+              <a:t> </a:t>
+            </a:r>
+            <a:r>
+              <a:rPr lang="de-DE" err="1" smtClean="0"/>
+              <a:t>segment</a:t>
+            </a:r>
+            <a:endParaRPr lang="de-DE" smtClean="0"/>
+          </a:p>
+        </p:txBody>
+      </p:sp>
+      <p:sp>
+        <p:nvSpPr>
+          <p:cNvPr id="10" name="Pfeil nach oben 9"/>
           <p:cNvSpPr/>
           <p:nvPr/>
         </p:nvSpPr>
         <p:spPr>
-          <a:xfrm rot="9327237">
-            <a:off x="6082017" y="3053473"/>
-            <a:ext cx="771787" cy="755009"/>
+          <a:xfrm rot="5400000">
+            <a:off x="7935833" y="3009953"/>
+            <a:ext cx="348780" cy="400557"/>
           </a:xfrm>
           <a:prstGeom prst="upArrow">
             <a:avLst/>
@@ -8208,294 +9101,14 @@
       </p:sp>
       <p:sp>
         <p:nvSpPr>
-          <p:cNvPr id="10" name="Pfeil nach oben 9"/>
-          <p:cNvSpPr/>
-          <p:nvPr/>
-        </p:nvSpPr>
-        <p:spPr>
-          <a:xfrm rot="5400000">
-            <a:off x="7894039" y="4135653"/>
-            <a:ext cx="771787" cy="755009"/>
-          </a:xfrm>
-          <a:prstGeom prst="upArrow">
-            <a:avLst/>
-          </a:prstGeom>
-        </p:spPr>
-        <p:style>
-          <a:lnRef idx="2">
-            <a:schemeClr val="accent1">
-              <a:shade val="50000"/>
-            </a:schemeClr>
-          </a:lnRef>
-          <a:fillRef idx="1">
-            <a:schemeClr val="accent1"/>
-          </a:fillRef>
-          <a:effectRef idx="0">
-            <a:schemeClr val="accent1"/>
-          </a:effectRef>
-          <a:fontRef idx="minor">
-            <a:schemeClr val="lt1"/>
-          </a:fontRef>
-        </p:style>
-        <p:txBody>
-          <a:bodyPr rtlCol="0" anchor="ctr"/>
-          <a:lstStyle/>
-          <a:p>
-            <a:pPr algn="ctr"/>
-            <a:endParaRPr lang="de-DE"/>
-          </a:p>
-        </p:txBody>
-      </p:sp>
-      <p:sp>
-        <p:nvSpPr>
-          <p:cNvPr id="11" name="Rechteck 10"/>
-          <p:cNvSpPr/>
+          <p:cNvPr id="11" name="Textfeld 10"/>
+          <p:cNvSpPr txBox="1"/>
           <p:nvPr/>
         </p:nvSpPr>
         <p:spPr>
           <a:xfrm>
-            <a:off x="5918121" y="1005668"/>
-            <a:ext cx="872455" cy="906011"/>
-          </a:xfrm>
-          <a:prstGeom prst="rect">
-            <a:avLst/>
-          </a:prstGeom>
-          <a:solidFill>
-            <a:schemeClr val="bg1"/>
-          </a:solidFill>
-          <a:ln>
-            <a:solidFill>
-              <a:schemeClr val="bg1"/>
-            </a:solidFill>
-          </a:ln>
-        </p:spPr>
-        <p:style>
-          <a:lnRef idx="2">
-            <a:schemeClr val="accent1">
-              <a:shade val="50000"/>
-            </a:schemeClr>
-          </a:lnRef>
-          <a:fillRef idx="1">
-            <a:schemeClr val="accent1"/>
-          </a:fillRef>
-          <a:effectRef idx="0">
-            <a:schemeClr val="accent1"/>
-          </a:effectRef>
-          <a:fontRef idx="minor">
-            <a:schemeClr val="lt1"/>
-          </a:fontRef>
-        </p:style>
-        <p:txBody>
-          <a:bodyPr rtlCol="0" anchor="ctr"/>
-          <a:lstStyle/>
-          <a:p>
-            <a:pPr algn="ctr"/>
-            <a:endParaRPr lang="de-DE"/>
-          </a:p>
-        </p:txBody>
-      </p:sp>
-      <p:sp>
-        <p:nvSpPr>
-          <p:cNvPr id="12" name="Rechteck 11"/>
-          <p:cNvSpPr/>
-          <p:nvPr/>
-        </p:nvSpPr>
-        <p:spPr>
-          <a:xfrm>
-            <a:off x="3120704" y="815391"/>
-            <a:ext cx="1031845" cy="661071"/>
-          </a:xfrm>
-          <a:prstGeom prst="rect">
-            <a:avLst/>
-          </a:prstGeom>
-          <a:solidFill>
-            <a:schemeClr val="bg1"/>
-          </a:solidFill>
-          <a:ln>
-            <a:solidFill>
-              <a:schemeClr val="bg1"/>
-            </a:solidFill>
-          </a:ln>
-        </p:spPr>
-        <p:style>
-          <a:lnRef idx="2">
-            <a:schemeClr val="accent1">
-              <a:shade val="50000"/>
-            </a:schemeClr>
-          </a:lnRef>
-          <a:fillRef idx="1">
-            <a:schemeClr val="accent1"/>
-          </a:fillRef>
-          <a:effectRef idx="0">
-            <a:schemeClr val="accent1"/>
-          </a:effectRef>
-          <a:fontRef idx="minor">
-            <a:schemeClr val="lt1"/>
-          </a:fontRef>
-        </p:style>
-        <p:txBody>
-          <a:bodyPr rtlCol="0" anchor="ctr"/>
-          <a:lstStyle/>
-          <a:p>
-            <a:pPr algn="ctr"/>
-            <a:endParaRPr lang="de-DE"/>
-          </a:p>
-        </p:txBody>
-      </p:sp>
-      <p:sp>
-        <p:nvSpPr>
-          <p:cNvPr id="13" name="Rechteck 12"/>
-          <p:cNvSpPr/>
-          <p:nvPr/>
-        </p:nvSpPr>
-        <p:spPr>
-          <a:xfrm>
-            <a:off x="7644310" y="3736063"/>
-            <a:ext cx="516236" cy="524186"/>
-          </a:xfrm>
-          <a:prstGeom prst="rect">
-            <a:avLst/>
-          </a:prstGeom>
-          <a:solidFill>
-            <a:schemeClr val="bg1"/>
-          </a:solidFill>
-          <a:ln>
-            <a:solidFill>
-              <a:schemeClr val="bg1"/>
-            </a:solidFill>
-          </a:ln>
-        </p:spPr>
-        <p:style>
-          <a:lnRef idx="2">
-            <a:schemeClr val="accent1">
-              <a:shade val="50000"/>
-            </a:schemeClr>
-          </a:lnRef>
-          <a:fillRef idx="1">
-            <a:schemeClr val="accent1"/>
-          </a:fillRef>
-          <a:effectRef idx="0">
-            <a:schemeClr val="accent1"/>
-          </a:effectRef>
-          <a:fontRef idx="minor">
-            <a:schemeClr val="lt1"/>
-          </a:fontRef>
-        </p:style>
-        <p:txBody>
-          <a:bodyPr rtlCol="0" anchor="ctr"/>
-          <a:lstStyle/>
-          <a:p>
-            <a:pPr algn="ctr"/>
-            <a:endParaRPr lang="de-DE"/>
-          </a:p>
-        </p:txBody>
-      </p:sp>
-      <p:sp>
-        <p:nvSpPr>
-          <p:cNvPr id="14" name="Rechteck 13"/>
-          <p:cNvSpPr/>
-          <p:nvPr/>
-        </p:nvSpPr>
-        <p:spPr>
-          <a:xfrm>
-            <a:off x="7147419" y="3231809"/>
-            <a:ext cx="643389" cy="1247912"/>
-          </a:xfrm>
-          <a:prstGeom prst="rect">
-            <a:avLst/>
-          </a:prstGeom>
-          <a:solidFill>
-            <a:schemeClr val="bg1"/>
-          </a:solidFill>
-          <a:ln>
-            <a:solidFill>
-              <a:schemeClr val="bg1"/>
-            </a:solidFill>
-          </a:ln>
-        </p:spPr>
-        <p:style>
-          <a:lnRef idx="2">
-            <a:schemeClr val="accent1">
-              <a:shade val="50000"/>
-            </a:schemeClr>
-          </a:lnRef>
-          <a:fillRef idx="1">
-            <a:schemeClr val="accent1"/>
-          </a:fillRef>
-          <a:effectRef idx="0">
-            <a:schemeClr val="accent1"/>
-          </a:effectRef>
-          <a:fontRef idx="minor">
-            <a:schemeClr val="lt1"/>
-          </a:fontRef>
-        </p:style>
-        <p:txBody>
-          <a:bodyPr rtlCol="0" anchor="ctr"/>
-          <a:lstStyle/>
-          <a:p>
-            <a:pPr algn="ctr"/>
-            <a:endParaRPr lang="de-DE"/>
-          </a:p>
-        </p:txBody>
-      </p:sp>
-      <p:sp>
-        <p:nvSpPr>
-          <p:cNvPr id="15" name="Rechteck 14"/>
-          <p:cNvSpPr/>
-          <p:nvPr/>
-        </p:nvSpPr>
-        <p:spPr>
-          <a:xfrm>
-            <a:off x="10593362" y="3573710"/>
-            <a:ext cx="872455" cy="906011"/>
-          </a:xfrm>
-          <a:prstGeom prst="rect">
-            <a:avLst/>
-          </a:prstGeom>
-          <a:solidFill>
-            <a:schemeClr val="bg1"/>
-          </a:solidFill>
-          <a:ln>
-            <a:solidFill>
-              <a:schemeClr val="bg1"/>
-            </a:solidFill>
-          </a:ln>
-        </p:spPr>
-        <p:style>
-          <a:lnRef idx="2">
-            <a:schemeClr val="accent1">
-              <a:shade val="50000"/>
-            </a:schemeClr>
-          </a:lnRef>
-          <a:fillRef idx="1">
-            <a:schemeClr val="accent1"/>
-          </a:fillRef>
-          <a:effectRef idx="0">
-            <a:schemeClr val="accent1"/>
-          </a:effectRef>
-          <a:fontRef idx="minor">
-            <a:schemeClr val="lt1"/>
-          </a:fontRef>
-        </p:style>
-        <p:txBody>
-          <a:bodyPr rtlCol="0" anchor="ctr"/>
-          <a:lstStyle/>
-          <a:p>
-            <a:pPr algn="ctr"/>
-            <a:endParaRPr lang="de-DE"/>
-          </a:p>
-        </p:txBody>
-      </p:sp>
-      <p:sp>
-        <p:nvSpPr>
-          <p:cNvPr id="17" name="Textfeld 16"/>
-          <p:cNvSpPr txBox="1"/>
-          <p:nvPr/>
-        </p:nvSpPr>
-        <p:spPr>
-          <a:xfrm>
-            <a:off x="532495" y="3718434"/>
-            <a:ext cx="3923895" cy="369332"/>
+            <a:off x="8441527" y="726314"/>
+            <a:ext cx="2023274" cy="923330"/>
           </a:xfrm>
           <a:prstGeom prst="rect">
             <a:avLst/>
@@ -8503,93 +9116,82 @@
           <a:noFill/>
         </p:spPr>
         <p:txBody>
-          <a:bodyPr wrap="none" rtlCol="0">
+          <a:bodyPr wrap="square" rtlCol="0">
             <a:spAutoFit/>
           </a:bodyPr>
           <a:lstStyle/>
           <a:p>
-            <a:r>
-              <a:rPr lang="de-DE" dirty="0" err="1" smtClean="0"/>
-              <a:t>Fuse</a:t>
-            </a:r>
-            <a:r>
-              <a:rPr lang="de-DE" dirty="0" smtClean="0"/>
+            <a:pPr algn="ctr"/>
+            <a:r>
+              <a:rPr lang="de-DE" smtClean="0"/>
+              <a:t>Find </a:t>
+            </a:r>
+            <a:r>
+              <a:rPr lang="de-DE" err="1" smtClean="0"/>
+              <a:t>special</a:t>
+            </a:r>
+            <a:r>
+              <a:rPr lang="de-DE" smtClean="0"/>
               <a:t> </a:t>
             </a:r>
             <a:r>
-              <a:rPr lang="de-DE" dirty="0" err="1" smtClean="0"/>
-              <a:t>channels</a:t>
-            </a:r>
-            <a:r>
-              <a:rPr lang="de-DE" dirty="0" smtClean="0"/>
-              <a:t>, find plane </a:t>
-            </a:r>
-            <a:r>
-              <a:rPr lang="de-DE" dirty="0" err="1" smtClean="0"/>
-              <a:t>intersections</a:t>
-            </a:r>
-            <a:endParaRPr lang="de-DE" dirty="0" smtClean="0"/>
-          </a:p>
-        </p:txBody>
-      </p:sp>
-      <p:sp>
-        <p:nvSpPr>
-          <p:cNvPr id="18" name="Textfeld 17"/>
-          <p:cNvSpPr txBox="1"/>
+              <a:rPr lang="de-DE" err="1" smtClean="0"/>
+              <a:t>linearly</a:t>
+            </a:r>
+            <a:r>
+              <a:rPr lang="de-DE" smtClean="0"/>
+              <a:t> </a:t>
+            </a:r>
+            <a:r>
+              <a:rPr lang="de-DE" err="1" smtClean="0"/>
+              <a:t>interpolated</a:t>
+            </a:r>
+            <a:r>
+              <a:rPr lang="de-DE" smtClean="0"/>
+              <a:t> </a:t>
+            </a:r>
+            <a:r>
+              <a:rPr lang="de-DE" err="1" smtClean="0"/>
+              <a:t>surface</a:t>
+            </a:r>
+            <a:endParaRPr lang="de-DE" smtClean="0"/>
+          </a:p>
+        </p:txBody>
+      </p:sp>
+      <p:pic>
+        <p:nvPicPr>
+          <p:cNvPr id="13" name="Grafik 12"/>
+          <p:cNvPicPr>
+            <a:picLocks noChangeAspect="1"/>
+          </p:cNvPicPr>
           <p:nvPr/>
-        </p:nvSpPr>
+        </p:nvPicPr>
+        <p:blipFill>
+          <a:blip r:embed="rId4" cstate="print">
+            <a:extLst>
+              <a:ext uri="{28A0092B-C50C-407E-A947-70E740481C1C}">
+                <a14:useLocalDpi xmlns:a14="http://schemas.microsoft.com/office/drawing/2010/main" val="0"/>
+              </a:ext>
+            </a:extLst>
+          </a:blip>
+          <a:stretch>
+            <a:fillRect/>
+          </a:stretch>
+        </p:blipFill>
         <p:spPr>
           <a:xfrm>
-            <a:off x="7712414" y="3217387"/>
-            <a:ext cx="2607637" cy="369332"/>
+            <a:off x="497067" y="893410"/>
+            <a:ext cx="3781260" cy="1419345"/>
           </a:xfrm>
           <a:prstGeom prst="rect">
             <a:avLst/>
           </a:prstGeom>
-          <a:noFill/>
         </p:spPr>
-        <p:txBody>
-          <a:bodyPr wrap="none" rtlCol="0">
-            <a:spAutoFit/>
-          </a:bodyPr>
-          <a:lstStyle/>
-          <a:p>
-            <a:r>
-              <a:rPr lang="de-DE" dirty="0" err="1" smtClean="0"/>
-              <a:t>Once</a:t>
-            </a:r>
-            <a:r>
-              <a:rPr lang="de-DE" dirty="0" smtClean="0"/>
-              <a:t> </a:t>
-            </a:r>
-            <a:r>
-              <a:rPr lang="de-DE" dirty="0" err="1" smtClean="0"/>
-              <a:t>again</a:t>
-            </a:r>
-            <a:r>
-              <a:rPr lang="de-DE" dirty="0" smtClean="0"/>
-              <a:t>, </a:t>
-            </a:r>
-            <a:r>
-              <a:rPr lang="de-DE" dirty="0" err="1" smtClean="0"/>
-              <a:t>surface</a:t>
-            </a:r>
-            <a:r>
-              <a:rPr lang="de-DE" dirty="0" smtClean="0"/>
-              <a:t> </a:t>
-            </a:r>
-            <a:r>
-              <a:rPr lang="de-DE" dirty="0" err="1" smtClean="0"/>
-              <a:t>lifting</a:t>
-            </a:r>
-            <a:endParaRPr lang="de-DE" dirty="0"/>
-          </a:p>
-        </p:txBody>
-      </p:sp>
+      </p:pic>
     </p:spTree>
     <p:extLst>
       <p:ext uri="{BB962C8B-B14F-4D97-AF65-F5344CB8AC3E}">
-        <p14:creationId xmlns:p14="http://schemas.microsoft.com/office/powerpoint/2010/main" val="4067284524"/>
+        <p14:creationId xmlns:p14="http://schemas.microsoft.com/office/powerpoint/2010/main" val="2482594816"/>
       </p:ext>
     </p:extLst>
   </p:cSld>
@@ -8623,6 +9225,279 @@
           <a:chExt cx="0" cy="0"/>
         </a:xfrm>
       </p:grpSpPr>
+      <p:sp>
+        <p:nvSpPr>
+          <p:cNvPr id="2" name="Titel 1"/>
+          <p:cNvSpPr>
+            <a:spLocks noGrp="1"/>
+          </p:cNvSpPr>
+          <p:nvPr>
+            <p:ph type="title"/>
+          </p:nvPr>
+        </p:nvSpPr>
+        <p:spPr/>
+        <p:txBody>
+          <a:bodyPr/>
+          <a:lstStyle/>
+          <a:p>
+            <a:r>
+              <a:rPr lang="de-DE" err="1" smtClean="0"/>
+              <a:t>CoolingGen</a:t>
+            </a:r>
+            <a:endParaRPr lang="de-DE"/>
+          </a:p>
+        </p:txBody>
+      </p:sp>
+      <p:sp>
+        <p:nvSpPr>
+          <p:cNvPr id="3" name="Inhaltsplatzhalter 2"/>
+          <p:cNvSpPr>
+            <a:spLocks noGrp="1"/>
+          </p:cNvSpPr>
+          <p:nvPr>
+            <p:ph idx="1"/>
+          </p:nvPr>
+        </p:nvSpPr>
+        <p:spPr>
+          <a:xfrm>
+            <a:off x="838200" y="1825625"/>
+            <a:ext cx="5191125" cy="4351338"/>
+          </a:xfrm>
+        </p:spPr>
+        <p:txBody>
+          <a:bodyPr/>
+          <a:lstStyle/>
+          <a:p>
+            <a:r>
+              <a:rPr lang="de-DE" smtClean="0"/>
+              <a:t>Problem 2: </a:t>
+            </a:r>
+            <a:r>
+              <a:rPr lang="de-DE" err="1" smtClean="0"/>
+              <a:t>Resulting</a:t>
+            </a:r>
+            <a:r>
+              <a:rPr lang="de-DE" smtClean="0"/>
+              <a:t> </a:t>
+            </a:r>
+            <a:r>
+              <a:rPr lang="de-DE" err="1" smtClean="0"/>
+              <a:t>shapes</a:t>
+            </a:r>
+            <a:r>
+              <a:rPr lang="de-DE" smtClean="0"/>
+              <a:t> </a:t>
+            </a:r>
+            <a:r>
+              <a:rPr lang="de-DE" err="1" smtClean="0"/>
+              <a:t>are</a:t>
+            </a:r>
+            <a:r>
+              <a:rPr lang="de-DE" smtClean="0"/>
+              <a:t> </a:t>
+            </a:r>
+            <a:r>
+              <a:rPr lang="de-DE" b="1" err="1" smtClean="0"/>
+              <a:t>intersection</a:t>
+            </a:r>
+            <a:r>
+              <a:rPr lang="de-DE" b="1" smtClean="0"/>
+              <a:t>-heavy</a:t>
+            </a:r>
+            <a:r>
+              <a:rPr lang="de-DE"/>
+              <a:t>.</a:t>
+            </a:r>
+            <a:r>
+              <a:rPr lang="de-DE" smtClean="0"/>
+              <a:t> </a:t>
+            </a:r>
+            <a:r>
+              <a:rPr lang="de-DE" err="1" smtClean="0"/>
+              <a:t>Using</a:t>
+            </a:r>
+            <a:r>
+              <a:rPr lang="de-DE"/>
+              <a:t> </a:t>
+            </a:r>
+            <a:r>
+              <a:rPr lang="de-DE" smtClean="0"/>
+              <a:t>Boolean </a:t>
+            </a:r>
+            <a:r>
+              <a:rPr lang="de-DE" err="1" smtClean="0"/>
+              <a:t>operators</a:t>
+            </a:r>
+            <a:r>
+              <a:rPr lang="de-DE" smtClean="0"/>
+              <a:t>, </a:t>
+            </a:r>
+            <a:r>
+              <a:rPr lang="de-DE" err="1" smtClean="0"/>
+              <a:t>this</a:t>
+            </a:r>
+            <a:r>
+              <a:rPr lang="de-DE" smtClean="0"/>
+              <a:t> will </a:t>
+            </a:r>
+            <a:r>
+              <a:rPr lang="de-DE" err="1" smtClean="0"/>
+              <a:t>take</a:t>
+            </a:r>
+            <a:r>
+              <a:rPr lang="de-DE" smtClean="0"/>
+              <a:t> </a:t>
+            </a:r>
+            <a:r>
+              <a:rPr lang="de-DE" err="1" smtClean="0"/>
+              <a:t>ages</a:t>
+            </a:r>
+            <a:r>
+              <a:rPr lang="de-DE" smtClean="0"/>
+              <a:t> </a:t>
+            </a:r>
+            <a:r>
+              <a:rPr lang="de-DE" err="1" smtClean="0"/>
+              <a:t>to</a:t>
+            </a:r>
+            <a:r>
+              <a:rPr lang="de-DE" smtClean="0"/>
+              <a:t> </a:t>
+            </a:r>
+            <a:r>
+              <a:rPr lang="de-DE" err="1" smtClean="0"/>
+              <a:t>generate</a:t>
+            </a:r>
+            <a:r>
+              <a:rPr lang="de-DE"/>
+              <a:t>.</a:t>
+            </a:r>
+            <a:r>
+              <a:rPr lang="de-DE" smtClean="0"/>
+              <a:t> </a:t>
+            </a:r>
+            <a:r>
+              <a:rPr lang="de-DE" err="1" smtClean="0"/>
+              <a:t>No</a:t>
+            </a:r>
+            <a:r>
+              <a:rPr lang="de-DE" smtClean="0"/>
+              <a:t> </a:t>
+            </a:r>
+            <a:r>
+              <a:rPr lang="de-DE" err="1" smtClean="0"/>
+              <a:t>can</a:t>
+            </a:r>
+            <a:r>
+              <a:rPr lang="de-DE" smtClean="0"/>
+              <a:t> do!</a:t>
+            </a:r>
+          </a:p>
+          <a:p>
+            <a:endParaRPr lang="de-DE"/>
+          </a:p>
+          <a:p>
+            <a:r>
+              <a:rPr lang="de-DE" smtClean="0"/>
+              <a:t>Solution 2: </a:t>
+            </a:r>
+            <a:r>
+              <a:rPr lang="de-DE" err="1" smtClean="0"/>
+              <a:t>Use</a:t>
+            </a:r>
+            <a:r>
+              <a:rPr lang="de-DE"/>
+              <a:t> </a:t>
+            </a:r>
+            <a:r>
+              <a:rPr lang="de-DE" b="1" err="1" smtClean="0"/>
+              <a:t>more</a:t>
+            </a:r>
+            <a:r>
+              <a:rPr lang="de-DE" b="1" smtClean="0"/>
+              <a:t> simple </a:t>
+            </a:r>
+            <a:r>
+              <a:rPr lang="de-DE" b="1" err="1" smtClean="0"/>
+              <a:t>representations</a:t>
+            </a:r>
+            <a:r>
+              <a:rPr lang="de-DE" smtClean="0"/>
+              <a:t> </a:t>
+            </a:r>
+            <a:r>
+              <a:rPr lang="de-DE" err="1" smtClean="0"/>
+              <a:t>of</a:t>
+            </a:r>
+            <a:r>
+              <a:rPr lang="de-DE" smtClean="0"/>
+              <a:t> </a:t>
+            </a:r>
+            <a:r>
+              <a:rPr lang="de-DE" err="1" smtClean="0"/>
+              <a:t>the</a:t>
+            </a:r>
+            <a:r>
+              <a:rPr lang="de-DE" smtClean="0"/>
+              <a:t> </a:t>
+            </a:r>
+            <a:r>
+              <a:rPr lang="de-DE" err="1" smtClean="0"/>
+              <a:t>shapes</a:t>
+            </a:r>
+            <a:r>
+              <a:rPr lang="de-DE" smtClean="0"/>
+              <a:t> </a:t>
+            </a:r>
+            <a:r>
+              <a:rPr lang="de-DE" err="1" smtClean="0"/>
+              <a:t>and</a:t>
+            </a:r>
+            <a:r>
+              <a:rPr lang="de-DE" smtClean="0"/>
+              <a:t> find a </a:t>
+            </a:r>
+            <a:r>
+              <a:rPr lang="de-DE" err="1" smtClean="0"/>
+              <a:t>way</a:t>
+            </a:r>
+            <a:r>
+              <a:rPr lang="de-DE" smtClean="0"/>
+              <a:t> </a:t>
+            </a:r>
+            <a:r>
+              <a:rPr lang="de-DE" err="1" smtClean="0"/>
+              <a:t>to</a:t>
+            </a:r>
+            <a:r>
+              <a:rPr lang="de-DE" smtClean="0"/>
+              <a:t> </a:t>
+            </a:r>
+            <a:r>
+              <a:rPr lang="de-DE" err="1" smtClean="0"/>
+              <a:t>intersect</a:t>
+            </a:r>
+            <a:r>
+              <a:rPr lang="de-DE"/>
+              <a:t> </a:t>
+            </a:r>
+            <a:r>
+              <a:rPr lang="de-DE" err="1" smtClean="0"/>
+              <a:t>these</a:t>
+            </a:r>
+            <a:r>
+              <a:rPr lang="de-DE" smtClean="0"/>
+              <a:t>.</a:t>
+            </a:r>
+          </a:p>
+          <a:p>
+            <a:endParaRPr lang="de-DE"/>
+          </a:p>
+          <a:p>
+            <a:endParaRPr lang="de-DE" smtClean="0"/>
+          </a:p>
+        </p:txBody>
+      </p:sp>
       <p:pic>
         <p:nvPicPr>
           <p:cNvPr id="4" name="Grafik 3"/>
@@ -8632,15 +9507,15 @@
           <p:nvPr/>
         </p:nvPicPr>
         <p:blipFill>
-          <a:blip r:embed="rId2"/>
+          <a:blip r:embed="rId3"/>
           <a:stretch>
             <a:fillRect/>
           </a:stretch>
         </p:blipFill>
         <p:spPr>
           <a:xfrm>
-            <a:off x="532520" y="675620"/>
-            <a:ext cx="11220408" cy="5985238"/>
+            <a:off x="5876925" y="850900"/>
+            <a:ext cx="6124575" cy="4620630"/>
           </a:xfrm>
           <a:prstGeom prst="rect">
             <a:avLst/>
@@ -8649,14 +9524,14 @@
       </p:pic>
       <p:sp>
         <p:nvSpPr>
-          <p:cNvPr id="8" name="Textfeld 7"/>
+          <p:cNvPr id="7" name="Textfeld 6"/>
           <p:cNvSpPr txBox="1"/>
           <p:nvPr/>
         </p:nvSpPr>
         <p:spPr>
           <a:xfrm>
-            <a:off x="419450" y="446059"/>
-            <a:ext cx="1550424" cy="369332"/>
+            <a:off x="7858125" y="1204159"/>
+            <a:ext cx="1864293" cy="369332"/>
           </a:xfrm>
           <a:prstGeom prst="rect">
             <a:avLst/>
@@ -8670,69 +9545,29 @@
           <a:lstStyle/>
           <a:p>
             <a:r>
-              <a:rPr lang="de-DE" b="1" dirty="0" smtClean="0"/>
-              <a:t>Multiple </a:t>
-            </a:r>
-            <a:r>
-              <a:rPr lang="de-DE" b="1" dirty="0" err="1" smtClean="0"/>
-              <a:t>turns</a:t>
-            </a:r>
-            <a:endParaRPr lang="de-DE" b="1" dirty="0"/>
-          </a:p>
-        </p:txBody>
-      </p:sp>
-      <p:sp>
-        <p:nvSpPr>
-          <p:cNvPr id="9" name="Rechteck 8"/>
-          <p:cNvSpPr/>
-          <p:nvPr/>
-        </p:nvSpPr>
-        <p:spPr>
-          <a:xfrm>
-            <a:off x="5637400" y="630725"/>
-            <a:ext cx="964736" cy="1247912"/>
-          </a:xfrm>
-          <a:prstGeom prst="rect">
-            <a:avLst/>
-          </a:prstGeom>
-          <a:solidFill>
-            <a:schemeClr val="bg1"/>
-          </a:solidFill>
-          <a:ln>
-            <a:solidFill>
-              <a:schemeClr val="bg1"/>
-            </a:solidFill>
-          </a:ln>
-        </p:spPr>
-        <p:style>
-          <a:lnRef idx="2">
-            <a:schemeClr val="accent1">
-              <a:shade val="50000"/>
-            </a:schemeClr>
-          </a:lnRef>
-          <a:fillRef idx="1">
-            <a:schemeClr val="accent1"/>
-          </a:fillRef>
-          <a:effectRef idx="0">
-            <a:schemeClr val="accent1"/>
-          </a:effectRef>
-          <a:fontRef idx="minor">
-            <a:schemeClr val="lt1"/>
-          </a:fontRef>
-        </p:style>
-        <p:txBody>
-          <a:bodyPr rtlCol="0" anchor="ctr"/>
-          <a:lstStyle/>
-          <a:p>
-            <a:pPr algn="ctr"/>
-            <a:endParaRPr lang="de-DE"/>
+              <a:rPr lang="de-DE" smtClean="0">
+                <a:solidFill>
+                  <a:schemeClr val="accent6">
+                    <a:lumMod val="75000"/>
+                  </a:schemeClr>
+                </a:solidFill>
+              </a:rPr>
+              <a:t>Film cooling holes</a:t>
+            </a:r>
+            <a:endParaRPr lang="en-US">
+              <a:solidFill>
+                <a:schemeClr val="accent6">
+                  <a:lumMod val="75000"/>
+                </a:schemeClr>
+              </a:solidFill>
+            </a:endParaRPr>
           </a:p>
         </p:txBody>
       </p:sp>
     </p:spTree>
     <p:extLst>
       <p:ext uri="{BB962C8B-B14F-4D97-AF65-F5344CB8AC3E}">
-        <p14:creationId xmlns:p14="http://schemas.microsoft.com/office/powerpoint/2010/main" val="1612895529"/>
+        <p14:creationId xmlns:p14="http://schemas.microsoft.com/office/powerpoint/2010/main" val="4040889611"/>
       </p:ext>
     </p:extLst>
   </p:cSld>
@@ -9008,4 +9843,265 @@
     </a:ext>
   </a:extLst>
 </a:theme>
+</file>
+
+<file path=ppt/theme/theme2.xml><?xml version="1.0" encoding="utf-8"?>
+<a:theme xmlns:a="http://schemas.openxmlformats.org/drawingml/2006/main" name="Office">
+  <a:themeElements>
+    <a:clrScheme name="Office">
+      <a:dk1>
+        <a:sysClr val="windowText" lastClr="000000"/>
+      </a:dk1>
+      <a:lt1>
+        <a:sysClr val="window" lastClr="FFFFFF"/>
+      </a:lt1>
+      <a:dk2>
+        <a:srgbClr val="44546A"/>
+      </a:dk2>
+      <a:lt2>
+        <a:srgbClr val="E7E6E6"/>
+      </a:lt2>
+      <a:accent1>
+        <a:srgbClr val="5B9BD5"/>
+      </a:accent1>
+      <a:accent2>
+        <a:srgbClr val="ED7D31"/>
+      </a:accent2>
+      <a:accent3>
+        <a:srgbClr val="A5A5A5"/>
+      </a:accent3>
+      <a:accent4>
+        <a:srgbClr val="FFC000"/>
+      </a:accent4>
+      <a:accent5>
+        <a:srgbClr val="4472C4"/>
+      </a:accent5>
+      <a:accent6>
+        <a:srgbClr val="70AD47"/>
+      </a:accent6>
+      <a:hlink>
+        <a:srgbClr val="0563C1"/>
+      </a:hlink>
+      <a:folHlink>
+        <a:srgbClr val="954F72"/>
+      </a:folHlink>
+    </a:clrScheme>
+    <a:fontScheme name="Office">
+      <a:majorFont>
+        <a:latin typeface="Calibri Light" panose="020F0302020204030204"/>
+        <a:ea typeface=""/>
+        <a:cs typeface=""/>
+        <a:font script="Jpan" typeface="游ゴシック Light"/>
+        <a:font script="Hang" typeface="맑은 고딕"/>
+        <a:font script="Hans" typeface="等线 Light"/>
+        <a:font script="Hant" typeface="新細明體"/>
+        <a:font script="Arab" typeface="Times New Roman"/>
+        <a:font script="Hebr" typeface="Times New Roman"/>
+        <a:font script="Thai" typeface="Angsana New"/>
+        <a:font script="Ethi" typeface="Nyala"/>
+        <a:font script="Beng" typeface="Vrinda"/>
+        <a:font script="Gujr" typeface="Shruti"/>
+        <a:font script="Khmr" typeface="MoolBoran"/>
+        <a:font script="Knda" typeface="Tunga"/>
+        <a:font script="Guru" typeface="Raavi"/>
+        <a:font script="Cans" typeface="Euphemia"/>
+        <a:font script="Cher" typeface="Plantagenet Cherokee"/>
+        <a:font script="Yiii" typeface="Microsoft Yi Baiti"/>
+        <a:font script="Tibt" typeface="Microsoft Himalaya"/>
+        <a:font script="Thaa" typeface="MV Boli"/>
+        <a:font script="Deva" typeface="Mangal"/>
+        <a:font script="Telu" typeface="Gautami"/>
+        <a:font script="Taml" typeface="Latha"/>
+        <a:font script="Syrc" typeface="Estrangelo Edessa"/>
+        <a:font script="Orya" typeface="Kalinga"/>
+        <a:font script="Mlym" typeface="Kartika"/>
+        <a:font script="Laoo" typeface="DokChampa"/>
+        <a:font script="Sinh" typeface="Iskoola Pota"/>
+        <a:font script="Mong" typeface="Mongolian Baiti"/>
+        <a:font script="Viet" typeface="Times New Roman"/>
+        <a:font script="Uigh" typeface="Microsoft Uighur"/>
+        <a:font script="Geor" typeface="Sylfaen"/>
+      </a:majorFont>
+      <a:minorFont>
+        <a:latin typeface="Calibri" panose="020F0502020204030204"/>
+        <a:ea typeface=""/>
+        <a:cs typeface=""/>
+        <a:font script="Jpan" typeface="游ゴシック"/>
+        <a:font script="Hang" typeface="맑은 고딕"/>
+        <a:font script="Hans" typeface="等线"/>
+        <a:font script="Hant" typeface="新細明體"/>
+        <a:font script="Arab" typeface="Arial"/>
+        <a:font script="Hebr" typeface="Arial"/>
+        <a:font script="Thai" typeface="Cordia New"/>
+        <a:font script="Ethi" typeface="Nyala"/>
+        <a:font script="Beng" typeface="Vrinda"/>
+        <a:font script="Gujr" typeface="Shruti"/>
+        <a:font script="Khmr" typeface="DaunPenh"/>
+        <a:font script="Knda" typeface="Tunga"/>
+        <a:font script="Guru" typeface="Raavi"/>
+        <a:font script="Cans" typeface="Euphemia"/>
+        <a:font script="Cher" typeface="Plantagenet Cherokee"/>
+        <a:font script="Yiii" typeface="Microsoft Yi Baiti"/>
+        <a:font script="Tibt" typeface="Microsoft Himalaya"/>
+        <a:font script="Thaa" typeface="MV Boli"/>
+        <a:font script="Deva" typeface="Mangal"/>
+        <a:font script="Telu" typeface="Gautami"/>
+        <a:font script="Taml" typeface="Latha"/>
+        <a:font script="Syrc" typeface="Estrangelo Edessa"/>
+        <a:font script="Orya" typeface="Kalinga"/>
+        <a:font script="Mlym" typeface="Kartika"/>
+        <a:font script="Laoo" typeface="DokChampa"/>
+        <a:font script="Sinh" typeface="Iskoola Pota"/>
+        <a:font script="Mong" typeface="Mongolian Baiti"/>
+        <a:font script="Viet" typeface="Arial"/>
+        <a:font script="Uigh" typeface="Microsoft Uighur"/>
+        <a:font script="Geor" typeface="Sylfaen"/>
+      </a:minorFont>
+    </a:fontScheme>
+    <a:fmtScheme name="Office">
+      <a:fillStyleLst>
+        <a:solidFill>
+          <a:schemeClr val="phClr"/>
+        </a:solidFill>
+        <a:gradFill rotWithShape="1">
+          <a:gsLst>
+            <a:gs pos="0">
+              <a:schemeClr val="phClr">
+                <a:lumMod val="110000"/>
+                <a:satMod val="105000"/>
+                <a:tint val="67000"/>
+              </a:schemeClr>
+            </a:gs>
+            <a:gs pos="50000">
+              <a:schemeClr val="phClr">
+                <a:lumMod val="105000"/>
+                <a:satMod val="103000"/>
+                <a:tint val="73000"/>
+              </a:schemeClr>
+            </a:gs>
+            <a:gs pos="100000">
+              <a:schemeClr val="phClr">
+                <a:lumMod val="105000"/>
+                <a:satMod val="109000"/>
+                <a:tint val="81000"/>
+              </a:schemeClr>
+            </a:gs>
+          </a:gsLst>
+          <a:lin ang="5400000" scaled="0"/>
+        </a:gradFill>
+        <a:gradFill rotWithShape="1">
+          <a:gsLst>
+            <a:gs pos="0">
+              <a:schemeClr val="phClr">
+                <a:satMod val="103000"/>
+                <a:lumMod val="102000"/>
+                <a:tint val="94000"/>
+              </a:schemeClr>
+            </a:gs>
+            <a:gs pos="50000">
+              <a:schemeClr val="phClr">
+                <a:satMod val="110000"/>
+                <a:lumMod val="100000"/>
+                <a:shade val="100000"/>
+              </a:schemeClr>
+            </a:gs>
+            <a:gs pos="100000">
+              <a:schemeClr val="phClr">
+                <a:lumMod val="99000"/>
+                <a:satMod val="120000"/>
+                <a:shade val="78000"/>
+              </a:schemeClr>
+            </a:gs>
+          </a:gsLst>
+          <a:lin ang="5400000" scaled="0"/>
+        </a:gradFill>
+      </a:fillStyleLst>
+      <a:lnStyleLst>
+        <a:ln w="6350" cap="flat" cmpd="sng" algn="ctr">
+          <a:solidFill>
+            <a:schemeClr val="phClr"/>
+          </a:solidFill>
+          <a:prstDash val="solid"/>
+          <a:miter lim="800000"/>
+        </a:ln>
+        <a:ln w="12700" cap="flat" cmpd="sng" algn="ctr">
+          <a:solidFill>
+            <a:schemeClr val="phClr"/>
+          </a:solidFill>
+          <a:prstDash val="solid"/>
+          <a:miter lim="800000"/>
+        </a:ln>
+        <a:ln w="19050" cap="flat" cmpd="sng" algn="ctr">
+          <a:solidFill>
+            <a:schemeClr val="phClr"/>
+          </a:solidFill>
+          <a:prstDash val="solid"/>
+          <a:miter lim="800000"/>
+        </a:ln>
+      </a:lnStyleLst>
+      <a:effectStyleLst>
+        <a:effectStyle>
+          <a:effectLst/>
+        </a:effectStyle>
+        <a:effectStyle>
+          <a:effectLst/>
+        </a:effectStyle>
+        <a:effectStyle>
+          <a:effectLst>
+            <a:outerShdw blurRad="57150" dist="19050" dir="5400000" algn="ctr" rotWithShape="0">
+              <a:srgbClr val="000000">
+                <a:alpha val="63000"/>
+              </a:srgbClr>
+            </a:outerShdw>
+          </a:effectLst>
+        </a:effectStyle>
+      </a:effectStyleLst>
+      <a:bgFillStyleLst>
+        <a:solidFill>
+          <a:schemeClr val="phClr"/>
+        </a:solidFill>
+        <a:solidFill>
+          <a:schemeClr val="phClr">
+            <a:tint val="95000"/>
+            <a:satMod val="170000"/>
+          </a:schemeClr>
+        </a:solidFill>
+        <a:gradFill rotWithShape="1">
+          <a:gsLst>
+            <a:gs pos="0">
+              <a:schemeClr val="phClr">
+                <a:tint val="93000"/>
+                <a:satMod val="150000"/>
+                <a:shade val="98000"/>
+                <a:lumMod val="102000"/>
+              </a:schemeClr>
+            </a:gs>
+            <a:gs pos="50000">
+              <a:schemeClr val="phClr">
+                <a:tint val="98000"/>
+                <a:satMod val="130000"/>
+                <a:shade val="90000"/>
+                <a:lumMod val="103000"/>
+              </a:schemeClr>
+            </a:gs>
+            <a:gs pos="100000">
+              <a:schemeClr val="phClr">
+                <a:shade val="63000"/>
+                <a:satMod val="120000"/>
+              </a:schemeClr>
+            </a:gs>
+          </a:gsLst>
+          <a:lin ang="5400000" scaled="0"/>
+        </a:gradFill>
+      </a:bgFillStyleLst>
+    </a:fmtScheme>
+  </a:themeElements>
+  <a:objectDefaults/>
+  <a:extraClrSchemeLst/>
+  <a:extLst>
+    <a:ext uri="{05A4C25C-085E-4340-85A3-A5531E510DB2}">
+      <thm15:themeFamily xmlns:thm15="http://schemas.microsoft.com/office/thememl/2012/main" name="Office Theme" id="{62F939B6-93AF-4DB8-9C6B-D6C7DFDC589F}" vid="{4A3C46E8-61CC-4603-A589-7422A47A8E4A}"/>
+    </a:ext>
+  </a:extLst>
+</a:theme>
 </file>
--- a/julianlueken.pptx
+++ b/julianlueken.pptx
@@ -129,6 +129,9 @@
     <p:ext uri="{EFAFB233-063F-42B5-8137-9DF3F51BA10A}">
       <p15:sldGuideLst xmlns:p15="http://schemas.microsoft.com/office/powerpoint/2012/main"/>
     </p:ext>
+    <p:ext uri="{2D200454-40CA-4A62-9FC3-DE9A4176ACB9}">
+      <p15:notesGuideLst xmlns:p15="http://schemas.microsoft.com/office/powerpoint/2012/main"/>
+    </p:ext>
   </p:extLst>
 </p:presentation>
 </file>
@@ -215,7 +218,7 @@
           <a:p>
             <a:fld id="{0A1AF538-4333-4176-84F4-C9B876430CC2}" type="datetimeFigureOut">
               <a:rPr lang="en-US" smtClean="0"/>
-              <a:t>3/13/2023</a:t>
+              <a:t>3/14/2023</a:t>
             </a:fld>
             <a:endParaRPr lang="en-US"/>
           </a:p>
@@ -1162,7 +1165,24 @@
               <a:rPr lang="de-DE" baseline="0" smtClean="0"/>
               <a:t> to produce tiling of turbine stage</a:t>
             </a:r>
-            <a:endParaRPr lang="en-US"/>
+          </a:p>
+          <a:p>
+            <a:endParaRPr lang="de-DE" baseline="0" smtClean="0"/>
+          </a:p>
+          <a:p>
+            <a:r>
+              <a:rPr lang="de-DE" baseline="0" smtClean="0">
+                <a:solidFill>
+                  <a:srgbClr val="FF0000"/>
+                </a:solidFill>
+              </a:rPr>
+              <a:t>SHOW 3D PRINT!!!</a:t>
+            </a:r>
+            <a:endParaRPr lang="en-US">
+              <a:solidFill>
+                <a:srgbClr val="FF0000"/>
+              </a:solidFill>
+            </a:endParaRPr>
           </a:p>
         </p:txBody>
       </p:sp>
@@ -1534,7 +1554,7 @@
           <a:p>
             <a:fld id="{DA3F6A26-0A3E-4729-AA5F-90F33F5A220B}" type="datetimeFigureOut">
               <a:rPr lang="de-DE" smtClean="0"/>
-              <a:t>13.03.2023</a:t>
+              <a:t>14.03.2023</a:t>
             </a:fld>
             <a:endParaRPr lang="de-DE"/>
           </a:p>
@@ -1704,7 +1724,7 @@
           <a:p>
             <a:fld id="{DA3F6A26-0A3E-4729-AA5F-90F33F5A220B}" type="datetimeFigureOut">
               <a:rPr lang="de-DE" smtClean="0"/>
-              <a:t>13.03.2023</a:t>
+              <a:t>14.03.2023</a:t>
             </a:fld>
             <a:endParaRPr lang="de-DE"/>
           </a:p>
@@ -1884,7 +1904,7 @@
           <a:p>
             <a:fld id="{DA3F6A26-0A3E-4729-AA5F-90F33F5A220B}" type="datetimeFigureOut">
               <a:rPr lang="de-DE" smtClean="0"/>
-              <a:t>13.03.2023</a:t>
+              <a:t>14.03.2023</a:t>
             </a:fld>
             <a:endParaRPr lang="de-DE"/>
           </a:p>
@@ -2054,7 +2074,7 @@
           <a:p>
             <a:fld id="{DA3F6A26-0A3E-4729-AA5F-90F33F5A220B}" type="datetimeFigureOut">
               <a:rPr lang="de-DE" smtClean="0"/>
-              <a:t>13.03.2023</a:t>
+              <a:t>14.03.2023</a:t>
             </a:fld>
             <a:endParaRPr lang="de-DE"/>
           </a:p>
@@ -2300,7 +2320,7 @@
           <a:p>
             <a:fld id="{DA3F6A26-0A3E-4729-AA5F-90F33F5A220B}" type="datetimeFigureOut">
               <a:rPr lang="de-DE" smtClean="0"/>
-              <a:t>13.03.2023</a:t>
+              <a:t>14.03.2023</a:t>
             </a:fld>
             <a:endParaRPr lang="de-DE"/>
           </a:p>
@@ -2532,7 +2552,7 @@
           <a:p>
             <a:fld id="{DA3F6A26-0A3E-4729-AA5F-90F33F5A220B}" type="datetimeFigureOut">
               <a:rPr lang="de-DE" smtClean="0"/>
-              <a:t>13.03.2023</a:t>
+              <a:t>14.03.2023</a:t>
             </a:fld>
             <a:endParaRPr lang="de-DE"/>
           </a:p>
@@ -2899,7 +2919,7 @@
           <a:p>
             <a:fld id="{DA3F6A26-0A3E-4729-AA5F-90F33F5A220B}" type="datetimeFigureOut">
               <a:rPr lang="de-DE" smtClean="0"/>
-              <a:t>13.03.2023</a:t>
+              <a:t>14.03.2023</a:t>
             </a:fld>
             <a:endParaRPr lang="de-DE"/>
           </a:p>
@@ -3017,7 +3037,7 @@
           <a:p>
             <a:fld id="{DA3F6A26-0A3E-4729-AA5F-90F33F5A220B}" type="datetimeFigureOut">
               <a:rPr lang="de-DE" smtClean="0"/>
-              <a:t>13.03.2023</a:t>
+              <a:t>14.03.2023</a:t>
             </a:fld>
             <a:endParaRPr lang="de-DE"/>
           </a:p>
@@ -3112,7 +3132,7 @@
           <a:p>
             <a:fld id="{DA3F6A26-0A3E-4729-AA5F-90F33F5A220B}" type="datetimeFigureOut">
               <a:rPr lang="de-DE" smtClean="0"/>
-              <a:t>13.03.2023</a:t>
+              <a:t>14.03.2023</a:t>
             </a:fld>
             <a:endParaRPr lang="de-DE"/>
           </a:p>
@@ -3389,7 +3409,7 @@
           <a:p>
             <a:fld id="{DA3F6A26-0A3E-4729-AA5F-90F33F5A220B}" type="datetimeFigureOut">
               <a:rPr lang="de-DE" smtClean="0"/>
-              <a:t>13.03.2023</a:t>
+              <a:t>14.03.2023</a:t>
             </a:fld>
             <a:endParaRPr lang="de-DE"/>
           </a:p>
@@ -3646,7 +3666,7 @@
           <a:p>
             <a:fld id="{DA3F6A26-0A3E-4729-AA5F-90F33F5A220B}" type="datetimeFigureOut">
               <a:rPr lang="de-DE" smtClean="0"/>
-              <a:t>13.03.2023</a:t>
+              <a:t>14.03.2023</a:t>
             </a:fld>
             <a:endParaRPr lang="de-DE"/>
           </a:p>
@@ -3859,7 +3879,7 @@
           <a:p>
             <a:fld id="{DA3F6A26-0A3E-4729-AA5F-90F33F5A220B}" type="datetimeFigureOut">
               <a:rPr lang="de-DE" smtClean="0"/>
-              <a:t>13.03.2023</a:t>
+              <a:t>14.03.2023</a:t>
             </a:fld>
             <a:endParaRPr lang="de-DE"/>
           </a:p>
@@ -4341,14 +4361,14 @@
           <p:nvPr>
             <p:extLst>
               <p:ext uri="{D42A27DB-BD31-4B8C-83A1-F6EECF244321}">
-                <p14:modId xmlns:p14="http://schemas.microsoft.com/office/powerpoint/2010/main" val="1664826358"/>
+                <p14:modId xmlns:p14="http://schemas.microsoft.com/office/powerpoint/2010/main" val="1976086746"/>
               </p:ext>
             </p:extLst>
           </p:nvPr>
         </p:nvGraphicFramePr>
         <p:xfrm>
           <a:off x="4364388" y="3756757"/>
-          <a:ext cx="3618872" cy="782117"/>
+          <a:ext cx="3758208" cy="782117"/>
         </p:xfrm>
         <a:graphic>
           <a:graphicData uri="http://schemas.openxmlformats.org/drawingml/2006/table">
@@ -4357,14 +4377,14 @@
                 <a:tableStyleId>{5C22544A-7EE6-4342-B048-85BDC9FD1C3A}</a:tableStyleId>
               </a:tblPr>
               <a:tblGrid>
-                <a:gridCol w="457200">
+                <a:gridCol w="474803">
                   <a:extLst>
                     <a:ext uri="{9D8B030D-6E8A-4147-A177-3AD203B41FA5}">
                       <a16:colId xmlns:a16="http://schemas.microsoft.com/office/drawing/2014/main" val="1639610738"/>
                     </a:ext>
                   </a:extLst>
                 </a:gridCol>
-                <a:gridCol w="3161672">
+                <a:gridCol w="3283405">
                   <a:extLst>
                     <a:ext uri="{9D8B030D-6E8A-4147-A177-3AD203B41FA5}">
                       <a16:colId xmlns:a16="http://schemas.microsoft.com/office/drawing/2014/main" val="1076464760"/>
@@ -4404,7 +4424,15 @@
                             <a:schemeClr val="tx1"/>
                           </a:solidFill>
                         </a:rPr>
-                        <a:t>https://boolean-julian.github.io</a:t>
+                        <a:t>https://</a:t>
+                      </a:r>
+                      <a:r>
+                        <a:rPr lang="en-US" b="0" smtClean="0">
+                          <a:solidFill>
+                            <a:schemeClr val="tx1"/>
+                          </a:solidFill>
+                        </a:rPr>
+                        <a:t>boolean-julian.github.io/</a:t>
                       </a:r>
                       <a:endParaRPr lang="en-US" b="0">
                         <a:solidFill>
@@ -6394,13 +6422,7 @@
               <a:rPr lang="de-DE" sz="2400" b="1" smtClean="0">
                 <a:sym typeface="Wingdings" panose="05000000000000000000" pitchFamily="2" charset="2"/>
               </a:rPr>
-              <a:t> </a:t>
-            </a:r>
-            <a:r>
-              <a:rPr lang="de-DE" sz="2400" b="1" smtClean="0">
-                <a:sym typeface="Wingdings" panose="05000000000000000000" pitchFamily="2" charset="2"/>
-              </a:rPr>
-              <a:t>R</a:t>
+              <a:t> R</a:t>
             </a:r>
             <a:endParaRPr lang="de-DE" sz="2400" smtClean="0">
               <a:sym typeface="Wingdings" panose="05000000000000000000" pitchFamily="2" charset="2"/>
@@ -6825,13 +6847,7 @@
               <a:rPr lang="de-DE" smtClean="0">
                 <a:sym typeface="Wingdings" panose="05000000000000000000" pitchFamily="2" charset="2"/>
               </a:rPr>
-              <a:t>measurements  </a:t>
-            </a:r>
-            <a:r>
-              <a:rPr lang="de-DE" smtClean="0">
-                <a:sym typeface="Wingdings" panose="05000000000000000000" pitchFamily="2" charset="2"/>
-              </a:rPr>
-              <a:t>No uniqueness of solution</a:t>
+              <a:t>measurements  No uniqueness of solution</a:t>
             </a:r>
           </a:p>
           <a:p>
@@ -6851,9 +6867,6 @@
               </a:rPr>
               <a:t>...</a:t>
             </a:r>
-            <a:endParaRPr lang="de-DE" smtClean="0">
-              <a:sym typeface="Wingdings" panose="05000000000000000000" pitchFamily="2" charset="2"/>
-            </a:endParaRPr>
           </a:p>
           <a:p>
             <a:r>
@@ -6947,11 +6960,11 @@
   <p:clrMapOvr>
     <a:masterClrMapping/>
   </p:clrMapOvr>
-  <mc:AlternateContent xmlns:mc="http://schemas.openxmlformats.org/markup-compatibility/2006">
-    <mc:Choice xmlns:p14="http://schemas.microsoft.com/office/powerpoint/2010/main" Requires="p14">
+  <mc:AlternateContent xmlns:mc="http://schemas.openxmlformats.org/markup-compatibility/2006" xmlns:p14="http://schemas.microsoft.com/office/powerpoint/2010/main">
+    <mc:Choice Requires="p14">
       <p:transition spd="slow" p14:dur="2000"/>
     </mc:Choice>
-    <mc:Fallback>
+    <mc:Fallback xmlns="">
       <p:transition spd="slow"/>
     </mc:Fallback>
   </mc:AlternateContent>
@@ -7506,15 +7519,7 @@
           <a:p>
             <a:r>
               <a:rPr lang="en-US" smtClean="0"/>
-              <a:t>B. Sc. and M</a:t>
-            </a:r>
-            <a:r>
-              <a:rPr lang="en-US" smtClean="0"/>
-              <a:t>. Sc. </a:t>
-            </a:r>
-            <a:r>
-              <a:rPr lang="en-US" smtClean="0"/>
-              <a:t>in </a:t>
+              <a:t>B. Sc. and M. Sc. in </a:t>
             </a:r>
             <a:r>
               <a:rPr lang="en-US" b="1" smtClean="0"/>
@@ -7549,13 +7554,8 @@
             </a:r>
             <a:r>
               <a:rPr lang="en-US" b="1" smtClean="0"/>
-              <a:t>Digital Signal </a:t>
-            </a:r>
-            <a:r>
-              <a:rPr lang="en-US" b="1" smtClean="0"/>
-              <a:t>Processing</a:t>
-            </a:r>
-            <a:endParaRPr lang="en-US" b="1" smtClean="0"/>
+              <a:t>Digital Signal Processing</a:t>
+            </a:r>
           </a:p>
           <a:p>
             <a:r>
@@ -7576,11 +7576,7 @@
             </a:r>
             <a:r>
               <a:rPr lang="en-US" smtClean="0"/>
-              <a:t>, </a:t>
-            </a:r>
-            <a:r>
-              <a:rPr lang="en-US" smtClean="0"/>
-              <a:t>especially </a:t>
+              <a:t>, especially </a:t>
             </a:r>
             <a:r>
               <a:rPr lang="en-US" b="1" smtClean="0"/>
@@ -8485,11 +8481,7 @@
           <a:p>
             <a:r>
               <a:rPr lang="de-DE" smtClean="0"/>
-              <a:t>Problem 1: </a:t>
-            </a:r>
-            <a:r>
-              <a:rPr lang="de-DE" smtClean="0"/>
-              <a:t>Aviation </a:t>
+              <a:t>Problem 1: Aviation </a:t>
             </a:r>
             <a:r>
               <a:rPr lang="de-DE" err="1" smtClean="0"/>
@@ -8547,30 +8539,14 @@
             </a:r>
             <a:r>
               <a:rPr lang="de-DE" smtClean="0"/>
-              <a:t>with</a:t>
-            </a:r>
-            <a:r>
-              <a:rPr lang="de-DE" smtClean="0"/>
-              <a:t> </a:t>
-            </a:r>
-            <a:r>
-              <a:rPr lang="de-DE" smtClean="0"/>
-              <a:t/>
+              <a:t>with </a:t>
             </a:r>
             <a:br>
               <a:rPr lang="de-DE" smtClean="0"/>
             </a:br>
             <a:r>
               <a:rPr lang="de-DE" smtClean="0"/>
-              <a:t>conventional </a:t>
-            </a:r>
-            <a:r>
-              <a:rPr lang="de-DE" smtClean="0"/>
-              <a:t>CAD </a:t>
-            </a:r>
-            <a:r>
-              <a:rPr lang="de-DE" smtClean="0"/>
-              <a:t>tools</a:t>
+              <a:t>conventional CAD tools</a:t>
             </a:r>
           </a:p>
           <a:p>
@@ -8594,19 +8570,11 @@
             </a:r>
             <a:r>
               <a:rPr lang="de-DE" b="1" smtClean="0"/>
-              <a:t> </a:t>
-            </a:r>
-            <a:r>
-              <a:rPr lang="de-DE" b="1" smtClean="0"/>
-              <a:t>modify </a:t>
-            </a:r>
-            <a:r>
-              <a:rPr lang="de-DE" smtClean="0"/>
-              <a:t>o</a:t>
-            </a:r>
-            <a:r>
-              <a:rPr lang="de-DE" smtClean="0"/>
-              <a:t>nce </a:t>
+              <a:t> modify </a:t>
+            </a:r>
+            <a:r>
+              <a:rPr lang="de-DE" smtClean="0"/>
+              <a:t>once </a:t>
             </a:r>
             <a:r>
               <a:rPr lang="de-DE"/>
@@ -8661,11 +8629,7 @@
             </a:r>
             <a:r>
               <a:rPr lang="de-DE" smtClean="0"/>
-              <a:t> </a:t>
-            </a:r>
-            <a:r>
-              <a:rPr lang="de-DE" smtClean="0"/>
-              <a:t>its‘ </a:t>
+              <a:t> its‘ </a:t>
             </a:r>
             <a:r>
               <a:rPr lang="de-DE" b="1" err="1" smtClean="0"/>
@@ -8693,11 +8657,7 @@
             </a:r>
             <a:r>
               <a:rPr lang="de-DE" b="1" smtClean="0"/>
-              <a:t>simple </a:t>
-            </a:r>
-            <a:r>
-              <a:rPr lang="de-DE" b="1" smtClean="0"/>
-              <a:t>parametric representations</a:t>
+              <a:t>simple parametric representations</a:t>
             </a:r>
             <a:endParaRPr lang="de-DE"/>
           </a:p>
@@ -8879,15 +8839,7 @@
             <a:pPr algn="ctr"/>
             <a:r>
               <a:rPr lang="de-DE" smtClean="0"/>
-              <a:t>Basic 2D </a:t>
-            </a:r>
-            <a:r>
-              <a:rPr lang="de-DE" smtClean="0"/>
-              <a:t>curves</a:t>
-            </a:r>
-            <a:r>
-              <a:rPr lang="de-DE" smtClean="0"/>
-              <a:t>, </a:t>
+              <a:t>Basic 2D curves, </a:t>
             </a:r>
             <a:r>
               <a:rPr lang="de-DE"/>
@@ -8903,11 +8855,7 @@
             </a:r>
             <a:r>
               <a:rPr lang="de-DE" smtClean="0"/>
-              <a:t> </a:t>
-            </a:r>
-            <a:r>
-              <a:rPr lang="de-DE" smtClean="0"/>
-              <a:t>case:</a:t>
+              <a:t> case:</a:t>
             </a:r>
           </a:p>
           <a:p>
